--- a/docs/Presentations/SRSPresentation/SRSPresentation.pptx
+++ b/docs/Presentations/SRSPresentation/SRSPresentation.pptx
@@ -1,15 +1,21 @@
 
 <file path=ppt/presentation.xml><?xml version="1.0" encoding="utf-8"?>
-<p:presentation xmlns:a="http://schemas.openxmlformats.org/drawingml/2006/main" xmlns:r="http://schemas.openxmlformats.org/officeDocument/2006/relationships" xmlns:p="http://schemas.openxmlformats.org/presentationml/2006/main" saveSubsetFonts="1">
+<p:presentation xmlns:a="http://schemas.openxmlformats.org/drawingml/2006/main" xmlns:r="http://schemas.openxmlformats.org/officeDocument/2006/relationships" xmlns:p="http://schemas.openxmlformats.org/presentationml/2006/main" showSpecialPlsOnTitleSld="0" saveSubsetFonts="1">
   <p:sldMasterIdLst>
     <p:sldMasterId id="2147483788" r:id="rId1"/>
   </p:sldMasterIdLst>
+  <p:notesMasterIdLst>
+    <p:notesMasterId r:id="rId10"/>
+  </p:notesMasterIdLst>
   <p:sldIdLst>
     <p:sldId id="256" r:id="rId2"/>
-    <p:sldId id="257" r:id="rId3"/>
-    <p:sldId id="260" r:id="rId4"/>
+    <p:sldId id="261" r:id="rId3"/>
+    <p:sldId id="257" r:id="rId4"/>
     <p:sldId id="258" r:id="rId5"/>
-    <p:sldId id="259" r:id="rId6"/>
+    <p:sldId id="262" r:id="rId6"/>
+    <p:sldId id="263" r:id="rId7"/>
+    <p:sldId id="260" r:id="rId8"/>
+    <p:sldId id="259" r:id="rId9"/>
   </p:sldIdLst>
   <p:sldSz cx="12192000" cy="6858000"/>
   <p:notesSz cx="6858000" cy="9144000"/>
@@ -108,15 +114,28 @@
       </a:defRPr>
     </a:lvl9pPr>
   </p:defaultTextStyle>
+  <p:extLst>
+    <p:ext uri="{EFAFB233-063F-42B5-8137-9DF3F51BA10A}">
+      <p15:sldGuideLst xmlns:p15="http://schemas.microsoft.com/office/powerpoint/2012/main"/>
+    </p:ext>
+  </p:extLst>
 </p:presentation>
+</file>
+
+<file path=ppt/revisionInfo.xml><?xml version="1.0" encoding="utf-8"?>
+<p1510:revInfo xmlns:a="http://schemas.openxmlformats.org/drawingml/2006/main" xmlns:r="http://schemas.openxmlformats.org/officeDocument/2006/relationships" xmlns:p1510="http://schemas.microsoft.com/office/powerpoint/2015/10/main">
+  <p1510:revLst>
+    <p1510:client id="{ACCD79ED-BFAE-4857-8FB5-603E641725DE}" v="40" dt="2024-01-23T23:23:13.581"/>
+  </p1510:revLst>
+</p1510:revInfo>
 </file>
 
 <file path=ppt/changesInfos/changesInfo1.xml><?xml version="1.0" encoding="utf-8"?>
 <pc:chgInfo xmlns:a="http://schemas.openxmlformats.org/drawingml/2006/main" xmlns:r="http://schemas.openxmlformats.org/officeDocument/2006/relationships" xmlns:ac="http://schemas.microsoft.com/office/drawing/2013/main/command" xmlns:pc="http://schemas.microsoft.com/office/powerpoint/2013/main/command">
   <pc:docChgLst>
     <pc:chgData name="Hunter Ceranic" userId="55b8025d37c61089" providerId="LiveId" clId="{ACCD79ED-BFAE-4857-8FB5-603E641725DE}"/>
-    <pc:docChg chg="undo custSel addSld delSld modSld addMainMaster delMainMaster">
-      <pc:chgData name="Hunter Ceranic" userId="55b8025d37c61089" providerId="LiveId" clId="{ACCD79ED-BFAE-4857-8FB5-603E641725DE}" dt="2024-01-23T20:14:27.702" v="252" actId="20577"/>
+    <pc:docChg chg="undo redo custSel addSld delSld modSld sldOrd addMainMaster delMainMaster">
+      <pc:chgData name="Hunter Ceranic" userId="55b8025d37c61089" providerId="LiveId" clId="{ACCD79ED-BFAE-4857-8FB5-603E641725DE}" dt="2024-01-23T23:29:04.464" v="2173" actId="20577"/>
       <pc:docMkLst>
         <pc:docMk/>
       </pc:docMkLst>
@@ -247,45 +266,229 @@
           </ac:picMkLst>
         </pc:picChg>
       </pc:sldChg>
-      <pc:sldChg chg="modSp new mod">
-        <pc:chgData name="Hunter Ceranic" userId="55b8025d37c61089" providerId="LiveId" clId="{ACCD79ED-BFAE-4857-8FB5-603E641725DE}" dt="2024-01-23T20:13:37.093" v="241" actId="20577"/>
+      <pc:sldChg chg="addSp modSp new mod setBg">
+        <pc:chgData name="Hunter Ceranic" userId="55b8025d37c61089" providerId="LiveId" clId="{ACCD79ED-BFAE-4857-8FB5-603E641725DE}" dt="2024-01-23T23:28:31.483" v="2161" actId="20577"/>
         <pc:sldMkLst>
           <pc:docMk/>
           <pc:sldMk cId="427290740" sldId="257"/>
         </pc:sldMkLst>
         <pc:spChg chg="mod">
-          <ac:chgData name="Hunter Ceranic" userId="55b8025d37c61089" providerId="LiveId" clId="{ACCD79ED-BFAE-4857-8FB5-603E641725DE}" dt="2024-01-23T20:13:37.093" v="241" actId="20577"/>
+          <ac:chgData name="Hunter Ceranic" userId="55b8025d37c61089" providerId="LiveId" clId="{ACCD79ED-BFAE-4857-8FB5-603E641725DE}" dt="2024-01-23T22:22:47.238" v="1695" actId="26606"/>
           <ac:spMkLst>
             <pc:docMk/>
             <pc:sldMk cId="427290740" sldId="257"/>
             <ac:spMk id="2" creationId="{7D2F6F69-BD97-22EF-CF32-EB1A205B215C}"/>
           </ac:spMkLst>
         </pc:spChg>
+        <pc:spChg chg="mod">
+          <ac:chgData name="Hunter Ceranic" userId="55b8025d37c61089" providerId="LiveId" clId="{ACCD79ED-BFAE-4857-8FB5-603E641725DE}" dt="2024-01-23T22:53:23.317" v="1943" actId="20577"/>
+          <ac:spMkLst>
+            <pc:docMk/>
+            <pc:sldMk cId="427290740" sldId="257"/>
+            <ac:spMk id="3" creationId="{1AEB8B50-8C85-0729-64B2-671AE19C2815}"/>
+          </ac:spMkLst>
+        </pc:spChg>
+        <pc:spChg chg="mod">
+          <ac:chgData name="Hunter Ceranic" userId="55b8025d37c61089" providerId="LiveId" clId="{ACCD79ED-BFAE-4857-8FB5-603E641725DE}" dt="2024-01-23T23:28:31.483" v="2161" actId="20577"/>
+          <ac:spMkLst>
+            <pc:docMk/>
+            <pc:sldMk cId="427290740" sldId="257"/>
+            <ac:spMk id="4" creationId="{3F70354C-224E-1AAB-3BB6-4F2536217202}"/>
+          </ac:spMkLst>
+        </pc:spChg>
+        <pc:spChg chg="add">
+          <ac:chgData name="Hunter Ceranic" userId="55b8025d37c61089" providerId="LiveId" clId="{ACCD79ED-BFAE-4857-8FB5-603E641725DE}" dt="2024-01-23T22:22:47.238" v="1695" actId="26606"/>
+          <ac:spMkLst>
+            <pc:docMk/>
+            <pc:sldMk cId="427290740" sldId="257"/>
+            <ac:spMk id="10" creationId="{1CD81A2A-6ED4-4EF4-A14C-912D31E14800}"/>
+          </ac:spMkLst>
+        </pc:spChg>
+        <pc:spChg chg="add">
+          <ac:chgData name="Hunter Ceranic" userId="55b8025d37c61089" providerId="LiveId" clId="{ACCD79ED-BFAE-4857-8FB5-603E641725DE}" dt="2024-01-23T22:22:47.238" v="1695" actId="26606"/>
+          <ac:spMkLst>
+            <pc:docMk/>
+            <pc:sldMk cId="427290740" sldId="257"/>
+            <ac:spMk id="12" creationId="{1661932C-CA15-4E17-B115-FAE7CBEE4789}"/>
+          </ac:spMkLst>
+        </pc:spChg>
+        <pc:spChg chg="add">
+          <ac:chgData name="Hunter Ceranic" userId="55b8025d37c61089" providerId="LiveId" clId="{ACCD79ED-BFAE-4857-8FB5-603E641725DE}" dt="2024-01-23T22:22:47.238" v="1695" actId="26606"/>
+          <ac:spMkLst>
+            <pc:docMk/>
+            <pc:sldMk cId="427290740" sldId="257"/>
+            <ac:spMk id="14" creationId="{8590ADD5-9383-4D3D-9047-3DA2593CCB5D}"/>
+          </ac:spMkLst>
+        </pc:spChg>
+        <pc:spChg chg="add">
+          <ac:chgData name="Hunter Ceranic" userId="55b8025d37c61089" providerId="LiveId" clId="{ACCD79ED-BFAE-4857-8FB5-603E641725DE}" dt="2024-01-23T22:22:47.238" v="1695" actId="26606"/>
+          <ac:spMkLst>
+            <pc:docMk/>
+            <pc:sldMk cId="427290740" sldId="257"/>
+            <ac:spMk id="16" creationId="{DABE3E45-88CF-45D8-8D40-C773324D93F6}"/>
+          </ac:spMkLst>
+        </pc:spChg>
+        <pc:spChg chg="add">
+          <ac:chgData name="Hunter Ceranic" userId="55b8025d37c61089" providerId="LiveId" clId="{ACCD79ED-BFAE-4857-8FB5-603E641725DE}" dt="2024-01-23T22:22:47.238" v="1695" actId="26606"/>
+          <ac:spMkLst>
+            <pc:docMk/>
+            <pc:sldMk cId="427290740" sldId="257"/>
+            <ac:spMk id="20" creationId="{B91ECDA9-56DC-4270-8F33-01C5637B8CEB}"/>
+          </ac:spMkLst>
+        </pc:spChg>
+        <pc:spChg chg="add">
+          <ac:chgData name="Hunter Ceranic" userId="55b8025d37c61089" providerId="LiveId" clId="{ACCD79ED-BFAE-4857-8FB5-603E641725DE}" dt="2024-01-23T22:22:47.238" v="1695" actId="26606"/>
+          <ac:spMkLst>
+            <pc:docMk/>
+            <pc:sldMk cId="427290740" sldId="257"/>
+            <ac:spMk id="22" creationId="{75F47824-961D-465D-84F9-EAE11BC6173B}"/>
+          </ac:spMkLst>
+        </pc:spChg>
+        <pc:spChg chg="add">
+          <ac:chgData name="Hunter Ceranic" userId="55b8025d37c61089" providerId="LiveId" clId="{ACCD79ED-BFAE-4857-8FB5-603E641725DE}" dt="2024-01-23T22:22:47.238" v="1695" actId="26606"/>
+          <ac:spMkLst>
+            <pc:docMk/>
+            <pc:sldMk cId="427290740" sldId="257"/>
+            <ac:spMk id="24" creationId="{FEC9DA3E-C1D7-472D-B7C0-F71AE41FBA23}"/>
+          </ac:spMkLst>
+        </pc:spChg>
+        <pc:picChg chg="add">
+          <ac:chgData name="Hunter Ceranic" userId="55b8025d37c61089" providerId="LiveId" clId="{ACCD79ED-BFAE-4857-8FB5-603E641725DE}" dt="2024-01-23T22:22:47.238" v="1695" actId="26606"/>
+          <ac:picMkLst>
+            <pc:docMk/>
+            <pc:sldMk cId="427290740" sldId="257"/>
+            <ac:picMk id="7" creationId="{947BE24C-2029-BD0A-C300-37A124369839}"/>
+          </ac:picMkLst>
+        </pc:picChg>
+        <pc:cxnChg chg="add">
+          <ac:chgData name="Hunter Ceranic" userId="55b8025d37c61089" providerId="LiveId" clId="{ACCD79ED-BFAE-4857-8FB5-603E641725DE}" dt="2024-01-23T22:22:47.238" v="1695" actId="26606"/>
+          <ac:cxnSpMkLst>
+            <pc:docMk/>
+            <pc:sldMk cId="427290740" sldId="257"/>
+            <ac:cxnSpMk id="18" creationId="{49CD1692-827B-4C8D-B4A1-134FD04CF45C}"/>
+          </ac:cxnSpMkLst>
+        </pc:cxnChg>
       </pc:sldChg>
-      <pc:sldChg chg="modSp new mod">
-        <pc:chgData name="Hunter Ceranic" userId="55b8025d37c61089" providerId="LiveId" clId="{ACCD79ED-BFAE-4857-8FB5-603E641725DE}" dt="2024-01-23T20:14:27.702" v="252" actId="20577"/>
+      <pc:sldChg chg="addSp delSp modSp new mod setBg">
+        <pc:chgData name="Hunter Ceranic" userId="55b8025d37c61089" providerId="LiveId" clId="{ACCD79ED-BFAE-4857-8FB5-603E641725DE}" dt="2024-01-23T23:28:41.656" v="2165" actId="20577"/>
         <pc:sldMkLst>
           <pc:docMk/>
           <pc:sldMk cId="356722889" sldId="258"/>
         </pc:sldMkLst>
         <pc:spChg chg="mod">
-          <ac:chgData name="Hunter Ceranic" userId="55b8025d37c61089" providerId="LiveId" clId="{ACCD79ED-BFAE-4857-8FB5-603E641725DE}" dt="2024-01-23T20:14:27.702" v="252" actId="20577"/>
+          <ac:chgData name="Hunter Ceranic" userId="55b8025d37c61089" providerId="LiveId" clId="{ACCD79ED-BFAE-4857-8FB5-603E641725DE}" dt="2024-01-23T22:43:53.487" v="1902" actId="26606"/>
           <ac:spMkLst>
             <pc:docMk/>
             <pc:sldMk cId="356722889" sldId="258"/>
             <ac:spMk id="2" creationId="{99A0820E-216D-F7CC-0905-014594A9C1A4}"/>
           </ac:spMkLst>
         </pc:spChg>
+        <pc:spChg chg="del">
+          <ac:chgData name="Hunter Ceranic" userId="55b8025d37c61089" providerId="LiveId" clId="{ACCD79ED-BFAE-4857-8FB5-603E641725DE}" dt="2024-01-23T22:29:58.817" v="1698" actId="478"/>
+          <ac:spMkLst>
+            <pc:docMk/>
+            <pc:sldMk cId="356722889" sldId="258"/>
+            <ac:spMk id="3" creationId="{31EE65BB-7C1C-EBF3-F280-88F1218E736F}"/>
+          </ac:spMkLst>
+        </pc:spChg>
+        <pc:spChg chg="add mod ord">
+          <ac:chgData name="Hunter Ceranic" userId="55b8025d37c61089" providerId="LiveId" clId="{ACCD79ED-BFAE-4857-8FB5-603E641725DE}" dt="2024-01-23T22:57:37.871" v="1990" actId="20577"/>
+          <ac:spMkLst>
+            <pc:docMk/>
+            <pc:sldMk cId="356722889" sldId="258"/>
+            <ac:spMk id="6" creationId="{CC7BCCCB-9907-FF0C-EEAB-CDCE4653FE88}"/>
+          </ac:spMkLst>
+        </pc:spChg>
+        <pc:spChg chg="del">
+          <ac:chgData name="Hunter Ceranic" userId="55b8025d37c61089" providerId="LiveId" clId="{ACCD79ED-BFAE-4857-8FB5-603E641725DE}" dt="2024-01-23T23:02:20.668" v="2052" actId="478"/>
+          <ac:spMkLst>
+            <pc:docMk/>
+            <pc:sldMk cId="356722889" sldId="258"/>
+            <ac:spMk id="12" creationId="{AA925B2B-F9CC-0BD8-52DC-A938C32C6863}"/>
+          </ac:spMkLst>
+        </pc:spChg>
+        <pc:spChg chg="add mod">
+          <ac:chgData name="Hunter Ceranic" userId="55b8025d37c61089" providerId="LiveId" clId="{ACCD79ED-BFAE-4857-8FB5-603E641725DE}" dt="2024-01-23T23:28:41.656" v="2165" actId="20577"/>
+          <ac:spMkLst>
+            <pc:docMk/>
+            <pc:sldMk cId="356722889" sldId="258"/>
+            <ac:spMk id="13" creationId="{B0F0E84C-F4C8-FB93-DEDB-FBAC071B797F}"/>
+          </ac:spMkLst>
+        </pc:spChg>
+        <pc:spChg chg="add">
+          <ac:chgData name="Hunter Ceranic" userId="55b8025d37c61089" providerId="LiveId" clId="{ACCD79ED-BFAE-4857-8FB5-603E641725DE}" dt="2024-01-23T22:43:53.487" v="1902" actId="26606"/>
+          <ac:spMkLst>
+            <pc:docMk/>
+            <pc:sldMk cId="356722889" sldId="258"/>
+            <ac:spMk id="16" creationId="{72D05657-94EE-4B2D-BC1B-A1D065063658}"/>
+          </ac:spMkLst>
+        </pc:spChg>
+        <pc:spChg chg="add">
+          <ac:chgData name="Hunter Ceranic" userId="55b8025d37c61089" providerId="LiveId" clId="{ACCD79ED-BFAE-4857-8FB5-603E641725DE}" dt="2024-01-23T22:43:53.487" v="1902" actId="26606"/>
+          <ac:spMkLst>
+            <pc:docMk/>
+            <pc:sldMk cId="356722889" sldId="258"/>
+            <ac:spMk id="18" creationId="{7586665A-47B3-4AEE-BC94-15D89FF706B3}"/>
+          </ac:spMkLst>
+        </pc:spChg>
+        <pc:picChg chg="add mod">
+          <ac:chgData name="Hunter Ceranic" userId="55b8025d37c61089" providerId="LiveId" clId="{ACCD79ED-BFAE-4857-8FB5-603E641725DE}" dt="2024-01-23T22:43:53.487" v="1902" actId="26606"/>
+          <ac:picMkLst>
+            <pc:docMk/>
+            <pc:sldMk cId="356722889" sldId="258"/>
+            <ac:picMk id="5" creationId="{CFFC0296-F13E-167E-0F33-27320DF18354}"/>
+          </ac:picMkLst>
+        </pc:picChg>
+        <pc:picChg chg="add mod">
+          <ac:chgData name="Hunter Ceranic" userId="55b8025d37c61089" providerId="LiveId" clId="{ACCD79ED-BFAE-4857-8FB5-603E641725DE}" dt="2024-01-23T22:43:53.487" v="1902" actId="26606"/>
+          <ac:picMkLst>
+            <pc:docMk/>
+            <pc:sldMk cId="356722889" sldId="258"/>
+            <ac:picMk id="11" creationId="{A82ADC44-FE62-0E4F-B61B-636F51C8ACE8}"/>
+          </ac:picMkLst>
+        </pc:picChg>
+        <pc:picChg chg="add del">
+          <ac:chgData name="Hunter Ceranic" userId="55b8025d37c61089" providerId="LiveId" clId="{ACCD79ED-BFAE-4857-8FB5-603E641725DE}" dt="2024-01-23T23:16:40.377" v="2092" actId="22"/>
+          <ac:picMkLst>
+            <pc:docMk/>
+            <pc:sldMk cId="356722889" sldId="258"/>
+            <ac:picMk id="15" creationId="{3C704A7D-35B0-ECA8-5701-D86001ABB30B}"/>
+          </ac:picMkLst>
+        </pc:picChg>
+        <pc:cxnChg chg="add del mod">
+          <ac:chgData name="Hunter Ceranic" userId="55b8025d37c61089" providerId="LiveId" clId="{ACCD79ED-BFAE-4857-8FB5-603E641725DE}" dt="2024-01-23T22:40:28.749" v="1839" actId="478"/>
+          <ac:cxnSpMkLst>
+            <pc:docMk/>
+            <pc:sldMk cId="356722889" sldId="258"/>
+            <ac:cxnSpMk id="8" creationId="{909E5A23-8745-0CF1-739D-B13D8849A089}"/>
+          </ac:cxnSpMkLst>
+        </pc:cxnChg>
       </pc:sldChg>
-      <pc:sldChg chg="new">
-        <pc:chgData name="Hunter Ceranic" userId="55b8025d37c61089" providerId="LiveId" clId="{ACCD79ED-BFAE-4857-8FB5-603E641725DE}" dt="2024-01-23T20:12:24.960" v="190" actId="680"/>
+      <pc:sldChg chg="addSp delSp modSp new mod">
+        <pc:chgData name="Hunter Ceranic" userId="55b8025d37c61089" providerId="LiveId" clId="{ACCD79ED-BFAE-4857-8FB5-603E641725DE}" dt="2024-01-23T23:29:04.464" v="2173" actId="20577"/>
         <pc:sldMkLst>
           <pc:docMk/>
           <pc:sldMk cId="1952224994" sldId="259"/>
         </pc:sldMkLst>
+        <pc:spChg chg="del">
+          <ac:chgData name="Hunter Ceranic" userId="55b8025d37c61089" providerId="LiveId" clId="{ACCD79ED-BFAE-4857-8FB5-603E641725DE}" dt="2024-01-23T23:02:42.323" v="2058" actId="478"/>
+          <ac:spMkLst>
+            <pc:docMk/>
+            <pc:sldMk cId="1952224994" sldId="259"/>
+            <ac:spMk id="4" creationId="{96256866-0A8D-DA42-89E0-22339441C794}"/>
+          </ac:spMkLst>
+        </pc:spChg>
+        <pc:spChg chg="add mod">
+          <ac:chgData name="Hunter Ceranic" userId="55b8025d37c61089" providerId="LiveId" clId="{ACCD79ED-BFAE-4857-8FB5-603E641725DE}" dt="2024-01-23T23:29:04.464" v="2173" actId="20577"/>
+          <ac:spMkLst>
+            <pc:docMk/>
+            <pc:sldMk cId="1952224994" sldId="259"/>
+            <ac:spMk id="5" creationId="{23624874-B696-09C2-F784-44BA41FC2861}"/>
+          </ac:spMkLst>
+        </pc:spChg>
       </pc:sldChg>
-      <pc:sldChg chg="modSp new mod">
-        <pc:chgData name="Hunter Ceranic" userId="55b8025d37c61089" providerId="LiveId" clId="{ACCD79ED-BFAE-4857-8FB5-603E641725DE}" dt="2024-01-23T20:13:13.509" v="202" actId="20577"/>
+      <pc:sldChg chg="addSp delSp modSp new mod ord">
+        <pc:chgData name="Hunter Ceranic" userId="55b8025d37c61089" providerId="LiveId" clId="{ACCD79ED-BFAE-4857-8FB5-603E641725DE}" dt="2024-01-23T23:28:59.502" v="2171" actId="20577"/>
         <pc:sldMkLst>
           <pc:docMk/>
           <pc:sldMk cId="3488984038" sldId="260"/>
@@ -298,6 +501,181 @@
             <ac:spMk id="2" creationId="{3C732381-BFC2-6F3F-058A-7EAD61E5590C}"/>
           </ac:spMkLst>
         </pc:spChg>
+        <pc:spChg chg="del">
+          <ac:chgData name="Hunter Ceranic" userId="55b8025d37c61089" providerId="LiveId" clId="{ACCD79ED-BFAE-4857-8FB5-603E641725DE}" dt="2024-01-23T23:02:34.360" v="2056" actId="478"/>
+          <ac:spMkLst>
+            <pc:docMk/>
+            <pc:sldMk cId="3488984038" sldId="260"/>
+            <ac:spMk id="4" creationId="{2D85AB7E-DCC5-3DE3-15C2-FA318DBE4726}"/>
+          </ac:spMkLst>
+        </pc:spChg>
+        <pc:spChg chg="add mod">
+          <ac:chgData name="Hunter Ceranic" userId="55b8025d37c61089" providerId="LiveId" clId="{ACCD79ED-BFAE-4857-8FB5-603E641725DE}" dt="2024-01-23T23:28:59.502" v="2171" actId="20577"/>
+          <ac:spMkLst>
+            <pc:docMk/>
+            <pc:sldMk cId="3488984038" sldId="260"/>
+            <ac:spMk id="5" creationId="{1EF2BD1D-C346-969D-0000-25EBA3216018}"/>
+          </ac:spMkLst>
+        </pc:spChg>
+      </pc:sldChg>
+      <pc:sldChg chg="addSp delSp modSp new mod setBg">
+        <pc:chgData name="Hunter Ceranic" userId="55b8025d37c61089" providerId="LiveId" clId="{ACCD79ED-BFAE-4857-8FB5-603E641725DE}" dt="2024-01-23T23:28:36.785" v="2163" actId="20577"/>
+        <pc:sldMkLst>
+          <pc:docMk/>
+          <pc:sldMk cId="464311981" sldId="261"/>
+        </pc:sldMkLst>
+        <pc:spChg chg="mod">
+          <ac:chgData name="Hunter Ceranic" userId="55b8025d37c61089" providerId="LiveId" clId="{ACCD79ED-BFAE-4857-8FB5-603E641725DE}" dt="2024-01-23T21:46:29.427" v="694" actId="26606"/>
+          <ac:spMkLst>
+            <pc:docMk/>
+            <pc:sldMk cId="464311981" sldId="261"/>
+            <ac:spMk id="2" creationId="{5759A1AE-C6A2-3A06-2293-B3DF84DACCF5}"/>
+          </ac:spMkLst>
+        </pc:spChg>
+        <pc:spChg chg="mod">
+          <ac:chgData name="Hunter Ceranic" userId="55b8025d37c61089" providerId="LiveId" clId="{ACCD79ED-BFAE-4857-8FB5-603E641725DE}" dt="2024-01-23T21:46:29.427" v="694" actId="26606"/>
+          <ac:spMkLst>
+            <pc:docMk/>
+            <pc:sldMk cId="464311981" sldId="261"/>
+            <ac:spMk id="3" creationId="{695A74DB-2858-C407-697B-48AD50FE8872}"/>
+          </ac:spMkLst>
+        </pc:spChg>
+        <pc:spChg chg="del mod">
+          <ac:chgData name="Hunter Ceranic" userId="55b8025d37c61089" providerId="LiveId" clId="{ACCD79ED-BFAE-4857-8FB5-603E641725DE}" dt="2024-01-23T23:01:52.491" v="2049" actId="478"/>
+          <ac:spMkLst>
+            <pc:docMk/>
+            <pc:sldMk cId="464311981" sldId="261"/>
+            <ac:spMk id="4" creationId="{D30DDECE-581C-CDF6-B274-8DC06F6492D4}"/>
+          </ac:spMkLst>
+        </pc:spChg>
+        <pc:spChg chg="add del mod">
+          <ac:chgData name="Hunter Ceranic" userId="55b8025d37c61089" providerId="LiveId" clId="{ACCD79ED-BFAE-4857-8FB5-603E641725DE}" dt="2024-01-23T23:28:36.785" v="2163" actId="20577"/>
+          <ac:spMkLst>
+            <pc:docMk/>
+            <pc:sldMk cId="464311981" sldId="261"/>
+            <ac:spMk id="5" creationId="{2CDDB1A3-6053-6F50-7B03-6D5A338CD42D}"/>
+          </ac:spMkLst>
+        </pc:spChg>
+        <pc:spChg chg="add">
+          <ac:chgData name="Hunter Ceranic" userId="55b8025d37c61089" providerId="LiveId" clId="{ACCD79ED-BFAE-4857-8FB5-603E641725DE}" dt="2024-01-23T21:46:29.427" v="694" actId="26606"/>
+          <ac:spMkLst>
+            <pc:docMk/>
+            <pc:sldMk cId="464311981" sldId="261"/>
+            <ac:spMk id="1028" creationId="{4AC6B390-BC59-4F1D-A0EE-D71A92F0A0B2}"/>
+          </ac:spMkLst>
+        </pc:spChg>
+        <pc:spChg chg="add">
+          <ac:chgData name="Hunter Ceranic" userId="55b8025d37c61089" providerId="LiveId" clId="{ACCD79ED-BFAE-4857-8FB5-603E641725DE}" dt="2024-01-23T21:46:29.427" v="694" actId="26606"/>
+          <ac:spMkLst>
+            <pc:docMk/>
+            <pc:sldMk cId="464311981" sldId="261"/>
+            <ac:spMk id="1029" creationId="{B6C60D79-16F1-4C4B-B7E3-7634E7069CDE}"/>
+          </ac:spMkLst>
+        </pc:spChg>
+        <pc:spChg chg="add">
+          <ac:chgData name="Hunter Ceranic" userId="55b8025d37c61089" providerId="LiveId" clId="{ACCD79ED-BFAE-4857-8FB5-603E641725DE}" dt="2024-01-23T21:46:29.427" v="694" actId="26606"/>
+          <ac:spMkLst>
+            <pc:docMk/>
+            <pc:sldMk cId="464311981" sldId="261"/>
+            <ac:spMk id="1030" creationId="{426B127E-6498-4C77-9C9D-4553A5113B80}"/>
+          </ac:spMkLst>
+        </pc:spChg>
+        <pc:spChg chg="add del">
+          <ac:chgData name="Hunter Ceranic" userId="55b8025d37c61089" providerId="LiveId" clId="{ACCD79ED-BFAE-4857-8FB5-603E641725DE}" dt="2024-01-23T21:45:55.687" v="687" actId="26606"/>
+          <ac:spMkLst>
+            <pc:docMk/>
+            <pc:sldMk cId="464311981" sldId="261"/>
+            <ac:spMk id="1031" creationId="{DB304A14-32D0-4873-B914-423ED7B8DAFD}"/>
+          </ac:spMkLst>
+        </pc:spChg>
+        <pc:spChg chg="add del">
+          <ac:chgData name="Hunter Ceranic" userId="55b8025d37c61089" providerId="LiveId" clId="{ACCD79ED-BFAE-4857-8FB5-603E641725DE}" dt="2024-01-23T21:45:55.687" v="687" actId="26606"/>
+          <ac:spMkLst>
+            <pc:docMk/>
+            <pc:sldMk cId="464311981" sldId="261"/>
+            <ac:spMk id="1033" creationId="{1D460C86-854F-4FB3-ABC2-E823D8FEB9DB}"/>
+          </ac:spMkLst>
+        </pc:spChg>
+        <pc:spChg chg="add del">
+          <ac:chgData name="Hunter Ceranic" userId="55b8025d37c61089" providerId="LiveId" clId="{ACCD79ED-BFAE-4857-8FB5-603E641725DE}" dt="2024-01-23T21:45:55.687" v="687" actId="26606"/>
+          <ac:spMkLst>
+            <pc:docMk/>
+            <pc:sldMk cId="464311981" sldId="261"/>
+            <ac:spMk id="1035" creationId="{BB48116A-278A-4CC5-89D3-9DE8E8FF1245}"/>
+          </ac:spMkLst>
+        </pc:spChg>
+        <pc:spChg chg="add del">
+          <ac:chgData name="Hunter Ceranic" userId="55b8025d37c61089" providerId="LiveId" clId="{ACCD79ED-BFAE-4857-8FB5-603E641725DE}" dt="2024-01-23T21:45:46.681" v="684" actId="26606"/>
+          <ac:spMkLst>
+            <pc:docMk/>
+            <pc:sldMk cId="464311981" sldId="261"/>
+            <ac:spMk id="1040" creationId="{9F8A656C-0806-4677-A38B-DA5DF0F3C406}"/>
+          </ac:spMkLst>
+        </pc:spChg>
+        <pc:spChg chg="add del">
+          <ac:chgData name="Hunter Ceranic" userId="55b8025d37c61089" providerId="LiveId" clId="{ACCD79ED-BFAE-4857-8FB5-603E641725DE}" dt="2024-01-23T21:45:46.681" v="684" actId="26606"/>
+          <ac:spMkLst>
+            <pc:docMk/>
+            <pc:sldMk cId="464311981" sldId="261"/>
+            <ac:spMk id="1042" creationId="{9BEF8C6D-8BB3-473A-9607-D7381CC5C0A5}"/>
+          </ac:spMkLst>
+        </pc:spChg>
+        <pc:spChg chg="add del">
+          <ac:chgData name="Hunter Ceranic" userId="55b8025d37c61089" providerId="LiveId" clId="{ACCD79ED-BFAE-4857-8FB5-603E641725DE}" dt="2024-01-23T21:45:46.681" v="684" actId="26606"/>
+          <ac:spMkLst>
+            <pc:docMk/>
+            <pc:sldMk cId="464311981" sldId="261"/>
+            <ac:spMk id="1044" creationId="{DCFDFFB9-D302-4A05-A770-D33232254722}"/>
+          </ac:spMkLst>
+        </pc:spChg>
+        <pc:spChg chg="add del">
+          <ac:chgData name="Hunter Ceranic" userId="55b8025d37c61089" providerId="LiveId" clId="{ACCD79ED-BFAE-4857-8FB5-603E641725DE}" dt="2024-01-23T21:45:54.705" v="686" actId="26606"/>
+          <ac:spMkLst>
+            <pc:docMk/>
+            <pc:sldMk cId="464311981" sldId="261"/>
+            <ac:spMk id="1046" creationId="{5B7778FC-632E-4DCA-A7CB-0D7731CCF970}"/>
+          </ac:spMkLst>
+        </pc:spChg>
+        <pc:spChg chg="add del">
+          <ac:chgData name="Hunter Ceranic" userId="55b8025d37c61089" providerId="LiveId" clId="{ACCD79ED-BFAE-4857-8FB5-603E641725DE}" dt="2024-01-23T21:45:54.705" v="686" actId="26606"/>
+          <ac:spMkLst>
+            <pc:docMk/>
+            <pc:sldMk cId="464311981" sldId="261"/>
+            <ac:spMk id="1047" creationId="{66A3F9DB-B144-47A4-9DB2-706C3908B28B}"/>
+          </ac:spMkLst>
+        </pc:spChg>
+        <pc:spChg chg="add del">
+          <ac:chgData name="Hunter Ceranic" userId="55b8025d37c61089" providerId="LiveId" clId="{ACCD79ED-BFAE-4857-8FB5-603E641725DE}" dt="2024-01-23T21:45:54.705" v="686" actId="26606"/>
+          <ac:spMkLst>
+            <pc:docMk/>
+            <pc:sldMk cId="464311981" sldId="261"/>
+            <ac:spMk id="1048" creationId="{FA23A907-97FB-4A8F-880A-DD77401C4296}"/>
+          </ac:spMkLst>
+        </pc:spChg>
+        <pc:spChg chg="add del">
+          <ac:chgData name="Hunter Ceranic" userId="55b8025d37c61089" providerId="LiveId" clId="{ACCD79ED-BFAE-4857-8FB5-603E641725DE}" dt="2024-01-23T21:45:54.705" v="686" actId="26606"/>
+          <ac:spMkLst>
+            <pc:docMk/>
+            <pc:sldMk cId="464311981" sldId="261"/>
+            <ac:spMk id="1049" creationId="{3D9A74CD-249A-437B-A289-413676038C54}"/>
+          </ac:spMkLst>
+        </pc:spChg>
+        <pc:spChg chg="add del">
+          <ac:chgData name="Hunter Ceranic" userId="55b8025d37c61089" providerId="LiveId" clId="{ACCD79ED-BFAE-4857-8FB5-603E641725DE}" dt="2024-01-23T21:45:54.705" v="686" actId="26606"/>
+          <ac:spMkLst>
+            <pc:docMk/>
+            <pc:sldMk cId="464311981" sldId="261"/>
+            <ac:spMk id="1050" creationId="{B10BB131-AC8E-4A8E-A5D1-36260F720C3B}"/>
+          </ac:spMkLst>
+        </pc:spChg>
+        <pc:picChg chg="add mod ord">
+          <ac:chgData name="Hunter Ceranic" userId="55b8025d37c61089" providerId="LiveId" clId="{ACCD79ED-BFAE-4857-8FB5-603E641725DE}" dt="2024-01-23T21:47:14.701" v="707" actId="1076"/>
+          <ac:picMkLst>
+            <pc:docMk/>
+            <pc:sldMk cId="464311981" sldId="261"/>
+            <ac:picMk id="1026" creationId="{70ADD003-1E8C-44BA-531E-AC9C8AB34361}"/>
+          </ac:picMkLst>
+        </pc:picChg>
       </pc:sldChg>
       <pc:sldChg chg="modSp new del mod">
         <pc:chgData name="Hunter Ceranic" userId="55b8025d37c61089" providerId="LiveId" clId="{ACCD79ED-BFAE-4857-8FB5-603E641725DE}" dt="2024-01-23T20:13:23.600" v="214" actId="47"/>
@@ -313,6 +691,268 @@
             <ac:spMk id="2" creationId="{9D3A01FA-204E-455B-9EFB-5F0C2BD527F6}"/>
           </ac:spMkLst>
         </pc:spChg>
+      </pc:sldChg>
+      <pc:sldChg chg="addSp delSp modSp new mod">
+        <pc:chgData name="Hunter Ceranic" userId="55b8025d37c61089" providerId="LiveId" clId="{ACCD79ED-BFAE-4857-8FB5-603E641725DE}" dt="2024-01-23T23:28:45.721" v="2167" actId="20577"/>
+        <pc:sldMkLst>
+          <pc:docMk/>
+          <pc:sldMk cId="1282139663" sldId="262"/>
+        </pc:sldMkLst>
+        <pc:spChg chg="mod">
+          <ac:chgData name="Hunter Ceranic" userId="55b8025d37c61089" providerId="LiveId" clId="{ACCD79ED-BFAE-4857-8FB5-603E641725DE}" dt="2024-01-23T22:58:15.844" v="2034" actId="20577"/>
+          <ac:spMkLst>
+            <pc:docMk/>
+            <pc:sldMk cId="1282139663" sldId="262"/>
+            <ac:spMk id="2" creationId="{C7DF1014-ECEC-7D05-6120-59AD338C5A43}"/>
+          </ac:spMkLst>
+        </pc:spChg>
+        <pc:spChg chg="del">
+          <ac:chgData name="Hunter Ceranic" userId="55b8025d37c61089" providerId="LiveId" clId="{ACCD79ED-BFAE-4857-8FB5-603E641725DE}" dt="2024-01-23T23:05:33.657" v="2066" actId="22"/>
+          <ac:spMkLst>
+            <pc:docMk/>
+            <pc:sldMk cId="1282139663" sldId="262"/>
+            <ac:spMk id="3" creationId="{59C5325B-F8B9-2637-BA82-958759232544}"/>
+          </ac:spMkLst>
+        </pc:spChg>
+        <pc:spChg chg="del">
+          <ac:chgData name="Hunter Ceranic" userId="55b8025d37c61089" providerId="LiveId" clId="{ACCD79ED-BFAE-4857-8FB5-603E641725DE}" dt="2024-01-23T23:02:29.485" v="2054" actId="478"/>
+          <ac:spMkLst>
+            <pc:docMk/>
+            <pc:sldMk cId="1282139663" sldId="262"/>
+            <ac:spMk id="4" creationId="{75F6C9A0-FC62-99D8-A1BC-30B9E3E9DEC5}"/>
+          </ac:spMkLst>
+        </pc:spChg>
+        <pc:spChg chg="add mod">
+          <ac:chgData name="Hunter Ceranic" userId="55b8025d37c61089" providerId="LiveId" clId="{ACCD79ED-BFAE-4857-8FB5-603E641725DE}" dt="2024-01-23T23:28:45.721" v="2167" actId="20577"/>
+          <ac:spMkLst>
+            <pc:docMk/>
+            <pc:sldMk cId="1282139663" sldId="262"/>
+            <ac:spMk id="5" creationId="{1C012839-D1DE-7D8C-C13D-1405FD0457A8}"/>
+          </ac:spMkLst>
+        </pc:spChg>
+        <pc:grpChg chg="add mod">
+          <ac:chgData name="Hunter Ceranic" userId="55b8025d37c61089" providerId="LiveId" clId="{ACCD79ED-BFAE-4857-8FB5-603E641725DE}" dt="2024-01-23T23:07:10.901" v="2086" actId="164"/>
+          <ac:grpSpMkLst>
+            <pc:docMk/>
+            <pc:sldMk cId="1282139663" sldId="262"/>
+            <ac:grpSpMk id="15" creationId="{8BF43C64-2CCA-9F17-AB62-3165ADE233AB}"/>
+          </ac:grpSpMkLst>
+        </pc:grpChg>
+        <pc:picChg chg="add mod">
+          <ac:chgData name="Hunter Ceranic" userId="55b8025d37c61089" providerId="LiveId" clId="{ACCD79ED-BFAE-4857-8FB5-603E641725DE}" dt="2024-01-23T23:05:54.810" v="2075" actId="1076"/>
+          <ac:picMkLst>
+            <pc:docMk/>
+            <pc:sldMk cId="1282139663" sldId="262"/>
+            <ac:picMk id="7" creationId="{CAE9B0C0-7090-D085-8979-B49AF6DAF264}"/>
+          </ac:picMkLst>
+        </pc:picChg>
+        <pc:picChg chg="add mod">
+          <ac:chgData name="Hunter Ceranic" userId="55b8025d37c61089" providerId="LiveId" clId="{ACCD79ED-BFAE-4857-8FB5-603E641725DE}" dt="2024-01-23T23:05:53.238" v="2074" actId="1076"/>
+          <ac:picMkLst>
+            <pc:docMk/>
+            <pc:sldMk cId="1282139663" sldId="262"/>
+            <ac:picMk id="9" creationId="{4C1A88EA-8389-DD90-1A57-B3C56972839A}"/>
+          </ac:picMkLst>
+        </pc:picChg>
+        <pc:picChg chg="add mod ord">
+          <ac:chgData name="Hunter Ceranic" userId="55b8025d37c61089" providerId="LiveId" clId="{ACCD79ED-BFAE-4857-8FB5-603E641725DE}" dt="2024-01-23T23:19:46.180" v="2118" actId="1076"/>
+          <ac:picMkLst>
+            <pc:docMk/>
+            <pc:sldMk cId="1282139663" sldId="262"/>
+            <ac:picMk id="11" creationId="{3069CF3F-2488-0D3C-36B1-96C29EF328C3}"/>
+          </ac:picMkLst>
+        </pc:picChg>
+        <pc:picChg chg="add mod">
+          <ac:chgData name="Hunter Ceranic" userId="55b8025d37c61089" providerId="LiveId" clId="{ACCD79ED-BFAE-4857-8FB5-603E641725DE}" dt="2024-01-23T23:07:10.901" v="2086" actId="164"/>
+          <ac:picMkLst>
+            <pc:docMk/>
+            <pc:sldMk cId="1282139663" sldId="262"/>
+            <ac:picMk id="12" creationId="{1D66D614-DB0E-70BC-5CE5-E90ACF60A7ED}"/>
+          </ac:picMkLst>
+        </pc:picChg>
+        <pc:picChg chg="add mod">
+          <ac:chgData name="Hunter Ceranic" userId="55b8025d37c61089" providerId="LiveId" clId="{ACCD79ED-BFAE-4857-8FB5-603E641725DE}" dt="2024-01-23T23:07:10.901" v="2086" actId="164"/>
+          <ac:picMkLst>
+            <pc:docMk/>
+            <pc:sldMk cId="1282139663" sldId="262"/>
+            <ac:picMk id="14" creationId="{FC818FE4-B411-1A79-4D4F-931900CDC4FD}"/>
+          </ac:picMkLst>
+        </pc:picChg>
+        <pc:picChg chg="add mod">
+          <ac:chgData name="Hunter Ceranic" userId="55b8025d37c61089" providerId="LiveId" clId="{ACCD79ED-BFAE-4857-8FB5-603E641725DE}" dt="2024-01-23T23:15:17.545" v="2090" actId="1076"/>
+          <ac:picMkLst>
+            <pc:docMk/>
+            <pc:sldMk cId="1282139663" sldId="262"/>
+            <ac:picMk id="17" creationId="{8924486C-65A4-1784-1B5D-76149A672E25}"/>
+          </ac:picMkLst>
+        </pc:picChg>
+        <pc:picChg chg="add mod">
+          <ac:chgData name="Hunter Ceranic" userId="55b8025d37c61089" providerId="LiveId" clId="{ACCD79ED-BFAE-4857-8FB5-603E641725DE}" dt="2024-01-23T23:19:35.887" v="2117" actId="1076"/>
+          <ac:picMkLst>
+            <pc:docMk/>
+            <pc:sldMk cId="1282139663" sldId="262"/>
+            <ac:picMk id="19" creationId="{05A4DA08-7B97-9D43-0DBC-42C46123E6FC}"/>
+          </ac:picMkLst>
+        </pc:picChg>
+      </pc:sldChg>
+      <pc:sldChg chg="addSp delSp modSp add mod">
+        <pc:chgData name="Hunter Ceranic" userId="55b8025d37c61089" providerId="LiveId" clId="{ACCD79ED-BFAE-4857-8FB5-603E641725DE}" dt="2024-01-23T23:28:50.673" v="2169" actId="20577"/>
+        <pc:sldMkLst>
+          <pc:docMk/>
+          <pc:sldMk cId="3991598736" sldId="263"/>
+        </pc:sldMkLst>
+        <pc:spChg chg="mod">
+          <ac:chgData name="Hunter Ceranic" userId="55b8025d37c61089" providerId="LiveId" clId="{ACCD79ED-BFAE-4857-8FB5-603E641725DE}" dt="2024-01-23T23:23:23.894" v="2157" actId="1076"/>
+          <ac:spMkLst>
+            <pc:docMk/>
+            <pc:sldMk cId="3991598736" sldId="263"/>
+            <ac:spMk id="2" creationId="{C7DF1014-ECEC-7D05-6120-59AD338C5A43}"/>
+          </ac:spMkLst>
+        </pc:spChg>
+        <pc:spChg chg="mod">
+          <ac:chgData name="Hunter Ceranic" userId="55b8025d37c61089" providerId="LiveId" clId="{ACCD79ED-BFAE-4857-8FB5-603E641725DE}" dt="2024-01-23T23:28:50.673" v="2169" actId="20577"/>
+          <ac:spMkLst>
+            <pc:docMk/>
+            <pc:sldMk cId="3991598736" sldId="263"/>
+            <ac:spMk id="5" creationId="{1C012839-D1DE-7D8C-C13D-1405FD0457A8}"/>
+          </ac:spMkLst>
+        </pc:spChg>
+        <pc:spChg chg="add del mod">
+          <ac:chgData name="Hunter Ceranic" userId="55b8025d37c61089" providerId="LiveId" clId="{ACCD79ED-BFAE-4857-8FB5-603E641725DE}" dt="2024-01-23T23:17:50.713" v="2105" actId="478"/>
+          <ac:spMkLst>
+            <pc:docMk/>
+            <pc:sldMk cId="3991598736" sldId="263"/>
+            <ac:spMk id="13" creationId="{63C58497-E746-C9F9-0306-6697E82AD78F}"/>
+          </ac:spMkLst>
+        </pc:spChg>
+        <pc:spChg chg="add mod">
+          <ac:chgData name="Hunter Ceranic" userId="55b8025d37c61089" providerId="LiveId" clId="{ACCD79ED-BFAE-4857-8FB5-603E641725DE}" dt="2024-01-23T23:23:13.581" v="2155" actId="164"/>
+          <ac:spMkLst>
+            <pc:docMk/>
+            <pc:sldMk cId="3991598736" sldId="263"/>
+            <ac:spMk id="24" creationId="{EB34267C-288C-639B-66A1-4905FC7EC930}"/>
+          </ac:spMkLst>
+        </pc:spChg>
+        <pc:grpChg chg="add mod">
+          <ac:chgData name="Hunter Ceranic" userId="55b8025d37c61089" providerId="LiveId" clId="{ACCD79ED-BFAE-4857-8FB5-603E641725DE}" dt="2024-01-23T23:17:42.077" v="2099" actId="1076"/>
+          <ac:grpSpMkLst>
+            <pc:docMk/>
+            <pc:sldMk cId="3991598736" sldId="263"/>
+            <ac:grpSpMk id="4" creationId="{C8DB01BA-7B2F-4507-076E-3088CE34B57D}"/>
+          </ac:grpSpMkLst>
+        </pc:grpChg>
+        <pc:grpChg chg="del mod">
+          <ac:chgData name="Hunter Ceranic" userId="55b8025d37c61089" providerId="LiveId" clId="{ACCD79ED-BFAE-4857-8FB5-603E641725DE}" dt="2024-01-23T23:17:48.564" v="2103" actId="478"/>
+          <ac:grpSpMkLst>
+            <pc:docMk/>
+            <pc:sldMk cId="3991598736" sldId="263"/>
+            <ac:grpSpMk id="15" creationId="{8BF43C64-2CCA-9F17-AB62-3165ADE233AB}"/>
+          </ac:grpSpMkLst>
+        </pc:grpChg>
+        <pc:grpChg chg="add mod">
+          <ac:chgData name="Hunter Ceranic" userId="55b8025d37c61089" providerId="LiveId" clId="{ACCD79ED-BFAE-4857-8FB5-603E641725DE}" dt="2024-01-23T23:23:23.266" v="2156" actId="1076"/>
+          <ac:grpSpMkLst>
+            <pc:docMk/>
+            <pc:sldMk cId="3991598736" sldId="263"/>
+            <ac:grpSpMk id="25" creationId="{60D647CB-16C3-AAA2-9107-5D1150C5A87B}"/>
+          </ac:grpSpMkLst>
+        </pc:grpChg>
+        <pc:picChg chg="add mod">
+          <ac:chgData name="Hunter Ceranic" userId="55b8025d37c61089" providerId="LiveId" clId="{ACCD79ED-BFAE-4857-8FB5-603E641725DE}" dt="2024-01-23T23:17:42.077" v="2099" actId="1076"/>
+          <ac:picMkLst>
+            <pc:docMk/>
+            <pc:sldMk cId="3991598736" sldId="263"/>
+            <ac:picMk id="3" creationId="{188D2A99-F2E5-CD1E-1A92-A24E47DCB195}"/>
+          </ac:picMkLst>
+        </pc:picChg>
+        <pc:picChg chg="mod">
+          <ac:chgData name="Hunter Ceranic" userId="55b8025d37c61089" providerId="LiveId" clId="{ACCD79ED-BFAE-4857-8FB5-603E641725DE}" dt="2024-01-23T23:17:38.209" v="2098" actId="571"/>
+          <ac:picMkLst>
+            <pc:docMk/>
+            <pc:sldMk cId="3991598736" sldId="263"/>
+            <ac:picMk id="6" creationId="{FDE3D38A-9C66-6F73-2041-023FA88F7996}"/>
+          </ac:picMkLst>
+        </pc:picChg>
+        <pc:picChg chg="del">
+          <ac:chgData name="Hunter Ceranic" userId="55b8025d37c61089" providerId="LiveId" clId="{ACCD79ED-BFAE-4857-8FB5-603E641725DE}" dt="2024-01-23T23:16:55.113" v="2094" actId="478"/>
+          <ac:picMkLst>
+            <pc:docMk/>
+            <pc:sldMk cId="3991598736" sldId="263"/>
+            <ac:picMk id="7" creationId="{CAE9B0C0-7090-D085-8979-B49AF6DAF264}"/>
+          </ac:picMkLst>
+        </pc:picChg>
+        <pc:picChg chg="mod">
+          <ac:chgData name="Hunter Ceranic" userId="55b8025d37c61089" providerId="LiveId" clId="{ACCD79ED-BFAE-4857-8FB5-603E641725DE}" dt="2024-01-23T23:17:38.209" v="2098" actId="571"/>
+          <ac:picMkLst>
+            <pc:docMk/>
+            <pc:sldMk cId="3991598736" sldId="263"/>
+            <ac:picMk id="8" creationId="{F9DC0517-381E-8C68-0772-9D311F56BD9D}"/>
+          </ac:picMkLst>
+        </pc:picChg>
+        <pc:picChg chg="del">
+          <ac:chgData name="Hunter Ceranic" userId="55b8025d37c61089" providerId="LiveId" clId="{ACCD79ED-BFAE-4857-8FB5-603E641725DE}" dt="2024-01-23T23:16:56.611" v="2095" actId="478"/>
+          <ac:picMkLst>
+            <pc:docMk/>
+            <pc:sldMk cId="3991598736" sldId="263"/>
+            <ac:picMk id="9" creationId="{4C1A88EA-8389-DD90-1A57-B3C56972839A}"/>
+          </ac:picMkLst>
+        </pc:picChg>
+        <pc:picChg chg="del mod">
+          <ac:chgData name="Hunter Ceranic" userId="55b8025d37c61089" providerId="LiveId" clId="{ACCD79ED-BFAE-4857-8FB5-603E641725DE}" dt="2024-01-23T23:17:46.143" v="2101" actId="478"/>
+          <ac:picMkLst>
+            <pc:docMk/>
+            <pc:sldMk cId="3991598736" sldId="263"/>
+            <ac:picMk id="11" creationId="{3069CF3F-2488-0D3C-36B1-96C29EF328C3}"/>
+          </ac:picMkLst>
+        </pc:picChg>
+        <pc:picChg chg="mod">
+          <ac:chgData name="Hunter Ceranic" userId="55b8025d37c61089" providerId="LiveId" clId="{ACCD79ED-BFAE-4857-8FB5-603E641725DE}" dt="2024-01-23T23:17:44.580" v="2100" actId="1076"/>
+          <ac:picMkLst>
+            <pc:docMk/>
+            <pc:sldMk cId="3991598736" sldId="263"/>
+            <ac:picMk id="17" creationId="{8924486C-65A4-1784-1B5D-76149A672E25}"/>
+          </ac:picMkLst>
+        </pc:picChg>
+        <pc:picChg chg="add mod">
+          <ac:chgData name="Hunter Ceranic" userId="55b8025d37c61089" providerId="LiveId" clId="{ACCD79ED-BFAE-4857-8FB5-603E641725DE}" dt="2024-01-23T23:18:19.273" v="2112" actId="1076"/>
+          <ac:picMkLst>
+            <pc:docMk/>
+            <pc:sldMk cId="3991598736" sldId="263"/>
+            <ac:picMk id="18" creationId="{008207FC-5882-DC9A-0373-D4D4E6A2A2C9}"/>
+          </ac:picMkLst>
+        </pc:picChg>
+        <pc:picChg chg="add mod">
+          <ac:chgData name="Hunter Ceranic" userId="55b8025d37c61089" providerId="LiveId" clId="{ACCD79ED-BFAE-4857-8FB5-603E641725DE}" dt="2024-01-23T23:20:11.530" v="2120" actId="1076"/>
+          <ac:picMkLst>
+            <pc:docMk/>
+            <pc:sldMk cId="3991598736" sldId="263"/>
+            <ac:picMk id="19" creationId="{C472703C-E5CB-485B-1C4B-6C06C353025B}"/>
+          </ac:picMkLst>
+        </pc:picChg>
+        <pc:picChg chg="add mod">
+          <ac:chgData name="Hunter Ceranic" userId="55b8025d37c61089" providerId="LiveId" clId="{ACCD79ED-BFAE-4857-8FB5-603E641725DE}" dt="2024-01-23T23:23:23.266" v="2156" actId="1076"/>
+          <ac:picMkLst>
+            <pc:docMk/>
+            <pc:sldMk cId="3991598736" sldId="263"/>
+            <ac:picMk id="21" creationId="{22BCAE72-C73D-9A1B-AD54-EF4BE002B961}"/>
+          </ac:picMkLst>
+        </pc:picChg>
+        <pc:picChg chg="add mod">
+          <ac:chgData name="Hunter Ceranic" userId="55b8025d37c61089" providerId="LiveId" clId="{ACCD79ED-BFAE-4857-8FB5-603E641725DE}" dt="2024-01-23T23:23:13.581" v="2155" actId="164"/>
+          <ac:picMkLst>
+            <pc:docMk/>
+            <pc:sldMk cId="3991598736" sldId="263"/>
+            <ac:picMk id="23" creationId="{D5A7F495-D13B-6671-931E-84CDD5F86A04}"/>
+          </ac:picMkLst>
+        </pc:picChg>
+        <pc:cxnChg chg="add del">
+          <ac:chgData name="Hunter Ceranic" userId="55b8025d37c61089" providerId="LiveId" clId="{ACCD79ED-BFAE-4857-8FB5-603E641725DE}" dt="2024-01-23T23:23:40.994" v="2159" actId="11529"/>
+          <ac:cxnSpMkLst>
+            <pc:docMk/>
+            <pc:sldMk cId="3991598736" sldId="263"/>
+            <ac:cxnSpMk id="27" creationId="{9968B0D0-7ADE-3600-D321-29F36A077B89}"/>
+          </ac:cxnSpMkLst>
+        </pc:cxnChg>
       </pc:sldChg>
       <pc:sldMasterChg chg="add del addSldLayout delSldLayout">
         <pc:chgData name="Hunter Ceranic" userId="55b8025d37c61089" providerId="LiveId" clId="{ACCD79ED-BFAE-4857-8FB5-603E641725DE}" dt="2024-01-23T20:03:02.922" v="3" actId="26606"/>
@@ -697,6 +1337,356 @@
     </pc:docChg>
   </pc:docChgLst>
 </pc:chgInfo>
+</file>
+
+<file path=ppt/notesMasters/notesMaster1.xml><?xml version="1.0" encoding="utf-8"?>
+<p:notesMaster xmlns:a="http://schemas.openxmlformats.org/drawingml/2006/main" xmlns:r="http://schemas.openxmlformats.org/officeDocument/2006/relationships" xmlns:p="http://schemas.openxmlformats.org/presentationml/2006/main">
+  <p:cSld>
+    <p:bg>
+      <p:bgRef idx="1001">
+        <a:schemeClr val="bg1"/>
+      </p:bgRef>
+    </p:bg>
+    <p:spTree>
+      <p:nvGrpSpPr>
+        <p:cNvPr id="1" name=""/>
+        <p:cNvGrpSpPr/>
+        <p:nvPr/>
+      </p:nvGrpSpPr>
+      <p:grpSpPr>
+        <a:xfrm>
+          <a:off x="0" y="0"/>
+          <a:ext cx="0" cy="0"/>
+          <a:chOff x="0" y="0"/>
+          <a:chExt cx="0" cy="0"/>
+        </a:xfrm>
+      </p:grpSpPr>
+      <p:sp>
+        <p:nvSpPr>
+          <p:cNvPr id="2" name="Header Placeholder 1"/>
+          <p:cNvSpPr>
+            <a:spLocks noGrp="1"/>
+          </p:cNvSpPr>
+          <p:nvPr>
+            <p:ph type="hdr" sz="quarter"/>
+          </p:nvPr>
+        </p:nvSpPr>
+        <p:spPr>
+          <a:xfrm>
+            <a:off x="0" y="0"/>
+            <a:ext cx="2971800" cy="458788"/>
+          </a:xfrm>
+          <a:prstGeom prst="rect">
+            <a:avLst/>
+          </a:prstGeom>
+        </p:spPr>
+        <p:txBody>
+          <a:bodyPr vert="horz" lIns="91440" tIns="45720" rIns="91440" bIns="45720" rtlCol="0"/>
+          <a:lstStyle>
+            <a:lvl1pPr algn="l">
+              <a:defRPr sz="1200"/>
+            </a:lvl1pPr>
+          </a:lstStyle>
+          <a:p>
+            <a:endParaRPr lang="en-CA"/>
+          </a:p>
+        </p:txBody>
+      </p:sp>
+      <p:sp>
+        <p:nvSpPr>
+          <p:cNvPr id="3" name="Date Placeholder 2"/>
+          <p:cNvSpPr>
+            <a:spLocks noGrp="1"/>
+          </p:cNvSpPr>
+          <p:nvPr>
+            <p:ph type="dt" idx="1"/>
+          </p:nvPr>
+        </p:nvSpPr>
+        <p:spPr>
+          <a:xfrm>
+            <a:off x="3884613" y="0"/>
+            <a:ext cx="2971800" cy="458788"/>
+          </a:xfrm>
+          <a:prstGeom prst="rect">
+            <a:avLst/>
+          </a:prstGeom>
+        </p:spPr>
+        <p:txBody>
+          <a:bodyPr vert="horz" lIns="91440" tIns="45720" rIns="91440" bIns="45720" rtlCol="0"/>
+          <a:lstStyle>
+            <a:lvl1pPr algn="r">
+              <a:defRPr sz="1200"/>
+            </a:lvl1pPr>
+          </a:lstStyle>
+          <a:p>
+            <a:fld id="{9E418AF7-6E72-4403-B085-4589D1110134}" type="datetimeFigureOut">
+              <a:rPr lang="en-CA" smtClean="0"/>
+              <a:t>2024-01-23</a:t>
+            </a:fld>
+            <a:endParaRPr lang="en-CA"/>
+          </a:p>
+        </p:txBody>
+      </p:sp>
+      <p:sp>
+        <p:nvSpPr>
+          <p:cNvPr id="4" name="Slide Image Placeholder 3"/>
+          <p:cNvSpPr>
+            <a:spLocks noGrp="1" noRot="1" noChangeAspect="1"/>
+          </p:cNvSpPr>
+          <p:nvPr>
+            <p:ph type="sldImg" idx="2"/>
+          </p:nvPr>
+        </p:nvSpPr>
+        <p:spPr>
+          <a:xfrm>
+            <a:off x="685800" y="1143000"/>
+            <a:ext cx="5486400" cy="3086100"/>
+          </a:xfrm>
+          <a:prstGeom prst="rect">
+            <a:avLst/>
+          </a:prstGeom>
+          <a:noFill/>
+          <a:ln w="12700">
+            <a:solidFill>
+              <a:prstClr val="black"/>
+            </a:solidFill>
+          </a:ln>
+        </p:spPr>
+        <p:txBody>
+          <a:bodyPr vert="horz" lIns="91440" tIns="45720" rIns="91440" bIns="45720" rtlCol="0" anchor="ctr"/>
+          <a:lstStyle/>
+          <a:p>
+            <a:endParaRPr lang="en-CA"/>
+          </a:p>
+        </p:txBody>
+      </p:sp>
+      <p:sp>
+        <p:nvSpPr>
+          <p:cNvPr id="5" name="Notes Placeholder 4"/>
+          <p:cNvSpPr>
+            <a:spLocks noGrp="1"/>
+          </p:cNvSpPr>
+          <p:nvPr>
+            <p:ph type="body" sz="quarter" idx="3"/>
+          </p:nvPr>
+        </p:nvSpPr>
+        <p:spPr>
+          <a:xfrm>
+            <a:off x="685800" y="4400550"/>
+            <a:ext cx="5486400" cy="3600450"/>
+          </a:xfrm>
+          <a:prstGeom prst="rect">
+            <a:avLst/>
+          </a:prstGeom>
+        </p:spPr>
+        <p:txBody>
+          <a:bodyPr vert="horz" lIns="91440" tIns="45720" rIns="91440" bIns="45720" rtlCol="0"/>
+          <a:lstStyle/>
+          <a:p>
+            <a:pPr lvl="0"/>
+            <a:r>
+              <a:rPr lang="en-US"/>
+              <a:t>Click to edit Master text styles</a:t>
+            </a:r>
+          </a:p>
+          <a:p>
+            <a:pPr lvl="1"/>
+            <a:r>
+              <a:rPr lang="en-US"/>
+              <a:t>Second level</a:t>
+            </a:r>
+          </a:p>
+          <a:p>
+            <a:pPr lvl="2"/>
+            <a:r>
+              <a:rPr lang="en-US"/>
+              <a:t>Third level</a:t>
+            </a:r>
+          </a:p>
+          <a:p>
+            <a:pPr lvl="3"/>
+            <a:r>
+              <a:rPr lang="en-US"/>
+              <a:t>Fourth level</a:t>
+            </a:r>
+          </a:p>
+          <a:p>
+            <a:pPr lvl="4"/>
+            <a:r>
+              <a:rPr lang="en-US"/>
+              <a:t>Fifth level</a:t>
+            </a:r>
+            <a:endParaRPr lang="en-CA"/>
+          </a:p>
+        </p:txBody>
+      </p:sp>
+      <p:sp>
+        <p:nvSpPr>
+          <p:cNvPr id="6" name="Footer Placeholder 5"/>
+          <p:cNvSpPr>
+            <a:spLocks noGrp="1"/>
+          </p:cNvSpPr>
+          <p:nvPr>
+            <p:ph type="ftr" sz="quarter" idx="4"/>
+          </p:nvPr>
+        </p:nvSpPr>
+        <p:spPr>
+          <a:xfrm>
+            <a:off x="0" y="8685213"/>
+            <a:ext cx="2971800" cy="458787"/>
+          </a:xfrm>
+          <a:prstGeom prst="rect">
+            <a:avLst/>
+          </a:prstGeom>
+        </p:spPr>
+        <p:txBody>
+          <a:bodyPr vert="horz" lIns="91440" tIns="45720" rIns="91440" bIns="45720" rtlCol="0" anchor="b"/>
+          <a:lstStyle>
+            <a:lvl1pPr algn="l">
+              <a:defRPr sz="1200"/>
+            </a:lvl1pPr>
+          </a:lstStyle>
+          <a:p>
+            <a:endParaRPr lang="en-CA"/>
+          </a:p>
+        </p:txBody>
+      </p:sp>
+      <p:sp>
+        <p:nvSpPr>
+          <p:cNvPr id="7" name="Slide Number Placeholder 6"/>
+          <p:cNvSpPr>
+            <a:spLocks noGrp="1"/>
+          </p:cNvSpPr>
+          <p:nvPr>
+            <p:ph type="sldNum" sz="quarter" idx="5"/>
+          </p:nvPr>
+        </p:nvSpPr>
+        <p:spPr>
+          <a:xfrm>
+            <a:off x="3884613" y="8685213"/>
+            <a:ext cx="2971800" cy="458787"/>
+          </a:xfrm>
+          <a:prstGeom prst="rect">
+            <a:avLst/>
+          </a:prstGeom>
+        </p:spPr>
+        <p:txBody>
+          <a:bodyPr vert="horz" lIns="91440" tIns="45720" rIns="91440" bIns="45720" rtlCol="0" anchor="b"/>
+          <a:lstStyle>
+            <a:lvl1pPr algn="r">
+              <a:defRPr sz="1200"/>
+            </a:lvl1pPr>
+          </a:lstStyle>
+          <a:p>
+            <a:fld id="{04F82448-C671-4DAB-B542-F04D10043DD5}" type="slidenum">
+              <a:rPr lang="en-CA" smtClean="0"/>
+              <a:t>‹#›</a:t>
+            </a:fld>
+            <a:endParaRPr lang="en-CA"/>
+          </a:p>
+        </p:txBody>
+      </p:sp>
+    </p:spTree>
+    <p:extLst>
+      <p:ext uri="{BB962C8B-B14F-4D97-AF65-F5344CB8AC3E}">
+        <p14:creationId xmlns:p14="http://schemas.microsoft.com/office/powerpoint/2010/main" val="2169453788"/>
+      </p:ext>
+    </p:extLst>
+  </p:cSld>
+  <p:clrMap bg1="lt1" tx1="dk1" bg2="lt2" tx2="dk2" accent1="accent1" accent2="accent2" accent3="accent3" accent4="accent4" accent5="accent5" accent6="accent6" hlink="hlink" folHlink="folHlink"/>
+  <p:notesStyle>
+    <a:lvl1pPr marL="0" algn="l" defTabSz="914400" rtl="0" eaLnBrk="1" latinLnBrk="0" hangingPunct="1">
+      <a:defRPr sz="1200" kern="1200">
+        <a:solidFill>
+          <a:schemeClr val="tx1"/>
+        </a:solidFill>
+        <a:latin typeface="+mn-lt"/>
+        <a:ea typeface="+mn-ea"/>
+        <a:cs typeface="+mn-cs"/>
+      </a:defRPr>
+    </a:lvl1pPr>
+    <a:lvl2pPr marL="457200" algn="l" defTabSz="914400" rtl="0" eaLnBrk="1" latinLnBrk="0" hangingPunct="1">
+      <a:defRPr sz="1200" kern="1200">
+        <a:solidFill>
+          <a:schemeClr val="tx1"/>
+        </a:solidFill>
+        <a:latin typeface="+mn-lt"/>
+        <a:ea typeface="+mn-ea"/>
+        <a:cs typeface="+mn-cs"/>
+      </a:defRPr>
+    </a:lvl2pPr>
+    <a:lvl3pPr marL="914400" algn="l" defTabSz="914400" rtl="0" eaLnBrk="1" latinLnBrk="0" hangingPunct="1">
+      <a:defRPr sz="1200" kern="1200">
+        <a:solidFill>
+          <a:schemeClr val="tx1"/>
+        </a:solidFill>
+        <a:latin typeface="+mn-lt"/>
+        <a:ea typeface="+mn-ea"/>
+        <a:cs typeface="+mn-cs"/>
+      </a:defRPr>
+    </a:lvl3pPr>
+    <a:lvl4pPr marL="1371600" algn="l" defTabSz="914400" rtl="0" eaLnBrk="1" latinLnBrk="0" hangingPunct="1">
+      <a:defRPr sz="1200" kern="1200">
+        <a:solidFill>
+          <a:schemeClr val="tx1"/>
+        </a:solidFill>
+        <a:latin typeface="+mn-lt"/>
+        <a:ea typeface="+mn-ea"/>
+        <a:cs typeface="+mn-cs"/>
+      </a:defRPr>
+    </a:lvl4pPr>
+    <a:lvl5pPr marL="1828800" algn="l" defTabSz="914400" rtl="0" eaLnBrk="1" latinLnBrk="0" hangingPunct="1">
+      <a:defRPr sz="1200" kern="1200">
+        <a:solidFill>
+          <a:schemeClr val="tx1"/>
+        </a:solidFill>
+        <a:latin typeface="+mn-lt"/>
+        <a:ea typeface="+mn-ea"/>
+        <a:cs typeface="+mn-cs"/>
+      </a:defRPr>
+    </a:lvl5pPr>
+    <a:lvl6pPr marL="2286000" algn="l" defTabSz="914400" rtl="0" eaLnBrk="1" latinLnBrk="0" hangingPunct="1">
+      <a:defRPr sz="1200" kern="1200">
+        <a:solidFill>
+          <a:schemeClr val="tx1"/>
+        </a:solidFill>
+        <a:latin typeface="+mn-lt"/>
+        <a:ea typeface="+mn-ea"/>
+        <a:cs typeface="+mn-cs"/>
+      </a:defRPr>
+    </a:lvl6pPr>
+    <a:lvl7pPr marL="2743200" algn="l" defTabSz="914400" rtl="0" eaLnBrk="1" latinLnBrk="0" hangingPunct="1">
+      <a:defRPr sz="1200" kern="1200">
+        <a:solidFill>
+          <a:schemeClr val="tx1"/>
+        </a:solidFill>
+        <a:latin typeface="+mn-lt"/>
+        <a:ea typeface="+mn-ea"/>
+        <a:cs typeface="+mn-cs"/>
+      </a:defRPr>
+    </a:lvl7pPr>
+    <a:lvl8pPr marL="3200400" algn="l" defTabSz="914400" rtl="0" eaLnBrk="1" latinLnBrk="0" hangingPunct="1">
+      <a:defRPr sz="1200" kern="1200">
+        <a:solidFill>
+          <a:schemeClr val="tx1"/>
+        </a:solidFill>
+        <a:latin typeface="+mn-lt"/>
+        <a:ea typeface="+mn-ea"/>
+        <a:cs typeface="+mn-cs"/>
+      </a:defRPr>
+    </a:lvl8pPr>
+    <a:lvl9pPr marL="3657600" algn="l" defTabSz="914400" rtl="0" eaLnBrk="1" latinLnBrk="0" hangingPunct="1">
+      <a:defRPr sz="1200" kern="1200">
+        <a:solidFill>
+          <a:schemeClr val="tx1"/>
+        </a:solidFill>
+        <a:latin typeface="+mn-lt"/>
+        <a:ea typeface="+mn-ea"/>
+        <a:cs typeface="+mn-cs"/>
+      </a:defRPr>
+    </a:lvl9pPr>
+  </p:notesStyle>
+</p:notesMaster>
 </file>
 
 <file path=ppt/slideLayouts/slideLayout1.xml><?xml version="1.0" encoding="utf-8"?>
@@ -844,7 +1834,7 @@
           <a:bodyPr/>
           <a:lstStyle/>
           <a:p>
-            <a:fld id="{82EDB8D0-98ED-4B86-9D5F-E61ADC70144D}" type="datetimeFigureOut">
+            <a:fld id="{D64C250B-3F0E-4970-9318-C9D7D394820E}" type="datetime1">
               <a:rPr lang="en-US" smtClean="0"/>
               <a:t>1/23/2024</a:t>
             </a:fld>
@@ -1259,7 +2249,7 @@
           <a:bodyPr/>
           <a:lstStyle/>
           <a:p>
-            <a:fld id="{82EDB8D0-98ED-4B86-9D5F-E61ADC70144D}" type="datetimeFigureOut">
+            <a:fld id="{7ED2D475-D7C3-4D53-A451-04FF36E3C7CA}" type="datetime1">
               <a:rPr lang="en-US" smtClean="0"/>
               <a:t>1/23/2024</a:t>
             </a:fld>
@@ -1751,7 +2741,7 @@
           <a:bodyPr/>
           <a:lstStyle/>
           <a:p>
-            <a:fld id="{82EDB8D0-98ED-4B86-9D5F-E61ADC70144D}" type="datetimeFigureOut">
+            <a:fld id="{B13D53CE-B973-4FCF-BB6D-73B61285C9EE}" type="datetime1">
               <a:rPr lang="en-US" smtClean="0"/>
               <a:t>1/23/2024</a:t>
             </a:fld>
@@ -2238,7 +3228,7 @@
           <a:bodyPr/>
           <a:lstStyle/>
           <a:p>
-            <a:fld id="{82EDB8D0-98ED-4B86-9D5F-E61ADC70144D}" type="datetimeFigureOut">
+            <a:fld id="{6F168777-EDFC-4AB3-A960-739B6325059F}" type="datetime1">
               <a:rPr lang="en-US" smtClean="0"/>
               <a:t>1/23/2024</a:t>
             </a:fld>
@@ -3007,7 +3997,7 @@
           <a:bodyPr/>
           <a:lstStyle/>
           <a:p>
-            <a:fld id="{82EDB8D0-98ED-4B86-9D5F-E61ADC70144D}" type="datetimeFigureOut">
+            <a:fld id="{4D320339-89DE-45C9-8EA6-5855C5BC4EC8}" type="datetime1">
               <a:rPr lang="en-US" smtClean="0"/>
               <a:t>1/23/2024</a:t>
             </a:fld>
@@ -3489,7 +4479,7 @@
           <a:bodyPr/>
           <a:lstStyle/>
           <a:p>
-            <a:fld id="{82EDB8D0-98ED-4B86-9D5F-E61ADC70144D}" type="datetimeFigureOut">
+            <a:fld id="{D97A0DFF-DDA9-437C-A4F4-5DF1C7108CDC}" type="datetime1">
               <a:rPr lang="en-US" smtClean="0"/>
               <a:t>1/23/2024</a:t>
             </a:fld>
@@ -4185,7 +5175,7 @@
           <a:bodyPr/>
           <a:lstStyle/>
           <a:p>
-            <a:fld id="{82EDB8D0-98ED-4B86-9D5F-E61ADC70144D}" type="datetimeFigureOut">
+            <a:fld id="{673E6A36-CFDC-4F59-94D9-5938EA3FFC22}" type="datetime1">
               <a:rPr lang="en-US" smtClean="0"/>
               <a:t>1/23/2024</a:t>
             </a:fld>
@@ -4610,7 +5600,7 @@
           <a:bodyPr/>
           <a:lstStyle/>
           <a:p>
-            <a:fld id="{82EDB8D0-98ED-4B86-9D5F-E61ADC70144D}" type="datetimeFigureOut">
+            <a:fld id="{585D03DC-4143-495E-82F1-B947FE3989AD}" type="datetime1">
               <a:rPr lang="en-US" smtClean="0"/>
               <a:t>1/23/2024</a:t>
             </a:fld>
@@ -5007,7 +5997,7 @@
           <a:bodyPr/>
           <a:lstStyle/>
           <a:p>
-            <a:fld id="{82EDB8D0-98ED-4B86-9D5F-E61ADC70144D}" type="datetimeFigureOut">
+            <a:fld id="{933DFF73-74E1-4718-A7DF-CE04E8339893}" type="datetime1">
               <a:rPr lang="en-US" smtClean="0"/>
               <a:t>1/23/2024</a:t>
             </a:fld>
@@ -5602,7 +6592,7 @@
           <a:bodyPr/>
           <a:lstStyle/>
           <a:p>
-            <a:fld id="{82EDB8D0-98ED-4B86-9D5F-E61ADC70144D}" type="datetimeFigureOut">
+            <a:fld id="{4EB71C7E-24B9-48A5-BD1A-C92D07E70F00}" type="datetime1">
               <a:rPr lang="en-US" smtClean="0"/>
               <a:t>1/23/2024</a:t>
             </a:fld>
@@ -6177,7 +7167,7 @@
           <a:bodyPr/>
           <a:lstStyle/>
           <a:p>
-            <a:fld id="{82EDB8D0-98ED-4B86-9D5F-E61ADC70144D}" type="datetimeFigureOut">
+            <a:fld id="{2E0181FF-DCB4-4A8B-8A91-9A9A7438884D}" type="datetime1">
               <a:rPr lang="en-US" smtClean="0"/>
               <a:t>1/23/2024</a:t>
             </a:fld>
@@ -6703,9 +7693,8 @@
             </a:lvl1pPr>
           </a:lstStyle>
           <a:p>
-            <a:fld id="{82EDB8D0-98ED-4B86-9D5F-E61ADC70144D}" type="datetimeFigureOut">
+            <a:fld id="{69064C32-6B48-4F37-8ABD-2C75CE9DDDEF}" type="datetime1">
               <a:rPr lang="en-US" smtClean="0"/>
-              <a:pPr/>
               <a:t>1/23/2024</a:t>
             </a:fld>
             <a:endParaRPr lang="en-US" dirty="0"/>
@@ -6826,6 +7815,7 @@
     <p:sldLayoutId id="2147483780" r:id="rId10"/>
     <p:sldLayoutId id="2147483782" r:id="rId11"/>
   </p:sldLayoutIdLst>
+  <p:hf hdr="0" ftr="0" dt="0"/>
   <p:txStyles>
     <p:titleStyle>
       <a:lvl1pPr algn="l" defTabSz="914400" rtl="0" eaLnBrk="1" latinLnBrk="0" hangingPunct="1">
@@ -7808,6 +8798,14 @@
 <file path=ppt/slides/slide2.xml><?xml version="1.0" encoding="utf-8"?>
 <p:sld xmlns:a="http://schemas.openxmlformats.org/drawingml/2006/main" xmlns:r="http://schemas.openxmlformats.org/officeDocument/2006/relationships" xmlns:p="http://schemas.openxmlformats.org/presentationml/2006/main">
   <p:cSld>
+    <p:bg>
+      <p:bgPr>
+        <a:solidFill>
+          <a:schemeClr val="bg1"/>
+        </a:solidFill>
+        <a:effectLst/>
+      </p:bgPr>
+    </p:bg>
     <p:spTree>
       <p:nvGrpSpPr>
         <p:cNvPr id="1" name=""/>
@@ -7822,12 +8820,543 @@
           <a:chExt cx="0" cy="0"/>
         </a:xfrm>
       </p:grpSpPr>
+      <p:sp useBgFill="1">
+        <p:nvSpPr>
+          <p:cNvPr id="1028" name="Rectangle 1027">
+            <a:extLst>
+              <a:ext uri="{FF2B5EF4-FFF2-40B4-BE49-F238E27FC236}">
+                <a16:creationId xmlns:a16="http://schemas.microsoft.com/office/drawing/2014/main" id="{4AC6B390-BC59-4F1D-A0EE-D71A92F0A0B2}"/>
+              </a:ext>
+              <a:ext uri="{C183D7F6-B498-43B3-948B-1728B52AA6E4}">
+                <adec:decorative xmlns:adec="http://schemas.microsoft.com/office/drawing/2017/decorative" val="1"/>
+              </a:ext>
+            </a:extLst>
+          </p:cNvPr>
+          <p:cNvSpPr>
+            <a:spLocks noGrp="1" noRot="1" noChangeAspect="1" noMove="1" noResize="1" noEditPoints="1" noAdjustHandles="1" noChangeArrowheads="1" noChangeShapeType="1" noTextEdit="1"/>
+          </p:cNvSpPr>
+          <p:nvPr>
+            <p:extLst>
+              <p:ext uri="{386F3935-93C4-4BCD-93E2-E3B085C9AB24}">
+                <p16:designElem xmlns:p16="http://schemas.microsoft.com/office/powerpoint/2015/main" val="1"/>
+              </p:ext>
+            </p:extLst>
+          </p:nvPr>
+        </p:nvSpPr>
+        <p:spPr bwMode="white">
+          <a:xfrm>
+            <a:off x="0" y="0"/>
+            <a:ext cx="12192000" cy="6858000"/>
+          </a:xfrm>
+          <a:prstGeom prst="rect">
+            <a:avLst/>
+          </a:prstGeom>
+          <a:ln>
+            <a:noFill/>
+          </a:ln>
+        </p:spPr>
+        <p:style>
+          <a:lnRef idx="2">
+            <a:schemeClr val="accent1">
+              <a:shade val="50000"/>
+            </a:schemeClr>
+          </a:lnRef>
+          <a:fillRef idx="1">
+            <a:schemeClr val="accent1"/>
+          </a:fillRef>
+          <a:effectRef idx="0">
+            <a:schemeClr val="accent1"/>
+          </a:effectRef>
+          <a:fontRef idx="minor">
+            <a:schemeClr val="lt1"/>
+          </a:fontRef>
+        </p:style>
+        <p:txBody>
+          <a:bodyPr rtlCol="0" anchor="ctr"/>
+          <a:lstStyle>
+            <a:defPPr>
+              <a:defRPr lang="en-US"/>
+            </a:defPPr>
+            <a:lvl1pPr marL="0" algn="l" defTabSz="914400" rtl="0" eaLnBrk="1" latinLnBrk="0" hangingPunct="1">
+              <a:defRPr sz="1800" kern="1200">
+                <a:solidFill>
+                  <a:schemeClr val="lt1"/>
+                </a:solidFill>
+                <a:latin typeface="+mn-lt"/>
+                <a:ea typeface="+mn-ea"/>
+                <a:cs typeface="+mn-cs"/>
+              </a:defRPr>
+            </a:lvl1pPr>
+            <a:lvl2pPr marL="457200" algn="l" defTabSz="914400" rtl="0" eaLnBrk="1" latinLnBrk="0" hangingPunct="1">
+              <a:defRPr sz="1800" kern="1200">
+                <a:solidFill>
+                  <a:schemeClr val="lt1"/>
+                </a:solidFill>
+                <a:latin typeface="+mn-lt"/>
+                <a:ea typeface="+mn-ea"/>
+                <a:cs typeface="+mn-cs"/>
+              </a:defRPr>
+            </a:lvl2pPr>
+            <a:lvl3pPr marL="914400" algn="l" defTabSz="914400" rtl="0" eaLnBrk="1" latinLnBrk="0" hangingPunct="1">
+              <a:defRPr sz="1800" kern="1200">
+                <a:solidFill>
+                  <a:schemeClr val="lt1"/>
+                </a:solidFill>
+                <a:latin typeface="+mn-lt"/>
+                <a:ea typeface="+mn-ea"/>
+                <a:cs typeface="+mn-cs"/>
+              </a:defRPr>
+            </a:lvl3pPr>
+            <a:lvl4pPr marL="1371600" algn="l" defTabSz="914400" rtl="0" eaLnBrk="1" latinLnBrk="0" hangingPunct="1">
+              <a:defRPr sz="1800" kern="1200">
+                <a:solidFill>
+                  <a:schemeClr val="lt1"/>
+                </a:solidFill>
+                <a:latin typeface="+mn-lt"/>
+                <a:ea typeface="+mn-ea"/>
+                <a:cs typeface="+mn-cs"/>
+              </a:defRPr>
+            </a:lvl4pPr>
+            <a:lvl5pPr marL="1828800" algn="l" defTabSz="914400" rtl="0" eaLnBrk="1" latinLnBrk="0" hangingPunct="1">
+              <a:defRPr sz="1800" kern="1200">
+                <a:solidFill>
+                  <a:schemeClr val="lt1"/>
+                </a:solidFill>
+                <a:latin typeface="+mn-lt"/>
+                <a:ea typeface="+mn-ea"/>
+                <a:cs typeface="+mn-cs"/>
+              </a:defRPr>
+            </a:lvl5pPr>
+            <a:lvl6pPr marL="2286000" algn="l" defTabSz="914400" rtl="0" eaLnBrk="1" latinLnBrk="0" hangingPunct="1">
+              <a:defRPr sz="1800" kern="1200">
+                <a:solidFill>
+                  <a:schemeClr val="lt1"/>
+                </a:solidFill>
+                <a:latin typeface="+mn-lt"/>
+                <a:ea typeface="+mn-ea"/>
+                <a:cs typeface="+mn-cs"/>
+              </a:defRPr>
+            </a:lvl6pPr>
+            <a:lvl7pPr marL="2743200" algn="l" defTabSz="914400" rtl="0" eaLnBrk="1" latinLnBrk="0" hangingPunct="1">
+              <a:defRPr sz="1800" kern="1200">
+                <a:solidFill>
+                  <a:schemeClr val="lt1"/>
+                </a:solidFill>
+                <a:latin typeface="+mn-lt"/>
+                <a:ea typeface="+mn-ea"/>
+                <a:cs typeface="+mn-cs"/>
+              </a:defRPr>
+            </a:lvl7pPr>
+            <a:lvl8pPr marL="3200400" algn="l" defTabSz="914400" rtl="0" eaLnBrk="1" latinLnBrk="0" hangingPunct="1">
+              <a:defRPr sz="1800" kern="1200">
+                <a:solidFill>
+                  <a:schemeClr val="lt1"/>
+                </a:solidFill>
+                <a:latin typeface="+mn-lt"/>
+                <a:ea typeface="+mn-ea"/>
+                <a:cs typeface="+mn-cs"/>
+              </a:defRPr>
+            </a:lvl8pPr>
+            <a:lvl9pPr marL="3657600" algn="l" defTabSz="914400" rtl="0" eaLnBrk="1" latinLnBrk="0" hangingPunct="1">
+              <a:defRPr sz="1800" kern="1200">
+                <a:solidFill>
+                  <a:schemeClr val="lt1"/>
+                </a:solidFill>
+                <a:latin typeface="+mn-lt"/>
+                <a:ea typeface="+mn-ea"/>
+                <a:cs typeface="+mn-cs"/>
+              </a:defRPr>
+            </a:lvl9pPr>
+          </a:lstStyle>
+          <a:p>
+            <a:pPr marL="0" marR="0" lvl="0" indent="0" algn="ctr" defTabSz="914400" rtl="0" eaLnBrk="1" fontAlgn="auto" latinLnBrk="0" hangingPunct="1">
+              <a:lnSpc>
+                <a:spcPct val="100000"/>
+              </a:lnSpc>
+              <a:spcBef>
+                <a:spcPts val="0"/>
+              </a:spcBef>
+              <a:spcAft>
+                <a:spcPts val="0"/>
+              </a:spcAft>
+              <a:buClrTx/>
+              <a:buSzTx/>
+              <a:buFontTx/>
+              <a:buNone/>
+              <a:tabLst/>
+              <a:defRPr/>
+            </a:pPr>
+            <a:endParaRPr kumimoji="0" lang="en-US" sz="1800" b="0" i="0" u="none" strike="noStrike" kern="1200" cap="none" spc="0" normalizeH="0" baseline="0" noProof="0">
+              <a:ln>
+                <a:noFill/>
+              </a:ln>
+              <a:solidFill>
+                <a:prstClr val="white"/>
+              </a:solidFill>
+              <a:effectLst/>
+              <a:uLnTx/>
+              <a:uFillTx/>
+              <a:latin typeface="Calibri" panose="020F0502020204030204"/>
+              <a:ea typeface="+mn-ea"/>
+              <a:cs typeface="+mn-cs"/>
+            </a:endParaRPr>
+          </a:p>
+        </p:txBody>
+      </p:sp>
+      <p:sp>
+        <p:nvSpPr>
+          <p:cNvPr id="1029" name="Freeform: Shape 1028">
+            <a:extLst>
+              <a:ext uri="{FF2B5EF4-FFF2-40B4-BE49-F238E27FC236}">
+                <a16:creationId xmlns:a16="http://schemas.microsoft.com/office/drawing/2014/main" id="{B6C60D79-16F1-4C4B-B7E3-7634E7069CDE}"/>
+              </a:ext>
+              <a:ext uri="{C183D7F6-B498-43B3-948B-1728B52AA6E4}">
+                <adec:decorative xmlns:adec="http://schemas.microsoft.com/office/drawing/2017/decorative" val="1"/>
+              </a:ext>
+            </a:extLst>
+          </p:cNvPr>
+          <p:cNvSpPr>
+            <a:spLocks noGrp="1" noRot="1" noChangeAspect="1" noMove="1" noResize="1" noEditPoints="1" noAdjustHandles="1" noChangeArrowheads="1" noChangeShapeType="1" noTextEdit="1"/>
+          </p:cNvSpPr>
+          <p:nvPr>
+            <p:extLst>
+              <p:ext uri="{386F3935-93C4-4BCD-93E2-E3B085C9AB24}">
+                <p16:designElem xmlns:p16="http://schemas.microsoft.com/office/powerpoint/2015/main" val="1"/>
+              </p:ext>
+            </p:extLst>
+          </p:nvPr>
+        </p:nvSpPr>
+        <p:spPr>
+          <a:xfrm>
+            <a:off x="9519137" y="5486400"/>
+            <a:ext cx="2672863" cy="1371600"/>
+          </a:xfrm>
+          <a:custGeom>
+            <a:avLst/>
+            <a:gdLst>
+              <a:gd name="connsiteX0" fmla="*/ 1721734 w 2672863"/>
+              <a:gd name="connsiteY0" fmla="*/ 0 h 1371600"/>
+              <a:gd name="connsiteX1" fmla="*/ 2564444 w 2672863"/>
+              <a:gd name="connsiteY1" fmla="*/ 213382 h 1371600"/>
+              <a:gd name="connsiteX2" fmla="*/ 2672863 w 2672863"/>
+              <a:gd name="connsiteY2" fmla="*/ 279248 h 1371600"/>
+              <a:gd name="connsiteX3" fmla="*/ 2672863 w 2672863"/>
+              <a:gd name="connsiteY3" fmla="*/ 1371600 h 1371600"/>
+              <a:gd name="connsiteX4" fmla="*/ 0 w 2672863"/>
+              <a:gd name="connsiteY4" fmla="*/ 1371600 h 1371600"/>
+              <a:gd name="connsiteX5" fmla="*/ 33268 w 2672863"/>
+              <a:gd name="connsiteY5" fmla="*/ 1242216 h 1371600"/>
+              <a:gd name="connsiteX6" fmla="*/ 1721734 w 2672863"/>
+              <a:gd name="connsiteY6" fmla="*/ 0 h 1371600"/>
+            </a:gdLst>
+            <a:ahLst/>
+            <a:cxnLst>
+              <a:cxn ang="0">
+                <a:pos x="connsiteX0" y="connsiteY0"/>
+              </a:cxn>
+              <a:cxn ang="0">
+                <a:pos x="connsiteX1" y="connsiteY1"/>
+              </a:cxn>
+              <a:cxn ang="0">
+                <a:pos x="connsiteX2" y="connsiteY2"/>
+              </a:cxn>
+              <a:cxn ang="0">
+                <a:pos x="connsiteX3" y="connsiteY3"/>
+              </a:cxn>
+              <a:cxn ang="0">
+                <a:pos x="connsiteX4" y="connsiteY4"/>
+              </a:cxn>
+              <a:cxn ang="0">
+                <a:pos x="connsiteX5" y="connsiteY5"/>
+              </a:cxn>
+              <a:cxn ang="0">
+                <a:pos x="connsiteX6" y="connsiteY6"/>
+              </a:cxn>
+            </a:cxnLst>
+            <a:rect l="l" t="t" r="r" b="b"/>
+            <a:pathLst>
+              <a:path w="2672863" h="1371600">
+                <a:moveTo>
+                  <a:pt x="1721734" y="0"/>
+                </a:moveTo>
+                <a:cubicBezTo>
+                  <a:pt x="2026863" y="0"/>
+                  <a:pt x="2313937" y="77299"/>
+                  <a:pt x="2564444" y="213382"/>
+                </a:cubicBezTo>
+                <a:lnTo>
+                  <a:pt x="2672863" y="279248"/>
+                </a:lnTo>
+                <a:lnTo>
+                  <a:pt x="2672863" y="1371600"/>
+                </a:lnTo>
+                <a:lnTo>
+                  <a:pt x="0" y="1371600"/>
+                </a:lnTo>
+                <a:lnTo>
+                  <a:pt x="33268" y="1242216"/>
+                </a:lnTo>
+                <a:cubicBezTo>
+                  <a:pt x="257110" y="522539"/>
+                  <a:pt x="928399" y="0"/>
+                  <a:pt x="1721734" y="0"/>
+                </a:cubicBezTo>
+                <a:close/>
+              </a:path>
+            </a:pathLst>
+          </a:custGeom>
+          <a:solidFill>
+            <a:schemeClr val="accent4"/>
+          </a:solidFill>
+          <a:ln>
+            <a:noFill/>
+          </a:ln>
+        </p:spPr>
+        <p:style>
+          <a:lnRef idx="2">
+            <a:schemeClr val="accent1">
+              <a:shade val="50000"/>
+            </a:schemeClr>
+          </a:lnRef>
+          <a:fillRef idx="1">
+            <a:schemeClr val="accent1"/>
+          </a:fillRef>
+          <a:effectRef idx="0">
+            <a:schemeClr val="accent1"/>
+          </a:effectRef>
+          <a:fontRef idx="minor">
+            <a:schemeClr val="lt1"/>
+          </a:fontRef>
+        </p:style>
+        <p:txBody>
+          <a:bodyPr wrap="square" rtlCol="0" anchor="ctr">
+            <a:noAutofit/>
+          </a:bodyPr>
+          <a:lstStyle/>
+          <a:p>
+            <a:pPr marL="0" marR="0" lvl="0" indent="0" algn="ctr" defTabSz="914400" rtl="0" eaLnBrk="1" fontAlgn="auto" latinLnBrk="0" hangingPunct="1">
+              <a:lnSpc>
+                <a:spcPct val="100000"/>
+              </a:lnSpc>
+              <a:spcBef>
+                <a:spcPts val="0"/>
+              </a:spcBef>
+              <a:spcAft>
+                <a:spcPts val="0"/>
+              </a:spcAft>
+              <a:buClrTx/>
+              <a:buSzTx/>
+              <a:buFontTx/>
+              <a:buNone/>
+              <a:tabLst/>
+              <a:defRPr/>
+            </a:pPr>
+            <a:endParaRPr kumimoji="0" lang="en-US" sz="1800" b="0" i="0" u="none" strike="noStrike" kern="1200" cap="none" spc="0" normalizeH="0" baseline="0" noProof="0">
+              <a:ln>
+                <a:noFill/>
+              </a:ln>
+              <a:solidFill>
+                <a:prstClr val="white"/>
+              </a:solidFill>
+              <a:effectLst/>
+              <a:uLnTx/>
+              <a:uFillTx/>
+              <a:latin typeface="Calibri" panose="020F0502020204030204"/>
+              <a:ea typeface="+mn-ea"/>
+              <a:cs typeface="+mn-cs"/>
+            </a:endParaRPr>
+          </a:p>
+        </p:txBody>
+      </p:sp>
+      <p:pic>
+        <p:nvPicPr>
+          <p:cNvPr id="1026" name="Picture 2" descr="How to use optical character recognition in real-life?">
+            <a:extLst>
+              <a:ext uri="{FF2B5EF4-FFF2-40B4-BE49-F238E27FC236}">
+                <a16:creationId xmlns:a16="http://schemas.microsoft.com/office/drawing/2014/main" id="{70ADD003-1E8C-44BA-531E-AC9C8AB34361}"/>
+              </a:ext>
+            </a:extLst>
+          </p:cNvPr>
+          <p:cNvPicPr>
+            <a:picLocks noChangeAspect="1" noChangeArrowheads="1"/>
+          </p:cNvPicPr>
+          <p:nvPr/>
+        </p:nvPicPr>
+        <p:blipFill rotWithShape="1">
+          <a:blip r:embed="rId2">
+            <a:extLst>
+              <a:ext uri="{28A0092B-C50C-407E-A947-70E740481C1C}">
+                <a14:useLocalDpi xmlns:a14="http://schemas.microsoft.com/office/drawing/2010/main" val="0"/>
+              </a:ext>
+            </a:extLst>
+          </a:blip>
+          <a:srcRect l="18350" r="17456"/>
+          <a:stretch/>
+        </p:blipFill>
+        <p:spPr bwMode="auto">
+          <a:xfrm>
+            <a:off x="6266673" y="1498647"/>
+            <a:ext cx="5476979" cy="3860705"/>
+          </a:xfrm>
+          <a:custGeom>
+            <a:avLst/>
+            <a:gdLst/>
+            <a:ahLst/>
+            <a:cxnLst/>
+            <a:rect l="l" t="t" r="r" b="b"/>
+            <a:pathLst>
+              <a:path w="4777381" h="5643794">
+                <a:moveTo>
+                  <a:pt x="143704" y="0"/>
+                </a:moveTo>
+                <a:lnTo>
+                  <a:pt x="4633677" y="0"/>
+                </a:lnTo>
+                <a:cubicBezTo>
+                  <a:pt x="4713043" y="0"/>
+                  <a:pt x="4777381" y="64338"/>
+                  <a:pt x="4777381" y="143704"/>
+                </a:cubicBezTo>
+                <a:lnTo>
+                  <a:pt x="4777381" y="5500090"/>
+                </a:lnTo>
+                <a:cubicBezTo>
+                  <a:pt x="4777381" y="5579456"/>
+                  <a:pt x="4713043" y="5643794"/>
+                  <a:pt x="4633677" y="5643794"/>
+                </a:cubicBezTo>
+                <a:lnTo>
+                  <a:pt x="143704" y="5643794"/>
+                </a:lnTo>
+                <a:cubicBezTo>
+                  <a:pt x="64338" y="5643794"/>
+                  <a:pt x="0" y="5579456"/>
+                  <a:pt x="0" y="5500090"/>
+                </a:cubicBezTo>
+                <a:lnTo>
+                  <a:pt x="0" y="143704"/>
+                </a:lnTo>
+                <a:cubicBezTo>
+                  <a:pt x="0" y="64338"/>
+                  <a:pt x="64338" y="0"/>
+                  <a:pt x="143704" y="0"/>
+                </a:cubicBezTo>
+                <a:close/>
+              </a:path>
+            </a:pathLst>
+          </a:custGeom>
+          <a:noFill/>
+          <a:extLst>
+            <a:ext uri="{909E8E84-426E-40DD-AFC4-6F175D3DCCD1}">
+              <a14:hiddenFill xmlns:a14="http://schemas.microsoft.com/office/drawing/2010/main">
+                <a:solidFill>
+                  <a:srgbClr val="FFFFFF"/>
+                </a:solidFill>
+              </a14:hiddenFill>
+            </a:ext>
+          </a:extLst>
+        </p:spPr>
+      </p:pic>
+      <p:sp>
+        <p:nvSpPr>
+          <p:cNvPr id="1030" name="Arc 1029">
+            <a:extLst>
+              <a:ext uri="{FF2B5EF4-FFF2-40B4-BE49-F238E27FC236}">
+                <a16:creationId xmlns:a16="http://schemas.microsoft.com/office/drawing/2014/main" id="{426B127E-6498-4C77-9C9D-4553A5113B80}"/>
+              </a:ext>
+              <a:ext uri="{C183D7F6-B498-43B3-948B-1728B52AA6E4}">
+                <adec:decorative xmlns:adec="http://schemas.microsoft.com/office/drawing/2017/decorative" val="1"/>
+              </a:ext>
+            </a:extLst>
+          </p:cNvPr>
+          <p:cNvSpPr>
+            <a:spLocks noGrp="1" noRot="1" noChangeAspect="1" noMove="1" noResize="1" noEditPoints="1" noAdjustHandles="1" noChangeArrowheads="1" noChangeShapeType="1" noTextEdit="1"/>
+          </p:cNvSpPr>
+          <p:nvPr>
+            <p:extLst>
+              <p:ext uri="{386F3935-93C4-4BCD-93E2-E3B085C9AB24}">
+                <p16:designElem xmlns:p16="http://schemas.microsoft.com/office/powerpoint/2015/main" val="1"/>
+              </p:ext>
+            </p:extLst>
+          </p:nvPr>
+        </p:nvSpPr>
+        <p:spPr>
+          <a:xfrm>
+            <a:off x="4602050" y="650160"/>
+            <a:ext cx="2987899" cy="2987899"/>
+          </a:xfrm>
+          <a:prstGeom prst="arc">
+            <a:avLst>
+              <a:gd name="adj1" fmla="val 14441841"/>
+              <a:gd name="adj2" fmla="val 0"/>
+            </a:avLst>
+          </a:prstGeom>
+          <a:ln w="127000" cap="rnd">
+            <a:solidFill>
+              <a:schemeClr val="accent4"/>
+            </a:solidFill>
+            <a:prstDash val="dash"/>
+            <a:miter lim="800000"/>
+          </a:ln>
+        </p:spPr>
+        <p:style>
+          <a:lnRef idx="1">
+            <a:schemeClr val="accent1"/>
+          </a:lnRef>
+          <a:fillRef idx="0">
+            <a:schemeClr val="accent1"/>
+          </a:fillRef>
+          <a:effectRef idx="0">
+            <a:schemeClr val="accent1"/>
+          </a:effectRef>
+          <a:fontRef idx="minor">
+            <a:schemeClr val="tx1"/>
+          </a:fontRef>
+        </p:style>
+        <p:txBody>
+          <a:bodyPr rtlCol="0" anchor="ctr"/>
+          <a:lstStyle/>
+          <a:p>
+            <a:pPr marL="0" marR="0" lvl="0" indent="0" algn="ctr" defTabSz="914400" rtl="0" eaLnBrk="1" fontAlgn="auto" latinLnBrk="0" hangingPunct="1">
+              <a:lnSpc>
+                <a:spcPct val="100000"/>
+              </a:lnSpc>
+              <a:spcBef>
+                <a:spcPts val="0"/>
+              </a:spcBef>
+              <a:spcAft>
+                <a:spcPts val="0"/>
+              </a:spcAft>
+              <a:buClrTx/>
+              <a:buSzTx/>
+              <a:buFontTx/>
+              <a:buNone/>
+              <a:tabLst/>
+              <a:defRPr/>
+            </a:pPr>
+            <a:endParaRPr kumimoji="0" lang="en-US" sz="1800" b="0" i="0" u="none" strike="noStrike" kern="1200" cap="none" spc="0" normalizeH="0" baseline="0" noProof="0">
+              <a:ln>
+                <a:noFill/>
+              </a:ln>
+              <a:solidFill>
+                <a:srgbClr val="000000"/>
+              </a:solidFill>
+              <a:effectLst/>
+              <a:uLnTx/>
+              <a:uFillTx/>
+              <a:latin typeface="Calibri" panose="020F0502020204030204"/>
+              <a:ea typeface="+mn-ea"/>
+              <a:cs typeface="+mn-cs"/>
+            </a:endParaRPr>
+          </a:p>
+        </p:txBody>
+      </p:sp>
       <p:sp>
         <p:nvSpPr>
           <p:cNvPr id="2" name="Title 1">
             <a:extLst>
               <a:ext uri="{FF2B5EF4-FFF2-40B4-BE49-F238E27FC236}">
-                <a16:creationId xmlns:a16="http://schemas.microsoft.com/office/drawing/2014/main" id="{7D2F6F69-BD97-22EF-CF32-EB1A205B215C}"/>
+                <a16:creationId xmlns:a16="http://schemas.microsoft.com/office/drawing/2014/main" id="{5759A1AE-C6A2-3A06-2293-B3DF84DACCF5}"/>
               </a:ext>
             </a:extLst>
           </p:cNvPr>
@@ -7838,14 +9367,21 @@
             <p:ph type="title"/>
           </p:nvPr>
         </p:nvSpPr>
-        <p:spPr/>
+        <p:spPr>
+          <a:xfrm>
+            <a:off x="838201" y="479493"/>
+            <a:ext cx="5257800" cy="1325563"/>
+          </a:xfrm>
+        </p:spPr>
         <p:txBody>
-          <a:bodyPr/>
+          <a:bodyPr>
+            <a:normAutofit/>
+          </a:bodyPr>
           <a:lstStyle/>
           <a:p>
             <a:r>
               <a:rPr lang="en-CA" dirty="0"/>
-              <a:t>Goal Statements (Include Inputs &amp; Outputs)</a:t>
+              <a:t>Problem Inputs &amp; Outputs</a:t>
             </a:r>
           </a:p>
         </p:txBody>
@@ -7855,7 +9391,7 @@
           <p:cNvPr id="3" name="Content Placeholder 2">
             <a:extLst>
               <a:ext uri="{FF2B5EF4-FFF2-40B4-BE49-F238E27FC236}">
-                <a16:creationId xmlns:a16="http://schemas.microsoft.com/office/drawing/2014/main" id="{1AEB8B50-8C85-0729-64B2-671AE19C2815}"/>
+                <a16:creationId xmlns:a16="http://schemas.microsoft.com/office/drawing/2014/main" id="{695A74DB-2858-C407-697B-48AD50FE8872}"/>
               </a:ext>
             </a:extLst>
           </p:cNvPr>
@@ -7866,12 +9402,1905 @@
             <p:ph idx="1"/>
           </p:nvPr>
         </p:nvSpPr>
-        <p:spPr/>
+        <p:spPr>
+          <a:xfrm>
+            <a:off x="838201" y="1984443"/>
+            <a:ext cx="5257800" cy="4192520"/>
+          </a:xfrm>
+        </p:spPr>
+        <p:txBody>
+          <a:bodyPr>
+            <a:normAutofit/>
+          </a:bodyPr>
+          <a:lstStyle/>
+          <a:p>
+            <a:pPr marL="0" indent="0">
+              <a:buNone/>
+            </a:pPr>
+            <a:r>
+              <a:rPr lang="en-CA" sz="2200" dirty="0"/>
+              <a:t>The problem this project addresses is processing readable images to identify capital-letter English Characters. </a:t>
+            </a:r>
+          </a:p>
+          <a:p>
+            <a:pPr marL="0" indent="0">
+              <a:buNone/>
+            </a:pPr>
+            <a:endParaRPr lang="en-CA" sz="2200" dirty="0"/>
+          </a:p>
+          <a:p>
+            <a:r>
+              <a:rPr lang="en-CA" sz="2200" dirty="0"/>
+              <a:t>Inputs: </a:t>
+            </a:r>
+            <a:r>
+              <a:rPr lang="en-US" sz="2200" dirty="0"/>
+              <a:t>pixel data from images of characters to be identified</a:t>
+            </a:r>
+            <a:endParaRPr lang="en-CA" sz="2200" dirty="0"/>
+          </a:p>
+          <a:p>
+            <a:r>
+              <a:rPr lang="en-CA" sz="2200" dirty="0"/>
+              <a:t>Outputs: </a:t>
+            </a:r>
+            <a:r>
+              <a:rPr lang="en-US" sz="2200" dirty="0"/>
+              <a:t>a probability that the image depicts one of the English alphabet letters in the set of {A, B, C, D, E, F, G, H, I, J, K, L, M, N, O, P, Q, R, S, T, U, V, W, X, Y, Z}</a:t>
+            </a:r>
+            <a:endParaRPr lang="en-CA" sz="2200" dirty="0"/>
+          </a:p>
+        </p:txBody>
+      </p:sp>
+      <p:sp>
+        <p:nvSpPr>
+          <p:cNvPr id="5" name="Slide Number Placeholder 3">
+            <a:extLst>
+              <a:ext uri="{FF2B5EF4-FFF2-40B4-BE49-F238E27FC236}">
+                <a16:creationId xmlns:a16="http://schemas.microsoft.com/office/drawing/2014/main" id="{2CDDB1A3-6053-6F50-7B03-6D5A338CD42D}"/>
+              </a:ext>
+            </a:extLst>
+          </p:cNvPr>
+          <p:cNvSpPr txBox="1">
+            <a:spLocks/>
+          </p:cNvSpPr>
+          <p:nvPr/>
+        </p:nvSpPr>
+        <p:spPr>
+          <a:xfrm>
+            <a:off x="9395545" y="6445897"/>
+            <a:ext cx="2743200" cy="365125"/>
+          </a:xfrm>
+          <a:prstGeom prst="rect">
+            <a:avLst/>
+          </a:prstGeom>
+        </p:spPr>
+        <p:txBody>
+          <a:bodyPr vert="horz" lIns="91440" tIns="45720" rIns="91440" bIns="45720" rtlCol="0" anchor="ctr"/>
+          <a:lstStyle>
+            <a:defPPr>
+              <a:defRPr lang="en-US"/>
+            </a:defPPr>
+            <a:lvl1pPr marL="0" algn="r" defTabSz="914400" rtl="0" eaLnBrk="1" latinLnBrk="0" hangingPunct="1">
+              <a:defRPr sz="1200" kern="1200" cap="none" spc="0" baseline="0">
+                <a:solidFill>
+                  <a:schemeClr val="tx1">
+                    <a:tint val="75000"/>
+                  </a:schemeClr>
+                </a:solidFill>
+                <a:latin typeface="+mn-lt"/>
+                <a:ea typeface="+mn-ea"/>
+                <a:cs typeface="+mn-cs"/>
+              </a:defRPr>
+            </a:lvl1pPr>
+            <a:lvl2pPr marL="457200" algn="l" defTabSz="914400" rtl="0" eaLnBrk="1" latinLnBrk="0" hangingPunct="1">
+              <a:defRPr sz="1800" kern="1200">
+                <a:solidFill>
+                  <a:schemeClr val="tx1"/>
+                </a:solidFill>
+                <a:latin typeface="+mn-lt"/>
+                <a:ea typeface="+mn-ea"/>
+                <a:cs typeface="+mn-cs"/>
+              </a:defRPr>
+            </a:lvl2pPr>
+            <a:lvl3pPr marL="914400" algn="l" defTabSz="914400" rtl="0" eaLnBrk="1" latinLnBrk="0" hangingPunct="1">
+              <a:defRPr sz="1800" kern="1200">
+                <a:solidFill>
+                  <a:schemeClr val="tx1"/>
+                </a:solidFill>
+                <a:latin typeface="+mn-lt"/>
+                <a:ea typeface="+mn-ea"/>
+                <a:cs typeface="+mn-cs"/>
+              </a:defRPr>
+            </a:lvl3pPr>
+            <a:lvl4pPr marL="1371600" algn="l" defTabSz="914400" rtl="0" eaLnBrk="1" latinLnBrk="0" hangingPunct="1">
+              <a:defRPr sz="1800" kern="1200">
+                <a:solidFill>
+                  <a:schemeClr val="tx1"/>
+                </a:solidFill>
+                <a:latin typeface="+mn-lt"/>
+                <a:ea typeface="+mn-ea"/>
+                <a:cs typeface="+mn-cs"/>
+              </a:defRPr>
+            </a:lvl4pPr>
+            <a:lvl5pPr marL="1828800" algn="l" defTabSz="914400" rtl="0" eaLnBrk="1" latinLnBrk="0" hangingPunct="1">
+              <a:defRPr sz="1800" kern="1200">
+                <a:solidFill>
+                  <a:schemeClr val="tx1"/>
+                </a:solidFill>
+                <a:latin typeface="+mn-lt"/>
+                <a:ea typeface="+mn-ea"/>
+                <a:cs typeface="+mn-cs"/>
+              </a:defRPr>
+            </a:lvl5pPr>
+            <a:lvl6pPr marL="2286000" algn="l" defTabSz="914400" rtl="0" eaLnBrk="1" latinLnBrk="0" hangingPunct="1">
+              <a:defRPr sz="1800" kern="1200">
+                <a:solidFill>
+                  <a:schemeClr val="tx1"/>
+                </a:solidFill>
+                <a:latin typeface="+mn-lt"/>
+                <a:ea typeface="+mn-ea"/>
+                <a:cs typeface="+mn-cs"/>
+              </a:defRPr>
+            </a:lvl6pPr>
+            <a:lvl7pPr marL="2743200" algn="l" defTabSz="914400" rtl="0" eaLnBrk="1" latinLnBrk="0" hangingPunct="1">
+              <a:defRPr sz="1800" kern="1200">
+                <a:solidFill>
+                  <a:schemeClr val="tx1"/>
+                </a:solidFill>
+                <a:latin typeface="+mn-lt"/>
+                <a:ea typeface="+mn-ea"/>
+                <a:cs typeface="+mn-cs"/>
+              </a:defRPr>
+            </a:lvl7pPr>
+            <a:lvl8pPr marL="3200400" algn="l" defTabSz="914400" rtl="0" eaLnBrk="1" latinLnBrk="0" hangingPunct="1">
+              <a:defRPr sz="1800" kern="1200">
+                <a:solidFill>
+                  <a:schemeClr val="tx1"/>
+                </a:solidFill>
+                <a:latin typeface="+mn-lt"/>
+                <a:ea typeface="+mn-ea"/>
+                <a:cs typeface="+mn-cs"/>
+              </a:defRPr>
+            </a:lvl8pPr>
+            <a:lvl9pPr marL="3657600" algn="l" defTabSz="914400" rtl="0" eaLnBrk="1" latinLnBrk="0" hangingPunct="1">
+              <a:defRPr sz="1800" kern="1200">
+                <a:solidFill>
+                  <a:schemeClr val="tx1"/>
+                </a:solidFill>
+                <a:latin typeface="+mn-lt"/>
+                <a:ea typeface="+mn-ea"/>
+                <a:cs typeface="+mn-cs"/>
+              </a:defRPr>
+            </a:lvl9pPr>
+          </a:lstStyle>
+          <a:p>
+            <a:r>
+              <a:rPr lang="en-US" dirty="0">
+                <a:solidFill>
+                  <a:schemeClr val="tx1"/>
+                </a:solidFill>
+              </a:rPr>
+              <a:t>Page 2/8</a:t>
+            </a:r>
+          </a:p>
+        </p:txBody>
+      </p:sp>
+    </p:spTree>
+    <p:extLst>
+      <p:ext uri="{BB962C8B-B14F-4D97-AF65-F5344CB8AC3E}">
+        <p14:creationId xmlns:p14="http://schemas.microsoft.com/office/powerpoint/2010/main" val="464311981"/>
+      </p:ext>
+    </p:extLst>
+  </p:cSld>
+  <p:clrMapOvr>
+    <a:masterClrMapping/>
+  </p:clrMapOvr>
+</p:sld>
+</file>
+
+<file path=ppt/slides/slide3.xml><?xml version="1.0" encoding="utf-8"?>
+<p:sld xmlns:a="http://schemas.openxmlformats.org/drawingml/2006/main" xmlns:r="http://schemas.openxmlformats.org/officeDocument/2006/relationships" xmlns:p="http://schemas.openxmlformats.org/presentationml/2006/main">
+  <p:cSld>
+    <p:bg>
+      <p:bgPr>
+        <a:solidFill>
+          <a:schemeClr val="bg1"/>
+        </a:solidFill>
+        <a:effectLst/>
+      </p:bgPr>
+    </p:bg>
+    <p:spTree>
+      <p:nvGrpSpPr>
+        <p:cNvPr id="1" name=""/>
+        <p:cNvGrpSpPr/>
+        <p:nvPr/>
+      </p:nvGrpSpPr>
+      <p:grpSpPr>
+        <a:xfrm>
+          <a:off x="0" y="0"/>
+          <a:ext cx="0" cy="0"/>
+          <a:chOff x="0" y="0"/>
+          <a:chExt cx="0" cy="0"/>
+        </a:xfrm>
+      </p:grpSpPr>
+      <p:sp useBgFill="1">
+        <p:nvSpPr>
+          <p:cNvPr id="10" name="Rectangle 9">
+            <a:extLst>
+              <a:ext uri="{FF2B5EF4-FFF2-40B4-BE49-F238E27FC236}">
+                <a16:creationId xmlns:a16="http://schemas.microsoft.com/office/drawing/2014/main" id="{1CD81A2A-6ED4-4EF4-A14C-912D31E14800}"/>
+              </a:ext>
+              <a:ext uri="{C183D7F6-B498-43B3-948B-1728B52AA6E4}">
+                <adec:decorative xmlns:adec="http://schemas.microsoft.com/office/drawing/2017/decorative" val="1"/>
+              </a:ext>
+            </a:extLst>
+          </p:cNvPr>
+          <p:cNvSpPr>
+            <a:spLocks noGrp="1" noRot="1" noChangeAspect="1" noMove="1" noResize="1" noEditPoints="1" noAdjustHandles="1" noChangeArrowheads="1" noChangeShapeType="1" noTextEdit="1"/>
+          </p:cNvSpPr>
+          <p:nvPr>
+            <p:extLst>
+              <p:ext uri="{386F3935-93C4-4BCD-93E2-E3B085C9AB24}">
+                <p16:designElem xmlns:p16="http://schemas.microsoft.com/office/powerpoint/2015/main" val="1"/>
+              </p:ext>
+            </p:extLst>
+          </p:nvPr>
+        </p:nvSpPr>
+        <p:spPr bwMode="white">
+          <a:xfrm>
+            <a:off x="0" y="0"/>
+            <a:ext cx="12192000" cy="6858000"/>
+          </a:xfrm>
+          <a:prstGeom prst="rect">
+            <a:avLst/>
+          </a:prstGeom>
+          <a:ln>
+            <a:noFill/>
+          </a:ln>
+        </p:spPr>
+        <p:style>
+          <a:lnRef idx="2">
+            <a:schemeClr val="accent1">
+              <a:shade val="50000"/>
+            </a:schemeClr>
+          </a:lnRef>
+          <a:fillRef idx="1">
+            <a:schemeClr val="accent1"/>
+          </a:fillRef>
+          <a:effectRef idx="0">
+            <a:schemeClr val="accent1"/>
+          </a:effectRef>
+          <a:fontRef idx="minor">
+            <a:schemeClr val="lt1"/>
+          </a:fontRef>
+        </p:style>
+        <p:txBody>
+          <a:bodyPr rtlCol="0" anchor="ctr"/>
+          <a:lstStyle>
+            <a:defPPr>
+              <a:defRPr lang="en-US"/>
+            </a:defPPr>
+            <a:lvl1pPr marL="0" algn="l" defTabSz="914400" rtl="0" eaLnBrk="1" latinLnBrk="0" hangingPunct="1">
+              <a:defRPr sz="1800" kern="1200">
+                <a:solidFill>
+                  <a:schemeClr val="lt1"/>
+                </a:solidFill>
+                <a:latin typeface="+mn-lt"/>
+                <a:ea typeface="+mn-ea"/>
+                <a:cs typeface="+mn-cs"/>
+              </a:defRPr>
+            </a:lvl1pPr>
+            <a:lvl2pPr marL="457200" algn="l" defTabSz="914400" rtl="0" eaLnBrk="1" latinLnBrk="0" hangingPunct="1">
+              <a:defRPr sz="1800" kern="1200">
+                <a:solidFill>
+                  <a:schemeClr val="lt1"/>
+                </a:solidFill>
+                <a:latin typeface="+mn-lt"/>
+                <a:ea typeface="+mn-ea"/>
+                <a:cs typeface="+mn-cs"/>
+              </a:defRPr>
+            </a:lvl2pPr>
+            <a:lvl3pPr marL="914400" algn="l" defTabSz="914400" rtl="0" eaLnBrk="1" latinLnBrk="0" hangingPunct="1">
+              <a:defRPr sz="1800" kern="1200">
+                <a:solidFill>
+                  <a:schemeClr val="lt1"/>
+                </a:solidFill>
+                <a:latin typeface="+mn-lt"/>
+                <a:ea typeface="+mn-ea"/>
+                <a:cs typeface="+mn-cs"/>
+              </a:defRPr>
+            </a:lvl3pPr>
+            <a:lvl4pPr marL="1371600" algn="l" defTabSz="914400" rtl="0" eaLnBrk="1" latinLnBrk="0" hangingPunct="1">
+              <a:defRPr sz="1800" kern="1200">
+                <a:solidFill>
+                  <a:schemeClr val="lt1"/>
+                </a:solidFill>
+                <a:latin typeface="+mn-lt"/>
+                <a:ea typeface="+mn-ea"/>
+                <a:cs typeface="+mn-cs"/>
+              </a:defRPr>
+            </a:lvl4pPr>
+            <a:lvl5pPr marL="1828800" algn="l" defTabSz="914400" rtl="0" eaLnBrk="1" latinLnBrk="0" hangingPunct="1">
+              <a:defRPr sz="1800" kern="1200">
+                <a:solidFill>
+                  <a:schemeClr val="lt1"/>
+                </a:solidFill>
+                <a:latin typeface="+mn-lt"/>
+                <a:ea typeface="+mn-ea"/>
+                <a:cs typeface="+mn-cs"/>
+              </a:defRPr>
+            </a:lvl5pPr>
+            <a:lvl6pPr marL="2286000" algn="l" defTabSz="914400" rtl="0" eaLnBrk="1" latinLnBrk="0" hangingPunct="1">
+              <a:defRPr sz="1800" kern="1200">
+                <a:solidFill>
+                  <a:schemeClr val="lt1"/>
+                </a:solidFill>
+                <a:latin typeface="+mn-lt"/>
+                <a:ea typeface="+mn-ea"/>
+                <a:cs typeface="+mn-cs"/>
+              </a:defRPr>
+            </a:lvl6pPr>
+            <a:lvl7pPr marL="2743200" algn="l" defTabSz="914400" rtl="0" eaLnBrk="1" latinLnBrk="0" hangingPunct="1">
+              <a:defRPr sz="1800" kern="1200">
+                <a:solidFill>
+                  <a:schemeClr val="lt1"/>
+                </a:solidFill>
+                <a:latin typeface="+mn-lt"/>
+                <a:ea typeface="+mn-ea"/>
+                <a:cs typeface="+mn-cs"/>
+              </a:defRPr>
+            </a:lvl7pPr>
+            <a:lvl8pPr marL="3200400" algn="l" defTabSz="914400" rtl="0" eaLnBrk="1" latinLnBrk="0" hangingPunct="1">
+              <a:defRPr sz="1800" kern="1200">
+                <a:solidFill>
+                  <a:schemeClr val="lt1"/>
+                </a:solidFill>
+                <a:latin typeface="+mn-lt"/>
+                <a:ea typeface="+mn-ea"/>
+                <a:cs typeface="+mn-cs"/>
+              </a:defRPr>
+            </a:lvl8pPr>
+            <a:lvl9pPr marL="3657600" algn="l" defTabSz="914400" rtl="0" eaLnBrk="1" latinLnBrk="0" hangingPunct="1">
+              <a:defRPr sz="1800" kern="1200">
+                <a:solidFill>
+                  <a:schemeClr val="lt1"/>
+                </a:solidFill>
+                <a:latin typeface="+mn-lt"/>
+                <a:ea typeface="+mn-ea"/>
+                <a:cs typeface="+mn-cs"/>
+              </a:defRPr>
+            </a:lvl9pPr>
+          </a:lstStyle>
+          <a:p>
+            <a:pPr marL="0" marR="0" lvl="0" indent="0" algn="ctr" defTabSz="914400" rtl="0" eaLnBrk="1" fontAlgn="auto" latinLnBrk="0" hangingPunct="1">
+              <a:lnSpc>
+                <a:spcPct val="100000"/>
+              </a:lnSpc>
+              <a:spcBef>
+                <a:spcPts val="0"/>
+              </a:spcBef>
+              <a:spcAft>
+                <a:spcPts val="0"/>
+              </a:spcAft>
+              <a:buClrTx/>
+              <a:buSzTx/>
+              <a:buFontTx/>
+              <a:buNone/>
+              <a:tabLst/>
+              <a:defRPr/>
+            </a:pPr>
+            <a:endParaRPr kumimoji="0" lang="en-US" sz="1800" b="0" i="0" u="none" strike="noStrike" kern="1200" cap="none" spc="0" normalizeH="0" baseline="0" noProof="0">
+              <a:ln>
+                <a:noFill/>
+              </a:ln>
+              <a:solidFill>
+                <a:prstClr val="white"/>
+              </a:solidFill>
+              <a:effectLst/>
+              <a:uLnTx/>
+              <a:uFillTx/>
+              <a:latin typeface="Calibri" panose="020F0502020204030204"/>
+              <a:ea typeface="+mn-ea"/>
+              <a:cs typeface="+mn-cs"/>
+            </a:endParaRPr>
+          </a:p>
+        </p:txBody>
+      </p:sp>
+      <p:sp>
+        <p:nvSpPr>
+          <p:cNvPr id="2" name="Title 1">
+            <a:extLst>
+              <a:ext uri="{FF2B5EF4-FFF2-40B4-BE49-F238E27FC236}">
+                <a16:creationId xmlns:a16="http://schemas.microsoft.com/office/drawing/2014/main" id="{7D2F6F69-BD97-22EF-CF32-EB1A205B215C}"/>
+              </a:ext>
+            </a:extLst>
+          </p:cNvPr>
+          <p:cNvSpPr>
+            <a:spLocks noGrp="1"/>
+          </p:cNvSpPr>
+          <p:nvPr>
+            <p:ph type="title"/>
+          </p:nvPr>
+        </p:nvSpPr>
+        <p:spPr>
+          <a:xfrm>
+            <a:off x="838200" y="365125"/>
+            <a:ext cx="5393361" cy="1325563"/>
+          </a:xfrm>
+        </p:spPr>
+        <p:txBody>
+          <a:bodyPr>
+            <a:normAutofit/>
+          </a:bodyPr>
+          <a:lstStyle/>
+          <a:p>
+            <a:r>
+              <a:rPr lang="en-CA" dirty="0"/>
+              <a:t>Goal Statements</a:t>
+            </a:r>
+          </a:p>
+        </p:txBody>
+      </p:sp>
+      <p:sp>
+        <p:nvSpPr>
+          <p:cNvPr id="12" name="Freeform: Shape 11">
+            <a:extLst>
+              <a:ext uri="{FF2B5EF4-FFF2-40B4-BE49-F238E27FC236}">
+                <a16:creationId xmlns:a16="http://schemas.microsoft.com/office/drawing/2014/main" id="{1661932C-CA15-4E17-B115-FAE7CBEE4789}"/>
+              </a:ext>
+              <a:ext uri="{C183D7F6-B498-43B3-948B-1728B52AA6E4}">
+                <adec:decorative xmlns:adec="http://schemas.microsoft.com/office/drawing/2017/decorative" val="1"/>
+              </a:ext>
+            </a:extLst>
+          </p:cNvPr>
+          <p:cNvSpPr>
+            <a:spLocks noGrp="1" noRot="1" noChangeAspect="1" noMove="1" noResize="1" noEditPoints="1" noAdjustHandles="1" noChangeArrowheads="1" noChangeShapeType="1" noTextEdit="1"/>
+          </p:cNvSpPr>
+          <p:nvPr>
+            <p:extLst>
+              <p:ext uri="{386F3935-93C4-4BCD-93E2-E3B085C9AB24}">
+                <p16:designElem xmlns:p16="http://schemas.microsoft.com/office/powerpoint/2015/main" val="1"/>
+              </p:ext>
+            </p:extLst>
+          </p:nvPr>
+        </p:nvSpPr>
+        <p:spPr>
+          <a:xfrm>
+            <a:off x="10198657" y="1"/>
+            <a:ext cx="1155142" cy="625027"/>
+          </a:xfrm>
+          <a:custGeom>
+            <a:avLst/>
+            <a:gdLst>
+              <a:gd name="connsiteX0" fmla="*/ 4784 w 1155142"/>
+              <a:gd name="connsiteY0" fmla="*/ 0 h 625027"/>
+              <a:gd name="connsiteX1" fmla="*/ 1150358 w 1155142"/>
+              <a:gd name="connsiteY1" fmla="*/ 0 h 625027"/>
+              <a:gd name="connsiteX2" fmla="*/ 1155142 w 1155142"/>
+              <a:gd name="connsiteY2" fmla="*/ 47456 h 625027"/>
+              <a:gd name="connsiteX3" fmla="*/ 577571 w 1155142"/>
+              <a:gd name="connsiteY3" fmla="*/ 625027 h 625027"/>
+              <a:gd name="connsiteX4" fmla="*/ 0 w 1155142"/>
+              <a:gd name="connsiteY4" fmla="*/ 47456 h 625027"/>
+            </a:gdLst>
+            <a:ahLst/>
+            <a:cxnLst>
+              <a:cxn ang="0">
+                <a:pos x="connsiteX0" y="connsiteY0"/>
+              </a:cxn>
+              <a:cxn ang="0">
+                <a:pos x="connsiteX1" y="connsiteY1"/>
+              </a:cxn>
+              <a:cxn ang="0">
+                <a:pos x="connsiteX2" y="connsiteY2"/>
+              </a:cxn>
+              <a:cxn ang="0">
+                <a:pos x="connsiteX3" y="connsiteY3"/>
+              </a:cxn>
+              <a:cxn ang="0">
+                <a:pos x="connsiteX4" y="connsiteY4"/>
+              </a:cxn>
+            </a:cxnLst>
+            <a:rect l="l" t="t" r="r" b="b"/>
+            <a:pathLst>
+              <a:path w="1155142" h="625027">
+                <a:moveTo>
+                  <a:pt x="4784" y="0"/>
+                </a:moveTo>
+                <a:lnTo>
+                  <a:pt x="1150358" y="0"/>
+                </a:lnTo>
+                <a:lnTo>
+                  <a:pt x="1155142" y="47456"/>
+                </a:lnTo>
+                <a:cubicBezTo>
+                  <a:pt x="1155142" y="366440"/>
+                  <a:pt x="896555" y="625027"/>
+                  <a:pt x="577571" y="625027"/>
+                </a:cubicBezTo>
+                <a:cubicBezTo>
+                  <a:pt x="258587" y="625027"/>
+                  <a:pt x="0" y="366440"/>
+                  <a:pt x="0" y="47456"/>
+                </a:cubicBezTo>
+                <a:close/>
+              </a:path>
+            </a:pathLst>
+          </a:custGeom>
+          <a:solidFill>
+            <a:schemeClr val="accent5">
+              <a:alpha val="95000"/>
+            </a:schemeClr>
+          </a:solidFill>
+          <a:ln>
+            <a:noFill/>
+          </a:ln>
+        </p:spPr>
+        <p:style>
+          <a:lnRef idx="2">
+            <a:schemeClr val="accent1">
+              <a:shade val="50000"/>
+            </a:schemeClr>
+          </a:lnRef>
+          <a:fillRef idx="1">
+            <a:schemeClr val="accent1"/>
+          </a:fillRef>
+          <a:effectRef idx="0">
+            <a:schemeClr val="accent1"/>
+          </a:effectRef>
+          <a:fontRef idx="minor">
+            <a:schemeClr val="lt1"/>
+          </a:fontRef>
+        </p:style>
+        <p:txBody>
+          <a:bodyPr wrap="square" rtlCol="0" anchor="ctr">
+            <a:noAutofit/>
+          </a:bodyPr>
+          <a:lstStyle/>
+          <a:p>
+            <a:pPr marL="0" marR="0" lvl="0" indent="0" algn="ctr" defTabSz="914400" rtl="0" eaLnBrk="1" fontAlgn="auto" latinLnBrk="0" hangingPunct="1">
+              <a:lnSpc>
+                <a:spcPct val="100000"/>
+              </a:lnSpc>
+              <a:spcBef>
+                <a:spcPts val="0"/>
+              </a:spcBef>
+              <a:spcAft>
+                <a:spcPts val="0"/>
+              </a:spcAft>
+              <a:buClrTx/>
+              <a:buSzTx/>
+              <a:buFontTx/>
+              <a:buNone/>
+              <a:tabLst/>
+              <a:defRPr/>
+            </a:pPr>
+            <a:endParaRPr kumimoji="0" lang="en-US" sz="1800" b="0" i="0" u="none" strike="noStrike" kern="1200" cap="none" spc="0" normalizeH="0" baseline="0" noProof="0">
+              <a:ln>
+                <a:noFill/>
+              </a:ln>
+              <a:solidFill>
+                <a:prstClr val="white"/>
+              </a:solidFill>
+              <a:effectLst/>
+              <a:uLnTx/>
+              <a:uFillTx/>
+              <a:latin typeface="Calibri" panose="020F0502020204030204"/>
+              <a:ea typeface="+mn-ea"/>
+              <a:cs typeface="+mn-cs"/>
+            </a:endParaRPr>
+          </a:p>
+        </p:txBody>
+      </p:sp>
+      <p:sp>
+        <p:nvSpPr>
+          <p:cNvPr id="3" name="Content Placeholder 2">
+            <a:extLst>
+              <a:ext uri="{FF2B5EF4-FFF2-40B4-BE49-F238E27FC236}">
+                <a16:creationId xmlns:a16="http://schemas.microsoft.com/office/drawing/2014/main" id="{1AEB8B50-8C85-0729-64B2-671AE19C2815}"/>
+              </a:ext>
+            </a:extLst>
+          </p:cNvPr>
+          <p:cNvSpPr>
+            <a:spLocks noGrp="1"/>
+          </p:cNvSpPr>
+          <p:nvPr>
+            <p:ph idx="1"/>
+          </p:nvPr>
+        </p:nvSpPr>
+        <p:spPr>
+          <a:xfrm>
+            <a:off x="838200" y="1825625"/>
+            <a:ext cx="5393361" cy="4351338"/>
+          </a:xfrm>
+        </p:spPr>
+        <p:txBody>
+          <a:bodyPr>
+            <a:normAutofit/>
+          </a:bodyPr>
+          <a:lstStyle/>
+          <a:p>
+            <a:pPr marL="0" indent="0">
+              <a:buNone/>
+            </a:pPr>
+            <a:r>
+              <a:rPr lang="en-CA" sz="1700" dirty="0"/>
+              <a:t>Given part of the program is creating a classification model there are two sets of goal statements. Given the initial dataset for each label (alphabet letter):</a:t>
+            </a:r>
+          </a:p>
+          <a:p>
+            <a:r>
+              <a:rPr lang="en-CA" sz="1700" dirty="0"/>
+              <a:t>GS1: Calculate the predicted values of known input character using the sigmoid function</a:t>
+            </a:r>
+          </a:p>
+          <a:p>
+            <a:r>
+              <a:rPr lang="en-CA" sz="1700" dirty="0"/>
+              <a:t>GS2: Train weights and biases by maximizing gradient of Log Likelihood function</a:t>
+            </a:r>
+          </a:p>
+          <a:p>
+            <a:pPr marL="0" indent="0">
+              <a:buNone/>
+            </a:pPr>
+            <a:r>
+              <a:rPr lang="en-CA" sz="1700" dirty="0"/>
+              <a:t>Then after the model has been built the goal shifts:</a:t>
+            </a:r>
+          </a:p>
+          <a:p>
+            <a:r>
+              <a:rPr lang="en-CA" sz="1700" dirty="0"/>
+              <a:t>GS3: Calculate the predicted values of unknown character using the sigmoid function</a:t>
+            </a:r>
+          </a:p>
+          <a:p>
+            <a:r>
+              <a:rPr lang="en-CA" sz="1700" dirty="0"/>
+              <a:t>GS4: Calculate Log Likelihood function and display label that is most likely the character depicted in the image.</a:t>
+            </a:r>
+          </a:p>
+        </p:txBody>
+      </p:sp>
+      <p:sp>
+        <p:nvSpPr>
+          <p:cNvPr id="14" name="Oval 13">
+            <a:extLst>
+              <a:ext uri="{FF2B5EF4-FFF2-40B4-BE49-F238E27FC236}">
+                <a16:creationId xmlns:a16="http://schemas.microsoft.com/office/drawing/2014/main" id="{8590ADD5-9383-4D3D-9047-3DA2593CCB5D}"/>
+              </a:ext>
+              <a:ext uri="{C183D7F6-B498-43B3-948B-1728B52AA6E4}">
+                <adec:decorative xmlns:adec="http://schemas.microsoft.com/office/drawing/2017/decorative" val="1"/>
+              </a:ext>
+            </a:extLst>
+          </p:cNvPr>
+          <p:cNvSpPr>
+            <a:spLocks noGrp="1" noRot="1" noChangeAspect="1" noMove="1" noResize="1" noEditPoints="1" noAdjustHandles="1" noChangeArrowheads="1" noChangeShapeType="1" noTextEdit="1"/>
+          </p:cNvSpPr>
+          <p:nvPr>
+            <p:extLst>
+              <p:ext uri="{386F3935-93C4-4BCD-93E2-E3B085C9AB24}">
+                <p16:designElem xmlns:p16="http://schemas.microsoft.com/office/powerpoint/2015/main" val="1"/>
+              </p:ext>
+            </p:extLst>
+          </p:nvPr>
+        </p:nvSpPr>
+        <p:spPr>
+          <a:xfrm>
+            <a:off x="6808185" y="3423959"/>
+            <a:ext cx="540822" cy="540822"/>
+          </a:xfrm>
+          <a:prstGeom prst="ellipse">
+            <a:avLst/>
+          </a:prstGeom>
+          <a:noFill/>
+          <a:ln w="127000">
+            <a:solidFill>
+              <a:schemeClr val="accent5"/>
+            </a:solidFill>
+          </a:ln>
+        </p:spPr>
+        <p:style>
+          <a:lnRef idx="2">
+            <a:schemeClr val="accent1">
+              <a:shade val="50000"/>
+            </a:schemeClr>
+          </a:lnRef>
+          <a:fillRef idx="1">
+            <a:schemeClr val="accent1"/>
+          </a:fillRef>
+          <a:effectRef idx="0">
+            <a:schemeClr val="accent1"/>
+          </a:effectRef>
+          <a:fontRef idx="minor">
+            <a:schemeClr val="lt1"/>
+          </a:fontRef>
+        </p:style>
+        <p:txBody>
+          <a:bodyPr rtlCol="0" anchor="ctr"/>
+          <a:lstStyle/>
+          <a:p>
+            <a:pPr marL="0" marR="0" lvl="0" indent="0" algn="ctr" defTabSz="914400" rtl="0" eaLnBrk="1" fontAlgn="auto" latinLnBrk="0" hangingPunct="1">
+              <a:lnSpc>
+                <a:spcPct val="100000"/>
+              </a:lnSpc>
+              <a:spcBef>
+                <a:spcPts val="0"/>
+              </a:spcBef>
+              <a:spcAft>
+                <a:spcPts val="0"/>
+              </a:spcAft>
+              <a:buClrTx/>
+              <a:buSzTx/>
+              <a:buFontTx/>
+              <a:buNone/>
+              <a:tabLst/>
+              <a:defRPr/>
+            </a:pPr>
+            <a:endParaRPr kumimoji="0" lang="en-US" sz="1800" b="0" i="0" u="none" strike="noStrike" kern="1200" cap="none" spc="0" normalizeH="0" baseline="0" noProof="0">
+              <a:ln>
+                <a:noFill/>
+              </a:ln>
+              <a:solidFill>
+                <a:prstClr val="white"/>
+              </a:solidFill>
+              <a:effectLst/>
+              <a:uLnTx/>
+              <a:uFillTx/>
+              <a:latin typeface="Calibri" panose="020F0502020204030204"/>
+              <a:ea typeface="+mn-ea"/>
+              <a:cs typeface="+mn-cs"/>
+            </a:endParaRPr>
+          </a:p>
+        </p:txBody>
+      </p:sp>
+      <p:pic>
+        <p:nvPicPr>
+          <p:cNvPr id="7" name="Graphic 6" descr="Flowchart">
+            <a:extLst>
+              <a:ext uri="{FF2B5EF4-FFF2-40B4-BE49-F238E27FC236}">
+                <a16:creationId xmlns:a16="http://schemas.microsoft.com/office/drawing/2014/main" id="{947BE24C-2029-BD0A-C300-37A124369839}"/>
+              </a:ext>
+            </a:extLst>
+          </p:cNvPr>
+          <p:cNvPicPr>
+            <a:picLocks noChangeAspect="1"/>
+          </p:cNvPicPr>
+          <p:nvPr/>
+        </p:nvPicPr>
+        <p:blipFill>
+          <a:blip r:embed="rId2">
+            <a:extLst>
+              <a:ext uri="{28A0092B-C50C-407E-A947-70E740481C1C}">
+                <a14:useLocalDpi xmlns:a14="http://schemas.microsoft.com/office/drawing/2010/main" val="0"/>
+              </a:ext>
+              <a:ext uri="{96DAC541-7B7A-43D3-8B79-37D633B846F1}">
+                <asvg:svgBlip xmlns:asvg="http://schemas.microsoft.com/office/drawing/2016/SVG/main" r:embed="rId3"/>
+              </a:ext>
+            </a:extLst>
+          </a:blip>
+          <a:stretch>
+            <a:fillRect/>
+          </a:stretch>
+        </p:blipFill>
+        <p:spPr>
+          <a:xfrm>
+            <a:off x="7887184" y="1216485"/>
+            <a:ext cx="3781051" cy="3781051"/>
+          </a:xfrm>
+          <a:custGeom>
+            <a:avLst/>
+            <a:gdLst/>
+            <a:ahLst/>
+            <a:cxnLst/>
+            <a:rect l="l" t="t" r="r" b="b"/>
+            <a:pathLst>
+              <a:path w="4114800" h="5712488">
+                <a:moveTo>
+                  <a:pt x="133155" y="0"/>
+                </a:moveTo>
+                <a:lnTo>
+                  <a:pt x="3981645" y="0"/>
+                </a:lnTo>
+                <a:cubicBezTo>
+                  <a:pt x="4055184" y="0"/>
+                  <a:pt x="4114800" y="59616"/>
+                  <a:pt x="4114800" y="133155"/>
+                </a:cubicBezTo>
+                <a:lnTo>
+                  <a:pt x="4114800" y="5579333"/>
+                </a:lnTo>
+                <a:cubicBezTo>
+                  <a:pt x="4114800" y="5652872"/>
+                  <a:pt x="4055184" y="5712488"/>
+                  <a:pt x="3981645" y="5712488"/>
+                </a:cubicBezTo>
+                <a:lnTo>
+                  <a:pt x="133155" y="5712488"/>
+                </a:lnTo>
+                <a:cubicBezTo>
+                  <a:pt x="59616" y="5712488"/>
+                  <a:pt x="0" y="5652872"/>
+                  <a:pt x="0" y="5579333"/>
+                </a:cubicBezTo>
+                <a:lnTo>
+                  <a:pt x="0" y="133155"/>
+                </a:lnTo>
+                <a:cubicBezTo>
+                  <a:pt x="0" y="59616"/>
+                  <a:pt x="59616" y="0"/>
+                  <a:pt x="133155" y="0"/>
+                </a:cubicBezTo>
+                <a:close/>
+              </a:path>
+            </a:pathLst>
+          </a:custGeom>
+        </p:spPr>
+      </p:pic>
+      <p:sp>
+        <p:nvSpPr>
+          <p:cNvPr id="16" name="Freeform: Shape 15">
+            <a:extLst>
+              <a:ext uri="{FF2B5EF4-FFF2-40B4-BE49-F238E27FC236}">
+                <a16:creationId xmlns:a16="http://schemas.microsoft.com/office/drawing/2014/main" id="{DABE3E45-88CF-45D8-8D40-C773324D93F6}"/>
+              </a:ext>
+              <a:ext uri="{C183D7F6-B498-43B3-948B-1728B52AA6E4}">
+                <adec:decorative xmlns:adec="http://schemas.microsoft.com/office/drawing/2017/decorative" val="1"/>
+              </a:ext>
+            </a:extLst>
+          </p:cNvPr>
+          <p:cNvSpPr>
+            <a:spLocks noGrp="1" noRot="1" noChangeAspect="1" noMove="1" noResize="1" noEditPoints="1" noAdjustHandles="1" noChangeArrowheads="1" noChangeShapeType="1" noTextEdit="1"/>
+          </p:cNvSpPr>
+          <p:nvPr>
+            <p:extLst>
+              <p:ext uri="{386F3935-93C4-4BCD-93E2-E3B085C9AB24}">
+                <p16:designElem xmlns:p16="http://schemas.microsoft.com/office/powerpoint/2015/main" val="1"/>
+              </p:ext>
+            </p:extLst>
+          </p:nvPr>
+        </p:nvSpPr>
+        <p:spPr>
+          <a:xfrm>
+            <a:off x="6749602" y="1"/>
+            <a:ext cx="2066948" cy="1621879"/>
+          </a:xfrm>
+          <a:custGeom>
+            <a:avLst/>
+            <a:gdLst>
+              <a:gd name="connsiteX0" fmla="*/ 0 w 2066948"/>
+              <a:gd name="connsiteY0" fmla="*/ 0 h 1621879"/>
+              <a:gd name="connsiteX1" fmla="*/ 123825 w 2066948"/>
+              <a:gd name="connsiteY1" fmla="*/ 0 h 1621879"/>
+              <a:gd name="connsiteX2" fmla="*/ 123825 w 2066948"/>
+              <a:gd name="connsiteY2" fmla="*/ 1452620 h 1621879"/>
+              <a:gd name="connsiteX3" fmla="*/ 1881378 w 2066948"/>
+              <a:gd name="connsiteY3" fmla="*/ 436017 h 1621879"/>
+              <a:gd name="connsiteX4" fmla="*/ 1127572 w 2066948"/>
+              <a:gd name="connsiteY4" fmla="*/ 0 h 1621879"/>
+              <a:gd name="connsiteX5" fmla="*/ 1374887 w 2066948"/>
+              <a:gd name="connsiteY5" fmla="*/ 0 h 1621879"/>
+              <a:gd name="connsiteX6" fmla="*/ 2035969 w 2066948"/>
+              <a:gd name="connsiteY6" fmla="*/ 382391 h 1621879"/>
+              <a:gd name="connsiteX7" fmla="*/ 2058648 w 2066948"/>
+              <a:gd name="connsiteY7" fmla="*/ 466963 h 1621879"/>
+              <a:gd name="connsiteX8" fmla="*/ 2035969 w 2066948"/>
+              <a:gd name="connsiteY8" fmla="*/ 489642 h 1621879"/>
+              <a:gd name="connsiteX9" fmla="*/ 92869 w 2066948"/>
+              <a:gd name="connsiteY9" fmla="*/ 1613592 h 1621879"/>
+              <a:gd name="connsiteX10" fmla="*/ 61913 w 2066948"/>
+              <a:gd name="connsiteY10" fmla="*/ 1621879 h 1621879"/>
+              <a:gd name="connsiteX11" fmla="*/ 0 w 2066948"/>
+              <a:gd name="connsiteY11" fmla="*/ 1559967 h 1621879"/>
+            </a:gdLst>
+            <a:ahLst/>
+            <a:cxnLst>
+              <a:cxn ang="0">
+                <a:pos x="connsiteX0" y="connsiteY0"/>
+              </a:cxn>
+              <a:cxn ang="0">
+                <a:pos x="connsiteX1" y="connsiteY1"/>
+              </a:cxn>
+              <a:cxn ang="0">
+                <a:pos x="connsiteX2" y="connsiteY2"/>
+              </a:cxn>
+              <a:cxn ang="0">
+                <a:pos x="connsiteX3" y="connsiteY3"/>
+              </a:cxn>
+              <a:cxn ang="0">
+                <a:pos x="connsiteX4" y="connsiteY4"/>
+              </a:cxn>
+              <a:cxn ang="0">
+                <a:pos x="connsiteX5" y="connsiteY5"/>
+              </a:cxn>
+              <a:cxn ang="0">
+                <a:pos x="connsiteX6" y="connsiteY6"/>
+              </a:cxn>
+              <a:cxn ang="0">
+                <a:pos x="connsiteX7" y="connsiteY7"/>
+              </a:cxn>
+              <a:cxn ang="0">
+                <a:pos x="connsiteX8" y="connsiteY8"/>
+              </a:cxn>
+              <a:cxn ang="0">
+                <a:pos x="connsiteX9" y="connsiteY9"/>
+              </a:cxn>
+              <a:cxn ang="0">
+                <a:pos x="connsiteX10" y="connsiteY10"/>
+              </a:cxn>
+              <a:cxn ang="0">
+                <a:pos x="connsiteX11" y="connsiteY11"/>
+              </a:cxn>
+            </a:cxnLst>
+            <a:rect l="l" t="t" r="r" b="b"/>
+            <a:pathLst>
+              <a:path w="2066948" h="1621879">
+                <a:moveTo>
+                  <a:pt x="0" y="0"/>
+                </a:moveTo>
+                <a:lnTo>
+                  <a:pt x="123825" y="0"/>
+                </a:lnTo>
+                <a:lnTo>
+                  <a:pt x="123825" y="1452620"/>
+                </a:lnTo>
+                <a:lnTo>
+                  <a:pt x="1881378" y="436017"/>
+                </a:lnTo>
+                <a:lnTo>
+                  <a:pt x="1127572" y="0"/>
+                </a:lnTo>
+                <a:lnTo>
+                  <a:pt x="1374887" y="0"/>
+                </a:lnTo>
+                <a:lnTo>
+                  <a:pt x="2035969" y="382391"/>
+                </a:lnTo>
+                <a:cubicBezTo>
+                  <a:pt x="2065582" y="399479"/>
+                  <a:pt x="2075745" y="437340"/>
+                  <a:pt x="2058648" y="466963"/>
+                </a:cubicBezTo>
+                <a:cubicBezTo>
+                  <a:pt x="2053219" y="476384"/>
+                  <a:pt x="2045389" y="484204"/>
+                  <a:pt x="2035969" y="489642"/>
+                </a:cubicBezTo>
+                <a:lnTo>
+                  <a:pt x="92869" y="1613592"/>
+                </a:lnTo>
+                <a:cubicBezTo>
+                  <a:pt x="83458" y="1619031"/>
+                  <a:pt x="72780" y="1621889"/>
+                  <a:pt x="61913" y="1621879"/>
+                </a:cubicBezTo>
+                <a:cubicBezTo>
+                  <a:pt x="27719" y="1621879"/>
+                  <a:pt x="0" y="1594161"/>
+                  <a:pt x="0" y="1559967"/>
+                </a:cubicBezTo>
+                <a:close/>
+              </a:path>
+            </a:pathLst>
+          </a:custGeom>
+          <a:solidFill>
+            <a:schemeClr val="accent6"/>
+          </a:solidFill>
+          <a:ln w="9525" cap="flat">
+            <a:noFill/>
+            <a:prstDash val="solid"/>
+            <a:miter/>
+          </a:ln>
+        </p:spPr>
+        <p:txBody>
+          <a:bodyPr rtlCol="0" anchor="ctr"/>
+          <a:lstStyle/>
+          <a:p>
+            <a:pPr marL="0" marR="0" lvl="0" indent="0" algn="l" defTabSz="914400" rtl="0" eaLnBrk="1" fontAlgn="auto" latinLnBrk="0" hangingPunct="1">
+              <a:lnSpc>
+                <a:spcPct val="100000"/>
+              </a:lnSpc>
+              <a:spcBef>
+                <a:spcPts val="0"/>
+              </a:spcBef>
+              <a:spcAft>
+                <a:spcPts val="0"/>
+              </a:spcAft>
+              <a:buClrTx/>
+              <a:buSzTx/>
+              <a:buFontTx/>
+              <a:buNone/>
+              <a:tabLst/>
+              <a:defRPr/>
+            </a:pPr>
+            <a:endParaRPr kumimoji="0" lang="en-US" sz="1800" b="0" i="0" u="none" strike="noStrike" kern="1200" cap="none" spc="0" normalizeH="0" baseline="0" noProof="0">
+              <a:ln>
+                <a:noFill/>
+              </a:ln>
+              <a:solidFill>
+                <a:prstClr val="black"/>
+              </a:solidFill>
+              <a:effectLst/>
+              <a:uLnTx/>
+              <a:uFillTx/>
+              <a:latin typeface="Calibri" panose="020F0502020204030204"/>
+              <a:ea typeface="+mn-ea"/>
+              <a:cs typeface="+mn-cs"/>
+            </a:endParaRPr>
+          </a:p>
+        </p:txBody>
+      </p:sp>
+      <p:cxnSp>
+        <p:nvCxnSpPr>
+          <p:cNvPr id="18" name="Straight Connector 17">
+            <a:extLst>
+              <a:ext uri="{FF2B5EF4-FFF2-40B4-BE49-F238E27FC236}">
+                <a16:creationId xmlns:a16="http://schemas.microsoft.com/office/drawing/2014/main" id="{49CD1692-827B-4C8D-B4A1-134FD04CF45C}"/>
+              </a:ext>
+              <a:ext uri="{C183D7F6-B498-43B3-948B-1728B52AA6E4}">
+                <adec:decorative xmlns:adec="http://schemas.microsoft.com/office/drawing/2017/decorative" val="1"/>
+              </a:ext>
+            </a:extLst>
+          </p:cNvPr>
+          <p:cNvCxnSpPr>
+            <a:cxnSpLocks noGrp="1" noRot="1" noChangeAspect="1" noMove="1" noResize="1" noEditPoints="1" noAdjustHandles="1" noChangeArrowheads="1" noChangeShapeType="1"/>
+          </p:cNvCxnSpPr>
+          <p:nvPr>
+            <p:extLst>
+              <p:ext uri="{386F3935-93C4-4BCD-93E2-E3B085C9AB24}">
+                <p16:designElem xmlns:p16="http://schemas.microsoft.com/office/powerpoint/2015/main" val="1"/>
+              </p:ext>
+            </p:extLst>
+          </p:nvPr>
+        </p:nvCxnSpPr>
+        <p:spPr>
+          <a:xfrm>
+            <a:off x="12138745" y="1027906"/>
+            <a:ext cx="0" cy="1597708"/>
+          </a:xfrm>
+          <a:prstGeom prst="line">
+            <a:avLst/>
+          </a:prstGeom>
+          <a:ln w="127000" cap="rnd">
+            <a:solidFill>
+              <a:schemeClr val="accent4"/>
+            </a:solidFill>
+            <a:prstDash val="dash"/>
+          </a:ln>
+        </p:spPr>
+        <p:style>
+          <a:lnRef idx="1">
+            <a:schemeClr val="accent1"/>
+          </a:lnRef>
+          <a:fillRef idx="0">
+            <a:schemeClr val="accent1"/>
+          </a:fillRef>
+          <a:effectRef idx="0">
+            <a:schemeClr val="accent1"/>
+          </a:effectRef>
+          <a:fontRef idx="minor">
+            <a:schemeClr val="tx1"/>
+          </a:fontRef>
+        </p:style>
+      </p:cxnSp>
+      <p:sp>
+        <p:nvSpPr>
+          <p:cNvPr id="20" name="Freeform: Shape 19">
+            <a:extLst>
+              <a:ext uri="{FF2B5EF4-FFF2-40B4-BE49-F238E27FC236}">
+                <a16:creationId xmlns:a16="http://schemas.microsoft.com/office/drawing/2014/main" id="{B91ECDA9-56DC-4270-8F33-01C5637B8CEB}"/>
+              </a:ext>
+              <a:ext uri="{C183D7F6-B498-43B3-948B-1728B52AA6E4}">
+                <adec:decorative xmlns:adec="http://schemas.microsoft.com/office/drawing/2017/decorative" val="1"/>
+              </a:ext>
+            </a:extLst>
+          </p:cNvPr>
+          <p:cNvSpPr>
+            <a:spLocks noGrp="1" noRot="1" noChangeAspect="1" noMove="1" noResize="1" noEditPoints="1" noAdjustHandles="1" noChangeArrowheads="1" noChangeShapeType="1" noTextEdit="1"/>
+          </p:cNvSpPr>
+          <p:nvPr>
+            <p:extLst>
+              <p:ext uri="{386F3935-93C4-4BCD-93E2-E3B085C9AB24}">
+                <p16:designElem xmlns:p16="http://schemas.microsoft.com/office/powerpoint/2015/main" val="1"/>
+              </p:ext>
+            </p:extLst>
+          </p:nvPr>
+        </p:nvSpPr>
+        <p:spPr>
+          <a:xfrm rot="20463438">
+            <a:off x="7456580" y="5166682"/>
+            <a:ext cx="1835725" cy="2024785"/>
+          </a:xfrm>
+          <a:custGeom>
+            <a:avLst/>
+            <a:gdLst>
+              <a:gd name="connsiteX0" fmla="*/ 1801138 w 1835725"/>
+              <a:gd name="connsiteY0" fmla="*/ 1622662 h 2024785"/>
+              <a:gd name="connsiteX1" fmla="*/ 1835717 w 1835725"/>
+              <a:gd name="connsiteY1" fmla="*/ 1680254 h 2024785"/>
+              <a:gd name="connsiteX2" fmla="*/ 1812568 w 1835725"/>
+              <a:gd name="connsiteY2" fmla="*/ 1877193 h 2024785"/>
+              <a:gd name="connsiteX3" fmla="*/ 1776210 w 1835725"/>
+              <a:gd name="connsiteY3" fmla="*/ 2024785 h 2024785"/>
+              <a:gd name="connsiteX4" fmla="*/ 1655772 w 1835725"/>
+              <a:gd name="connsiteY4" fmla="*/ 1983449 h 2024785"/>
+              <a:gd name="connsiteX5" fmla="*/ 1687591 w 1835725"/>
+              <a:gd name="connsiteY5" fmla="*/ 1854495 h 2024785"/>
+              <a:gd name="connsiteX6" fmla="*/ 1708939 w 1835725"/>
+              <a:gd name="connsiteY6" fmla="*/ 1673301 h 2024785"/>
+              <a:gd name="connsiteX7" fmla="*/ 1778129 w 1835725"/>
+              <a:gd name="connsiteY7" fmla="*/ 1615979 h 2024785"/>
+              <a:gd name="connsiteX8" fmla="*/ 1801138 w 1835725"/>
+              <a:gd name="connsiteY8" fmla="*/ 1622662 h 2024785"/>
+              <a:gd name="connsiteX9" fmla="*/ 1585229 w 1835725"/>
+              <a:gd name="connsiteY9" fmla="*/ 764759 h 2024785"/>
+              <a:gd name="connsiteX10" fmla="*/ 1623024 w 1835725"/>
+              <a:gd name="connsiteY10" fmla="*/ 792810 h 2024785"/>
+              <a:gd name="connsiteX11" fmla="*/ 1777614 w 1835725"/>
+              <a:gd name="connsiteY11" fmla="*/ 1157141 h 2024785"/>
+              <a:gd name="connsiteX12" fmla="*/ 1733799 w 1835725"/>
+              <a:gd name="connsiteY12" fmla="*/ 1235532 h 2024785"/>
+              <a:gd name="connsiteX13" fmla="*/ 1716464 w 1835725"/>
+              <a:gd name="connsiteY13" fmla="*/ 1237722 h 2024785"/>
+              <a:gd name="connsiteX14" fmla="*/ 1716464 w 1835725"/>
+              <a:gd name="connsiteY14" fmla="*/ 1237913 h 2024785"/>
+              <a:gd name="connsiteX15" fmla="*/ 1655409 w 1835725"/>
+              <a:gd name="connsiteY15" fmla="*/ 1191717 h 2024785"/>
+              <a:gd name="connsiteX16" fmla="*/ 1513200 w 1835725"/>
+              <a:gd name="connsiteY16" fmla="*/ 856627 h 2024785"/>
+              <a:gd name="connsiteX17" fmla="*/ 1538499 w 1835725"/>
+              <a:gd name="connsiteY17" fmla="*/ 770415 h 2024785"/>
+              <a:gd name="connsiteX18" fmla="*/ 1585229 w 1835725"/>
+              <a:gd name="connsiteY18" fmla="*/ 764759 h 2024785"/>
+              <a:gd name="connsiteX19" fmla="*/ 477919 w 1835725"/>
+              <a:gd name="connsiteY19" fmla="*/ 21437 h 2024785"/>
+              <a:gd name="connsiteX20" fmla="*/ 509236 w 1835725"/>
+              <a:gd name="connsiteY20" fmla="*/ 84182 h 2024785"/>
+              <a:gd name="connsiteX21" fmla="*/ 445829 w 1835725"/>
+              <a:gd name="connsiteY21" fmla="*/ 139871 h 2024785"/>
+              <a:gd name="connsiteX22" fmla="*/ 437447 w 1835725"/>
+              <a:gd name="connsiteY22" fmla="*/ 139395 h 2024785"/>
+              <a:gd name="connsiteX23" fmla="*/ 73211 w 1835725"/>
+              <a:gd name="connsiteY23" fmla="*/ 137204 h 2024785"/>
+              <a:gd name="connsiteX24" fmla="*/ 749 w 1835725"/>
+              <a:gd name="connsiteY24" fmla="*/ 84082 h 2024785"/>
+              <a:gd name="connsiteX25" fmla="*/ 53871 w 1835725"/>
+              <a:gd name="connsiteY25" fmla="*/ 11621 h 2024785"/>
+              <a:gd name="connsiteX26" fmla="*/ 58352 w 1835725"/>
+              <a:gd name="connsiteY26" fmla="*/ 11093 h 2024785"/>
+              <a:gd name="connsiteX27" fmla="*/ 454020 w 1835725"/>
+              <a:gd name="connsiteY27" fmla="*/ 13474 h 2024785"/>
+              <a:gd name="connsiteX28" fmla="*/ 477919 w 1835725"/>
+              <a:gd name="connsiteY28" fmla="*/ 21437 h 2024785"/>
+              <a:gd name="connsiteX29" fmla="*/ 957797 w 1835725"/>
+              <a:gd name="connsiteY29" fmla="*/ 167970 h 2024785"/>
+              <a:gd name="connsiteX30" fmla="*/ 1286982 w 1835725"/>
+              <a:gd name="connsiteY30" fmla="*/ 387616 h 2024785"/>
+              <a:gd name="connsiteX31" fmla="*/ 1293725 w 1835725"/>
+              <a:gd name="connsiteY31" fmla="*/ 477075 h 2024785"/>
+              <a:gd name="connsiteX32" fmla="*/ 1245453 w 1835725"/>
+              <a:gd name="connsiteY32" fmla="*/ 499154 h 2024785"/>
+              <a:gd name="connsiteX33" fmla="*/ 1245167 w 1835725"/>
+              <a:gd name="connsiteY33" fmla="*/ 499154 h 2024785"/>
+              <a:gd name="connsiteX34" fmla="*/ 1203638 w 1835725"/>
+              <a:gd name="connsiteY34" fmla="*/ 484104 h 2024785"/>
+              <a:gd name="connsiteX35" fmla="*/ 900647 w 1835725"/>
+              <a:gd name="connsiteY35" fmla="*/ 281508 h 2024785"/>
+              <a:gd name="connsiteX36" fmla="*/ 872454 w 1835725"/>
+              <a:gd name="connsiteY36" fmla="*/ 196164 h 2024785"/>
+              <a:gd name="connsiteX37" fmla="*/ 957797 w 1835725"/>
+              <a:gd name="connsiteY37" fmla="*/ 167970 h 2024785"/>
+            </a:gdLst>
+            <a:ahLst/>
+            <a:cxnLst>
+              <a:cxn ang="0">
+                <a:pos x="connsiteX0" y="connsiteY0"/>
+              </a:cxn>
+              <a:cxn ang="0">
+                <a:pos x="connsiteX1" y="connsiteY1"/>
+              </a:cxn>
+              <a:cxn ang="0">
+                <a:pos x="connsiteX2" y="connsiteY2"/>
+              </a:cxn>
+              <a:cxn ang="0">
+                <a:pos x="connsiteX3" y="connsiteY3"/>
+              </a:cxn>
+              <a:cxn ang="0">
+                <a:pos x="connsiteX4" y="connsiteY4"/>
+              </a:cxn>
+              <a:cxn ang="0">
+                <a:pos x="connsiteX5" y="connsiteY5"/>
+              </a:cxn>
+              <a:cxn ang="0">
+                <a:pos x="connsiteX6" y="connsiteY6"/>
+              </a:cxn>
+              <a:cxn ang="0">
+                <a:pos x="connsiteX7" y="connsiteY7"/>
+              </a:cxn>
+              <a:cxn ang="0">
+                <a:pos x="connsiteX8" y="connsiteY8"/>
+              </a:cxn>
+              <a:cxn ang="0">
+                <a:pos x="connsiteX9" y="connsiteY9"/>
+              </a:cxn>
+              <a:cxn ang="0">
+                <a:pos x="connsiteX10" y="connsiteY10"/>
+              </a:cxn>
+              <a:cxn ang="0">
+                <a:pos x="connsiteX11" y="connsiteY11"/>
+              </a:cxn>
+              <a:cxn ang="0">
+                <a:pos x="connsiteX12" y="connsiteY12"/>
+              </a:cxn>
+              <a:cxn ang="0">
+                <a:pos x="connsiteX13" y="connsiteY13"/>
+              </a:cxn>
+              <a:cxn ang="0">
+                <a:pos x="connsiteX14" y="connsiteY14"/>
+              </a:cxn>
+              <a:cxn ang="0">
+                <a:pos x="connsiteX15" y="connsiteY15"/>
+              </a:cxn>
+              <a:cxn ang="0">
+                <a:pos x="connsiteX16" y="connsiteY16"/>
+              </a:cxn>
+              <a:cxn ang="0">
+                <a:pos x="connsiteX17" y="connsiteY17"/>
+              </a:cxn>
+              <a:cxn ang="0">
+                <a:pos x="connsiteX18" y="connsiteY18"/>
+              </a:cxn>
+              <a:cxn ang="0">
+                <a:pos x="connsiteX19" y="connsiteY19"/>
+              </a:cxn>
+              <a:cxn ang="0">
+                <a:pos x="connsiteX20" y="connsiteY20"/>
+              </a:cxn>
+              <a:cxn ang="0">
+                <a:pos x="connsiteX21" y="connsiteY21"/>
+              </a:cxn>
+              <a:cxn ang="0">
+                <a:pos x="connsiteX22" y="connsiteY22"/>
+              </a:cxn>
+              <a:cxn ang="0">
+                <a:pos x="connsiteX23" y="connsiteY23"/>
+              </a:cxn>
+              <a:cxn ang="0">
+                <a:pos x="connsiteX24" y="connsiteY24"/>
+              </a:cxn>
+              <a:cxn ang="0">
+                <a:pos x="connsiteX25" y="connsiteY25"/>
+              </a:cxn>
+              <a:cxn ang="0">
+                <a:pos x="connsiteX26" y="connsiteY26"/>
+              </a:cxn>
+              <a:cxn ang="0">
+                <a:pos x="connsiteX27" y="connsiteY27"/>
+              </a:cxn>
+              <a:cxn ang="0">
+                <a:pos x="connsiteX28" y="connsiteY28"/>
+              </a:cxn>
+              <a:cxn ang="0">
+                <a:pos x="connsiteX29" y="connsiteY29"/>
+              </a:cxn>
+              <a:cxn ang="0">
+                <a:pos x="connsiteX30" y="connsiteY30"/>
+              </a:cxn>
+              <a:cxn ang="0">
+                <a:pos x="connsiteX31" y="connsiteY31"/>
+              </a:cxn>
+              <a:cxn ang="0">
+                <a:pos x="connsiteX32" y="connsiteY32"/>
+              </a:cxn>
+              <a:cxn ang="0">
+                <a:pos x="connsiteX33" y="connsiteY33"/>
+              </a:cxn>
+              <a:cxn ang="0">
+                <a:pos x="connsiteX34" y="connsiteY34"/>
+              </a:cxn>
+              <a:cxn ang="0">
+                <a:pos x="connsiteX35" y="connsiteY35"/>
+              </a:cxn>
+              <a:cxn ang="0">
+                <a:pos x="connsiteX36" y="connsiteY36"/>
+              </a:cxn>
+              <a:cxn ang="0">
+                <a:pos x="connsiteX37" y="connsiteY37"/>
+              </a:cxn>
+            </a:cxnLst>
+            <a:rect l="l" t="t" r="r" b="b"/>
+            <a:pathLst>
+              <a:path w="1835725" h="2024785">
+                <a:moveTo>
+                  <a:pt x="1801138" y="1622662"/>
+                </a:moveTo>
+                <a:cubicBezTo>
+                  <a:pt x="1822105" y="1633400"/>
+                  <a:pt x="1836117" y="1655372"/>
+                  <a:pt x="1835717" y="1680254"/>
+                </a:cubicBezTo>
+                <a:cubicBezTo>
+                  <a:pt x="1832093" y="1746382"/>
+                  <a:pt x="1824354" y="1812154"/>
+                  <a:pt x="1812568" y="1877193"/>
+                </a:cubicBezTo>
+                <a:lnTo>
+                  <a:pt x="1776210" y="2024785"/>
+                </a:lnTo>
+                <a:lnTo>
+                  <a:pt x="1655772" y="1983449"/>
+                </a:lnTo>
+                <a:lnTo>
+                  <a:pt x="1687591" y="1854495"/>
+                </a:lnTo>
+                <a:cubicBezTo>
+                  <a:pt x="1698455" y="1794657"/>
+                  <a:pt x="1705590" y="1734142"/>
+                  <a:pt x="1708939" y="1673301"/>
+                </a:cubicBezTo>
+                <a:cubicBezTo>
+                  <a:pt x="1712216" y="1638363"/>
+                  <a:pt x="1743190" y="1612703"/>
+                  <a:pt x="1778129" y="1615979"/>
+                </a:cubicBezTo>
+                <a:cubicBezTo>
+                  <a:pt x="1786387" y="1616753"/>
+                  <a:pt x="1794149" y="1619084"/>
+                  <a:pt x="1801138" y="1622662"/>
+                </a:cubicBezTo>
+                <a:close/>
+                <a:moveTo>
+                  <a:pt x="1585229" y="764759"/>
+                </a:moveTo>
+                <a:cubicBezTo>
+                  <a:pt x="1600438" y="768789"/>
+                  <a:pt x="1614156" y="778436"/>
+                  <a:pt x="1623024" y="792810"/>
+                </a:cubicBezTo>
+                <a:cubicBezTo>
+                  <a:pt x="1689575" y="907319"/>
+                  <a:pt x="1741505" y="1029715"/>
+                  <a:pt x="1777614" y="1157141"/>
+                </a:cubicBezTo>
+                <a:cubicBezTo>
+                  <a:pt x="1787149" y="1190888"/>
+                  <a:pt x="1767537" y="1225969"/>
+                  <a:pt x="1733799" y="1235532"/>
+                </a:cubicBezTo>
+                <a:cubicBezTo>
+                  <a:pt x="1728151" y="1237046"/>
+                  <a:pt x="1722312" y="1237780"/>
+                  <a:pt x="1716464" y="1237722"/>
+                </a:cubicBezTo>
+                <a:lnTo>
+                  <a:pt x="1716464" y="1237913"/>
+                </a:lnTo>
+                <a:cubicBezTo>
+                  <a:pt x="1688070" y="1237913"/>
+                  <a:pt x="1663124" y="1219044"/>
+                  <a:pt x="1655409" y="1191717"/>
+                </a:cubicBezTo>
+                <a:cubicBezTo>
+                  <a:pt x="1622214" y="1074512"/>
+                  <a:pt x="1574437" y="961936"/>
+                  <a:pt x="1513200" y="856627"/>
+                </a:cubicBezTo>
+                <a:cubicBezTo>
+                  <a:pt x="1496379" y="825834"/>
+                  <a:pt x="1507704" y="787236"/>
+                  <a:pt x="1538499" y="770415"/>
+                </a:cubicBezTo>
+                <a:cubicBezTo>
+                  <a:pt x="1553325" y="762319"/>
+                  <a:pt x="1570022" y="760730"/>
+                  <a:pt x="1585229" y="764759"/>
+                </a:cubicBezTo>
+                <a:close/>
+                <a:moveTo>
+                  <a:pt x="477919" y="21437"/>
+                </a:moveTo>
+                <a:cubicBezTo>
+                  <a:pt x="499341" y="33775"/>
+                  <a:pt x="512445" y="58102"/>
+                  <a:pt x="509236" y="84182"/>
+                </a:cubicBezTo>
+                <a:cubicBezTo>
+                  <a:pt x="505303" y="116151"/>
+                  <a:pt x="478038" y="140098"/>
+                  <a:pt x="445829" y="139871"/>
+                </a:cubicBezTo>
+                <a:cubicBezTo>
+                  <a:pt x="443027" y="139899"/>
+                  <a:pt x="440227" y="139740"/>
+                  <a:pt x="437447" y="139395"/>
+                </a:cubicBezTo>
+                <a:cubicBezTo>
+                  <a:pt x="316592" y="123615"/>
+                  <a:pt x="194247" y="122878"/>
+                  <a:pt x="73211" y="137204"/>
+                </a:cubicBezTo>
+                <a:cubicBezTo>
+                  <a:pt x="38532" y="142545"/>
+                  <a:pt x="6090" y="118762"/>
+                  <a:pt x="749" y="84082"/>
+                </a:cubicBezTo>
+                <a:cubicBezTo>
+                  <a:pt x="-4591" y="49403"/>
+                  <a:pt x="19192" y="16961"/>
+                  <a:pt x="53871" y="11621"/>
+                </a:cubicBezTo>
+                <a:cubicBezTo>
+                  <a:pt x="55358" y="11392"/>
+                  <a:pt x="56852" y="11216"/>
+                  <a:pt x="58352" y="11093"/>
+                </a:cubicBezTo>
+                <a:cubicBezTo>
+                  <a:pt x="189834" y="-4456"/>
+                  <a:pt x="322735" y="-3656"/>
+                  <a:pt x="454020" y="13474"/>
+                </a:cubicBezTo>
+                <a:cubicBezTo>
+                  <a:pt x="462713" y="14543"/>
+                  <a:pt x="470778" y="17324"/>
+                  <a:pt x="477919" y="21437"/>
+                </a:cubicBezTo>
+                <a:close/>
+                <a:moveTo>
+                  <a:pt x="957797" y="167970"/>
+                </a:moveTo>
+                <a:cubicBezTo>
+                  <a:pt x="1076184" y="227289"/>
+                  <a:pt x="1186759" y="301068"/>
+                  <a:pt x="1286982" y="387616"/>
+                </a:cubicBezTo>
+                <a:cubicBezTo>
+                  <a:pt x="1313547" y="410457"/>
+                  <a:pt x="1316566" y="450510"/>
+                  <a:pt x="1293725" y="477075"/>
+                </a:cubicBezTo>
+                <a:cubicBezTo>
+                  <a:pt x="1281638" y="491137"/>
+                  <a:pt x="1263998" y="499204"/>
+                  <a:pt x="1245453" y="499154"/>
+                </a:cubicBezTo>
+                <a:lnTo>
+                  <a:pt x="1245167" y="499154"/>
+                </a:lnTo>
+                <a:cubicBezTo>
+                  <a:pt x="1229965" y="499301"/>
+                  <a:pt x="1215220" y="493956"/>
+                  <a:pt x="1203638" y="484104"/>
+                </a:cubicBezTo>
+                <a:cubicBezTo>
+                  <a:pt x="1111407" y="404300"/>
+                  <a:pt x="1009633" y="336248"/>
+                  <a:pt x="900647" y="281508"/>
+                </a:cubicBezTo>
+                <a:cubicBezTo>
+                  <a:pt x="869295" y="265726"/>
+                  <a:pt x="856672" y="227516"/>
+                  <a:pt x="872454" y="196164"/>
+                </a:cubicBezTo>
+                <a:cubicBezTo>
+                  <a:pt x="888235" y="164811"/>
+                  <a:pt x="926445" y="152188"/>
+                  <a:pt x="957797" y="167970"/>
+                </a:cubicBezTo>
+                <a:close/>
+              </a:path>
+            </a:pathLst>
+          </a:custGeom>
+          <a:solidFill>
+            <a:schemeClr val="accent4"/>
+          </a:solidFill>
+          <a:ln w="9525" cap="flat">
+            <a:noFill/>
+            <a:prstDash val="solid"/>
+            <a:miter/>
+          </a:ln>
+        </p:spPr>
+        <p:txBody>
+          <a:bodyPr rtlCol="0" anchor="ctr"/>
+          <a:lstStyle/>
+          <a:p>
+            <a:pPr marL="0" marR="0" lvl="0" indent="0" algn="l" defTabSz="914400" rtl="0" eaLnBrk="1" fontAlgn="auto" latinLnBrk="0" hangingPunct="1">
+              <a:lnSpc>
+                <a:spcPct val="100000"/>
+              </a:lnSpc>
+              <a:spcBef>
+                <a:spcPts val="0"/>
+              </a:spcBef>
+              <a:spcAft>
+                <a:spcPts val="0"/>
+              </a:spcAft>
+              <a:buClrTx/>
+              <a:buSzTx/>
+              <a:buFontTx/>
+              <a:buNone/>
+              <a:tabLst/>
+              <a:defRPr/>
+            </a:pPr>
+            <a:endParaRPr kumimoji="0" lang="en-US" sz="1800" b="0" i="0" u="none" strike="noStrike" kern="1200" cap="none" spc="0" normalizeH="0" baseline="0" noProof="0">
+              <a:ln>
+                <a:noFill/>
+              </a:ln>
+              <a:solidFill>
+                <a:prstClr val="black"/>
+              </a:solidFill>
+              <a:effectLst/>
+              <a:uLnTx/>
+              <a:uFillTx/>
+              <a:latin typeface="Calibri" panose="020F0502020204030204"/>
+              <a:ea typeface="+mn-ea"/>
+              <a:cs typeface="+mn-cs"/>
+            </a:endParaRPr>
+          </a:p>
+        </p:txBody>
+      </p:sp>
+      <p:sp>
+        <p:nvSpPr>
+          <p:cNvPr id="22" name="Freeform: Shape 21">
+            <a:extLst>
+              <a:ext uri="{FF2B5EF4-FFF2-40B4-BE49-F238E27FC236}">
+                <a16:creationId xmlns:a16="http://schemas.microsoft.com/office/drawing/2014/main" id="{75F47824-961D-465D-84F9-EAE11BC6173B}"/>
+              </a:ext>
+              <a:ext uri="{C183D7F6-B498-43B3-948B-1728B52AA6E4}">
+                <adec:decorative xmlns:adec="http://schemas.microsoft.com/office/drawing/2017/decorative" val="1"/>
+              </a:ext>
+            </a:extLst>
+          </p:cNvPr>
+          <p:cNvSpPr>
+            <a:spLocks noGrp="1" noRot="1" noChangeAspect="1" noMove="1" noResize="1" noEditPoints="1" noAdjustHandles="1" noChangeArrowheads="1" noChangeShapeType="1" noTextEdit="1"/>
+          </p:cNvSpPr>
+          <p:nvPr>
+            <p:extLst>
+              <p:ext uri="{386F3935-93C4-4BCD-93E2-E3B085C9AB24}">
+                <p16:designElem xmlns:p16="http://schemas.microsoft.com/office/powerpoint/2015/main" val="1"/>
+              </p:ext>
+            </p:extLst>
+          </p:nvPr>
+        </p:nvSpPr>
+        <p:spPr>
+          <a:xfrm>
+            <a:off x="6809527" y="6033795"/>
+            <a:ext cx="1991064" cy="824205"/>
+          </a:xfrm>
+          <a:custGeom>
+            <a:avLst/>
+            <a:gdLst>
+              <a:gd name="connsiteX0" fmla="*/ 995532 w 1991064"/>
+              <a:gd name="connsiteY0" fmla="*/ 0 h 824205"/>
+              <a:gd name="connsiteX1" fmla="*/ 1984823 w 1991064"/>
+              <a:gd name="connsiteY1" fmla="*/ 784423 h 824205"/>
+              <a:gd name="connsiteX2" fmla="*/ 1991064 w 1991064"/>
+              <a:gd name="connsiteY2" fmla="*/ 824205 h 824205"/>
+              <a:gd name="connsiteX3" fmla="*/ 0 w 1991064"/>
+              <a:gd name="connsiteY3" fmla="*/ 824205 h 824205"/>
+              <a:gd name="connsiteX4" fmla="*/ 6241 w 1991064"/>
+              <a:gd name="connsiteY4" fmla="*/ 784423 h 824205"/>
+              <a:gd name="connsiteX5" fmla="*/ 995532 w 1991064"/>
+              <a:gd name="connsiteY5" fmla="*/ 0 h 824205"/>
+            </a:gdLst>
+            <a:ahLst/>
+            <a:cxnLst>
+              <a:cxn ang="0">
+                <a:pos x="connsiteX0" y="connsiteY0"/>
+              </a:cxn>
+              <a:cxn ang="0">
+                <a:pos x="connsiteX1" y="connsiteY1"/>
+              </a:cxn>
+              <a:cxn ang="0">
+                <a:pos x="connsiteX2" y="connsiteY2"/>
+              </a:cxn>
+              <a:cxn ang="0">
+                <a:pos x="connsiteX3" y="connsiteY3"/>
+              </a:cxn>
+              <a:cxn ang="0">
+                <a:pos x="connsiteX4" y="connsiteY4"/>
+              </a:cxn>
+              <a:cxn ang="0">
+                <a:pos x="connsiteX5" y="connsiteY5"/>
+              </a:cxn>
+            </a:cxnLst>
+            <a:rect l="l" t="t" r="r" b="b"/>
+            <a:pathLst>
+              <a:path w="1991064" h="824205">
+                <a:moveTo>
+                  <a:pt x="995532" y="0"/>
+                </a:moveTo>
+                <a:cubicBezTo>
+                  <a:pt x="1483521" y="0"/>
+                  <a:pt x="1890663" y="336754"/>
+                  <a:pt x="1984823" y="784423"/>
+                </a:cubicBezTo>
+                <a:lnTo>
+                  <a:pt x="1991064" y="824205"/>
+                </a:lnTo>
+                <a:lnTo>
+                  <a:pt x="0" y="824205"/>
+                </a:lnTo>
+                <a:lnTo>
+                  <a:pt x="6241" y="784423"/>
+                </a:lnTo>
+                <a:cubicBezTo>
+                  <a:pt x="100402" y="336754"/>
+                  <a:pt x="507544" y="0"/>
+                  <a:pt x="995532" y="0"/>
+                </a:cubicBezTo>
+                <a:close/>
+              </a:path>
+            </a:pathLst>
+          </a:custGeom>
+          <a:solidFill>
+            <a:schemeClr val="accent2"/>
+          </a:solidFill>
+          <a:ln>
+            <a:noFill/>
+          </a:ln>
+        </p:spPr>
+        <p:style>
+          <a:lnRef idx="2">
+            <a:schemeClr val="accent1">
+              <a:shade val="50000"/>
+            </a:schemeClr>
+          </a:lnRef>
+          <a:fillRef idx="1">
+            <a:schemeClr val="accent1"/>
+          </a:fillRef>
+          <a:effectRef idx="0">
+            <a:schemeClr val="accent1"/>
+          </a:effectRef>
+          <a:fontRef idx="minor">
+            <a:schemeClr val="lt1"/>
+          </a:fontRef>
+        </p:style>
+        <p:txBody>
+          <a:bodyPr wrap="square" rtlCol="0" anchor="ctr">
+            <a:noAutofit/>
+          </a:bodyPr>
+          <a:lstStyle/>
+          <a:p>
+            <a:pPr marL="0" marR="0" lvl="0" indent="0" algn="ctr" defTabSz="914400" rtl="0" eaLnBrk="1" fontAlgn="auto" latinLnBrk="0" hangingPunct="1">
+              <a:lnSpc>
+                <a:spcPct val="100000"/>
+              </a:lnSpc>
+              <a:spcBef>
+                <a:spcPts val="0"/>
+              </a:spcBef>
+              <a:spcAft>
+                <a:spcPts val="0"/>
+              </a:spcAft>
+              <a:buClrTx/>
+              <a:buSzTx/>
+              <a:buFontTx/>
+              <a:buNone/>
+              <a:tabLst/>
+              <a:defRPr/>
+            </a:pPr>
+            <a:endParaRPr kumimoji="0" lang="en-US" sz="1800" b="0" i="0" u="none" strike="noStrike" kern="1200" cap="none" spc="0" normalizeH="0" baseline="0" noProof="0" dirty="0">
+              <a:ln>
+                <a:noFill/>
+              </a:ln>
+              <a:solidFill>
+                <a:prstClr val="white"/>
+              </a:solidFill>
+              <a:effectLst/>
+              <a:uLnTx/>
+              <a:uFillTx/>
+              <a:latin typeface="Calibri" panose="020F0502020204030204"/>
+              <a:ea typeface="+mn-ea"/>
+              <a:cs typeface="+mn-cs"/>
+            </a:endParaRPr>
+          </a:p>
+        </p:txBody>
+      </p:sp>
+      <p:sp>
+        <p:nvSpPr>
+          <p:cNvPr id="24" name="Freeform: Shape 23">
+            <a:extLst>
+              <a:ext uri="{FF2B5EF4-FFF2-40B4-BE49-F238E27FC236}">
+                <a16:creationId xmlns:a16="http://schemas.microsoft.com/office/drawing/2014/main" id="{FEC9DA3E-C1D7-472D-B7C0-F71AE41FBA23}"/>
+              </a:ext>
+              <a:ext uri="{C183D7F6-B498-43B3-948B-1728B52AA6E4}">
+                <adec:decorative xmlns:adec="http://schemas.microsoft.com/office/drawing/2017/decorative" val="1"/>
+              </a:ext>
+            </a:extLst>
+          </p:cNvPr>
+          <p:cNvSpPr>
+            <a:spLocks noGrp="1" noRot="1" noChangeAspect="1" noMove="1" noResize="1" noEditPoints="1" noAdjustHandles="1" noChangeArrowheads="1" noChangeShapeType="1" noTextEdit="1"/>
+          </p:cNvSpPr>
+          <p:nvPr>
+            <p:extLst>
+              <p:ext uri="{386F3935-93C4-4BCD-93E2-E3B085C9AB24}">
+                <p16:designElem xmlns:p16="http://schemas.microsoft.com/office/powerpoint/2015/main" val="1"/>
+              </p:ext>
+            </p:extLst>
+          </p:nvPr>
+        </p:nvSpPr>
+        <p:spPr>
+          <a:xfrm>
+            <a:off x="10851696" y="5519196"/>
+            <a:ext cx="1340305" cy="1338805"/>
+          </a:xfrm>
+          <a:custGeom>
+            <a:avLst/>
+            <a:gdLst>
+              <a:gd name="connsiteX0" fmla="*/ 61913 w 1340305"/>
+              <a:gd name="connsiteY0" fmla="*/ 0 h 1338805"/>
+              <a:gd name="connsiteX1" fmla="*/ 1340305 w 1340305"/>
+              <a:gd name="connsiteY1" fmla="*/ 0 h 1338805"/>
+              <a:gd name="connsiteX2" fmla="*/ 1340305 w 1340305"/>
+              <a:gd name="connsiteY2" fmla="*/ 123825 h 1338805"/>
+              <a:gd name="connsiteX3" fmla="*/ 123825 w 1340305"/>
+              <a:gd name="connsiteY3" fmla="*/ 123825 h 1338805"/>
+              <a:gd name="connsiteX4" fmla="*/ 123825 w 1340305"/>
+              <a:gd name="connsiteY4" fmla="*/ 1338805 h 1338805"/>
+              <a:gd name="connsiteX5" fmla="*/ 0 w 1340305"/>
+              <a:gd name="connsiteY5" fmla="*/ 1338805 h 1338805"/>
+              <a:gd name="connsiteX6" fmla="*/ 0 w 1340305"/>
+              <a:gd name="connsiteY6" fmla="*/ 61913 h 1338805"/>
+              <a:gd name="connsiteX7" fmla="*/ 61913 w 1340305"/>
+              <a:gd name="connsiteY7" fmla="*/ 0 h 1338805"/>
+            </a:gdLst>
+            <a:ahLst/>
+            <a:cxnLst>
+              <a:cxn ang="0">
+                <a:pos x="connsiteX0" y="connsiteY0"/>
+              </a:cxn>
+              <a:cxn ang="0">
+                <a:pos x="connsiteX1" y="connsiteY1"/>
+              </a:cxn>
+              <a:cxn ang="0">
+                <a:pos x="connsiteX2" y="connsiteY2"/>
+              </a:cxn>
+              <a:cxn ang="0">
+                <a:pos x="connsiteX3" y="connsiteY3"/>
+              </a:cxn>
+              <a:cxn ang="0">
+                <a:pos x="connsiteX4" y="connsiteY4"/>
+              </a:cxn>
+              <a:cxn ang="0">
+                <a:pos x="connsiteX5" y="connsiteY5"/>
+              </a:cxn>
+              <a:cxn ang="0">
+                <a:pos x="connsiteX6" y="connsiteY6"/>
+              </a:cxn>
+              <a:cxn ang="0">
+                <a:pos x="connsiteX7" y="connsiteY7"/>
+              </a:cxn>
+            </a:cxnLst>
+            <a:rect l="l" t="t" r="r" b="b"/>
+            <a:pathLst>
+              <a:path w="1340305" h="1338805">
+                <a:moveTo>
+                  <a:pt x="61913" y="0"/>
+                </a:moveTo>
+                <a:lnTo>
+                  <a:pt x="1340305" y="0"/>
+                </a:lnTo>
+                <a:lnTo>
+                  <a:pt x="1340305" y="123825"/>
+                </a:lnTo>
+                <a:lnTo>
+                  <a:pt x="123825" y="123825"/>
+                </a:lnTo>
+                <a:lnTo>
+                  <a:pt x="123825" y="1338805"/>
+                </a:lnTo>
+                <a:lnTo>
+                  <a:pt x="0" y="1338805"/>
+                </a:lnTo>
+                <a:lnTo>
+                  <a:pt x="0" y="61913"/>
+                </a:lnTo>
+                <a:cubicBezTo>
+                  <a:pt x="0" y="27719"/>
+                  <a:pt x="27719" y="0"/>
+                  <a:pt x="61913" y="0"/>
+                </a:cubicBezTo>
+                <a:close/>
+              </a:path>
+            </a:pathLst>
+          </a:custGeom>
+          <a:solidFill>
+            <a:schemeClr val="accent6"/>
+          </a:solidFill>
+          <a:ln w="9525" cap="flat">
+            <a:noFill/>
+            <a:prstDash val="solid"/>
+            <a:miter/>
+          </a:ln>
+        </p:spPr>
+        <p:txBody>
+          <a:bodyPr rtlCol="0" anchor="ctr"/>
+          <a:lstStyle/>
+          <a:p>
+            <a:pPr marL="0" marR="0" lvl="0" indent="0" algn="l" defTabSz="914400" rtl="0" eaLnBrk="1" fontAlgn="auto" latinLnBrk="0" hangingPunct="1">
+              <a:lnSpc>
+                <a:spcPct val="100000"/>
+              </a:lnSpc>
+              <a:spcBef>
+                <a:spcPts val="0"/>
+              </a:spcBef>
+              <a:spcAft>
+                <a:spcPts val="0"/>
+              </a:spcAft>
+              <a:buClrTx/>
+              <a:buSzTx/>
+              <a:buFontTx/>
+              <a:buNone/>
+              <a:tabLst/>
+              <a:defRPr/>
+            </a:pPr>
+            <a:endParaRPr kumimoji="0" lang="en-US" sz="1800" b="0" i="0" u="none" strike="noStrike" kern="1200" cap="none" spc="0" normalizeH="0" baseline="0" noProof="0">
+              <a:ln>
+                <a:noFill/>
+              </a:ln>
+              <a:solidFill>
+                <a:prstClr val="black"/>
+              </a:solidFill>
+              <a:effectLst/>
+              <a:uLnTx/>
+              <a:uFillTx/>
+              <a:latin typeface="Calibri" panose="020F0502020204030204"/>
+              <a:ea typeface="+mn-ea"/>
+              <a:cs typeface="+mn-cs"/>
+            </a:endParaRPr>
+          </a:p>
+        </p:txBody>
+      </p:sp>
+      <p:sp>
+        <p:nvSpPr>
+          <p:cNvPr id="4" name="Slide Number Placeholder 3">
+            <a:extLst>
+              <a:ext uri="{FF2B5EF4-FFF2-40B4-BE49-F238E27FC236}">
+                <a16:creationId xmlns:a16="http://schemas.microsoft.com/office/drawing/2014/main" id="{3F70354C-224E-1AAB-3BB6-4F2536217202}"/>
+              </a:ext>
+            </a:extLst>
+          </p:cNvPr>
+          <p:cNvSpPr>
+            <a:spLocks noGrp="1"/>
+          </p:cNvSpPr>
+          <p:nvPr>
+            <p:ph type="sldNum" sz="quarter" idx="12"/>
+          </p:nvPr>
+        </p:nvSpPr>
+        <p:spPr>
+          <a:xfrm>
+            <a:off x="9395545" y="6445897"/>
+            <a:ext cx="2743200" cy="365125"/>
+          </a:xfrm>
+        </p:spPr>
         <p:txBody>
           <a:bodyPr/>
           <a:lstStyle/>
           <a:p>
-            <a:endParaRPr lang="en-CA"/>
+            <a:r>
+              <a:rPr lang="en-US" dirty="0">
+                <a:solidFill>
+                  <a:schemeClr val="tx1"/>
+                </a:solidFill>
+              </a:rPr>
+              <a:t>Page </a:t>
+            </a:r>
+            <a:fld id="{4854181D-6920-4594-9A5D-6CE56DC9F8B2}" type="slidenum">
+              <a:rPr lang="en-US" smtClean="0">
+                <a:solidFill>
+                  <a:schemeClr val="tx1"/>
+                </a:solidFill>
+              </a:rPr>
+              <a:t>3</a:t>
+            </a:fld>
+            <a:r>
+              <a:rPr lang="en-US" dirty="0">
+                <a:solidFill>
+                  <a:schemeClr val="tx1"/>
+                </a:solidFill>
+              </a:rPr>
+              <a:t>/8</a:t>
+            </a:r>
           </a:p>
         </p:txBody>
       </p:sp>
@@ -7888,9 +11317,17 @@
 </p:sld>
 </file>
 
-<file path=ppt/slides/slide3.xml><?xml version="1.0" encoding="utf-8"?>
+<file path=ppt/slides/slide4.xml><?xml version="1.0" encoding="utf-8"?>
 <p:sld xmlns:a="http://schemas.openxmlformats.org/drawingml/2006/main" xmlns:r="http://schemas.openxmlformats.org/officeDocument/2006/relationships" xmlns:p="http://schemas.openxmlformats.org/presentationml/2006/main">
   <p:cSld>
+    <p:bg>
+      <p:bgPr>
+        <a:solidFill>
+          <a:schemeClr val="bg1"/>
+        </a:solidFill>
+        <a:effectLst/>
+      </p:bgPr>
+    </p:bg>
     <p:spTree>
       <p:nvGrpSpPr>
         <p:cNvPr id="1" name=""/>
@@ -7905,12 +11342,191 @@
           <a:chExt cx="0" cy="0"/>
         </a:xfrm>
       </p:grpSpPr>
+      <p:sp useBgFill="1">
+        <p:nvSpPr>
+          <p:cNvPr id="16" name="Rectangle 15">
+            <a:extLst>
+              <a:ext uri="{FF2B5EF4-FFF2-40B4-BE49-F238E27FC236}">
+                <a16:creationId xmlns:a16="http://schemas.microsoft.com/office/drawing/2014/main" id="{72D05657-94EE-4B2D-BC1B-A1D065063658}"/>
+              </a:ext>
+              <a:ext uri="{C183D7F6-B498-43B3-948B-1728B52AA6E4}">
+                <adec:decorative xmlns:adec="http://schemas.microsoft.com/office/drawing/2017/decorative" val="1"/>
+              </a:ext>
+            </a:extLst>
+          </p:cNvPr>
+          <p:cNvSpPr>
+            <a:spLocks noGrp="1" noRot="1" noChangeAspect="1" noMove="1" noResize="1" noEditPoints="1" noAdjustHandles="1" noChangeArrowheads="1" noChangeShapeType="1" noTextEdit="1"/>
+          </p:cNvSpPr>
+          <p:nvPr>
+            <p:extLst>
+              <p:ext uri="{386F3935-93C4-4BCD-93E2-E3B085C9AB24}">
+                <p16:designElem xmlns:p16="http://schemas.microsoft.com/office/powerpoint/2015/main" val="1"/>
+              </p:ext>
+            </p:extLst>
+          </p:nvPr>
+        </p:nvSpPr>
+        <p:spPr>
+          <a:xfrm>
+            <a:off x="0" y="0"/>
+            <a:ext cx="12192000" cy="6858000"/>
+          </a:xfrm>
+          <a:prstGeom prst="rect">
+            <a:avLst/>
+          </a:prstGeom>
+          <a:ln>
+            <a:noFill/>
+          </a:ln>
+        </p:spPr>
+        <p:style>
+          <a:lnRef idx="2">
+            <a:schemeClr val="accent1">
+              <a:shade val="50000"/>
+            </a:schemeClr>
+          </a:lnRef>
+          <a:fillRef idx="1">
+            <a:schemeClr val="accent1"/>
+          </a:fillRef>
+          <a:effectRef idx="0">
+            <a:schemeClr val="accent1"/>
+          </a:effectRef>
+          <a:fontRef idx="minor">
+            <a:schemeClr val="lt1"/>
+          </a:fontRef>
+        </p:style>
+        <p:txBody>
+          <a:bodyPr rtlCol="0" anchor="ctr"/>
+          <a:lstStyle/>
+          <a:p>
+            <a:pPr marL="0" marR="0" lvl="0" indent="0" algn="ctr" defTabSz="914400" rtl="0" eaLnBrk="1" fontAlgn="auto" latinLnBrk="0" hangingPunct="1">
+              <a:lnSpc>
+                <a:spcPct val="100000"/>
+              </a:lnSpc>
+              <a:spcBef>
+                <a:spcPts val="0"/>
+              </a:spcBef>
+              <a:spcAft>
+                <a:spcPts val="0"/>
+              </a:spcAft>
+              <a:buClrTx/>
+              <a:buSzTx/>
+              <a:buFontTx/>
+              <a:buNone/>
+              <a:tabLst/>
+              <a:defRPr/>
+            </a:pPr>
+            <a:endParaRPr kumimoji="0" lang="en-US" sz="1800" b="0" i="0" u="none" strike="noStrike" kern="1200" cap="none" spc="0" normalizeH="0" baseline="0" noProof="0">
+              <a:ln>
+                <a:noFill/>
+              </a:ln>
+              <a:solidFill>
+                <a:prstClr val="white"/>
+              </a:solidFill>
+              <a:effectLst/>
+              <a:uLnTx/>
+              <a:uFillTx/>
+              <a:latin typeface="Calibri" panose="020F0502020204030204"/>
+              <a:ea typeface="+mn-ea"/>
+              <a:cs typeface="+mn-cs"/>
+            </a:endParaRPr>
+          </a:p>
+        </p:txBody>
+      </p:sp>
+      <p:sp>
+        <p:nvSpPr>
+          <p:cNvPr id="18" name="Arc 17">
+            <a:extLst>
+              <a:ext uri="{FF2B5EF4-FFF2-40B4-BE49-F238E27FC236}">
+                <a16:creationId xmlns:a16="http://schemas.microsoft.com/office/drawing/2014/main" id="{7586665A-47B3-4AEE-BC94-15D89FF706B3}"/>
+              </a:ext>
+              <a:ext uri="{C183D7F6-B498-43B3-948B-1728B52AA6E4}">
+                <adec:decorative xmlns:adec="http://schemas.microsoft.com/office/drawing/2017/decorative" val="1"/>
+              </a:ext>
+            </a:extLst>
+          </p:cNvPr>
+          <p:cNvSpPr>
+            <a:spLocks noGrp="1" noRot="1" noChangeAspect="1" noMove="1" noResize="1" noEditPoints="1" noAdjustHandles="1" noChangeArrowheads="1" noChangeShapeType="1" noTextEdit="1"/>
+          </p:cNvSpPr>
+          <p:nvPr>
+            <p:extLst>
+              <p:ext uri="{386F3935-93C4-4BCD-93E2-E3B085C9AB24}">
+                <p16:designElem xmlns:p16="http://schemas.microsoft.com/office/powerpoint/2015/main" val="1"/>
+              </p:ext>
+            </p:extLst>
+          </p:nvPr>
+        </p:nvSpPr>
+        <p:spPr>
+          <a:xfrm>
+            <a:off x="7465099" y="486184"/>
+            <a:ext cx="4083433" cy="4083433"/>
+          </a:xfrm>
+          <a:prstGeom prst="arc">
+            <a:avLst/>
+          </a:prstGeom>
+          <a:ln w="127000" cap="rnd">
+            <a:solidFill>
+              <a:schemeClr val="accent4"/>
+            </a:solidFill>
+            <a:prstDash val="dash"/>
+          </a:ln>
+        </p:spPr>
+        <p:style>
+          <a:lnRef idx="1">
+            <a:schemeClr val="accent1"/>
+          </a:lnRef>
+          <a:fillRef idx="0">
+            <a:schemeClr val="accent1"/>
+          </a:fillRef>
+          <a:effectRef idx="0">
+            <a:schemeClr val="accent1"/>
+          </a:effectRef>
+          <a:fontRef idx="minor">
+            <a:schemeClr val="tx1"/>
+          </a:fontRef>
+        </p:style>
+        <p:txBody>
+          <a:bodyPr rtlCol="0" anchor="ctr"/>
+          <a:lstStyle/>
+          <a:p>
+            <a:pPr marL="0" marR="0" lvl="0" indent="0" algn="ctr" defTabSz="914400" rtl="0" eaLnBrk="1" fontAlgn="auto" latinLnBrk="0" hangingPunct="1">
+              <a:lnSpc>
+                <a:spcPct val="100000"/>
+              </a:lnSpc>
+              <a:spcBef>
+                <a:spcPts val="0"/>
+              </a:spcBef>
+              <a:spcAft>
+                <a:spcPts val="0"/>
+              </a:spcAft>
+              <a:buClrTx/>
+              <a:buSzTx/>
+              <a:buFontTx/>
+              <a:buNone/>
+              <a:tabLst/>
+              <a:defRPr/>
+            </a:pPr>
+            <a:endParaRPr kumimoji="0" lang="en-US" sz="1800" b="0" i="0" u="none" strike="noStrike" kern="1200" cap="none" spc="0" normalizeH="0" baseline="0" noProof="0" dirty="0">
+              <a:ln>
+                <a:noFill/>
+              </a:ln>
+              <a:solidFill>
+                <a:prstClr val="black"/>
+              </a:solidFill>
+              <a:effectLst/>
+              <a:uLnTx/>
+              <a:uFillTx/>
+              <a:latin typeface="Calibri" panose="020F0502020204030204"/>
+              <a:ea typeface="+mn-ea"/>
+              <a:cs typeface="+mn-cs"/>
+            </a:endParaRPr>
+          </a:p>
+        </p:txBody>
+      </p:sp>
       <p:sp>
         <p:nvSpPr>
           <p:cNvPr id="2" name="Title 1">
             <a:extLst>
               <a:ext uri="{FF2B5EF4-FFF2-40B4-BE49-F238E27FC236}">
-                <a16:creationId xmlns:a16="http://schemas.microsoft.com/office/drawing/2014/main" id="{3C732381-BFC2-6F3F-058A-7EAD61E5590C}"/>
+                <a16:creationId xmlns:a16="http://schemas.microsoft.com/office/drawing/2014/main" id="{99A0820E-216D-F7CC-0905-014594A9C1A4}"/>
               </a:ext>
             </a:extLst>
           </p:cNvPr>
@@ -7921,24 +11537,177 @@
             <p:ph type="title"/>
           </p:nvPr>
         </p:nvSpPr>
-        <p:spPr/>
+        <p:spPr>
+          <a:xfrm>
+            <a:off x="4184542" y="486184"/>
+            <a:ext cx="7363990" cy="1325563"/>
+          </a:xfrm>
+        </p:spPr>
         <p:txBody>
-          <a:bodyPr/>
+          <a:bodyPr>
+            <a:normAutofit/>
+          </a:bodyPr>
           <a:lstStyle/>
           <a:p>
             <a:r>
               <a:rPr lang="en-CA" dirty="0"/>
-              <a:t>Assumptions</a:t>
+              <a:t>Example Calculations and Models</a:t>
             </a:r>
           </a:p>
         </p:txBody>
       </p:sp>
+      <p:pic>
+        <p:nvPicPr>
+          <p:cNvPr id="5" name="Picture 4">
+            <a:extLst>
+              <a:ext uri="{FF2B5EF4-FFF2-40B4-BE49-F238E27FC236}">
+                <a16:creationId xmlns:a16="http://schemas.microsoft.com/office/drawing/2014/main" id="{CFFC0296-F13E-167E-0F33-27320DF18354}"/>
+              </a:ext>
+            </a:extLst>
+          </p:cNvPr>
+          <p:cNvPicPr>
+            <a:picLocks noChangeAspect="1"/>
+          </p:cNvPicPr>
+          <p:nvPr/>
+        </p:nvPicPr>
+        <p:blipFill rotWithShape="1">
+          <a:blip r:embed="rId2"/>
+          <a:srcRect l="6750" r="-2" b="-2"/>
+          <a:stretch/>
+        </p:blipFill>
+        <p:spPr>
+          <a:xfrm>
+            <a:off x="581526" y="258142"/>
+            <a:ext cx="3118718" cy="3118718"/>
+          </a:xfrm>
+          <a:custGeom>
+            <a:avLst/>
+            <a:gdLst/>
+            <a:ahLst/>
+            <a:cxnLst/>
+            <a:rect l="l" t="t" r="r" b="b"/>
+            <a:pathLst>
+              <a:path w="2683042" h="2683042">
+                <a:moveTo>
+                  <a:pt x="102278" y="0"/>
+                </a:moveTo>
+                <a:lnTo>
+                  <a:pt x="2580764" y="0"/>
+                </a:lnTo>
+                <a:cubicBezTo>
+                  <a:pt x="2637251" y="0"/>
+                  <a:pt x="2683042" y="45791"/>
+                  <a:pt x="2683042" y="102278"/>
+                </a:cubicBezTo>
+                <a:lnTo>
+                  <a:pt x="2683042" y="2580764"/>
+                </a:lnTo>
+                <a:cubicBezTo>
+                  <a:pt x="2683042" y="2637251"/>
+                  <a:pt x="2637251" y="2683042"/>
+                  <a:pt x="2580764" y="2683042"/>
+                </a:cubicBezTo>
+                <a:lnTo>
+                  <a:pt x="102278" y="2683042"/>
+                </a:lnTo>
+                <a:cubicBezTo>
+                  <a:pt x="45791" y="2683042"/>
+                  <a:pt x="0" y="2637251"/>
+                  <a:pt x="0" y="2580764"/>
+                </a:cubicBezTo>
+                <a:lnTo>
+                  <a:pt x="0" y="102278"/>
+                </a:lnTo>
+                <a:cubicBezTo>
+                  <a:pt x="0" y="45791"/>
+                  <a:pt x="45791" y="0"/>
+                  <a:pt x="102278" y="0"/>
+                </a:cubicBezTo>
+                <a:close/>
+              </a:path>
+            </a:pathLst>
+          </a:custGeom>
+        </p:spPr>
+      </p:pic>
+      <p:pic>
+        <p:nvPicPr>
+          <p:cNvPr id="11" name="Picture 10">
+            <a:extLst>
+              <a:ext uri="{FF2B5EF4-FFF2-40B4-BE49-F238E27FC236}">
+                <a16:creationId xmlns:a16="http://schemas.microsoft.com/office/drawing/2014/main" id="{A82ADC44-FE62-0E4F-B61B-636F51C8ACE8}"/>
+              </a:ext>
+            </a:extLst>
+          </p:cNvPr>
+          <p:cNvPicPr>
+            <a:picLocks noChangeAspect="1"/>
+          </p:cNvPicPr>
+          <p:nvPr/>
+        </p:nvPicPr>
+        <p:blipFill rotWithShape="1">
+          <a:blip r:embed="rId3"/>
+          <a:srcRect l="2000" r="1" b="1"/>
+          <a:stretch/>
+        </p:blipFill>
+        <p:spPr>
+          <a:xfrm>
+            <a:off x="581526" y="3486449"/>
+            <a:ext cx="3118718" cy="3118718"/>
+          </a:xfrm>
+          <a:custGeom>
+            <a:avLst/>
+            <a:gdLst/>
+            <a:ahLst/>
+            <a:cxnLst/>
+            <a:rect l="l" t="t" r="r" b="b"/>
+            <a:pathLst>
+              <a:path w="2683042" h="2683042">
+                <a:moveTo>
+                  <a:pt x="102278" y="0"/>
+                </a:moveTo>
+                <a:lnTo>
+                  <a:pt x="2580764" y="0"/>
+                </a:lnTo>
+                <a:cubicBezTo>
+                  <a:pt x="2637251" y="0"/>
+                  <a:pt x="2683042" y="45791"/>
+                  <a:pt x="2683042" y="102278"/>
+                </a:cubicBezTo>
+                <a:lnTo>
+                  <a:pt x="2683042" y="2580764"/>
+                </a:lnTo>
+                <a:cubicBezTo>
+                  <a:pt x="2683042" y="2637251"/>
+                  <a:pt x="2637251" y="2683042"/>
+                  <a:pt x="2580764" y="2683042"/>
+                </a:cubicBezTo>
+                <a:lnTo>
+                  <a:pt x="102278" y="2683042"/>
+                </a:lnTo>
+                <a:cubicBezTo>
+                  <a:pt x="45791" y="2683042"/>
+                  <a:pt x="0" y="2637251"/>
+                  <a:pt x="0" y="2580764"/>
+                </a:cubicBezTo>
+                <a:lnTo>
+                  <a:pt x="0" y="102278"/>
+                </a:lnTo>
+                <a:cubicBezTo>
+                  <a:pt x="0" y="45791"/>
+                  <a:pt x="45791" y="0"/>
+                  <a:pt x="102278" y="0"/>
+                </a:cubicBezTo>
+                <a:close/>
+              </a:path>
+            </a:pathLst>
+          </a:custGeom>
+        </p:spPr>
+      </p:pic>
       <p:sp>
         <p:nvSpPr>
-          <p:cNvPr id="3" name="Content Placeholder 2">
-            <a:extLst>
-              <a:ext uri="{FF2B5EF4-FFF2-40B4-BE49-F238E27FC236}">
-                <a16:creationId xmlns:a16="http://schemas.microsoft.com/office/drawing/2014/main" id="{4F91F226-354F-27D2-1914-C5773798C0F9}"/>
+          <p:cNvPr id="6" name="Content Placeholder 2">
+            <a:extLst>
+              <a:ext uri="{FF2B5EF4-FFF2-40B4-BE49-F238E27FC236}">
+                <a16:creationId xmlns:a16="http://schemas.microsoft.com/office/drawing/2014/main" id="{CC7BCCCB-9907-FF0C-EEAB-CDCE4653FE88}"/>
               </a:ext>
             </a:extLst>
           </p:cNvPr>
@@ -7949,51 +11718,70 @@
             <p:ph idx="1"/>
           </p:nvPr>
         </p:nvSpPr>
-        <p:spPr/>
+        <p:spPr>
+          <a:xfrm>
+            <a:off x="4184542" y="1946684"/>
+            <a:ext cx="7363990" cy="4351338"/>
+          </a:xfrm>
+        </p:spPr>
         <p:txBody>
-          <a:bodyPr/>
+          <a:bodyPr>
+            <a:normAutofit/>
+          </a:bodyPr>
           <a:lstStyle/>
           <a:p>
-            <a:endParaRPr lang="en-CA"/>
+            <a:pPr marL="0" indent="0">
+              <a:buNone/>
+            </a:pPr>
+            <a:r>
+              <a:rPr lang="en-CA" sz="2400" dirty="0"/>
+              <a:t>Sigmoid Function </a:t>
+            </a:r>
+          </a:p>
+          <a:p>
+            <a:r>
+              <a:rPr lang="en-CA" sz="2400" dirty="0"/>
+              <a:t>Useful for classification since its value is either close to zero or one</a:t>
+            </a:r>
+          </a:p>
+          <a:p>
+            <a:pPr marL="0" indent="0">
+              <a:buNone/>
+            </a:pPr>
+            <a:endParaRPr lang="en-CA" sz="2400" dirty="0"/>
+          </a:p>
+          <a:p>
+            <a:pPr marL="0" indent="0">
+              <a:buNone/>
+            </a:pPr>
+            <a:r>
+              <a:rPr lang="en-CA" sz="2400" dirty="0"/>
+              <a:t>Natural Logarithm Function</a:t>
+            </a:r>
+          </a:p>
+          <a:p>
+            <a:r>
+              <a:rPr lang="en-CA" sz="2400" dirty="0"/>
+              <a:t>Used for basis of Log Likelihood function</a:t>
+            </a:r>
+          </a:p>
+          <a:p>
+            <a:pPr marL="0" indent="0">
+              <a:buNone/>
+            </a:pPr>
+            <a:endParaRPr lang="en-CA" sz="2400" dirty="0"/>
+          </a:p>
+          <a:p>
+            <a:endParaRPr lang="en-CA" sz="2400" dirty="0"/>
           </a:p>
         </p:txBody>
       </p:sp>
-    </p:spTree>
-    <p:extLst>
-      <p:ext uri="{BB962C8B-B14F-4D97-AF65-F5344CB8AC3E}">
-        <p14:creationId xmlns:p14="http://schemas.microsoft.com/office/powerpoint/2010/main" val="3488984038"/>
-      </p:ext>
-    </p:extLst>
-  </p:cSld>
-  <p:clrMapOvr>
-    <a:masterClrMapping/>
-  </p:clrMapOvr>
-</p:sld>
-</file>
-
-<file path=ppt/slides/slide4.xml><?xml version="1.0" encoding="utf-8"?>
-<p:sld xmlns:a="http://schemas.openxmlformats.org/drawingml/2006/main" xmlns:r="http://schemas.openxmlformats.org/officeDocument/2006/relationships" xmlns:p="http://schemas.openxmlformats.org/presentationml/2006/main">
-  <p:cSld>
-    <p:spTree>
-      <p:nvGrpSpPr>
-        <p:cNvPr id="1" name=""/>
-        <p:cNvGrpSpPr/>
-        <p:nvPr/>
-      </p:nvGrpSpPr>
-      <p:grpSpPr>
-        <a:xfrm>
-          <a:off x="0" y="0"/>
-          <a:ext cx="0" cy="0"/>
-          <a:chOff x="0" y="0"/>
-          <a:chExt cx="0" cy="0"/>
-        </a:xfrm>
-      </p:grpSpPr>
       <p:sp>
         <p:nvSpPr>
-          <p:cNvPr id="2" name="Title 1">
-            <a:extLst>
-              <a:ext uri="{FF2B5EF4-FFF2-40B4-BE49-F238E27FC236}">
-                <a16:creationId xmlns:a16="http://schemas.microsoft.com/office/drawing/2014/main" id="{99A0820E-216D-F7CC-0905-014594A9C1A4}"/>
+          <p:cNvPr id="13" name="Slide Number Placeholder 3">
+            <a:extLst>
+              <a:ext uri="{FF2B5EF4-FFF2-40B4-BE49-F238E27FC236}">
+                <a16:creationId xmlns:a16="http://schemas.microsoft.com/office/drawing/2014/main" id="{B0F0E84C-F4C8-FB93-DEDB-FBAC071B797F}"/>
               </a:ext>
             </a:extLst>
           </p:cNvPr>
@@ -8001,44 +11789,43 @@
             <a:spLocks noGrp="1"/>
           </p:cNvSpPr>
           <p:nvPr>
-            <p:ph type="title"/>
+            <p:ph type="sldNum" sz="quarter" idx="12"/>
           </p:nvPr>
         </p:nvSpPr>
-        <p:spPr/>
+        <p:spPr>
+          <a:xfrm>
+            <a:off x="9395545" y="6445897"/>
+            <a:ext cx="2743200" cy="365125"/>
+          </a:xfrm>
+        </p:spPr>
         <p:txBody>
           <a:bodyPr/>
           <a:lstStyle/>
           <a:p>
             <a:r>
-              <a:rPr lang="en-CA"/>
-              <a:t>Example Calculations and Models</a:t>
+              <a:rPr lang="en-US" dirty="0">
+                <a:solidFill>
+                  <a:schemeClr val="tx1"/>
+                </a:solidFill>
+              </a:rPr>
+              <a:t>Page </a:t>
             </a:r>
-            <a:endParaRPr lang="en-CA" dirty="0"/>
-          </a:p>
-        </p:txBody>
-      </p:sp>
-      <p:sp>
-        <p:nvSpPr>
-          <p:cNvPr id="3" name="Content Placeholder 2">
-            <a:extLst>
-              <a:ext uri="{FF2B5EF4-FFF2-40B4-BE49-F238E27FC236}">
-                <a16:creationId xmlns:a16="http://schemas.microsoft.com/office/drawing/2014/main" id="{31EE65BB-7C1C-EBF3-F280-88F1218E736F}"/>
-              </a:ext>
-            </a:extLst>
-          </p:cNvPr>
-          <p:cNvSpPr>
-            <a:spLocks noGrp="1"/>
-          </p:cNvSpPr>
-          <p:nvPr>
-            <p:ph idx="1"/>
-          </p:nvPr>
-        </p:nvSpPr>
-        <p:spPr/>
-        <p:txBody>
-          <a:bodyPr/>
-          <a:lstStyle/>
-          <a:p>
-            <a:endParaRPr lang="en-CA"/>
+            <a:fld id="{4854181D-6920-4594-9A5D-6CE56DC9F8B2}" type="slidenum">
+              <a:rPr lang="en-US" smtClean="0">
+                <a:solidFill>
+                  <a:schemeClr val="tx1"/>
+                </a:solidFill>
+              </a:rPr>
+              <a:t>4</a:t>
+            </a:fld>
+            <a:r>
+              <a:rPr lang="en-US" dirty="0">
+                <a:solidFill>
+                  <a:schemeClr val="tx1"/>
+                </a:solidFill>
+              </a:rPr>
+              <a:t>/8</a:t>
+            </a:r>
           </a:p>
         </p:txBody>
       </p:sp>
@@ -8077,7 +11864,7 @@
           <p:cNvPr id="2" name="Title 1">
             <a:extLst>
               <a:ext uri="{FF2B5EF4-FFF2-40B4-BE49-F238E27FC236}">
-                <a16:creationId xmlns:a16="http://schemas.microsoft.com/office/drawing/2014/main" id="{C85EF407-6795-9567-C27F-0462F923ADCF}"/>
+                <a16:creationId xmlns:a16="http://schemas.microsoft.com/office/drawing/2014/main" id="{C7DF1014-ECEC-7D05-6120-59AD338C5A43}"/>
               </a:ext>
             </a:extLst>
           </p:cNvPr>
@@ -8093,7 +11880,792 @@
           <a:bodyPr/>
           <a:lstStyle/>
           <a:p>
-            <a:endParaRPr lang="en-CA" dirty="0"/>
+            <a:r>
+              <a:rPr lang="en-CA" dirty="0"/>
+              <a:t>Example Calculations and Models Cont’d</a:t>
+            </a:r>
+          </a:p>
+        </p:txBody>
+      </p:sp>
+      <p:sp>
+        <p:nvSpPr>
+          <p:cNvPr id="5" name="Slide Number Placeholder 3">
+            <a:extLst>
+              <a:ext uri="{FF2B5EF4-FFF2-40B4-BE49-F238E27FC236}">
+                <a16:creationId xmlns:a16="http://schemas.microsoft.com/office/drawing/2014/main" id="{1C012839-D1DE-7D8C-C13D-1405FD0457A8}"/>
+              </a:ext>
+            </a:extLst>
+          </p:cNvPr>
+          <p:cNvSpPr>
+            <a:spLocks noGrp="1"/>
+          </p:cNvSpPr>
+          <p:nvPr>
+            <p:ph type="sldNum" sz="quarter" idx="12"/>
+          </p:nvPr>
+        </p:nvSpPr>
+        <p:spPr>
+          <a:xfrm>
+            <a:off x="9395545" y="6445897"/>
+            <a:ext cx="2743200" cy="365125"/>
+          </a:xfrm>
+        </p:spPr>
+        <p:txBody>
+          <a:bodyPr/>
+          <a:lstStyle/>
+          <a:p>
+            <a:r>
+              <a:rPr lang="en-US" dirty="0">
+                <a:solidFill>
+                  <a:schemeClr val="tx1"/>
+                </a:solidFill>
+              </a:rPr>
+              <a:t>Page </a:t>
+            </a:r>
+            <a:fld id="{4854181D-6920-4594-9A5D-6CE56DC9F8B2}" type="slidenum">
+              <a:rPr lang="en-US" smtClean="0">
+                <a:solidFill>
+                  <a:schemeClr val="tx1"/>
+                </a:solidFill>
+              </a:rPr>
+              <a:t>5</a:t>
+            </a:fld>
+            <a:r>
+              <a:rPr lang="en-US" dirty="0">
+                <a:solidFill>
+                  <a:schemeClr val="tx1"/>
+                </a:solidFill>
+              </a:rPr>
+              <a:t>/8</a:t>
+            </a:r>
+          </a:p>
+        </p:txBody>
+      </p:sp>
+      <p:pic>
+        <p:nvPicPr>
+          <p:cNvPr id="7" name="Picture 6">
+            <a:extLst>
+              <a:ext uri="{FF2B5EF4-FFF2-40B4-BE49-F238E27FC236}">
+                <a16:creationId xmlns:a16="http://schemas.microsoft.com/office/drawing/2014/main" id="{CAE9B0C0-7090-D085-8979-B49AF6DAF264}"/>
+              </a:ext>
+            </a:extLst>
+          </p:cNvPr>
+          <p:cNvPicPr>
+            <a:picLocks noChangeAspect="1"/>
+          </p:cNvPicPr>
+          <p:nvPr/>
+        </p:nvPicPr>
+        <p:blipFill>
+          <a:blip r:embed="rId2"/>
+          <a:stretch>
+            <a:fillRect/>
+          </a:stretch>
+        </p:blipFill>
+        <p:spPr>
+          <a:xfrm>
+            <a:off x="315563" y="2343157"/>
+            <a:ext cx="5780435" cy="2171685"/>
+          </a:xfrm>
+          <a:prstGeom prst="rect">
+            <a:avLst/>
+          </a:prstGeom>
+        </p:spPr>
+      </p:pic>
+      <p:pic>
+        <p:nvPicPr>
+          <p:cNvPr id="9" name="Picture 8">
+            <a:extLst>
+              <a:ext uri="{FF2B5EF4-FFF2-40B4-BE49-F238E27FC236}">
+                <a16:creationId xmlns:a16="http://schemas.microsoft.com/office/drawing/2014/main" id="{4C1A88EA-8389-DD90-1A57-B3C56972839A}"/>
+              </a:ext>
+            </a:extLst>
+          </p:cNvPr>
+          <p:cNvPicPr>
+            <a:picLocks noChangeAspect="1"/>
+          </p:cNvPicPr>
+          <p:nvPr/>
+        </p:nvPicPr>
+        <p:blipFill>
+          <a:blip r:embed="rId3"/>
+          <a:stretch>
+            <a:fillRect/>
+          </a:stretch>
+        </p:blipFill>
+        <p:spPr>
+          <a:xfrm>
+            <a:off x="1526120" y="1690688"/>
+            <a:ext cx="3359323" cy="1022403"/>
+          </a:xfrm>
+          <a:prstGeom prst="rect">
+            <a:avLst/>
+          </a:prstGeom>
+        </p:spPr>
+      </p:pic>
+      <p:pic>
+        <p:nvPicPr>
+          <p:cNvPr id="11" name="Content Placeholder 10">
+            <a:extLst>
+              <a:ext uri="{FF2B5EF4-FFF2-40B4-BE49-F238E27FC236}">
+                <a16:creationId xmlns:a16="http://schemas.microsoft.com/office/drawing/2014/main" id="{3069CF3F-2488-0D3C-36B1-96C29EF328C3}"/>
+              </a:ext>
+            </a:extLst>
+          </p:cNvPr>
+          <p:cNvPicPr>
+            <a:picLocks noGrp="1" noChangeAspect="1"/>
+          </p:cNvPicPr>
+          <p:nvPr>
+            <p:ph idx="1"/>
+          </p:nvPr>
+        </p:nvPicPr>
+        <p:blipFill>
+          <a:blip r:embed="rId4"/>
+          <a:stretch>
+            <a:fillRect/>
+          </a:stretch>
+        </p:blipFill>
+        <p:spPr>
+          <a:xfrm>
+            <a:off x="6642993" y="2146700"/>
+            <a:ext cx="5374366" cy="655018"/>
+          </a:xfrm>
+        </p:spPr>
+      </p:pic>
+      <p:grpSp>
+        <p:nvGrpSpPr>
+          <p:cNvPr id="15" name="Group 14">
+            <a:extLst>
+              <a:ext uri="{FF2B5EF4-FFF2-40B4-BE49-F238E27FC236}">
+                <a16:creationId xmlns:a16="http://schemas.microsoft.com/office/drawing/2014/main" id="{8BF43C64-2CCA-9F17-AB62-3165ADE233AB}"/>
+              </a:ext>
+            </a:extLst>
+          </p:cNvPr>
+          <p:cNvGrpSpPr/>
+          <p:nvPr/>
+        </p:nvGrpSpPr>
+        <p:grpSpPr>
+          <a:xfrm>
+            <a:off x="6642993" y="2902073"/>
+            <a:ext cx="5374366" cy="655018"/>
+            <a:chOff x="6642993" y="2902073"/>
+            <a:chExt cx="5374366" cy="655018"/>
+          </a:xfrm>
+        </p:grpSpPr>
+        <p:pic>
+          <p:nvPicPr>
+            <p:cNvPr id="12" name="Content Placeholder 10">
+              <a:extLst>
+                <a:ext uri="{FF2B5EF4-FFF2-40B4-BE49-F238E27FC236}">
+                  <a16:creationId xmlns:a16="http://schemas.microsoft.com/office/drawing/2014/main" id="{1D66D614-DB0E-70BC-5CE5-E90ACF60A7ED}"/>
+                </a:ext>
+              </a:extLst>
+            </p:cNvPr>
+            <p:cNvPicPr>
+              <a:picLocks noChangeAspect="1"/>
+            </p:cNvPicPr>
+            <p:nvPr/>
+          </p:nvPicPr>
+          <p:blipFill>
+            <a:blip r:embed="rId4"/>
+            <a:stretch>
+              <a:fillRect/>
+            </a:stretch>
+          </p:blipFill>
+          <p:spPr>
+            <a:xfrm>
+              <a:off x="6642993" y="2902073"/>
+              <a:ext cx="5374366" cy="655018"/>
+            </a:xfrm>
+            <a:prstGeom prst="rect">
+              <a:avLst/>
+            </a:prstGeom>
+          </p:spPr>
+        </p:pic>
+        <p:pic>
+          <p:nvPicPr>
+            <p:cNvPr id="14" name="Picture 13">
+              <a:extLst>
+                <a:ext uri="{FF2B5EF4-FFF2-40B4-BE49-F238E27FC236}">
+                  <a16:creationId xmlns:a16="http://schemas.microsoft.com/office/drawing/2014/main" id="{FC818FE4-B411-1A79-4D4F-931900CDC4FD}"/>
+                </a:ext>
+              </a:extLst>
+            </p:cNvPr>
+            <p:cNvPicPr>
+              <a:picLocks noChangeAspect="1"/>
+            </p:cNvPicPr>
+            <p:nvPr/>
+          </p:nvPicPr>
+          <p:blipFill>
+            <a:blip r:embed="rId5"/>
+            <a:stretch>
+              <a:fillRect/>
+            </a:stretch>
+          </p:blipFill>
+          <p:spPr>
+            <a:xfrm>
+              <a:off x="6742144" y="2954621"/>
+              <a:ext cx="393975" cy="474378"/>
+            </a:xfrm>
+            <a:prstGeom prst="rect">
+              <a:avLst/>
+            </a:prstGeom>
+          </p:spPr>
+        </p:pic>
+      </p:grpSp>
+      <p:pic>
+        <p:nvPicPr>
+          <p:cNvPr id="17" name="Picture 16">
+            <a:extLst>
+              <a:ext uri="{FF2B5EF4-FFF2-40B4-BE49-F238E27FC236}">
+                <a16:creationId xmlns:a16="http://schemas.microsoft.com/office/drawing/2014/main" id="{8924486C-65A4-1784-1B5D-76149A672E25}"/>
+              </a:ext>
+            </a:extLst>
+          </p:cNvPr>
+          <p:cNvPicPr>
+            <a:picLocks noChangeAspect="1"/>
+          </p:cNvPicPr>
+          <p:nvPr/>
+        </p:nvPicPr>
+        <p:blipFill>
+          <a:blip r:embed="rId6"/>
+          <a:stretch>
+            <a:fillRect/>
+          </a:stretch>
+        </p:blipFill>
+        <p:spPr>
+          <a:xfrm>
+            <a:off x="7378490" y="3862897"/>
+            <a:ext cx="3572229" cy="852321"/>
+          </a:xfrm>
+          <a:prstGeom prst="rect">
+            <a:avLst/>
+          </a:prstGeom>
+        </p:spPr>
+      </p:pic>
+      <p:pic>
+        <p:nvPicPr>
+          <p:cNvPr id="19" name="Picture 18">
+            <a:extLst>
+              <a:ext uri="{FF2B5EF4-FFF2-40B4-BE49-F238E27FC236}">
+                <a16:creationId xmlns:a16="http://schemas.microsoft.com/office/drawing/2014/main" id="{05A4DA08-7B97-9D43-0DBC-42C46123E6FC}"/>
+              </a:ext>
+            </a:extLst>
+          </p:cNvPr>
+          <p:cNvPicPr>
+            <a:picLocks noChangeAspect="1"/>
+          </p:cNvPicPr>
+          <p:nvPr/>
+        </p:nvPicPr>
+        <p:blipFill>
+          <a:blip r:embed="rId7"/>
+          <a:stretch>
+            <a:fillRect/>
+          </a:stretch>
+        </p:blipFill>
+        <p:spPr>
+          <a:xfrm>
+            <a:off x="7759061" y="1496484"/>
+            <a:ext cx="2811086" cy="519164"/>
+          </a:xfrm>
+          <a:prstGeom prst="rect">
+            <a:avLst/>
+          </a:prstGeom>
+        </p:spPr>
+      </p:pic>
+    </p:spTree>
+    <p:extLst>
+      <p:ext uri="{BB962C8B-B14F-4D97-AF65-F5344CB8AC3E}">
+        <p14:creationId xmlns:p14="http://schemas.microsoft.com/office/powerpoint/2010/main" val="1282139663"/>
+      </p:ext>
+    </p:extLst>
+  </p:cSld>
+  <p:clrMapOvr>
+    <a:masterClrMapping/>
+  </p:clrMapOvr>
+</p:sld>
+</file>
+
+<file path=ppt/slides/slide6.xml><?xml version="1.0" encoding="utf-8"?>
+<p:sld xmlns:a="http://schemas.openxmlformats.org/drawingml/2006/main" xmlns:r="http://schemas.openxmlformats.org/officeDocument/2006/relationships" xmlns:p="http://schemas.openxmlformats.org/presentationml/2006/main">
+  <p:cSld>
+    <p:spTree>
+      <p:nvGrpSpPr>
+        <p:cNvPr id="1" name=""/>
+        <p:cNvGrpSpPr/>
+        <p:nvPr/>
+      </p:nvGrpSpPr>
+      <p:grpSpPr>
+        <a:xfrm>
+          <a:off x="0" y="0"/>
+          <a:ext cx="0" cy="0"/>
+          <a:chOff x="0" y="0"/>
+          <a:chExt cx="0" cy="0"/>
+        </a:xfrm>
+      </p:grpSpPr>
+      <p:sp>
+        <p:nvSpPr>
+          <p:cNvPr id="2" name="Title 1">
+            <a:extLst>
+              <a:ext uri="{FF2B5EF4-FFF2-40B4-BE49-F238E27FC236}">
+                <a16:creationId xmlns:a16="http://schemas.microsoft.com/office/drawing/2014/main" id="{C7DF1014-ECEC-7D05-6120-59AD338C5A43}"/>
+              </a:ext>
+            </a:extLst>
+          </p:cNvPr>
+          <p:cNvSpPr>
+            <a:spLocks noGrp="1"/>
+          </p:cNvSpPr>
+          <p:nvPr>
+            <p:ph type="title"/>
+          </p:nvPr>
+        </p:nvSpPr>
+        <p:spPr>
+          <a:xfrm>
+            <a:off x="801420" y="135515"/>
+            <a:ext cx="10515600" cy="1325563"/>
+          </a:xfrm>
+        </p:spPr>
+        <p:txBody>
+          <a:bodyPr/>
+          <a:lstStyle/>
+          <a:p>
+            <a:r>
+              <a:rPr lang="en-CA" dirty="0"/>
+              <a:t>Example Calculations and Models Cont’d</a:t>
+            </a:r>
+          </a:p>
+        </p:txBody>
+      </p:sp>
+      <p:sp>
+        <p:nvSpPr>
+          <p:cNvPr id="5" name="Slide Number Placeholder 3">
+            <a:extLst>
+              <a:ext uri="{FF2B5EF4-FFF2-40B4-BE49-F238E27FC236}">
+                <a16:creationId xmlns:a16="http://schemas.microsoft.com/office/drawing/2014/main" id="{1C012839-D1DE-7D8C-C13D-1405FD0457A8}"/>
+              </a:ext>
+            </a:extLst>
+          </p:cNvPr>
+          <p:cNvSpPr>
+            <a:spLocks noGrp="1"/>
+          </p:cNvSpPr>
+          <p:nvPr>
+            <p:ph type="sldNum" sz="quarter" idx="12"/>
+          </p:nvPr>
+        </p:nvSpPr>
+        <p:spPr>
+          <a:xfrm>
+            <a:off x="9395545" y="6445897"/>
+            <a:ext cx="2743200" cy="365125"/>
+          </a:xfrm>
+        </p:spPr>
+        <p:txBody>
+          <a:bodyPr/>
+          <a:lstStyle/>
+          <a:p>
+            <a:r>
+              <a:rPr lang="en-US" dirty="0">
+                <a:solidFill>
+                  <a:schemeClr val="tx1"/>
+                </a:solidFill>
+              </a:rPr>
+              <a:t>Page </a:t>
+            </a:r>
+            <a:fld id="{4854181D-6920-4594-9A5D-6CE56DC9F8B2}" type="slidenum">
+              <a:rPr lang="en-US" smtClean="0">
+                <a:solidFill>
+                  <a:schemeClr val="tx1"/>
+                </a:solidFill>
+              </a:rPr>
+              <a:t>6</a:t>
+            </a:fld>
+            <a:r>
+              <a:rPr lang="en-US" dirty="0">
+                <a:solidFill>
+                  <a:schemeClr val="tx1"/>
+                </a:solidFill>
+              </a:rPr>
+              <a:t>/8</a:t>
+            </a:r>
+          </a:p>
+        </p:txBody>
+      </p:sp>
+      <p:pic>
+        <p:nvPicPr>
+          <p:cNvPr id="17" name="Picture 16">
+            <a:extLst>
+              <a:ext uri="{FF2B5EF4-FFF2-40B4-BE49-F238E27FC236}">
+                <a16:creationId xmlns:a16="http://schemas.microsoft.com/office/drawing/2014/main" id="{8924486C-65A4-1784-1B5D-76149A672E25}"/>
+              </a:ext>
+            </a:extLst>
+          </p:cNvPr>
+          <p:cNvPicPr>
+            <a:picLocks noChangeAspect="1"/>
+          </p:cNvPicPr>
+          <p:nvPr/>
+        </p:nvPicPr>
+        <p:blipFill>
+          <a:blip r:embed="rId2"/>
+          <a:stretch>
+            <a:fillRect/>
+          </a:stretch>
+        </p:blipFill>
+        <p:spPr>
+          <a:xfrm>
+            <a:off x="1124639" y="3628419"/>
+            <a:ext cx="3572229" cy="852321"/>
+          </a:xfrm>
+          <a:prstGeom prst="rect">
+            <a:avLst/>
+          </a:prstGeom>
+        </p:spPr>
+      </p:pic>
+      <p:pic>
+        <p:nvPicPr>
+          <p:cNvPr id="3" name="Content Placeholder 10">
+            <a:extLst>
+              <a:ext uri="{FF2B5EF4-FFF2-40B4-BE49-F238E27FC236}">
+                <a16:creationId xmlns:a16="http://schemas.microsoft.com/office/drawing/2014/main" id="{188D2A99-F2E5-CD1E-1A92-A24E47DCB195}"/>
+              </a:ext>
+            </a:extLst>
+          </p:cNvPr>
+          <p:cNvPicPr>
+            <a:picLocks noChangeAspect="1"/>
+          </p:cNvPicPr>
+          <p:nvPr/>
+        </p:nvPicPr>
+        <p:blipFill>
+          <a:blip r:embed="rId3"/>
+          <a:stretch>
+            <a:fillRect/>
+          </a:stretch>
+        </p:blipFill>
+        <p:spPr>
+          <a:xfrm>
+            <a:off x="308294" y="1791454"/>
+            <a:ext cx="5374366" cy="655018"/>
+          </a:xfrm>
+          <a:prstGeom prst="rect">
+            <a:avLst/>
+          </a:prstGeom>
+        </p:spPr>
+      </p:pic>
+      <p:grpSp>
+        <p:nvGrpSpPr>
+          <p:cNvPr id="4" name="Group 3">
+            <a:extLst>
+              <a:ext uri="{FF2B5EF4-FFF2-40B4-BE49-F238E27FC236}">
+                <a16:creationId xmlns:a16="http://schemas.microsoft.com/office/drawing/2014/main" id="{C8DB01BA-7B2F-4507-076E-3088CE34B57D}"/>
+              </a:ext>
+            </a:extLst>
+          </p:cNvPr>
+          <p:cNvGrpSpPr/>
+          <p:nvPr/>
+        </p:nvGrpSpPr>
+        <p:grpSpPr>
+          <a:xfrm>
+            <a:off x="308294" y="2574564"/>
+            <a:ext cx="5374366" cy="655018"/>
+            <a:chOff x="6642993" y="2902073"/>
+            <a:chExt cx="5374366" cy="655018"/>
+          </a:xfrm>
+        </p:grpSpPr>
+        <p:pic>
+          <p:nvPicPr>
+            <p:cNvPr id="6" name="Content Placeholder 10">
+              <a:extLst>
+                <a:ext uri="{FF2B5EF4-FFF2-40B4-BE49-F238E27FC236}">
+                  <a16:creationId xmlns:a16="http://schemas.microsoft.com/office/drawing/2014/main" id="{FDE3D38A-9C66-6F73-2041-023FA88F7996}"/>
+                </a:ext>
+              </a:extLst>
+            </p:cNvPr>
+            <p:cNvPicPr>
+              <a:picLocks noChangeAspect="1"/>
+            </p:cNvPicPr>
+            <p:nvPr/>
+          </p:nvPicPr>
+          <p:blipFill>
+            <a:blip r:embed="rId3"/>
+            <a:stretch>
+              <a:fillRect/>
+            </a:stretch>
+          </p:blipFill>
+          <p:spPr>
+            <a:xfrm>
+              <a:off x="6642993" y="2902073"/>
+              <a:ext cx="5374366" cy="655018"/>
+            </a:xfrm>
+            <a:prstGeom prst="rect">
+              <a:avLst/>
+            </a:prstGeom>
+          </p:spPr>
+        </p:pic>
+        <p:pic>
+          <p:nvPicPr>
+            <p:cNvPr id="8" name="Picture 7">
+              <a:extLst>
+                <a:ext uri="{FF2B5EF4-FFF2-40B4-BE49-F238E27FC236}">
+                  <a16:creationId xmlns:a16="http://schemas.microsoft.com/office/drawing/2014/main" id="{F9DC0517-381E-8C68-0772-9D311F56BD9D}"/>
+                </a:ext>
+              </a:extLst>
+            </p:cNvPr>
+            <p:cNvPicPr>
+              <a:picLocks noChangeAspect="1"/>
+            </p:cNvPicPr>
+            <p:nvPr/>
+          </p:nvPicPr>
+          <p:blipFill>
+            <a:blip r:embed="rId4"/>
+            <a:stretch>
+              <a:fillRect/>
+            </a:stretch>
+          </p:blipFill>
+          <p:spPr>
+            <a:xfrm>
+              <a:off x="6742144" y="2954621"/>
+              <a:ext cx="393975" cy="474378"/>
+            </a:xfrm>
+            <a:prstGeom prst="rect">
+              <a:avLst/>
+            </a:prstGeom>
+          </p:spPr>
+        </p:pic>
+      </p:grpSp>
+      <p:pic>
+        <p:nvPicPr>
+          <p:cNvPr id="18" name="Picture 17">
+            <a:extLst>
+              <a:ext uri="{FF2B5EF4-FFF2-40B4-BE49-F238E27FC236}">
+                <a16:creationId xmlns:a16="http://schemas.microsoft.com/office/drawing/2014/main" id="{008207FC-5882-DC9A-0373-D4D4E6A2A2C9}"/>
+              </a:ext>
+            </a:extLst>
+          </p:cNvPr>
+          <p:cNvPicPr>
+            <a:picLocks noChangeAspect="1"/>
+          </p:cNvPicPr>
+          <p:nvPr/>
+        </p:nvPicPr>
+        <p:blipFill>
+          <a:blip r:embed="rId5"/>
+          <a:stretch>
+            <a:fillRect/>
+          </a:stretch>
+        </p:blipFill>
+        <p:spPr>
+          <a:xfrm>
+            <a:off x="187108" y="5051538"/>
+            <a:ext cx="6028449" cy="1441337"/>
+          </a:xfrm>
+          <a:prstGeom prst="rect">
+            <a:avLst/>
+          </a:prstGeom>
+        </p:spPr>
+      </p:pic>
+      <p:pic>
+        <p:nvPicPr>
+          <p:cNvPr id="19" name="Picture 18">
+            <a:extLst>
+              <a:ext uri="{FF2B5EF4-FFF2-40B4-BE49-F238E27FC236}">
+                <a16:creationId xmlns:a16="http://schemas.microsoft.com/office/drawing/2014/main" id="{C472703C-E5CB-485B-1C4B-6C06C353025B}"/>
+              </a:ext>
+            </a:extLst>
+          </p:cNvPr>
+          <p:cNvPicPr>
+            <a:picLocks noChangeAspect="1"/>
+          </p:cNvPicPr>
+          <p:nvPr/>
+        </p:nvPicPr>
+        <p:blipFill>
+          <a:blip r:embed="rId6"/>
+          <a:stretch>
+            <a:fillRect/>
+          </a:stretch>
+        </p:blipFill>
+        <p:spPr>
+          <a:xfrm>
+            <a:off x="1589934" y="1332454"/>
+            <a:ext cx="2811086" cy="519164"/>
+          </a:xfrm>
+          <a:prstGeom prst="rect">
+            <a:avLst/>
+          </a:prstGeom>
+        </p:spPr>
+      </p:pic>
+      <p:pic>
+        <p:nvPicPr>
+          <p:cNvPr id="21" name="Picture 20">
+            <a:extLst>
+              <a:ext uri="{FF2B5EF4-FFF2-40B4-BE49-F238E27FC236}">
+                <a16:creationId xmlns:a16="http://schemas.microsoft.com/office/drawing/2014/main" id="{22BCAE72-C73D-9A1B-AD54-EF4BE002B961}"/>
+              </a:ext>
+            </a:extLst>
+          </p:cNvPr>
+          <p:cNvPicPr>
+            <a:picLocks noChangeAspect="1"/>
+          </p:cNvPicPr>
+          <p:nvPr/>
+        </p:nvPicPr>
+        <p:blipFill>
+          <a:blip r:embed="rId7"/>
+          <a:stretch>
+            <a:fillRect/>
+          </a:stretch>
+        </p:blipFill>
+        <p:spPr>
+          <a:xfrm>
+            <a:off x="7661291" y="2896280"/>
+            <a:ext cx="3406070" cy="666604"/>
+          </a:xfrm>
+          <a:prstGeom prst="rect">
+            <a:avLst/>
+          </a:prstGeom>
+        </p:spPr>
+      </p:pic>
+      <p:grpSp>
+        <p:nvGrpSpPr>
+          <p:cNvPr id="25" name="Group 24">
+            <a:extLst>
+              <a:ext uri="{FF2B5EF4-FFF2-40B4-BE49-F238E27FC236}">
+                <a16:creationId xmlns:a16="http://schemas.microsoft.com/office/drawing/2014/main" id="{60D647CB-16C3-AAA2-9107-5D1150C5A87B}"/>
+              </a:ext>
+            </a:extLst>
+          </p:cNvPr>
+          <p:cNvGrpSpPr/>
+          <p:nvPr/>
+        </p:nvGrpSpPr>
+        <p:grpSpPr>
+          <a:xfrm>
+            <a:off x="7738410" y="3812386"/>
+            <a:ext cx="2883212" cy="543263"/>
+            <a:chOff x="7621815" y="3157368"/>
+            <a:chExt cx="2883212" cy="543263"/>
+          </a:xfrm>
+        </p:grpSpPr>
+        <p:pic>
+          <p:nvPicPr>
+            <p:cNvPr id="23" name="Picture 22">
+              <a:extLst>
+                <a:ext uri="{FF2B5EF4-FFF2-40B4-BE49-F238E27FC236}">
+                  <a16:creationId xmlns:a16="http://schemas.microsoft.com/office/drawing/2014/main" id="{D5A7F495-D13B-6671-931E-84CDD5F86A04}"/>
+                </a:ext>
+              </a:extLst>
+            </p:cNvPr>
+            <p:cNvPicPr>
+              <a:picLocks noChangeAspect="1"/>
+            </p:cNvPicPr>
+            <p:nvPr/>
+          </p:nvPicPr>
+          <p:blipFill>
+            <a:blip r:embed="rId8"/>
+            <a:stretch>
+              <a:fillRect/>
+            </a:stretch>
+          </p:blipFill>
+          <p:spPr>
+            <a:xfrm>
+              <a:off x="8286063" y="3157368"/>
+              <a:ext cx="2218964" cy="543263"/>
+            </a:xfrm>
+            <a:prstGeom prst="rect">
+              <a:avLst/>
+            </a:prstGeom>
+          </p:spPr>
+        </p:pic>
+        <p:sp>
+          <p:nvSpPr>
+            <p:cNvPr id="24" name="TextBox 23">
+              <a:extLst>
+                <a:ext uri="{FF2B5EF4-FFF2-40B4-BE49-F238E27FC236}">
+                  <a16:creationId xmlns:a16="http://schemas.microsoft.com/office/drawing/2014/main" id="{EB34267C-288C-639B-66A1-4905FC7EC930}"/>
+                </a:ext>
+              </a:extLst>
+            </p:cNvPr>
+            <p:cNvSpPr txBox="1"/>
+            <p:nvPr/>
+          </p:nvSpPr>
+          <p:spPr>
+            <a:xfrm>
+              <a:off x="7621815" y="3205025"/>
+              <a:ext cx="960326" cy="384721"/>
+            </a:xfrm>
+            <a:prstGeom prst="rect">
+              <a:avLst/>
+            </a:prstGeom>
+            <a:noFill/>
+          </p:spPr>
+          <p:txBody>
+            <a:bodyPr wrap="square" rtlCol="0">
+              <a:spAutoFit/>
+            </a:bodyPr>
+            <a:lstStyle/>
+            <a:p>
+              <a:r>
+                <a:rPr lang="en-CA" sz="1900" b="1" i="1" dirty="0" err="1">
+                  <a:latin typeface="Lucida Bright" panose="02040602050505020304" pitchFamily="18" charset="0"/>
+                </a:rPr>
+                <a:t>db</a:t>
+              </a:r>
+              <a:r>
+                <a:rPr lang="en-CA" sz="1900" b="1" i="1" dirty="0">
+                  <a:latin typeface="Lucida Bright" panose="02040602050505020304" pitchFamily="18" charset="0"/>
+                </a:rPr>
+                <a:t> =</a:t>
+              </a:r>
+            </a:p>
+          </p:txBody>
+        </p:sp>
+      </p:grpSp>
+    </p:spTree>
+    <p:extLst>
+      <p:ext uri="{BB962C8B-B14F-4D97-AF65-F5344CB8AC3E}">
+        <p14:creationId xmlns:p14="http://schemas.microsoft.com/office/powerpoint/2010/main" val="3991598736"/>
+      </p:ext>
+    </p:extLst>
+  </p:cSld>
+  <p:clrMapOvr>
+    <a:masterClrMapping/>
+  </p:clrMapOvr>
+</p:sld>
+</file>
+
+<file path=ppt/slides/slide7.xml><?xml version="1.0" encoding="utf-8"?>
+<p:sld xmlns:a="http://schemas.openxmlformats.org/drawingml/2006/main" xmlns:r="http://schemas.openxmlformats.org/officeDocument/2006/relationships" xmlns:p="http://schemas.openxmlformats.org/presentationml/2006/main">
+  <p:cSld>
+    <p:spTree>
+      <p:nvGrpSpPr>
+        <p:cNvPr id="1" name=""/>
+        <p:cNvGrpSpPr/>
+        <p:nvPr/>
+      </p:nvGrpSpPr>
+      <p:grpSpPr>
+        <a:xfrm>
+          <a:off x="0" y="0"/>
+          <a:ext cx="0" cy="0"/>
+          <a:chOff x="0" y="0"/>
+          <a:chExt cx="0" cy="0"/>
+        </a:xfrm>
+      </p:grpSpPr>
+      <p:sp>
+        <p:nvSpPr>
+          <p:cNvPr id="2" name="Title 1">
+            <a:extLst>
+              <a:ext uri="{FF2B5EF4-FFF2-40B4-BE49-F238E27FC236}">
+                <a16:creationId xmlns:a16="http://schemas.microsoft.com/office/drawing/2014/main" id="{3C732381-BFC2-6F3F-058A-7EAD61E5590C}"/>
+              </a:ext>
+            </a:extLst>
+          </p:cNvPr>
+          <p:cNvSpPr>
+            <a:spLocks noGrp="1"/>
+          </p:cNvSpPr>
+          <p:nvPr>
+            <p:ph type="title"/>
+          </p:nvPr>
+        </p:nvSpPr>
+        <p:spPr/>
+        <p:txBody>
+          <a:bodyPr/>
+          <a:lstStyle/>
+          <a:p>
+            <a:r>
+              <a:rPr lang="en-CA" dirty="0"/>
+              <a:t>Assumptions</a:t>
+            </a:r>
           </a:p>
         </p:txBody>
       </p:sp>
@@ -8102,7 +12674,7 @@
           <p:cNvPr id="3" name="Content Placeholder 2">
             <a:extLst>
               <a:ext uri="{FF2B5EF4-FFF2-40B4-BE49-F238E27FC236}">
-                <a16:creationId xmlns:a16="http://schemas.microsoft.com/office/drawing/2014/main" id="{A8AA23A8-4647-B19E-8B09-7160468D15A4}"/>
+                <a16:creationId xmlns:a16="http://schemas.microsoft.com/office/drawing/2014/main" id="{4F91F226-354F-27D2-1914-C5773798C0F9}"/>
               </a:ext>
             </a:extLst>
           </p:cNvPr>
@@ -8119,6 +12691,197 @@
           <a:lstStyle/>
           <a:p>
             <a:endParaRPr lang="en-CA"/>
+          </a:p>
+        </p:txBody>
+      </p:sp>
+      <p:sp>
+        <p:nvSpPr>
+          <p:cNvPr id="5" name="Slide Number Placeholder 3">
+            <a:extLst>
+              <a:ext uri="{FF2B5EF4-FFF2-40B4-BE49-F238E27FC236}">
+                <a16:creationId xmlns:a16="http://schemas.microsoft.com/office/drawing/2014/main" id="{1EF2BD1D-C346-969D-0000-25EBA3216018}"/>
+              </a:ext>
+            </a:extLst>
+          </p:cNvPr>
+          <p:cNvSpPr>
+            <a:spLocks noGrp="1"/>
+          </p:cNvSpPr>
+          <p:nvPr>
+            <p:ph type="sldNum" sz="quarter" idx="12"/>
+          </p:nvPr>
+        </p:nvSpPr>
+        <p:spPr>
+          <a:xfrm>
+            <a:off x="9395545" y="6445897"/>
+            <a:ext cx="2743200" cy="365125"/>
+          </a:xfrm>
+        </p:spPr>
+        <p:txBody>
+          <a:bodyPr/>
+          <a:lstStyle/>
+          <a:p>
+            <a:r>
+              <a:rPr lang="en-US" dirty="0">
+                <a:solidFill>
+                  <a:schemeClr val="tx1"/>
+                </a:solidFill>
+              </a:rPr>
+              <a:t>Page </a:t>
+            </a:r>
+            <a:fld id="{4854181D-6920-4594-9A5D-6CE56DC9F8B2}" type="slidenum">
+              <a:rPr lang="en-US" smtClean="0">
+                <a:solidFill>
+                  <a:schemeClr val="tx1"/>
+                </a:solidFill>
+              </a:rPr>
+              <a:t>7</a:t>
+            </a:fld>
+            <a:r>
+              <a:rPr lang="en-US" dirty="0">
+                <a:solidFill>
+                  <a:schemeClr val="tx1"/>
+                </a:solidFill>
+              </a:rPr>
+              <a:t>/8</a:t>
+            </a:r>
+          </a:p>
+        </p:txBody>
+      </p:sp>
+    </p:spTree>
+    <p:extLst>
+      <p:ext uri="{BB962C8B-B14F-4D97-AF65-F5344CB8AC3E}">
+        <p14:creationId xmlns:p14="http://schemas.microsoft.com/office/powerpoint/2010/main" val="3488984038"/>
+      </p:ext>
+    </p:extLst>
+  </p:cSld>
+  <p:clrMapOvr>
+    <a:masterClrMapping/>
+  </p:clrMapOvr>
+</p:sld>
+</file>
+
+<file path=ppt/slides/slide8.xml><?xml version="1.0" encoding="utf-8"?>
+<p:sld xmlns:a="http://schemas.openxmlformats.org/drawingml/2006/main" xmlns:r="http://schemas.openxmlformats.org/officeDocument/2006/relationships" xmlns:p="http://schemas.openxmlformats.org/presentationml/2006/main">
+  <p:cSld>
+    <p:spTree>
+      <p:nvGrpSpPr>
+        <p:cNvPr id="1" name=""/>
+        <p:cNvGrpSpPr/>
+        <p:nvPr/>
+      </p:nvGrpSpPr>
+      <p:grpSpPr>
+        <a:xfrm>
+          <a:off x="0" y="0"/>
+          <a:ext cx="0" cy="0"/>
+          <a:chOff x="0" y="0"/>
+          <a:chExt cx="0" cy="0"/>
+        </a:xfrm>
+      </p:grpSpPr>
+      <p:sp>
+        <p:nvSpPr>
+          <p:cNvPr id="2" name="Title 1">
+            <a:extLst>
+              <a:ext uri="{FF2B5EF4-FFF2-40B4-BE49-F238E27FC236}">
+                <a16:creationId xmlns:a16="http://schemas.microsoft.com/office/drawing/2014/main" id="{C85EF407-6795-9567-C27F-0462F923ADCF}"/>
+              </a:ext>
+            </a:extLst>
+          </p:cNvPr>
+          <p:cNvSpPr>
+            <a:spLocks noGrp="1"/>
+          </p:cNvSpPr>
+          <p:nvPr>
+            <p:ph type="title"/>
+          </p:nvPr>
+        </p:nvSpPr>
+        <p:spPr/>
+        <p:txBody>
+          <a:bodyPr/>
+          <a:lstStyle/>
+          <a:p>
+            <a:endParaRPr lang="en-CA" dirty="0"/>
+          </a:p>
+        </p:txBody>
+      </p:sp>
+      <p:sp>
+        <p:nvSpPr>
+          <p:cNvPr id="3" name="Content Placeholder 2">
+            <a:extLst>
+              <a:ext uri="{FF2B5EF4-FFF2-40B4-BE49-F238E27FC236}">
+                <a16:creationId xmlns:a16="http://schemas.microsoft.com/office/drawing/2014/main" id="{A8AA23A8-4647-B19E-8B09-7160468D15A4}"/>
+              </a:ext>
+            </a:extLst>
+          </p:cNvPr>
+          <p:cNvSpPr>
+            <a:spLocks noGrp="1"/>
+          </p:cNvSpPr>
+          <p:nvPr>
+            <p:ph idx="1"/>
+          </p:nvPr>
+        </p:nvSpPr>
+        <p:spPr/>
+        <p:txBody>
+          <a:bodyPr/>
+          <a:lstStyle/>
+          <a:p>
+            <a:endParaRPr lang="en-CA"/>
+          </a:p>
+        </p:txBody>
+      </p:sp>
+      <p:sp>
+        <p:nvSpPr>
+          <p:cNvPr id="5" name="Slide Number Placeholder 3">
+            <a:extLst>
+              <a:ext uri="{FF2B5EF4-FFF2-40B4-BE49-F238E27FC236}">
+                <a16:creationId xmlns:a16="http://schemas.microsoft.com/office/drawing/2014/main" id="{23624874-B696-09C2-F784-44BA41FC2861}"/>
+              </a:ext>
+            </a:extLst>
+          </p:cNvPr>
+          <p:cNvSpPr>
+            <a:spLocks noGrp="1"/>
+          </p:cNvSpPr>
+          <p:nvPr>
+            <p:ph type="sldNum" sz="quarter" idx="12"/>
+          </p:nvPr>
+        </p:nvSpPr>
+        <p:spPr>
+          <a:xfrm>
+            <a:off x="9395545" y="6445897"/>
+            <a:ext cx="2743200" cy="365125"/>
+          </a:xfrm>
+        </p:spPr>
+        <p:txBody>
+          <a:bodyPr/>
+          <a:lstStyle/>
+          <a:p>
+            <a:r>
+              <a:rPr lang="en-US" dirty="0">
+                <a:solidFill>
+                  <a:schemeClr val="tx1"/>
+                </a:solidFill>
+              </a:rPr>
+              <a:t>Page </a:t>
+            </a:r>
+            <a:fld id="{4854181D-6920-4594-9A5D-6CE56DC9F8B2}" type="slidenum">
+              <a:rPr lang="en-US" smtClean="0">
+                <a:solidFill>
+                  <a:schemeClr val="tx1"/>
+                </a:solidFill>
+              </a:rPr>
+              <a:t>8</a:t>
+            </a:fld>
+            <a:r>
+              <a:rPr lang="en-US">
+                <a:solidFill>
+                  <a:schemeClr val="tx1"/>
+                </a:solidFill>
+              </a:rPr>
+              <a:t>/8</a:t>
+            </a:r>
+            <a:endParaRPr lang="en-US" dirty="0">
+              <a:solidFill>
+                <a:schemeClr val="tx1"/>
+              </a:solidFill>
+            </a:endParaRPr>
           </a:p>
         </p:txBody>
       </p:sp>
@@ -8334,4 +13097,299 @@
     </a:ext>
   </a:extLst>
 </a:theme>
+</file>
+
+<file path=ppt/theme/theme2.xml><?xml version="1.0" encoding="utf-8"?>
+<a:theme xmlns:a="http://schemas.openxmlformats.org/drawingml/2006/main" name="Office Theme">
+  <a:themeElements>
+    <a:clrScheme name="Office">
+      <a:dk1>
+        <a:sysClr val="windowText" lastClr="000000"/>
+      </a:dk1>
+      <a:lt1>
+        <a:sysClr val="window" lastClr="FFFFFF"/>
+      </a:lt1>
+      <a:dk2>
+        <a:srgbClr val="44546A"/>
+      </a:dk2>
+      <a:lt2>
+        <a:srgbClr val="E7E6E6"/>
+      </a:lt2>
+      <a:accent1>
+        <a:srgbClr val="4472C4"/>
+      </a:accent1>
+      <a:accent2>
+        <a:srgbClr val="ED7D31"/>
+      </a:accent2>
+      <a:accent3>
+        <a:srgbClr val="A5A5A5"/>
+      </a:accent3>
+      <a:accent4>
+        <a:srgbClr val="FFC000"/>
+      </a:accent4>
+      <a:accent5>
+        <a:srgbClr val="5B9BD5"/>
+      </a:accent5>
+      <a:accent6>
+        <a:srgbClr val="70AD47"/>
+      </a:accent6>
+      <a:hlink>
+        <a:srgbClr val="0563C1"/>
+      </a:hlink>
+      <a:folHlink>
+        <a:srgbClr val="954F72"/>
+      </a:folHlink>
+    </a:clrScheme>
+    <a:fontScheme name="Office">
+      <a:majorFont>
+        <a:latin typeface="Calibri Light" panose="020F0302020204030204"/>
+        <a:ea typeface=""/>
+        <a:cs typeface=""/>
+        <a:font script="Jpan" typeface="游ゴシック Light"/>
+        <a:font script="Hang" typeface="맑은 고딕"/>
+        <a:font script="Hans" typeface="等线 Light"/>
+        <a:font script="Hant" typeface="新細明體"/>
+        <a:font script="Arab" typeface="Times New Roman"/>
+        <a:font script="Hebr" typeface="Times New Roman"/>
+        <a:font script="Thai" typeface="Angsana New"/>
+        <a:font script="Ethi" typeface="Nyala"/>
+        <a:font script="Beng" typeface="Vrinda"/>
+        <a:font script="Gujr" typeface="Shruti"/>
+        <a:font script="Khmr" typeface="MoolBoran"/>
+        <a:font script="Knda" typeface="Tunga"/>
+        <a:font script="Guru" typeface="Raavi"/>
+        <a:font script="Cans" typeface="Euphemia"/>
+        <a:font script="Cher" typeface="Plantagenet Cherokee"/>
+        <a:font script="Yiii" typeface="Microsoft Yi Baiti"/>
+        <a:font script="Tibt" typeface="Microsoft Himalaya"/>
+        <a:font script="Thaa" typeface="MV Boli"/>
+        <a:font script="Deva" typeface="Mangal"/>
+        <a:font script="Telu" typeface="Gautami"/>
+        <a:font script="Taml" typeface="Latha"/>
+        <a:font script="Syrc" typeface="Estrangelo Edessa"/>
+        <a:font script="Orya" typeface="Kalinga"/>
+        <a:font script="Mlym" typeface="Kartika"/>
+        <a:font script="Laoo" typeface="DokChampa"/>
+        <a:font script="Sinh" typeface="Iskoola Pota"/>
+        <a:font script="Mong" typeface="Mongolian Baiti"/>
+        <a:font script="Viet" typeface="Times New Roman"/>
+        <a:font script="Uigh" typeface="Microsoft Uighur"/>
+        <a:font script="Geor" typeface="Sylfaen"/>
+        <a:font script="Armn" typeface="Arial"/>
+        <a:font script="Bugi" typeface="Leelawadee UI"/>
+        <a:font script="Bopo" typeface="Microsoft JhengHei"/>
+        <a:font script="Java" typeface="Javanese Text"/>
+        <a:font script="Lisu" typeface="Segoe UI"/>
+        <a:font script="Mymr" typeface="Myanmar Text"/>
+        <a:font script="Nkoo" typeface="Ebrima"/>
+        <a:font script="Olck" typeface="Nirmala UI"/>
+        <a:font script="Osma" typeface="Ebrima"/>
+        <a:font script="Phag" typeface="Phagspa"/>
+        <a:font script="Syrn" typeface="Estrangelo Edessa"/>
+        <a:font script="Syrj" typeface="Estrangelo Edessa"/>
+        <a:font script="Syre" typeface="Estrangelo Edessa"/>
+        <a:font script="Sora" typeface="Nirmala UI"/>
+        <a:font script="Tale" typeface="Microsoft Tai Le"/>
+        <a:font script="Talu" typeface="Microsoft New Tai Lue"/>
+        <a:font script="Tfng" typeface="Ebrima"/>
+      </a:majorFont>
+      <a:minorFont>
+        <a:latin typeface="Calibri" panose="020F0502020204030204"/>
+        <a:ea typeface=""/>
+        <a:cs typeface=""/>
+        <a:font script="Jpan" typeface="游ゴシック"/>
+        <a:font script="Hang" typeface="맑은 고딕"/>
+        <a:font script="Hans" typeface="等线"/>
+        <a:font script="Hant" typeface="新細明體"/>
+        <a:font script="Arab" typeface="Arial"/>
+        <a:font script="Hebr" typeface="Arial"/>
+        <a:font script="Thai" typeface="Cordia New"/>
+        <a:font script="Ethi" typeface="Nyala"/>
+        <a:font script="Beng" typeface="Vrinda"/>
+        <a:font script="Gujr" typeface="Shruti"/>
+        <a:font script="Khmr" typeface="DaunPenh"/>
+        <a:font script="Knda" typeface="Tunga"/>
+        <a:font script="Guru" typeface="Raavi"/>
+        <a:font script="Cans" typeface="Euphemia"/>
+        <a:font script="Cher" typeface="Plantagenet Cherokee"/>
+        <a:font script="Yiii" typeface="Microsoft Yi Baiti"/>
+        <a:font script="Tibt" typeface="Microsoft Himalaya"/>
+        <a:font script="Thaa" typeface="MV Boli"/>
+        <a:font script="Deva" typeface="Mangal"/>
+        <a:font script="Telu" typeface="Gautami"/>
+        <a:font script="Taml" typeface="Latha"/>
+        <a:font script="Syrc" typeface="Estrangelo Edessa"/>
+        <a:font script="Orya" typeface="Kalinga"/>
+        <a:font script="Mlym" typeface="Kartika"/>
+        <a:font script="Laoo" typeface="DokChampa"/>
+        <a:font script="Sinh" typeface="Iskoola Pota"/>
+        <a:font script="Mong" typeface="Mongolian Baiti"/>
+        <a:font script="Viet" typeface="Arial"/>
+        <a:font script="Uigh" typeface="Microsoft Uighur"/>
+        <a:font script="Geor" typeface="Sylfaen"/>
+        <a:font script="Armn" typeface="Arial"/>
+        <a:font script="Bugi" typeface="Leelawadee UI"/>
+        <a:font script="Bopo" typeface="Microsoft JhengHei"/>
+        <a:font script="Java" typeface="Javanese Text"/>
+        <a:font script="Lisu" typeface="Segoe UI"/>
+        <a:font script="Mymr" typeface="Myanmar Text"/>
+        <a:font script="Nkoo" typeface="Ebrima"/>
+        <a:font script="Olck" typeface="Nirmala UI"/>
+        <a:font script="Osma" typeface="Ebrima"/>
+        <a:font script="Phag" typeface="Phagspa"/>
+        <a:font script="Syrn" typeface="Estrangelo Edessa"/>
+        <a:font script="Syrj" typeface="Estrangelo Edessa"/>
+        <a:font script="Syre" typeface="Estrangelo Edessa"/>
+        <a:font script="Sora" typeface="Nirmala UI"/>
+        <a:font script="Tale" typeface="Microsoft Tai Le"/>
+        <a:font script="Talu" typeface="Microsoft New Tai Lue"/>
+        <a:font script="Tfng" typeface="Ebrima"/>
+      </a:minorFont>
+    </a:fontScheme>
+    <a:fmtScheme name="Office">
+      <a:fillStyleLst>
+        <a:solidFill>
+          <a:schemeClr val="phClr"/>
+        </a:solidFill>
+        <a:gradFill rotWithShape="1">
+          <a:gsLst>
+            <a:gs pos="0">
+              <a:schemeClr val="phClr">
+                <a:lumMod val="110000"/>
+                <a:satMod val="105000"/>
+                <a:tint val="67000"/>
+              </a:schemeClr>
+            </a:gs>
+            <a:gs pos="50000">
+              <a:schemeClr val="phClr">
+                <a:lumMod val="105000"/>
+                <a:satMod val="103000"/>
+                <a:tint val="73000"/>
+              </a:schemeClr>
+            </a:gs>
+            <a:gs pos="100000">
+              <a:schemeClr val="phClr">
+                <a:lumMod val="105000"/>
+                <a:satMod val="109000"/>
+                <a:tint val="81000"/>
+              </a:schemeClr>
+            </a:gs>
+          </a:gsLst>
+          <a:lin ang="5400000" scaled="0"/>
+        </a:gradFill>
+        <a:gradFill rotWithShape="1">
+          <a:gsLst>
+            <a:gs pos="0">
+              <a:schemeClr val="phClr">
+                <a:satMod val="103000"/>
+                <a:lumMod val="102000"/>
+                <a:tint val="94000"/>
+              </a:schemeClr>
+            </a:gs>
+            <a:gs pos="50000">
+              <a:schemeClr val="phClr">
+                <a:satMod val="110000"/>
+                <a:lumMod val="100000"/>
+                <a:shade val="100000"/>
+              </a:schemeClr>
+            </a:gs>
+            <a:gs pos="100000">
+              <a:schemeClr val="phClr">
+                <a:lumMod val="99000"/>
+                <a:satMod val="120000"/>
+                <a:shade val="78000"/>
+              </a:schemeClr>
+            </a:gs>
+          </a:gsLst>
+          <a:lin ang="5400000" scaled="0"/>
+        </a:gradFill>
+      </a:fillStyleLst>
+      <a:lnStyleLst>
+        <a:ln w="6350" cap="flat" cmpd="sng" algn="ctr">
+          <a:solidFill>
+            <a:schemeClr val="phClr"/>
+          </a:solidFill>
+          <a:prstDash val="solid"/>
+          <a:miter lim="800000"/>
+        </a:ln>
+        <a:ln w="12700" cap="flat" cmpd="sng" algn="ctr">
+          <a:solidFill>
+            <a:schemeClr val="phClr"/>
+          </a:solidFill>
+          <a:prstDash val="solid"/>
+          <a:miter lim="800000"/>
+        </a:ln>
+        <a:ln w="19050" cap="flat" cmpd="sng" algn="ctr">
+          <a:solidFill>
+            <a:schemeClr val="phClr"/>
+          </a:solidFill>
+          <a:prstDash val="solid"/>
+          <a:miter lim="800000"/>
+        </a:ln>
+      </a:lnStyleLst>
+      <a:effectStyleLst>
+        <a:effectStyle>
+          <a:effectLst/>
+        </a:effectStyle>
+        <a:effectStyle>
+          <a:effectLst/>
+        </a:effectStyle>
+        <a:effectStyle>
+          <a:effectLst>
+            <a:outerShdw blurRad="57150" dist="19050" dir="5400000" algn="ctr" rotWithShape="0">
+              <a:srgbClr val="000000">
+                <a:alpha val="63000"/>
+              </a:srgbClr>
+            </a:outerShdw>
+          </a:effectLst>
+        </a:effectStyle>
+      </a:effectStyleLst>
+      <a:bgFillStyleLst>
+        <a:solidFill>
+          <a:schemeClr val="phClr"/>
+        </a:solidFill>
+        <a:solidFill>
+          <a:schemeClr val="phClr">
+            <a:tint val="95000"/>
+            <a:satMod val="170000"/>
+          </a:schemeClr>
+        </a:solidFill>
+        <a:gradFill rotWithShape="1">
+          <a:gsLst>
+            <a:gs pos="0">
+              <a:schemeClr val="phClr">
+                <a:tint val="93000"/>
+                <a:satMod val="150000"/>
+                <a:shade val="98000"/>
+                <a:lumMod val="102000"/>
+              </a:schemeClr>
+            </a:gs>
+            <a:gs pos="50000">
+              <a:schemeClr val="phClr">
+                <a:tint val="98000"/>
+                <a:satMod val="130000"/>
+                <a:shade val="90000"/>
+                <a:lumMod val="103000"/>
+              </a:schemeClr>
+            </a:gs>
+            <a:gs pos="100000">
+              <a:schemeClr val="phClr">
+                <a:shade val="63000"/>
+                <a:satMod val="120000"/>
+              </a:schemeClr>
+            </a:gs>
+          </a:gsLst>
+          <a:lin ang="5400000" scaled="0"/>
+        </a:gradFill>
+      </a:bgFillStyleLst>
+    </a:fmtScheme>
+  </a:themeElements>
+  <a:objectDefaults/>
+  <a:extraClrSchemeLst/>
+  <a:extLst>
+    <a:ext uri="{05A4C25C-085E-4340-85A3-A5531E510DB2}">
+      <thm15:themeFamily xmlns:thm15="http://schemas.microsoft.com/office/thememl/2012/main" name="Office Theme" id="{62F939B6-93AF-4DB8-9C6B-D6C7DFDC589F}" vid="{4A3C46E8-61CC-4603-A589-7422A47A8E4A}"/>
+    </a:ext>
+  </a:extLst>
+</a:theme>
 </file>
--- a/docs/Presentations/SRSPresentation/SRSPresentation.pptx
+++ b/docs/Presentations/SRSPresentation/SRSPresentation.pptx
@@ -15,7 +15,7 @@
     <p:sldId id="262" r:id="rId6"/>
     <p:sldId id="263" r:id="rId7"/>
     <p:sldId id="260" r:id="rId8"/>
-    <p:sldId id="259" r:id="rId9"/>
+    <p:sldId id="264" r:id="rId9"/>
   </p:sldIdLst>
   <p:sldSz cx="12192000" cy="6858000"/>
   <p:notesSz cx="6858000" cy="9144000"/>
@@ -125,7 +125,7 @@
 <file path=ppt/revisionInfo.xml><?xml version="1.0" encoding="utf-8"?>
 <p1510:revInfo xmlns:a="http://schemas.openxmlformats.org/drawingml/2006/main" xmlns:r="http://schemas.openxmlformats.org/officeDocument/2006/relationships" xmlns:p1510="http://schemas.microsoft.com/office/powerpoint/2015/10/main">
   <p1510:revLst>
-    <p1510:client id="{ACCD79ED-BFAE-4857-8FB5-603E641725DE}" v="40" dt="2024-01-23T23:23:13.581"/>
+    <p1510:client id="{ACCD79ED-BFAE-4857-8FB5-603E641725DE}" v="52" dt="2024-01-25T18:38:04.545"/>
   </p1510:revLst>
 </p1510:revInfo>
 </file>
@@ -135,7 +135,7 @@
   <pc:docChgLst>
     <pc:chgData name="Hunter Ceranic" userId="55b8025d37c61089" providerId="LiveId" clId="{ACCD79ED-BFAE-4857-8FB5-603E641725DE}"/>
     <pc:docChg chg="undo redo custSel addSld delSld modSld sldOrd addMainMaster delMainMaster">
-      <pc:chgData name="Hunter Ceranic" userId="55b8025d37c61089" providerId="LiveId" clId="{ACCD79ED-BFAE-4857-8FB5-603E641725DE}" dt="2024-01-23T23:29:04.464" v="2173" actId="20577"/>
+      <pc:chgData name="Hunter Ceranic" userId="55b8025d37c61089" providerId="LiveId" clId="{ACCD79ED-BFAE-4857-8FB5-603E641725DE}" dt="2024-01-25T18:40:01.439" v="3766" actId="20577"/>
       <pc:docMkLst>
         <pc:docMk/>
       </pc:docMkLst>
@@ -464,8 +464,8 @@
           </ac:cxnSpMkLst>
         </pc:cxnChg>
       </pc:sldChg>
-      <pc:sldChg chg="addSp delSp modSp new mod">
-        <pc:chgData name="Hunter Ceranic" userId="55b8025d37c61089" providerId="LiveId" clId="{ACCD79ED-BFAE-4857-8FB5-603E641725DE}" dt="2024-01-23T23:29:04.464" v="2173" actId="20577"/>
+      <pc:sldChg chg="addSp delSp modSp new del mod">
+        <pc:chgData name="Hunter Ceranic" userId="55b8025d37c61089" providerId="LiveId" clId="{ACCD79ED-BFAE-4857-8FB5-603E641725DE}" dt="2024-01-25T17:57:10.263" v="2183" actId="47"/>
         <pc:sldMkLst>
           <pc:docMk/>
           <pc:sldMk cId="1952224994" sldId="259"/>
@@ -488,7 +488,7 @@
         </pc:spChg>
       </pc:sldChg>
       <pc:sldChg chg="addSp delSp modSp new mod ord">
-        <pc:chgData name="Hunter Ceranic" userId="55b8025d37c61089" providerId="LiveId" clId="{ACCD79ED-BFAE-4857-8FB5-603E641725DE}" dt="2024-01-23T23:28:59.502" v="2171" actId="20577"/>
+        <pc:chgData name="Hunter Ceranic" userId="55b8025d37c61089" providerId="LiveId" clId="{ACCD79ED-BFAE-4857-8FB5-603E641725DE}" dt="2024-01-25T18:38:21.864" v="3721" actId="26606"/>
         <pc:sldMkLst>
           <pc:docMk/>
           <pc:sldMk cId="3488984038" sldId="260"/>
@@ -499,6 +499,14 @@
             <pc:docMk/>
             <pc:sldMk cId="3488984038" sldId="260"/>
             <ac:spMk id="2" creationId="{3C732381-BFC2-6F3F-058A-7EAD61E5590C}"/>
+          </ac:spMkLst>
+        </pc:spChg>
+        <pc:spChg chg="del mod">
+          <ac:chgData name="Hunter Ceranic" userId="55b8025d37c61089" providerId="LiveId" clId="{ACCD79ED-BFAE-4857-8FB5-603E641725DE}" dt="2024-01-25T18:38:21.864" v="3721" actId="26606"/>
+          <ac:spMkLst>
+            <pc:docMk/>
+            <pc:sldMk cId="3488984038" sldId="260"/>
+            <ac:spMk id="3" creationId="{4F91F226-354F-27D2-1914-C5773798C0F9}"/>
           </ac:spMkLst>
         </pc:spChg>
         <pc:spChg chg="del">
@@ -517,6 +525,14 @@
             <ac:spMk id="5" creationId="{1EF2BD1D-C346-969D-0000-25EBA3216018}"/>
           </ac:spMkLst>
         </pc:spChg>
+        <pc:graphicFrameChg chg="add">
+          <ac:chgData name="Hunter Ceranic" userId="55b8025d37c61089" providerId="LiveId" clId="{ACCD79ED-BFAE-4857-8FB5-603E641725DE}" dt="2024-01-25T18:38:21.864" v="3721" actId="26606"/>
+          <ac:graphicFrameMkLst>
+            <pc:docMk/>
+            <pc:sldMk cId="3488984038" sldId="260"/>
+            <ac:graphicFrameMk id="7" creationId="{F2613A3F-76FA-8E25-8998-F841CA6DA03F}"/>
+          </ac:graphicFrameMkLst>
+        </pc:graphicFrameChg>
       </pc:sldChg>
       <pc:sldChg chg="addSp delSp modSp new mod setBg">
         <pc:chgData name="Hunter Ceranic" userId="55b8025d37c61089" providerId="LiveId" clId="{ACCD79ED-BFAE-4857-8FB5-603E641725DE}" dt="2024-01-23T23:28:36.785" v="2163" actId="20577"/>
@@ -693,7 +709,7 @@
         </pc:spChg>
       </pc:sldChg>
       <pc:sldChg chg="addSp delSp modSp new mod">
-        <pc:chgData name="Hunter Ceranic" userId="55b8025d37c61089" providerId="LiveId" clId="{ACCD79ED-BFAE-4857-8FB5-603E641725DE}" dt="2024-01-23T23:28:45.721" v="2167" actId="20577"/>
+        <pc:chgData name="Hunter Ceranic" userId="55b8025d37c61089" providerId="LiveId" clId="{ACCD79ED-BFAE-4857-8FB5-603E641725DE}" dt="2024-01-25T18:40:01.439" v="3766" actId="20577"/>
         <pc:sldMkLst>
           <pc:docMk/>
           <pc:sldMk cId="1282139663" sldId="262"/>
@@ -714,12 +730,28 @@
             <ac:spMk id="3" creationId="{59C5325B-F8B9-2637-BA82-958759232544}"/>
           </ac:spMkLst>
         </pc:spChg>
+        <pc:spChg chg="add del mod">
+          <ac:chgData name="Hunter Ceranic" userId="55b8025d37c61089" providerId="LiveId" clId="{ACCD79ED-BFAE-4857-8FB5-603E641725DE}" dt="2024-01-25T18:20:46.932" v="2967"/>
+          <ac:spMkLst>
+            <pc:docMk/>
+            <pc:sldMk cId="1282139663" sldId="262"/>
+            <ac:spMk id="3" creationId="{ECC3CD7B-F688-43CC-85A5-F53C9476B355}"/>
+          </ac:spMkLst>
+        </pc:spChg>
         <pc:spChg chg="del">
           <ac:chgData name="Hunter Ceranic" userId="55b8025d37c61089" providerId="LiveId" clId="{ACCD79ED-BFAE-4857-8FB5-603E641725DE}" dt="2024-01-23T23:02:29.485" v="2054" actId="478"/>
           <ac:spMkLst>
             <pc:docMk/>
             <pc:sldMk cId="1282139663" sldId="262"/>
             <ac:spMk id="4" creationId="{75F6C9A0-FC62-99D8-A1BC-30B9E3E9DEC5}"/>
+          </ac:spMkLst>
+        </pc:spChg>
+        <pc:spChg chg="add mod">
+          <ac:chgData name="Hunter Ceranic" userId="55b8025d37c61089" providerId="LiveId" clId="{ACCD79ED-BFAE-4857-8FB5-603E641725DE}" dt="2024-01-25T18:40:01.439" v="3766" actId="20577"/>
+          <ac:spMkLst>
+            <pc:docMk/>
+            <pc:sldMk cId="1282139663" sldId="262"/>
+            <ac:spMk id="4" creationId="{879D1B30-BABA-4E25-8DC7-414D66E57876}"/>
           </ac:spMkLst>
         </pc:spChg>
         <pc:spChg chg="add mod">
@@ -730,8 +762,24 @@
             <ac:spMk id="5" creationId="{1C012839-D1DE-7D8C-C13D-1405FD0457A8}"/>
           </ac:spMkLst>
         </pc:spChg>
+        <pc:spChg chg="add del mod">
+          <ac:chgData name="Hunter Ceranic" userId="55b8025d37c61089" providerId="LiveId" clId="{ACCD79ED-BFAE-4857-8FB5-603E641725DE}" dt="2024-01-25T18:23:37.451" v="3115" actId="478"/>
+          <ac:spMkLst>
+            <pc:docMk/>
+            <pc:sldMk cId="1282139663" sldId="262"/>
+            <ac:spMk id="8" creationId="{4B460578-77A7-3F34-E220-6441A40FB3FE}"/>
+          </ac:spMkLst>
+        </pc:spChg>
+        <pc:spChg chg="add mod">
+          <ac:chgData name="Hunter Ceranic" userId="55b8025d37c61089" providerId="LiveId" clId="{ACCD79ED-BFAE-4857-8FB5-603E641725DE}" dt="2024-01-25T18:28:58.057" v="3279" actId="20577"/>
+          <ac:spMkLst>
+            <pc:docMk/>
+            <pc:sldMk cId="1282139663" sldId="262"/>
+            <ac:spMk id="10" creationId="{F2FFC939-605E-CFC2-B711-0B24C4C1DF3D}"/>
+          </ac:spMkLst>
+        </pc:spChg>
         <pc:grpChg chg="add mod">
-          <ac:chgData name="Hunter Ceranic" userId="55b8025d37c61089" providerId="LiveId" clId="{ACCD79ED-BFAE-4857-8FB5-603E641725DE}" dt="2024-01-23T23:07:10.901" v="2086" actId="164"/>
+          <ac:chgData name="Hunter Ceranic" userId="55b8025d37c61089" providerId="LiveId" clId="{ACCD79ED-BFAE-4857-8FB5-603E641725DE}" dt="2024-01-25T18:23:30.185" v="3112" actId="1076"/>
           <ac:grpSpMkLst>
             <pc:docMk/>
             <pc:sldMk cId="1282139663" sldId="262"/>
@@ -739,7 +787,7 @@
           </ac:grpSpMkLst>
         </pc:grpChg>
         <pc:picChg chg="add mod">
-          <ac:chgData name="Hunter Ceranic" userId="55b8025d37c61089" providerId="LiveId" clId="{ACCD79ED-BFAE-4857-8FB5-603E641725DE}" dt="2024-01-23T23:05:54.810" v="2075" actId="1076"/>
+          <ac:chgData name="Hunter Ceranic" userId="55b8025d37c61089" providerId="LiveId" clId="{ACCD79ED-BFAE-4857-8FB5-603E641725DE}" dt="2024-01-25T18:23:10.562" v="3108" actId="1076"/>
           <ac:picMkLst>
             <pc:docMk/>
             <pc:sldMk cId="1282139663" sldId="262"/>
@@ -747,7 +795,7 @@
           </ac:picMkLst>
         </pc:picChg>
         <pc:picChg chg="add mod">
-          <ac:chgData name="Hunter Ceranic" userId="55b8025d37c61089" providerId="LiveId" clId="{ACCD79ED-BFAE-4857-8FB5-603E641725DE}" dt="2024-01-23T23:05:53.238" v="2074" actId="1076"/>
+          <ac:chgData name="Hunter Ceranic" userId="55b8025d37c61089" providerId="LiveId" clId="{ACCD79ED-BFAE-4857-8FB5-603E641725DE}" dt="2024-01-25T18:23:10.562" v="3108" actId="1076"/>
           <ac:picMkLst>
             <pc:docMk/>
             <pc:sldMk cId="1282139663" sldId="262"/>
@@ -755,7 +803,7 @@
           </ac:picMkLst>
         </pc:picChg>
         <pc:picChg chg="add mod ord">
-          <ac:chgData name="Hunter Ceranic" userId="55b8025d37c61089" providerId="LiveId" clId="{ACCD79ED-BFAE-4857-8FB5-603E641725DE}" dt="2024-01-23T23:19:46.180" v="2118" actId="1076"/>
+          <ac:chgData name="Hunter Ceranic" userId="55b8025d37c61089" providerId="LiveId" clId="{ACCD79ED-BFAE-4857-8FB5-603E641725DE}" dt="2024-01-25T18:23:30.185" v="3112" actId="1076"/>
           <ac:picMkLst>
             <pc:docMk/>
             <pc:sldMk cId="1282139663" sldId="262"/>
@@ -779,7 +827,7 @@
           </ac:picMkLst>
         </pc:picChg>
         <pc:picChg chg="add mod">
-          <ac:chgData name="Hunter Ceranic" userId="55b8025d37c61089" providerId="LiveId" clId="{ACCD79ED-BFAE-4857-8FB5-603E641725DE}" dt="2024-01-23T23:15:17.545" v="2090" actId="1076"/>
+          <ac:chgData name="Hunter Ceranic" userId="55b8025d37c61089" providerId="LiveId" clId="{ACCD79ED-BFAE-4857-8FB5-603E641725DE}" dt="2024-01-25T18:23:30.185" v="3112" actId="1076"/>
           <ac:picMkLst>
             <pc:docMk/>
             <pc:sldMk cId="1282139663" sldId="262"/>
@@ -787,7 +835,7 @@
           </ac:picMkLst>
         </pc:picChg>
         <pc:picChg chg="add mod">
-          <ac:chgData name="Hunter Ceranic" userId="55b8025d37c61089" providerId="LiveId" clId="{ACCD79ED-BFAE-4857-8FB5-603E641725DE}" dt="2024-01-23T23:19:35.887" v="2117" actId="1076"/>
+          <ac:chgData name="Hunter Ceranic" userId="55b8025d37c61089" providerId="LiveId" clId="{ACCD79ED-BFAE-4857-8FB5-603E641725DE}" dt="2024-01-25T18:23:30.185" v="3112" actId="1076"/>
           <ac:picMkLst>
             <pc:docMk/>
             <pc:sldMk cId="1282139663" sldId="262"/>
@@ -796,7 +844,7 @@
         </pc:picChg>
       </pc:sldChg>
       <pc:sldChg chg="addSp delSp modSp add mod">
-        <pc:chgData name="Hunter Ceranic" userId="55b8025d37c61089" providerId="LiveId" clId="{ACCD79ED-BFAE-4857-8FB5-603E641725DE}" dt="2024-01-23T23:28:50.673" v="2169" actId="20577"/>
+        <pc:chgData name="Hunter Ceranic" userId="55b8025d37c61089" providerId="LiveId" clId="{ACCD79ED-BFAE-4857-8FB5-603E641725DE}" dt="2024-01-25T18:35:54.266" v="3602" actId="20577"/>
         <pc:sldMkLst>
           <pc:docMk/>
           <pc:sldMk cId="3991598736" sldId="263"/>
@@ -817,12 +865,60 @@
             <ac:spMk id="5" creationId="{1C012839-D1DE-7D8C-C13D-1405FD0457A8}"/>
           </ac:spMkLst>
         </pc:spChg>
+        <pc:spChg chg="add mod">
+          <ac:chgData name="Hunter Ceranic" userId="55b8025d37c61089" providerId="LiveId" clId="{ACCD79ED-BFAE-4857-8FB5-603E641725DE}" dt="2024-01-25T18:30:27.245" v="3389" actId="1076"/>
+          <ac:spMkLst>
+            <pc:docMk/>
+            <pc:sldMk cId="3991598736" sldId="263"/>
+            <ac:spMk id="7" creationId="{22456EFC-985E-970A-C327-2EB845063E37}"/>
+          </ac:spMkLst>
+        </pc:spChg>
+        <pc:spChg chg="add del mod">
+          <ac:chgData name="Hunter Ceranic" userId="55b8025d37c61089" providerId="LiveId" clId="{ACCD79ED-BFAE-4857-8FB5-603E641725DE}" dt="2024-01-25T18:31:39.591" v="3443" actId="478"/>
+          <ac:spMkLst>
+            <pc:docMk/>
+            <pc:sldMk cId="3991598736" sldId="263"/>
+            <ac:spMk id="9" creationId="{3F2C67EA-5276-6446-ED9E-06A767E64FA6}"/>
+          </ac:spMkLst>
+        </pc:spChg>
+        <pc:spChg chg="add del mod">
+          <ac:chgData name="Hunter Ceranic" userId="55b8025d37c61089" providerId="LiveId" clId="{ACCD79ED-BFAE-4857-8FB5-603E641725DE}" dt="2024-01-25T18:31:38.302" v="3442" actId="478"/>
+          <ac:spMkLst>
+            <pc:docMk/>
+            <pc:sldMk cId="3991598736" sldId="263"/>
+            <ac:spMk id="11" creationId="{4FFC0959-86ED-0779-02C5-C3A8D5996D11}"/>
+          </ac:spMkLst>
+        </pc:spChg>
         <pc:spChg chg="add del mod">
           <ac:chgData name="Hunter Ceranic" userId="55b8025d37c61089" providerId="LiveId" clId="{ACCD79ED-BFAE-4857-8FB5-603E641725DE}" dt="2024-01-23T23:17:50.713" v="2105" actId="478"/>
           <ac:spMkLst>
             <pc:docMk/>
             <pc:sldMk cId="3991598736" sldId="263"/>
             <ac:spMk id="13" creationId="{63C58497-E746-C9F9-0306-6697E82AD78F}"/>
+          </ac:spMkLst>
+        </pc:spChg>
+        <pc:spChg chg="add mod">
+          <ac:chgData name="Hunter Ceranic" userId="55b8025d37c61089" providerId="LiveId" clId="{ACCD79ED-BFAE-4857-8FB5-603E641725DE}" dt="2024-01-25T18:31:32.793" v="3437" actId="1076"/>
+          <ac:spMkLst>
+            <pc:docMk/>
+            <pc:sldMk cId="3991598736" sldId="263"/>
+            <ac:spMk id="13" creationId="{E43FED9A-2A92-4571-1C1C-6656F34985C2}"/>
+          </ac:spMkLst>
+        </pc:spChg>
+        <pc:spChg chg="add mod">
+          <ac:chgData name="Hunter Ceranic" userId="55b8025d37c61089" providerId="LiveId" clId="{ACCD79ED-BFAE-4857-8FB5-603E641725DE}" dt="2024-01-25T18:34:40.932" v="3481" actId="20577"/>
+          <ac:spMkLst>
+            <pc:docMk/>
+            <pc:sldMk cId="3991598736" sldId="263"/>
+            <ac:spMk id="16" creationId="{EED00A11-2962-E5ED-5BC0-9866E16ACA9D}"/>
+          </ac:spMkLst>
+        </pc:spChg>
+        <pc:spChg chg="add mod">
+          <ac:chgData name="Hunter Ceranic" userId="55b8025d37c61089" providerId="LiveId" clId="{ACCD79ED-BFAE-4857-8FB5-603E641725DE}" dt="2024-01-25T18:35:54.266" v="3602" actId="20577"/>
+          <ac:spMkLst>
+            <pc:docMk/>
+            <pc:sldMk cId="3991598736" sldId="263"/>
+            <ac:spMk id="20" creationId="{83EB794A-CC3C-62A8-A283-6C146460011C}"/>
           </ac:spMkLst>
         </pc:spChg>
         <pc:spChg chg="add mod">
@@ -834,7 +930,7 @@
           </ac:spMkLst>
         </pc:spChg>
         <pc:grpChg chg="add mod">
-          <ac:chgData name="Hunter Ceranic" userId="55b8025d37c61089" providerId="LiveId" clId="{ACCD79ED-BFAE-4857-8FB5-603E641725DE}" dt="2024-01-23T23:17:42.077" v="2099" actId="1076"/>
+          <ac:chgData name="Hunter Ceranic" userId="55b8025d37c61089" providerId="LiveId" clId="{ACCD79ED-BFAE-4857-8FB5-603E641725DE}" dt="2024-01-25T18:29:45.977" v="3281" actId="1076"/>
           <ac:grpSpMkLst>
             <pc:docMk/>
             <pc:sldMk cId="3991598736" sldId="263"/>
@@ -850,7 +946,7 @@
           </ac:grpSpMkLst>
         </pc:grpChg>
         <pc:grpChg chg="add mod">
-          <ac:chgData name="Hunter Ceranic" userId="55b8025d37c61089" providerId="LiveId" clId="{ACCD79ED-BFAE-4857-8FB5-603E641725DE}" dt="2024-01-23T23:23:23.266" v="2156" actId="1076"/>
+          <ac:chgData name="Hunter Ceranic" userId="55b8025d37c61089" providerId="LiveId" clId="{ACCD79ED-BFAE-4857-8FB5-603E641725DE}" dt="2024-01-25T18:31:32.793" v="3437" actId="1076"/>
           <ac:grpSpMkLst>
             <pc:docMk/>
             <pc:sldMk cId="3991598736" sldId="263"/>
@@ -858,7 +954,7 @@
           </ac:grpSpMkLst>
         </pc:grpChg>
         <pc:picChg chg="add mod">
-          <ac:chgData name="Hunter Ceranic" userId="55b8025d37c61089" providerId="LiveId" clId="{ACCD79ED-BFAE-4857-8FB5-603E641725DE}" dt="2024-01-23T23:17:42.077" v="2099" actId="1076"/>
+          <ac:chgData name="Hunter Ceranic" userId="55b8025d37c61089" providerId="LiveId" clId="{ACCD79ED-BFAE-4857-8FB5-603E641725DE}" dt="2024-01-25T18:29:45.977" v="3281" actId="1076"/>
           <ac:picMkLst>
             <pc:docMk/>
             <pc:sldMk cId="3991598736" sldId="263"/>
@@ -897,6 +993,14 @@
             <ac:picMk id="9" creationId="{4C1A88EA-8389-DD90-1A57-B3C56972839A}"/>
           </ac:picMkLst>
         </pc:picChg>
+        <pc:picChg chg="add del mod">
+          <ac:chgData name="Hunter Ceranic" userId="55b8025d37c61089" providerId="LiveId" clId="{ACCD79ED-BFAE-4857-8FB5-603E641725DE}" dt="2024-01-25T18:31:35.133" v="3438" actId="478"/>
+          <ac:picMkLst>
+            <pc:docMk/>
+            <pc:sldMk cId="3991598736" sldId="263"/>
+            <ac:picMk id="10" creationId="{FE6021C7-3858-9194-3F46-1860A92FDA46}"/>
+          </ac:picMkLst>
+        </pc:picChg>
         <pc:picChg chg="del mod">
           <ac:chgData name="Hunter Ceranic" userId="55b8025d37c61089" providerId="LiveId" clId="{ACCD79ED-BFAE-4857-8FB5-603E641725DE}" dt="2024-01-23T23:17:46.143" v="2101" actId="478"/>
           <ac:picMkLst>
@@ -905,8 +1009,24 @@
             <ac:picMk id="11" creationId="{3069CF3F-2488-0D3C-36B1-96C29EF328C3}"/>
           </ac:picMkLst>
         </pc:picChg>
+        <pc:picChg chg="add mod">
+          <ac:chgData name="Hunter Ceranic" userId="55b8025d37c61089" providerId="LiveId" clId="{ACCD79ED-BFAE-4857-8FB5-603E641725DE}" dt="2024-01-25T18:31:32.793" v="3437" actId="1076"/>
+          <ac:picMkLst>
+            <pc:docMk/>
+            <pc:sldMk cId="3991598736" sldId="263"/>
+            <ac:picMk id="12" creationId="{DF53D8E0-B665-2D4A-348D-B47AFE9708C9}"/>
+          </ac:picMkLst>
+        </pc:picChg>
+        <pc:picChg chg="add mod">
+          <ac:chgData name="Hunter Ceranic" userId="55b8025d37c61089" providerId="LiveId" clId="{ACCD79ED-BFAE-4857-8FB5-603E641725DE}" dt="2024-01-25T18:34:55.793" v="3488" actId="1076"/>
+          <ac:picMkLst>
+            <pc:docMk/>
+            <pc:sldMk cId="3991598736" sldId="263"/>
+            <ac:picMk id="15" creationId="{852CFD5C-D134-1217-A844-D8C319D5B4D9}"/>
+          </ac:picMkLst>
+        </pc:picChg>
         <pc:picChg chg="mod">
-          <ac:chgData name="Hunter Ceranic" userId="55b8025d37c61089" providerId="LiveId" clId="{ACCD79ED-BFAE-4857-8FB5-603E641725DE}" dt="2024-01-23T23:17:44.580" v="2100" actId="1076"/>
+          <ac:chgData name="Hunter Ceranic" userId="55b8025d37c61089" providerId="LiveId" clId="{ACCD79ED-BFAE-4857-8FB5-603E641725DE}" dt="2024-01-25T18:29:45.977" v="3281" actId="1076"/>
           <ac:picMkLst>
             <pc:docMk/>
             <pc:sldMk cId="3991598736" sldId="263"/>
@@ -922,15 +1042,15 @@
           </ac:picMkLst>
         </pc:picChg>
         <pc:picChg chg="add mod">
-          <ac:chgData name="Hunter Ceranic" userId="55b8025d37c61089" providerId="LiveId" clId="{ACCD79ED-BFAE-4857-8FB5-603E641725DE}" dt="2024-01-23T23:20:11.530" v="2120" actId="1076"/>
+          <ac:chgData name="Hunter Ceranic" userId="55b8025d37c61089" providerId="LiveId" clId="{ACCD79ED-BFAE-4857-8FB5-603E641725DE}" dt="2024-01-25T18:29:45.977" v="3281" actId="1076"/>
           <ac:picMkLst>
             <pc:docMk/>
             <pc:sldMk cId="3991598736" sldId="263"/>
             <ac:picMk id="19" creationId="{C472703C-E5CB-485B-1C4B-6C06C353025B}"/>
           </ac:picMkLst>
         </pc:picChg>
-        <pc:picChg chg="add mod">
-          <ac:chgData name="Hunter Ceranic" userId="55b8025d37c61089" providerId="LiveId" clId="{ACCD79ED-BFAE-4857-8FB5-603E641725DE}" dt="2024-01-23T23:23:23.266" v="2156" actId="1076"/>
+        <pc:picChg chg="add del mod">
+          <ac:chgData name="Hunter Ceranic" userId="55b8025d37c61089" providerId="LiveId" clId="{ACCD79ED-BFAE-4857-8FB5-603E641725DE}" dt="2024-01-25T18:31:35.859" v="3440" actId="478"/>
           <ac:picMkLst>
             <pc:docMk/>
             <pc:sldMk cId="3991598736" sldId="263"/>
@@ -953,6 +1073,77 @@
             <ac:cxnSpMk id="27" creationId="{9968B0D0-7ADE-3600-D321-29F36A077B89}"/>
           </ac:cxnSpMkLst>
         </pc:cxnChg>
+      </pc:sldChg>
+      <pc:sldChg chg="addSp delSp modSp new mod setBg modClrScheme addAnim setClrOvrMap chgLayout">
+        <pc:chgData name="Hunter Ceranic" userId="55b8025d37c61089" providerId="LiveId" clId="{ACCD79ED-BFAE-4857-8FB5-603E641725DE}" dt="2024-01-25T18:38:04.545" v="3720" actId="20577"/>
+        <pc:sldMkLst>
+          <pc:docMk/>
+          <pc:sldMk cId="998881358" sldId="264"/>
+        </pc:sldMkLst>
+        <pc:spChg chg="del mod ord">
+          <ac:chgData name="Hunter Ceranic" userId="55b8025d37c61089" providerId="LiveId" clId="{ACCD79ED-BFAE-4857-8FB5-603E641725DE}" dt="2024-01-25T18:37:29.838" v="3664" actId="700"/>
+          <ac:spMkLst>
+            <pc:docMk/>
+            <pc:sldMk cId="998881358" sldId="264"/>
+            <ac:spMk id="2" creationId="{0EC9A651-EBA2-BCC3-50E8-143A868D23F0}"/>
+          </ac:spMkLst>
+        </pc:spChg>
+        <pc:spChg chg="del mod ord">
+          <ac:chgData name="Hunter Ceranic" userId="55b8025d37c61089" providerId="LiveId" clId="{ACCD79ED-BFAE-4857-8FB5-603E641725DE}" dt="2024-01-25T18:37:29.838" v="3664" actId="700"/>
+          <ac:spMkLst>
+            <pc:docMk/>
+            <pc:sldMk cId="998881358" sldId="264"/>
+            <ac:spMk id="3" creationId="{B3A338AE-D5B8-D9CA-36E4-B21C2987CA31}"/>
+          </ac:spMkLst>
+        </pc:spChg>
+        <pc:spChg chg="mod ord">
+          <ac:chgData name="Hunter Ceranic" userId="55b8025d37c61089" providerId="LiveId" clId="{ACCD79ED-BFAE-4857-8FB5-603E641725DE}" dt="2024-01-25T18:37:57.008" v="3715" actId="26606"/>
+          <ac:spMkLst>
+            <pc:docMk/>
+            <pc:sldMk cId="998881358" sldId="264"/>
+            <ac:spMk id="4" creationId="{C453327A-C23C-C9D1-22BB-AE6780AE9D55}"/>
+          </ac:spMkLst>
+        </pc:spChg>
+        <pc:spChg chg="add mod ord">
+          <ac:chgData name="Hunter Ceranic" userId="55b8025d37c61089" providerId="LiveId" clId="{ACCD79ED-BFAE-4857-8FB5-603E641725DE}" dt="2024-01-25T18:37:57.008" v="3715" actId="26606"/>
+          <ac:spMkLst>
+            <pc:docMk/>
+            <pc:sldMk cId="998881358" sldId="264"/>
+            <ac:spMk id="5" creationId="{49CB1C78-12AF-9A3C-FA38-1ECA637CC7AB}"/>
+          </ac:spMkLst>
+        </pc:spChg>
+        <pc:spChg chg="add mod ord">
+          <ac:chgData name="Hunter Ceranic" userId="55b8025d37c61089" providerId="LiveId" clId="{ACCD79ED-BFAE-4857-8FB5-603E641725DE}" dt="2024-01-25T18:38:04.545" v="3720" actId="20577"/>
+          <ac:spMkLst>
+            <pc:docMk/>
+            <pc:sldMk cId="998881358" sldId="264"/>
+            <ac:spMk id="6" creationId="{666762D2-772A-C48E-C9CF-8B510F2FA513}"/>
+          </ac:spMkLst>
+        </pc:spChg>
+        <pc:spChg chg="add">
+          <ac:chgData name="Hunter Ceranic" userId="55b8025d37c61089" providerId="LiveId" clId="{ACCD79ED-BFAE-4857-8FB5-603E641725DE}" dt="2024-01-25T18:37:57.008" v="3715" actId="26606"/>
+          <ac:spMkLst>
+            <pc:docMk/>
+            <pc:sldMk cId="998881358" sldId="264"/>
+            <ac:spMk id="12" creationId="{0671A8AE-40A1-4631-A6B8-581AFF065482}"/>
+          </ac:spMkLst>
+        </pc:spChg>
+        <pc:spChg chg="add">
+          <ac:chgData name="Hunter Ceranic" userId="55b8025d37c61089" providerId="LiveId" clId="{ACCD79ED-BFAE-4857-8FB5-603E641725DE}" dt="2024-01-25T18:37:57.008" v="3715" actId="26606"/>
+          <ac:spMkLst>
+            <pc:docMk/>
+            <pc:sldMk cId="998881358" sldId="264"/>
+            <ac:spMk id="14" creationId="{A44CD100-6267-4E62-AA64-2182A3A6A1C0}"/>
+          </ac:spMkLst>
+        </pc:spChg>
+        <pc:picChg chg="add">
+          <ac:chgData name="Hunter Ceranic" userId="55b8025d37c61089" providerId="LiveId" clId="{ACCD79ED-BFAE-4857-8FB5-603E641725DE}" dt="2024-01-25T18:37:57.008" v="3715" actId="26606"/>
+          <ac:picMkLst>
+            <pc:docMk/>
+            <pc:sldMk cId="998881358" sldId="264"/>
+            <ac:picMk id="8" creationId="{6F197B8F-C90C-17EF-FBF7-04F6F2F6EF94}"/>
+          </ac:picMkLst>
+        </pc:picChg>
       </pc:sldChg>
       <pc:sldMasterChg chg="add del addSldLayout delSldLayout">
         <pc:chgData name="Hunter Ceranic" userId="55b8025d37c61089" providerId="LiveId" clId="{ACCD79ED-BFAE-4857-8FB5-603E641725DE}" dt="2024-01-23T20:03:02.922" v="3" actId="26606"/>
@@ -1339,6 +1530,2663 @@
 </pc:chgInfo>
 </file>
 
+<file path=ppt/diagrams/colors1.xml><?xml version="1.0" encoding="utf-8"?>
+<dgm:colorsDef xmlns:dgm="http://schemas.openxmlformats.org/drawingml/2006/diagram" xmlns:a="http://schemas.openxmlformats.org/drawingml/2006/main" uniqueId="urn:microsoft.com/office/officeart/2005/8/colors/accent1_2">
+  <dgm:title val=""/>
+  <dgm:desc val=""/>
+  <dgm:catLst>
+    <dgm:cat type="accent1" pri="11200"/>
+  </dgm:catLst>
+  <dgm:styleLbl name="node0">
+    <dgm:fillClrLst meth="repeat">
+      <a:schemeClr val="accent1"/>
+    </dgm:fillClrLst>
+    <dgm:linClrLst meth="repeat">
+      <a:schemeClr val="lt1"/>
+    </dgm:linClrLst>
+    <dgm:effectClrLst/>
+    <dgm:txLinClrLst/>
+    <dgm:txFillClrLst/>
+    <dgm:txEffectClrLst/>
+  </dgm:styleLbl>
+  <dgm:styleLbl name="alignNode1">
+    <dgm:fillClrLst meth="repeat">
+      <a:schemeClr val="accent1"/>
+    </dgm:fillClrLst>
+    <dgm:linClrLst meth="repeat">
+      <a:schemeClr val="accent1"/>
+    </dgm:linClrLst>
+    <dgm:effectClrLst/>
+    <dgm:txLinClrLst/>
+    <dgm:txFillClrLst/>
+    <dgm:txEffectClrLst/>
+  </dgm:styleLbl>
+  <dgm:styleLbl name="node1">
+    <dgm:fillClrLst meth="repeat">
+      <a:schemeClr val="accent1"/>
+    </dgm:fillClrLst>
+    <dgm:linClrLst meth="repeat">
+      <a:schemeClr val="lt1"/>
+    </dgm:linClrLst>
+    <dgm:effectClrLst/>
+    <dgm:txLinClrLst/>
+    <dgm:txFillClrLst/>
+    <dgm:txEffectClrLst/>
+  </dgm:styleLbl>
+  <dgm:styleLbl name="lnNode1">
+    <dgm:fillClrLst meth="repeat">
+      <a:schemeClr val="accent1"/>
+    </dgm:fillClrLst>
+    <dgm:linClrLst meth="repeat">
+      <a:schemeClr val="lt1"/>
+    </dgm:linClrLst>
+    <dgm:effectClrLst/>
+    <dgm:txLinClrLst/>
+    <dgm:txFillClrLst/>
+    <dgm:txEffectClrLst/>
+  </dgm:styleLbl>
+  <dgm:styleLbl name="vennNode1">
+    <dgm:fillClrLst meth="repeat">
+      <a:schemeClr val="accent1">
+        <a:alpha val="50000"/>
+      </a:schemeClr>
+    </dgm:fillClrLst>
+    <dgm:linClrLst meth="repeat">
+      <a:schemeClr val="lt1"/>
+    </dgm:linClrLst>
+    <dgm:effectClrLst/>
+    <dgm:txLinClrLst/>
+    <dgm:txFillClrLst/>
+    <dgm:txEffectClrLst/>
+  </dgm:styleLbl>
+  <dgm:styleLbl name="node2">
+    <dgm:fillClrLst meth="repeat">
+      <a:schemeClr val="accent1"/>
+    </dgm:fillClrLst>
+    <dgm:linClrLst meth="repeat">
+      <a:schemeClr val="lt1"/>
+    </dgm:linClrLst>
+    <dgm:effectClrLst/>
+    <dgm:txLinClrLst/>
+    <dgm:txFillClrLst/>
+    <dgm:txEffectClrLst/>
+  </dgm:styleLbl>
+  <dgm:styleLbl name="node3">
+    <dgm:fillClrLst meth="repeat">
+      <a:schemeClr val="accent1"/>
+    </dgm:fillClrLst>
+    <dgm:linClrLst meth="repeat">
+      <a:schemeClr val="lt1"/>
+    </dgm:linClrLst>
+    <dgm:effectClrLst/>
+    <dgm:txLinClrLst/>
+    <dgm:txFillClrLst/>
+    <dgm:txEffectClrLst/>
+  </dgm:styleLbl>
+  <dgm:styleLbl name="node4">
+    <dgm:fillClrLst meth="repeat">
+      <a:schemeClr val="accent1"/>
+    </dgm:fillClrLst>
+    <dgm:linClrLst meth="repeat">
+      <a:schemeClr val="lt1"/>
+    </dgm:linClrLst>
+    <dgm:effectClrLst/>
+    <dgm:txLinClrLst/>
+    <dgm:txFillClrLst/>
+    <dgm:txEffectClrLst/>
+  </dgm:styleLbl>
+  <dgm:styleLbl name="fgImgPlace1">
+    <dgm:fillClrLst meth="repeat">
+      <a:schemeClr val="accent1">
+        <a:tint val="50000"/>
+      </a:schemeClr>
+    </dgm:fillClrLst>
+    <dgm:linClrLst meth="repeat">
+      <a:schemeClr val="lt1"/>
+    </dgm:linClrLst>
+    <dgm:effectClrLst/>
+    <dgm:txLinClrLst/>
+    <dgm:txFillClrLst meth="repeat">
+      <a:schemeClr val="lt1"/>
+    </dgm:txFillClrLst>
+    <dgm:txEffectClrLst/>
+  </dgm:styleLbl>
+  <dgm:styleLbl name="alignImgPlace1">
+    <dgm:fillClrLst meth="repeat">
+      <a:schemeClr val="accent1">
+        <a:tint val="50000"/>
+      </a:schemeClr>
+    </dgm:fillClrLst>
+    <dgm:linClrLst meth="repeat">
+      <a:schemeClr val="lt1"/>
+    </dgm:linClrLst>
+    <dgm:effectClrLst/>
+    <dgm:txLinClrLst/>
+    <dgm:txFillClrLst meth="repeat">
+      <a:schemeClr val="lt1"/>
+    </dgm:txFillClrLst>
+    <dgm:txEffectClrLst/>
+  </dgm:styleLbl>
+  <dgm:styleLbl name="bgImgPlace1">
+    <dgm:fillClrLst meth="repeat">
+      <a:schemeClr val="accent1">
+        <a:tint val="50000"/>
+      </a:schemeClr>
+    </dgm:fillClrLst>
+    <dgm:linClrLst meth="repeat">
+      <a:schemeClr val="lt1"/>
+    </dgm:linClrLst>
+    <dgm:effectClrLst/>
+    <dgm:txLinClrLst/>
+    <dgm:txFillClrLst meth="repeat">
+      <a:schemeClr val="lt1"/>
+    </dgm:txFillClrLst>
+    <dgm:txEffectClrLst/>
+  </dgm:styleLbl>
+  <dgm:styleLbl name="sibTrans2D1">
+    <dgm:fillClrLst meth="repeat">
+      <a:schemeClr val="accent1">
+        <a:tint val="60000"/>
+      </a:schemeClr>
+    </dgm:fillClrLst>
+    <dgm:linClrLst meth="repeat">
+      <a:schemeClr val="accent1">
+        <a:tint val="60000"/>
+      </a:schemeClr>
+    </dgm:linClrLst>
+    <dgm:effectClrLst/>
+    <dgm:txLinClrLst/>
+    <dgm:txFillClrLst/>
+    <dgm:txEffectClrLst/>
+  </dgm:styleLbl>
+  <dgm:styleLbl name="fgSibTrans2D1">
+    <dgm:fillClrLst meth="repeat">
+      <a:schemeClr val="accent1">
+        <a:tint val="60000"/>
+      </a:schemeClr>
+    </dgm:fillClrLst>
+    <dgm:linClrLst meth="repeat">
+      <a:schemeClr val="accent1">
+        <a:tint val="60000"/>
+      </a:schemeClr>
+    </dgm:linClrLst>
+    <dgm:effectClrLst/>
+    <dgm:txLinClrLst/>
+    <dgm:txFillClrLst/>
+    <dgm:txEffectClrLst/>
+  </dgm:styleLbl>
+  <dgm:styleLbl name="bgSibTrans2D1">
+    <dgm:fillClrLst meth="repeat">
+      <a:schemeClr val="accent1">
+        <a:tint val="60000"/>
+      </a:schemeClr>
+    </dgm:fillClrLst>
+    <dgm:linClrLst meth="repeat">
+      <a:schemeClr val="accent1">
+        <a:tint val="60000"/>
+      </a:schemeClr>
+    </dgm:linClrLst>
+    <dgm:effectClrLst/>
+    <dgm:txLinClrLst/>
+    <dgm:txFillClrLst/>
+    <dgm:txEffectClrLst/>
+  </dgm:styleLbl>
+  <dgm:styleLbl name="sibTrans1D1">
+    <dgm:fillClrLst meth="repeat">
+      <a:schemeClr val="accent1"/>
+    </dgm:fillClrLst>
+    <dgm:linClrLst meth="repeat">
+      <a:schemeClr val="accent1"/>
+    </dgm:linClrLst>
+    <dgm:effectClrLst/>
+    <dgm:txLinClrLst/>
+    <dgm:txFillClrLst meth="repeat">
+      <a:schemeClr val="tx1"/>
+    </dgm:txFillClrLst>
+    <dgm:txEffectClrLst/>
+  </dgm:styleLbl>
+  <dgm:styleLbl name="callout">
+    <dgm:fillClrLst meth="repeat">
+      <a:schemeClr val="accent1"/>
+    </dgm:fillClrLst>
+    <dgm:linClrLst meth="repeat">
+      <a:schemeClr val="accent1">
+        <a:tint val="50000"/>
+      </a:schemeClr>
+    </dgm:linClrLst>
+    <dgm:effectClrLst/>
+    <dgm:txLinClrLst/>
+    <dgm:txFillClrLst meth="repeat">
+      <a:schemeClr val="tx1"/>
+    </dgm:txFillClrLst>
+    <dgm:txEffectClrLst/>
+  </dgm:styleLbl>
+  <dgm:styleLbl name="asst0">
+    <dgm:fillClrLst meth="repeat">
+      <a:schemeClr val="accent1"/>
+    </dgm:fillClrLst>
+    <dgm:linClrLst meth="repeat">
+      <a:schemeClr val="lt1"/>
+    </dgm:linClrLst>
+    <dgm:effectClrLst/>
+    <dgm:txLinClrLst/>
+    <dgm:txFillClrLst/>
+    <dgm:txEffectClrLst/>
+  </dgm:styleLbl>
+  <dgm:styleLbl name="asst1">
+    <dgm:fillClrLst meth="repeat">
+      <a:schemeClr val="accent1"/>
+    </dgm:fillClrLst>
+    <dgm:linClrLst meth="repeat">
+      <a:schemeClr val="lt1"/>
+    </dgm:linClrLst>
+    <dgm:effectClrLst/>
+    <dgm:txLinClrLst/>
+    <dgm:txFillClrLst/>
+    <dgm:txEffectClrLst/>
+  </dgm:styleLbl>
+  <dgm:styleLbl name="asst2">
+    <dgm:fillClrLst meth="repeat">
+      <a:schemeClr val="accent1"/>
+    </dgm:fillClrLst>
+    <dgm:linClrLst meth="repeat">
+      <a:schemeClr val="lt1"/>
+    </dgm:linClrLst>
+    <dgm:effectClrLst/>
+    <dgm:txLinClrLst/>
+    <dgm:txFillClrLst/>
+    <dgm:txEffectClrLst/>
+  </dgm:styleLbl>
+  <dgm:styleLbl name="asst3">
+    <dgm:fillClrLst meth="repeat">
+      <a:schemeClr val="accent1"/>
+    </dgm:fillClrLst>
+    <dgm:linClrLst meth="repeat">
+      <a:schemeClr val="lt1"/>
+    </dgm:linClrLst>
+    <dgm:effectClrLst/>
+    <dgm:txLinClrLst/>
+    <dgm:txFillClrLst/>
+    <dgm:txEffectClrLst/>
+  </dgm:styleLbl>
+  <dgm:styleLbl name="asst4">
+    <dgm:fillClrLst meth="repeat">
+      <a:schemeClr val="accent1"/>
+    </dgm:fillClrLst>
+    <dgm:linClrLst meth="repeat">
+      <a:schemeClr val="lt1"/>
+    </dgm:linClrLst>
+    <dgm:effectClrLst/>
+    <dgm:txLinClrLst/>
+    <dgm:txFillClrLst/>
+    <dgm:txEffectClrLst/>
+  </dgm:styleLbl>
+  <dgm:styleLbl name="parChTrans2D1">
+    <dgm:fillClrLst meth="repeat">
+      <a:schemeClr val="accent1">
+        <a:tint val="60000"/>
+      </a:schemeClr>
+    </dgm:fillClrLst>
+    <dgm:linClrLst meth="repeat">
+      <a:schemeClr val="accent1">
+        <a:tint val="60000"/>
+      </a:schemeClr>
+    </dgm:linClrLst>
+    <dgm:effectClrLst/>
+    <dgm:txLinClrLst/>
+    <dgm:txFillClrLst meth="repeat">
+      <a:schemeClr val="lt1"/>
+    </dgm:txFillClrLst>
+    <dgm:txEffectClrLst/>
+  </dgm:styleLbl>
+  <dgm:styleLbl name="parChTrans2D2">
+    <dgm:fillClrLst meth="repeat">
+      <a:schemeClr val="accent1"/>
+    </dgm:fillClrLst>
+    <dgm:linClrLst meth="repeat">
+      <a:schemeClr val="accent1"/>
+    </dgm:linClrLst>
+    <dgm:effectClrLst/>
+    <dgm:txLinClrLst/>
+    <dgm:txFillClrLst meth="repeat">
+      <a:schemeClr val="lt1"/>
+    </dgm:txFillClrLst>
+    <dgm:txEffectClrLst/>
+  </dgm:styleLbl>
+  <dgm:styleLbl name="parChTrans2D3">
+    <dgm:fillClrLst meth="repeat">
+      <a:schemeClr val="accent1"/>
+    </dgm:fillClrLst>
+    <dgm:linClrLst meth="repeat">
+      <a:schemeClr val="accent1"/>
+    </dgm:linClrLst>
+    <dgm:effectClrLst/>
+    <dgm:txLinClrLst/>
+    <dgm:txFillClrLst meth="repeat">
+      <a:schemeClr val="lt1"/>
+    </dgm:txFillClrLst>
+    <dgm:txEffectClrLst/>
+  </dgm:styleLbl>
+  <dgm:styleLbl name="parChTrans2D4">
+    <dgm:fillClrLst meth="repeat">
+      <a:schemeClr val="accent1"/>
+    </dgm:fillClrLst>
+    <dgm:linClrLst meth="repeat">
+      <a:schemeClr val="accent1"/>
+    </dgm:linClrLst>
+    <dgm:effectClrLst/>
+    <dgm:txLinClrLst/>
+    <dgm:txFillClrLst meth="repeat">
+      <a:schemeClr val="lt1"/>
+    </dgm:txFillClrLst>
+    <dgm:txEffectClrLst/>
+  </dgm:styleLbl>
+  <dgm:styleLbl name="parChTrans1D1">
+    <dgm:fillClrLst meth="repeat">
+      <a:schemeClr val="accent1"/>
+    </dgm:fillClrLst>
+    <dgm:linClrLst meth="repeat">
+      <a:schemeClr val="accent1">
+        <a:shade val="60000"/>
+      </a:schemeClr>
+    </dgm:linClrLst>
+    <dgm:effectClrLst/>
+    <dgm:txLinClrLst/>
+    <dgm:txFillClrLst meth="repeat">
+      <a:schemeClr val="tx1"/>
+    </dgm:txFillClrLst>
+    <dgm:txEffectClrLst/>
+  </dgm:styleLbl>
+  <dgm:styleLbl name="parChTrans1D2">
+    <dgm:fillClrLst meth="repeat">
+      <a:schemeClr val="accent1"/>
+    </dgm:fillClrLst>
+    <dgm:linClrLst meth="repeat">
+      <a:schemeClr val="accent1">
+        <a:shade val="60000"/>
+      </a:schemeClr>
+    </dgm:linClrLst>
+    <dgm:effectClrLst/>
+    <dgm:txLinClrLst/>
+    <dgm:txFillClrLst meth="repeat">
+      <a:schemeClr val="tx1"/>
+    </dgm:txFillClrLst>
+    <dgm:txEffectClrLst/>
+  </dgm:styleLbl>
+  <dgm:styleLbl name="parChTrans1D3">
+    <dgm:fillClrLst meth="repeat">
+      <a:schemeClr val="accent1"/>
+    </dgm:fillClrLst>
+    <dgm:linClrLst meth="repeat">
+      <a:schemeClr val="accent1">
+        <a:shade val="80000"/>
+      </a:schemeClr>
+    </dgm:linClrLst>
+    <dgm:effectClrLst/>
+    <dgm:txLinClrLst/>
+    <dgm:txFillClrLst meth="repeat">
+      <a:schemeClr val="tx1"/>
+    </dgm:txFillClrLst>
+    <dgm:txEffectClrLst/>
+  </dgm:styleLbl>
+  <dgm:styleLbl name="parChTrans1D4">
+    <dgm:fillClrLst meth="repeat">
+      <a:schemeClr val="accent1"/>
+    </dgm:fillClrLst>
+    <dgm:linClrLst meth="repeat">
+      <a:schemeClr val="accent1">
+        <a:shade val="80000"/>
+      </a:schemeClr>
+    </dgm:linClrLst>
+    <dgm:effectClrLst/>
+    <dgm:txLinClrLst/>
+    <dgm:txFillClrLst meth="repeat">
+      <a:schemeClr val="tx1"/>
+    </dgm:txFillClrLst>
+    <dgm:txEffectClrLst/>
+  </dgm:styleLbl>
+  <dgm:styleLbl name="fgAcc1">
+    <dgm:fillClrLst meth="repeat">
+      <a:schemeClr val="lt1">
+        <a:alpha val="90000"/>
+      </a:schemeClr>
+    </dgm:fillClrLst>
+    <dgm:linClrLst meth="repeat">
+      <a:schemeClr val="accent1"/>
+    </dgm:linClrLst>
+    <dgm:effectClrLst/>
+    <dgm:txLinClrLst/>
+    <dgm:txFillClrLst meth="repeat">
+      <a:schemeClr val="dk1"/>
+    </dgm:txFillClrLst>
+    <dgm:txEffectClrLst/>
+  </dgm:styleLbl>
+  <dgm:styleLbl name="conFgAcc1">
+    <dgm:fillClrLst meth="repeat">
+      <a:schemeClr val="lt1">
+        <a:alpha val="90000"/>
+      </a:schemeClr>
+    </dgm:fillClrLst>
+    <dgm:linClrLst meth="repeat">
+      <a:schemeClr val="accent1"/>
+    </dgm:linClrLst>
+    <dgm:effectClrLst/>
+    <dgm:txLinClrLst/>
+    <dgm:txFillClrLst meth="repeat">
+      <a:schemeClr val="dk1"/>
+    </dgm:txFillClrLst>
+    <dgm:txEffectClrLst/>
+  </dgm:styleLbl>
+  <dgm:styleLbl name="alignAcc1">
+    <dgm:fillClrLst meth="repeat">
+      <a:schemeClr val="lt1">
+        <a:alpha val="90000"/>
+      </a:schemeClr>
+    </dgm:fillClrLst>
+    <dgm:linClrLst meth="repeat">
+      <a:schemeClr val="accent1"/>
+    </dgm:linClrLst>
+    <dgm:effectClrLst/>
+    <dgm:txLinClrLst/>
+    <dgm:txFillClrLst meth="repeat">
+      <a:schemeClr val="dk1"/>
+    </dgm:txFillClrLst>
+    <dgm:txEffectClrLst/>
+  </dgm:styleLbl>
+  <dgm:styleLbl name="trAlignAcc1">
+    <dgm:fillClrLst meth="repeat">
+      <a:schemeClr val="lt1">
+        <a:alpha val="40000"/>
+      </a:schemeClr>
+    </dgm:fillClrLst>
+    <dgm:linClrLst meth="repeat">
+      <a:schemeClr val="accent1"/>
+    </dgm:linClrLst>
+    <dgm:effectClrLst/>
+    <dgm:txLinClrLst/>
+    <dgm:txFillClrLst meth="repeat">
+      <a:schemeClr val="dk1"/>
+    </dgm:txFillClrLst>
+    <dgm:txEffectClrLst/>
+  </dgm:styleLbl>
+  <dgm:styleLbl name="bgAcc1">
+    <dgm:fillClrLst meth="repeat">
+      <a:schemeClr val="lt1">
+        <a:alpha val="90000"/>
+      </a:schemeClr>
+    </dgm:fillClrLst>
+    <dgm:linClrLst meth="repeat">
+      <a:schemeClr val="accent1"/>
+    </dgm:linClrLst>
+    <dgm:effectClrLst/>
+    <dgm:txLinClrLst/>
+    <dgm:txFillClrLst meth="repeat">
+      <a:schemeClr val="dk1"/>
+    </dgm:txFillClrLst>
+    <dgm:txEffectClrLst/>
+  </dgm:styleLbl>
+  <dgm:styleLbl name="solidFgAcc1">
+    <dgm:fillClrLst meth="repeat">
+      <a:schemeClr val="lt1"/>
+    </dgm:fillClrLst>
+    <dgm:linClrLst meth="repeat">
+      <a:schemeClr val="accent1"/>
+    </dgm:linClrLst>
+    <dgm:effectClrLst/>
+    <dgm:txLinClrLst/>
+    <dgm:txFillClrLst meth="repeat">
+      <a:schemeClr val="dk1"/>
+    </dgm:txFillClrLst>
+    <dgm:txEffectClrLst/>
+  </dgm:styleLbl>
+  <dgm:styleLbl name="solidAlignAcc1">
+    <dgm:fillClrLst meth="repeat">
+      <a:schemeClr val="lt1"/>
+    </dgm:fillClrLst>
+    <dgm:linClrLst meth="repeat">
+      <a:schemeClr val="accent1"/>
+    </dgm:linClrLst>
+    <dgm:effectClrLst/>
+    <dgm:txLinClrLst/>
+    <dgm:txFillClrLst meth="repeat">
+      <a:schemeClr val="dk1"/>
+    </dgm:txFillClrLst>
+    <dgm:txEffectClrLst/>
+  </dgm:styleLbl>
+  <dgm:styleLbl name="solidBgAcc1">
+    <dgm:fillClrLst meth="repeat">
+      <a:schemeClr val="lt1"/>
+    </dgm:fillClrLst>
+    <dgm:linClrLst meth="repeat">
+      <a:schemeClr val="accent1"/>
+    </dgm:linClrLst>
+    <dgm:effectClrLst/>
+    <dgm:txLinClrLst/>
+    <dgm:txFillClrLst meth="repeat">
+      <a:schemeClr val="dk1"/>
+    </dgm:txFillClrLst>
+    <dgm:txEffectClrLst/>
+  </dgm:styleLbl>
+  <dgm:styleLbl name="fgAccFollowNode1">
+    <dgm:fillClrLst meth="repeat">
+      <a:schemeClr val="accent1">
+        <a:alpha val="90000"/>
+        <a:tint val="40000"/>
+      </a:schemeClr>
+    </dgm:fillClrLst>
+    <dgm:linClrLst meth="repeat">
+      <a:schemeClr val="accent1">
+        <a:alpha val="90000"/>
+        <a:tint val="40000"/>
+      </a:schemeClr>
+    </dgm:linClrLst>
+    <dgm:effectClrLst/>
+    <dgm:txLinClrLst/>
+    <dgm:txFillClrLst meth="repeat">
+      <a:schemeClr val="dk1"/>
+    </dgm:txFillClrLst>
+    <dgm:txEffectClrLst/>
+  </dgm:styleLbl>
+  <dgm:styleLbl name="alignAccFollowNode1">
+    <dgm:fillClrLst meth="repeat">
+      <a:schemeClr val="accent1">
+        <a:alpha val="90000"/>
+        <a:tint val="40000"/>
+      </a:schemeClr>
+    </dgm:fillClrLst>
+    <dgm:linClrLst meth="repeat">
+      <a:schemeClr val="accent1">
+        <a:alpha val="90000"/>
+        <a:tint val="40000"/>
+      </a:schemeClr>
+    </dgm:linClrLst>
+    <dgm:effectClrLst/>
+    <dgm:txLinClrLst/>
+    <dgm:txFillClrLst meth="repeat">
+      <a:schemeClr val="dk1"/>
+    </dgm:txFillClrLst>
+    <dgm:txEffectClrLst/>
+  </dgm:styleLbl>
+  <dgm:styleLbl name="bgAccFollowNode1">
+    <dgm:fillClrLst meth="repeat">
+      <a:schemeClr val="accent1">
+        <a:alpha val="90000"/>
+        <a:tint val="40000"/>
+      </a:schemeClr>
+    </dgm:fillClrLst>
+    <dgm:linClrLst meth="repeat">
+      <a:schemeClr val="accent1">
+        <a:alpha val="90000"/>
+        <a:tint val="40000"/>
+      </a:schemeClr>
+    </dgm:linClrLst>
+    <dgm:effectClrLst/>
+    <dgm:txLinClrLst/>
+    <dgm:txFillClrLst meth="repeat">
+      <a:schemeClr val="dk1"/>
+    </dgm:txFillClrLst>
+    <dgm:txEffectClrLst/>
+  </dgm:styleLbl>
+  <dgm:styleLbl name="fgAcc0">
+    <dgm:fillClrLst meth="repeat">
+      <a:schemeClr val="lt1">
+        <a:alpha val="90000"/>
+      </a:schemeClr>
+    </dgm:fillClrLst>
+    <dgm:linClrLst meth="repeat">
+      <a:schemeClr val="accent1"/>
+    </dgm:linClrLst>
+    <dgm:effectClrLst/>
+    <dgm:txLinClrLst/>
+    <dgm:txFillClrLst meth="repeat">
+      <a:schemeClr val="dk1"/>
+    </dgm:txFillClrLst>
+    <dgm:txEffectClrLst/>
+  </dgm:styleLbl>
+  <dgm:styleLbl name="fgAcc2">
+    <dgm:fillClrLst meth="repeat">
+      <a:schemeClr val="lt1">
+        <a:alpha val="90000"/>
+      </a:schemeClr>
+    </dgm:fillClrLst>
+    <dgm:linClrLst meth="repeat">
+      <a:schemeClr val="accent1"/>
+    </dgm:linClrLst>
+    <dgm:effectClrLst/>
+    <dgm:txLinClrLst/>
+    <dgm:txFillClrLst meth="repeat">
+      <a:schemeClr val="dk1"/>
+    </dgm:txFillClrLst>
+    <dgm:txEffectClrLst/>
+  </dgm:styleLbl>
+  <dgm:styleLbl name="fgAcc3">
+    <dgm:fillClrLst meth="repeat">
+      <a:schemeClr val="lt1">
+        <a:alpha val="90000"/>
+      </a:schemeClr>
+    </dgm:fillClrLst>
+    <dgm:linClrLst meth="repeat">
+      <a:schemeClr val="accent1"/>
+    </dgm:linClrLst>
+    <dgm:effectClrLst/>
+    <dgm:txLinClrLst/>
+    <dgm:txFillClrLst meth="repeat">
+      <a:schemeClr val="dk1"/>
+    </dgm:txFillClrLst>
+    <dgm:txEffectClrLst/>
+  </dgm:styleLbl>
+  <dgm:styleLbl name="fgAcc4">
+    <dgm:fillClrLst meth="repeat">
+      <a:schemeClr val="lt1">
+        <a:alpha val="90000"/>
+      </a:schemeClr>
+    </dgm:fillClrLst>
+    <dgm:linClrLst meth="repeat">
+      <a:schemeClr val="accent1"/>
+    </dgm:linClrLst>
+    <dgm:effectClrLst/>
+    <dgm:txLinClrLst/>
+    <dgm:txFillClrLst meth="repeat">
+      <a:schemeClr val="dk1"/>
+    </dgm:txFillClrLst>
+    <dgm:txEffectClrLst/>
+  </dgm:styleLbl>
+  <dgm:styleLbl name="bgShp">
+    <dgm:fillClrLst meth="repeat">
+      <a:schemeClr val="accent1">
+        <a:tint val="40000"/>
+      </a:schemeClr>
+    </dgm:fillClrLst>
+    <dgm:linClrLst meth="repeat">
+      <a:schemeClr val="accent1"/>
+    </dgm:linClrLst>
+    <dgm:effectClrLst/>
+    <dgm:txLinClrLst/>
+    <dgm:txFillClrLst meth="repeat">
+      <a:schemeClr val="dk1"/>
+    </dgm:txFillClrLst>
+    <dgm:txEffectClrLst/>
+  </dgm:styleLbl>
+  <dgm:styleLbl name="dkBgShp">
+    <dgm:fillClrLst meth="repeat">
+      <a:schemeClr val="accent1">
+        <a:shade val="80000"/>
+      </a:schemeClr>
+    </dgm:fillClrLst>
+    <dgm:linClrLst meth="repeat">
+      <a:schemeClr val="accent1"/>
+    </dgm:linClrLst>
+    <dgm:effectClrLst/>
+    <dgm:txLinClrLst/>
+    <dgm:txFillClrLst meth="repeat">
+      <a:schemeClr val="lt1"/>
+    </dgm:txFillClrLst>
+    <dgm:txEffectClrLst/>
+  </dgm:styleLbl>
+  <dgm:styleLbl name="trBgShp">
+    <dgm:fillClrLst meth="repeat">
+      <a:schemeClr val="accent1">
+        <a:tint val="50000"/>
+        <a:alpha val="40000"/>
+      </a:schemeClr>
+    </dgm:fillClrLst>
+    <dgm:linClrLst meth="repeat">
+      <a:schemeClr val="accent1"/>
+    </dgm:linClrLst>
+    <dgm:effectClrLst/>
+    <dgm:txLinClrLst/>
+    <dgm:txFillClrLst meth="repeat">
+      <a:schemeClr val="lt1"/>
+    </dgm:txFillClrLst>
+    <dgm:txEffectClrLst/>
+  </dgm:styleLbl>
+  <dgm:styleLbl name="fgShp">
+    <dgm:fillClrLst meth="repeat">
+      <a:schemeClr val="accent1">
+        <a:tint val="60000"/>
+      </a:schemeClr>
+    </dgm:fillClrLst>
+    <dgm:linClrLst meth="repeat">
+      <a:schemeClr val="lt1"/>
+    </dgm:linClrLst>
+    <dgm:effectClrLst/>
+    <dgm:txLinClrLst/>
+    <dgm:txFillClrLst meth="repeat">
+      <a:schemeClr val="dk1"/>
+    </dgm:txFillClrLst>
+    <dgm:txEffectClrLst/>
+  </dgm:styleLbl>
+  <dgm:styleLbl name="revTx">
+    <dgm:fillClrLst meth="repeat">
+      <a:schemeClr val="lt1">
+        <a:alpha val="0"/>
+      </a:schemeClr>
+    </dgm:fillClrLst>
+    <dgm:linClrLst meth="repeat">
+      <a:schemeClr val="dk1">
+        <a:alpha val="0"/>
+      </a:schemeClr>
+    </dgm:linClrLst>
+    <dgm:effectClrLst/>
+    <dgm:txLinClrLst/>
+    <dgm:txFillClrLst meth="repeat">
+      <a:schemeClr val="tx1"/>
+    </dgm:txFillClrLst>
+    <dgm:txEffectClrLst/>
+  </dgm:styleLbl>
+</dgm:colorsDef>
+</file>
+
+<file path=ppt/diagrams/data1.xml><?xml version="1.0" encoding="utf-8"?>
+<dgm:dataModel xmlns:dgm="http://schemas.openxmlformats.org/drawingml/2006/diagram" xmlns:a="http://schemas.openxmlformats.org/drawingml/2006/main">
+  <dgm:ptLst>
+    <dgm:pt modelId="{2A3DA79F-081F-4BB4-82F9-E03BAE47D8D2}" type="doc">
+      <dgm:prSet loTypeId="urn:microsoft.com/office/officeart/2005/8/layout/vList2" loCatId="list" qsTypeId="urn:microsoft.com/office/officeart/2005/8/quickstyle/simple1" qsCatId="simple" csTypeId="urn:microsoft.com/office/officeart/2005/8/colors/accent1_2" csCatId="accent1"/>
+      <dgm:spPr/>
+      <dgm:t>
+        <a:bodyPr/>
+        <a:lstStyle/>
+        <a:p>
+          <a:endParaRPr lang="en-US"/>
+        </a:p>
+      </dgm:t>
+    </dgm:pt>
+    <dgm:pt modelId="{F20D0B7D-2E9F-4EF4-B2CD-F1D85500CB77}">
+      <dgm:prSet/>
+      <dgm:spPr/>
+      <dgm:t>
+        <a:bodyPr/>
+        <a:lstStyle/>
+        <a:p>
+          <a:r>
+            <a:rPr lang="en-CA"/>
+            <a:t>A1: Pre-classification calculation, image processing (image flattening, data standardization etc.) is performed by supporting libraries</a:t>
+          </a:r>
+          <a:endParaRPr lang="en-US"/>
+        </a:p>
+      </dgm:t>
+    </dgm:pt>
+    <dgm:pt modelId="{35C56D55-4FCE-453C-9A8B-A9C97EC44426}" type="parTrans" cxnId="{F8924CBF-ABD4-4B87-A31A-2D122D8C855F}">
+      <dgm:prSet/>
+      <dgm:spPr/>
+      <dgm:t>
+        <a:bodyPr/>
+        <a:lstStyle/>
+        <a:p>
+          <a:endParaRPr lang="en-US"/>
+        </a:p>
+      </dgm:t>
+    </dgm:pt>
+    <dgm:pt modelId="{25E82E7A-FC3B-4978-B09B-046DC46BCD00}" type="sibTrans" cxnId="{F8924CBF-ABD4-4B87-A31A-2D122D8C855F}">
+      <dgm:prSet/>
+      <dgm:spPr/>
+      <dgm:t>
+        <a:bodyPr/>
+        <a:lstStyle/>
+        <a:p>
+          <a:endParaRPr lang="en-US"/>
+        </a:p>
+      </dgm:t>
+    </dgm:pt>
+    <dgm:pt modelId="{71D6339E-2DBD-4A6E-B4F4-C9EEA55BC589}">
+      <dgm:prSet/>
+      <dgm:spPr/>
+      <dgm:t>
+        <a:bodyPr/>
+        <a:lstStyle/>
+        <a:p>
+          <a:r>
+            <a:rPr lang="en-CA"/>
+            <a:t>A2: If the computed confidence of the output is less than 50% the program will return a “No Confidence” output</a:t>
+          </a:r>
+          <a:endParaRPr lang="en-US"/>
+        </a:p>
+      </dgm:t>
+    </dgm:pt>
+    <dgm:pt modelId="{623CE447-56BC-4B3D-8C9E-739CE2CF138A}" type="parTrans" cxnId="{06238002-3FAA-4EE7-9384-93712D7B6347}">
+      <dgm:prSet/>
+      <dgm:spPr/>
+      <dgm:t>
+        <a:bodyPr/>
+        <a:lstStyle/>
+        <a:p>
+          <a:endParaRPr lang="en-US"/>
+        </a:p>
+      </dgm:t>
+    </dgm:pt>
+    <dgm:pt modelId="{6B94B652-4BBE-4D62-956C-095BADA442B2}" type="sibTrans" cxnId="{06238002-3FAA-4EE7-9384-93712D7B6347}">
+      <dgm:prSet/>
+      <dgm:spPr/>
+      <dgm:t>
+        <a:bodyPr/>
+        <a:lstStyle/>
+        <a:p>
+          <a:endParaRPr lang="en-US"/>
+        </a:p>
+      </dgm:t>
+    </dgm:pt>
+    <dgm:pt modelId="{41611B74-654C-4C34-9B79-690015BA8C33}">
+      <dgm:prSet/>
+      <dgm:spPr/>
+      <dgm:t>
+        <a:bodyPr/>
+        <a:lstStyle/>
+        <a:p>
+          <a:r>
+            <a:rPr lang="en-CA"/>
+            <a:t>A3: The dataset for training will only contain labels of capital letter characters, and an even spread of every label to be trained.</a:t>
+          </a:r>
+          <a:endParaRPr lang="en-US"/>
+        </a:p>
+      </dgm:t>
+    </dgm:pt>
+    <dgm:pt modelId="{698EFD21-1F93-4D1B-A04E-3EDF121B3CCC}" type="parTrans" cxnId="{885AFB6E-2A42-47B1-937E-5DD0CA823172}">
+      <dgm:prSet/>
+      <dgm:spPr/>
+      <dgm:t>
+        <a:bodyPr/>
+        <a:lstStyle/>
+        <a:p>
+          <a:endParaRPr lang="en-US"/>
+        </a:p>
+      </dgm:t>
+    </dgm:pt>
+    <dgm:pt modelId="{930C8F22-D700-4278-B075-52C211D4B816}" type="sibTrans" cxnId="{885AFB6E-2A42-47B1-937E-5DD0CA823172}">
+      <dgm:prSet/>
+      <dgm:spPr/>
+      <dgm:t>
+        <a:bodyPr/>
+        <a:lstStyle/>
+        <a:p>
+          <a:endParaRPr lang="en-US"/>
+        </a:p>
+      </dgm:t>
+    </dgm:pt>
+    <dgm:pt modelId="{1A86FB52-FF43-4C62-BD86-E6E2534CB17A}">
+      <dgm:prSet/>
+      <dgm:spPr/>
+      <dgm:t>
+        <a:bodyPr/>
+        <a:lstStyle/>
+        <a:p>
+          <a:r>
+            <a:rPr lang="en-CA"/>
+            <a:t>A4: Test input images will be in the form of .jpeg files.</a:t>
+          </a:r>
+          <a:endParaRPr lang="en-US"/>
+        </a:p>
+      </dgm:t>
+    </dgm:pt>
+    <dgm:pt modelId="{0FAE72A6-74C1-411A-BEAE-CDEE57D9684F}" type="parTrans" cxnId="{F31B4C12-2101-46D6-A967-FE5E18F4551B}">
+      <dgm:prSet/>
+      <dgm:spPr/>
+      <dgm:t>
+        <a:bodyPr/>
+        <a:lstStyle/>
+        <a:p>
+          <a:endParaRPr lang="en-US"/>
+        </a:p>
+      </dgm:t>
+    </dgm:pt>
+    <dgm:pt modelId="{79D86CFB-1682-4F86-AAD9-35607E7D8D61}" type="sibTrans" cxnId="{F31B4C12-2101-46D6-A967-FE5E18F4551B}">
+      <dgm:prSet/>
+      <dgm:spPr/>
+      <dgm:t>
+        <a:bodyPr/>
+        <a:lstStyle/>
+        <a:p>
+          <a:endParaRPr lang="en-US"/>
+        </a:p>
+      </dgm:t>
+    </dgm:pt>
+    <dgm:pt modelId="{77DB6310-60C0-4D5B-9A05-98BD159DB3E2}">
+      <dgm:prSet/>
+      <dgm:spPr/>
+      <dgm:t>
+        <a:bodyPr/>
+        <a:lstStyle/>
+        <a:p>
+          <a:r>
+            <a:rPr lang="en-CA"/>
+            <a:t>A5: The program will be built in python for access to useful supporting libraries, and for convenience</a:t>
+          </a:r>
+          <a:endParaRPr lang="en-US"/>
+        </a:p>
+      </dgm:t>
+    </dgm:pt>
+    <dgm:pt modelId="{C500CE22-4C6C-4E7E-8F1D-F1B545CCDC31}" type="parTrans" cxnId="{F09336E8-67DB-4331-9DE0-C90A8CCB8BFC}">
+      <dgm:prSet/>
+      <dgm:spPr/>
+      <dgm:t>
+        <a:bodyPr/>
+        <a:lstStyle/>
+        <a:p>
+          <a:endParaRPr lang="en-US"/>
+        </a:p>
+      </dgm:t>
+    </dgm:pt>
+    <dgm:pt modelId="{5F1D1FDE-8F80-4901-8EA6-82ACABCE8AFB}" type="sibTrans" cxnId="{F09336E8-67DB-4331-9DE0-C90A8CCB8BFC}">
+      <dgm:prSet/>
+      <dgm:spPr/>
+      <dgm:t>
+        <a:bodyPr/>
+        <a:lstStyle/>
+        <a:p>
+          <a:endParaRPr lang="en-US"/>
+        </a:p>
+      </dgm:t>
+    </dgm:pt>
+    <dgm:pt modelId="{824FE574-F00E-474C-A1E5-D086946412AB}" type="pres">
+      <dgm:prSet presAssocID="{2A3DA79F-081F-4BB4-82F9-E03BAE47D8D2}" presName="linear" presStyleCnt="0">
+        <dgm:presLayoutVars>
+          <dgm:animLvl val="lvl"/>
+          <dgm:resizeHandles val="exact"/>
+        </dgm:presLayoutVars>
+      </dgm:prSet>
+      <dgm:spPr/>
+    </dgm:pt>
+    <dgm:pt modelId="{5E0DFB31-934A-4FB8-A74D-73F46FF3E403}" type="pres">
+      <dgm:prSet presAssocID="{F20D0B7D-2E9F-4EF4-B2CD-F1D85500CB77}" presName="parentText" presStyleLbl="node1" presStyleIdx="0" presStyleCnt="5">
+        <dgm:presLayoutVars>
+          <dgm:chMax val="0"/>
+          <dgm:bulletEnabled val="1"/>
+        </dgm:presLayoutVars>
+      </dgm:prSet>
+      <dgm:spPr/>
+    </dgm:pt>
+    <dgm:pt modelId="{BC060705-595B-4358-887A-BDE2B0C187BB}" type="pres">
+      <dgm:prSet presAssocID="{25E82E7A-FC3B-4978-B09B-046DC46BCD00}" presName="spacer" presStyleCnt="0"/>
+      <dgm:spPr/>
+    </dgm:pt>
+    <dgm:pt modelId="{2AB74277-D8F9-40AC-9B70-4FCE7166EEF2}" type="pres">
+      <dgm:prSet presAssocID="{71D6339E-2DBD-4A6E-B4F4-C9EEA55BC589}" presName="parentText" presStyleLbl="node1" presStyleIdx="1" presStyleCnt="5">
+        <dgm:presLayoutVars>
+          <dgm:chMax val="0"/>
+          <dgm:bulletEnabled val="1"/>
+        </dgm:presLayoutVars>
+      </dgm:prSet>
+      <dgm:spPr/>
+    </dgm:pt>
+    <dgm:pt modelId="{5F84373D-F39E-44AD-93A0-9971CB048EFD}" type="pres">
+      <dgm:prSet presAssocID="{6B94B652-4BBE-4D62-956C-095BADA442B2}" presName="spacer" presStyleCnt="0"/>
+      <dgm:spPr/>
+    </dgm:pt>
+    <dgm:pt modelId="{4F59D3DF-AA68-489C-912A-440351A907C2}" type="pres">
+      <dgm:prSet presAssocID="{41611B74-654C-4C34-9B79-690015BA8C33}" presName="parentText" presStyleLbl="node1" presStyleIdx="2" presStyleCnt="5">
+        <dgm:presLayoutVars>
+          <dgm:chMax val="0"/>
+          <dgm:bulletEnabled val="1"/>
+        </dgm:presLayoutVars>
+      </dgm:prSet>
+      <dgm:spPr/>
+    </dgm:pt>
+    <dgm:pt modelId="{5A2F7D48-BCA5-4A67-98F4-0A155A2363A8}" type="pres">
+      <dgm:prSet presAssocID="{930C8F22-D700-4278-B075-52C211D4B816}" presName="spacer" presStyleCnt="0"/>
+      <dgm:spPr/>
+    </dgm:pt>
+    <dgm:pt modelId="{E1B2A08A-9B1D-49B3-A8C5-9F51B621A425}" type="pres">
+      <dgm:prSet presAssocID="{1A86FB52-FF43-4C62-BD86-E6E2534CB17A}" presName="parentText" presStyleLbl="node1" presStyleIdx="3" presStyleCnt="5">
+        <dgm:presLayoutVars>
+          <dgm:chMax val="0"/>
+          <dgm:bulletEnabled val="1"/>
+        </dgm:presLayoutVars>
+      </dgm:prSet>
+      <dgm:spPr/>
+    </dgm:pt>
+    <dgm:pt modelId="{D554EFA2-D10B-4E24-8C8A-9AC51F8C8081}" type="pres">
+      <dgm:prSet presAssocID="{79D86CFB-1682-4F86-AAD9-35607E7D8D61}" presName="spacer" presStyleCnt="0"/>
+      <dgm:spPr/>
+    </dgm:pt>
+    <dgm:pt modelId="{D10A43FE-BAF1-443A-992B-F37A4280F90D}" type="pres">
+      <dgm:prSet presAssocID="{77DB6310-60C0-4D5B-9A05-98BD159DB3E2}" presName="parentText" presStyleLbl="node1" presStyleIdx="4" presStyleCnt="5">
+        <dgm:presLayoutVars>
+          <dgm:chMax val="0"/>
+          <dgm:bulletEnabled val="1"/>
+        </dgm:presLayoutVars>
+      </dgm:prSet>
+      <dgm:spPr/>
+    </dgm:pt>
+  </dgm:ptLst>
+  <dgm:cxnLst>
+    <dgm:cxn modelId="{06238002-3FAA-4EE7-9384-93712D7B6347}" srcId="{2A3DA79F-081F-4BB4-82F9-E03BAE47D8D2}" destId="{71D6339E-2DBD-4A6E-B4F4-C9EEA55BC589}" srcOrd="1" destOrd="0" parTransId="{623CE447-56BC-4B3D-8C9E-739CE2CF138A}" sibTransId="{6B94B652-4BBE-4D62-956C-095BADA442B2}"/>
+    <dgm:cxn modelId="{F31B4C12-2101-46D6-A967-FE5E18F4551B}" srcId="{2A3DA79F-081F-4BB4-82F9-E03BAE47D8D2}" destId="{1A86FB52-FF43-4C62-BD86-E6E2534CB17A}" srcOrd="3" destOrd="0" parTransId="{0FAE72A6-74C1-411A-BEAE-CDEE57D9684F}" sibTransId="{79D86CFB-1682-4F86-AAD9-35607E7D8D61}"/>
+    <dgm:cxn modelId="{4BF0CE27-37F8-428A-941B-0154E26E1904}" type="presOf" srcId="{1A86FB52-FF43-4C62-BD86-E6E2534CB17A}" destId="{E1B2A08A-9B1D-49B3-A8C5-9F51B621A425}" srcOrd="0" destOrd="0" presId="urn:microsoft.com/office/officeart/2005/8/layout/vList2"/>
+    <dgm:cxn modelId="{3A3D5440-C2E1-4C88-B021-F2A16C325238}" type="presOf" srcId="{F20D0B7D-2E9F-4EF4-B2CD-F1D85500CB77}" destId="{5E0DFB31-934A-4FB8-A74D-73F46FF3E403}" srcOrd="0" destOrd="0" presId="urn:microsoft.com/office/officeart/2005/8/layout/vList2"/>
+    <dgm:cxn modelId="{09EE9046-86F6-4583-B3FA-0DD38CE4E4BF}" type="presOf" srcId="{71D6339E-2DBD-4A6E-B4F4-C9EEA55BC589}" destId="{2AB74277-D8F9-40AC-9B70-4FCE7166EEF2}" srcOrd="0" destOrd="0" presId="urn:microsoft.com/office/officeart/2005/8/layout/vList2"/>
+    <dgm:cxn modelId="{885AFB6E-2A42-47B1-937E-5DD0CA823172}" srcId="{2A3DA79F-081F-4BB4-82F9-E03BAE47D8D2}" destId="{41611B74-654C-4C34-9B79-690015BA8C33}" srcOrd="2" destOrd="0" parTransId="{698EFD21-1F93-4D1B-A04E-3EDF121B3CCC}" sibTransId="{930C8F22-D700-4278-B075-52C211D4B816}"/>
+    <dgm:cxn modelId="{E3B6F95A-7207-489F-B164-42B7F343DC2F}" type="presOf" srcId="{41611B74-654C-4C34-9B79-690015BA8C33}" destId="{4F59D3DF-AA68-489C-912A-440351A907C2}" srcOrd="0" destOrd="0" presId="urn:microsoft.com/office/officeart/2005/8/layout/vList2"/>
+    <dgm:cxn modelId="{F8924CBF-ABD4-4B87-A31A-2D122D8C855F}" srcId="{2A3DA79F-081F-4BB4-82F9-E03BAE47D8D2}" destId="{F20D0B7D-2E9F-4EF4-B2CD-F1D85500CB77}" srcOrd="0" destOrd="0" parTransId="{35C56D55-4FCE-453C-9A8B-A9C97EC44426}" sibTransId="{25E82E7A-FC3B-4978-B09B-046DC46BCD00}"/>
+    <dgm:cxn modelId="{BDE014D2-358C-41F4-A5DF-DB3A09A1B35C}" type="presOf" srcId="{77DB6310-60C0-4D5B-9A05-98BD159DB3E2}" destId="{D10A43FE-BAF1-443A-992B-F37A4280F90D}" srcOrd="0" destOrd="0" presId="urn:microsoft.com/office/officeart/2005/8/layout/vList2"/>
+    <dgm:cxn modelId="{F09336E8-67DB-4331-9DE0-C90A8CCB8BFC}" srcId="{2A3DA79F-081F-4BB4-82F9-E03BAE47D8D2}" destId="{77DB6310-60C0-4D5B-9A05-98BD159DB3E2}" srcOrd="4" destOrd="0" parTransId="{C500CE22-4C6C-4E7E-8F1D-F1B545CCDC31}" sibTransId="{5F1D1FDE-8F80-4901-8EA6-82ACABCE8AFB}"/>
+    <dgm:cxn modelId="{2C5087FA-F5EC-4AA8-930E-F0CC7CCCE4FF}" type="presOf" srcId="{2A3DA79F-081F-4BB4-82F9-E03BAE47D8D2}" destId="{824FE574-F00E-474C-A1E5-D086946412AB}" srcOrd="0" destOrd="0" presId="urn:microsoft.com/office/officeart/2005/8/layout/vList2"/>
+    <dgm:cxn modelId="{57232A29-E82D-4C1C-992C-252EEBC160B8}" type="presParOf" srcId="{824FE574-F00E-474C-A1E5-D086946412AB}" destId="{5E0DFB31-934A-4FB8-A74D-73F46FF3E403}" srcOrd="0" destOrd="0" presId="urn:microsoft.com/office/officeart/2005/8/layout/vList2"/>
+    <dgm:cxn modelId="{2E1295EA-DE7E-4F41-ABE5-D52AEE888F50}" type="presParOf" srcId="{824FE574-F00E-474C-A1E5-D086946412AB}" destId="{BC060705-595B-4358-887A-BDE2B0C187BB}" srcOrd="1" destOrd="0" presId="urn:microsoft.com/office/officeart/2005/8/layout/vList2"/>
+    <dgm:cxn modelId="{713AEE4C-903C-4525-A065-B5724997B0EE}" type="presParOf" srcId="{824FE574-F00E-474C-A1E5-D086946412AB}" destId="{2AB74277-D8F9-40AC-9B70-4FCE7166EEF2}" srcOrd="2" destOrd="0" presId="urn:microsoft.com/office/officeart/2005/8/layout/vList2"/>
+    <dgm:cxn modelId="{1A241257-9C68-4843-8066-B7DA9F7F194E}" type="presParOf" srcId="{824FE574-F00E-474C-A1E5-D086946412AB}" destId="{5F84373D-F39E-44AD-93A0-9971CB048EFD}" srcOrd="3" destOrd="0" presId="urn:microsoft.com/office/officeart/2005/8/layout/vList2"/>
+    <dgm:cxn modelId="{F8E6E8C2-5FA7-4B14-8E32-F65EECB95B93}" type="presParOf" srcId="{824FE574-F00E-474C-A1E5-D086946412AB}" destId="{4F59D3DF-AA68-489C-912A-440351A907C2}" srcOrd="4" destOrd="0" presId="urn:microsoft.com/office/officeart/2005/8/layout/vList2"/>
+    <dgm:cxn modelId="{0677188F-48D9-499F-B0BA-24429B5D4727}" type="presParOf" srcId="{824FE574-F00E-474C-A1E5-D086946412AB}" destId="{5A2F7D48-BCA5-4A67-98F4-0A155A2363A8}" srcOrd="5" destOrd="0" presId="urn:microsoft.com/office/officeart/2005/8/layout/vList2"/>
+    <dgm:cxn modelId="{CF133278-E46C-468F-900A-B4326D7A1DE0}" type="presParOf" srcId="{824FE574-F00E-474C-A1E5-D086946412AB}" destId="{E1B2A08A-9B1D-49B3-A8C5-9F51B621A425}" srcOrd="6" destOrd="0" presId="urn:microsoft.com/office/officeart/2005/8/layout/vList2"/>
+    <dgm:cxn modelId="{E1F81038-BE93-4356-8073-B178CFBB5908}" type="presParOf" srcId="{824FE574-F00E-474C-A1E5-D086946412AB}" destId="{D554EFA2-D10B-4E24-8C8A-9AC51F8C8081}" srcOrd="7" destOrd="0" presId="urn:microsoft.com/office/officeart/2005/8/layout/vList2"/>
+    <dgm:cxn modelId="{C6624DB9-1BA0-4863-913B-CBABCF367A84}" type="presParOf" srcId="{824FE574-F00E-474C-A1E5-D086946412AB}" destId="{D10A43FE-BAF1-443A-992B-F37A4280F90D}" srcOrd="8" destOrd="0" presId="urn:microsoft.com/office/officeart/2005/8/layout/vList2"/>
+  </dgm:cxnLst>
+  <dgm:bg/>
+  <dgm:whole/>
+  <dgm:extLst>
+    <a:ext uri="http://schemas.microsoft.com/office/drawing/2008/diagram">
+      <dsp:dataModelExt xmlns:dsp="http://schemas.microsoft.com/office/drawing/2008/diagram" relId="rId6" minVer="http://schemas.openxmlformats.org/drawingml/2006/diagram"/>
+    </a:ext>
+  </dgm:extLst>
+</dgm:dataModel>
+</file>
+
+<file path=ppt/diagrams/drawing1.xml><?xml version="1.0" encoding="utf-8"?>
+<dsp:drawing xmlns:dgm="http://schemas.openxmlformats.org/drawingml/2006/diagram" xmlns:dsp="http://schemas.microsoft.com/office/drawing/2008/diagram" xmlns:a="http://schemas.openxmlformats.org/drawingml/2006/main">
+  <dsp:spTree>
+    <dsp:nvGrpSpPr>
+      <dsp:cNvPr id="0" name=""/>
+      <dsp:cNvGrpSpPr/>
+    </dsp:nvGrpSpPr>
+    <dsp:grpSpPr/>
+    <dsp:sp modelId="{5E0DFB31-934A-4FB8-A74D-73F46FF3E403}">
+      <dsp:nvSpPr>
+        <dsp:cNvPr id="0" name=""/>
+        <dsp:cNvSpPr/>
+      </dsp:nvSpPr>
+      <dsp:spPr>
+        <a:xfrm>
+          <a:off x="0" y="36091"/>
+          <a:ext cx="10515600" cy="716040"/>
+        </a:xfrm>
+        <a:prstGeom prst="roundRect">
+          <a:avLst/>
+        </a:prstGeom>
+        <a:solidFill>
+          <a:schemeClr val="accent1">
+            <a:hueOff val="0"/>
+            <a:satOff val="0"/>
+            <a:lumOff val="0"/>
+            <a:alphaOff val="0"/>
+          </a:schemeClr>
+        </a:solidFill>
+        <a:ln w="12700" cap="flat" cmpd="sng" algn="ctr">
+          <a:solidFill>
+            <a:schemeClr val="lt1">
+              <a:hueOff val="0"/>
+              <a:satOff val="0"/>
+              <a:lumOff val="0"/>
+              <a:alphaOff val="0"/>
+            </a:schemeClr>
+          </a:solidFill>
+          <a:prstDash val="solid"/>
+          <a:miter lim="800000"/>
+        </a:ln>
+        <a:effectLst/>
+      </dsp:spPr>
+      <dsp:style>
+        <a:lnRef idx="2">
+          <a:scrgbClr r="0" g="0" b="0"/>
+        </a:lnRef>
+        <a:fillRef idx="1">
+          <a:scrgbClr r="0" g="0" b="0"/>
+        </a:fillRef>
+        <a:effectRef idx="0">
+          <a:scrgbClr r="0" g="0" b="0"/>
+        </a:effectRef>
+        <a:fontRef idx="minor">
+          <a:schemeClr val="lt1"/>
+        </a:fontRef>
+      </dsp:style>
+      <dsp:txBody>
+        <a:bodyPr spcFirstLastPara="0" vert="horz" wrap="square" lIns="68580" tIns="68580" rIns="68580" bIns="68580" numCol="1" spcCol="1270" anchor="ctr" anchorCtr="0">
+          <a:noAutofit/>
+        </a:bodyPr>
+        <a:lstStyle/>
+        <a:p>
+          <a:pPr marL="0" lvl="0" indent="0" algn="l" defTabSz="800100">
+            <a:lnSpc>
+              <a:spcPct val="90000"/>
+            </a:lnSpc>
+            <a:spcBef>
+              <a:spcPct val="0"/>
+            </a:spcBef>
+            <a:spcAft>
+              <a:spcPct val="35000"/>
+            </a:spcAft>
+            <a:buNone/>
+          </a:pPr>
+          <a:r>
+            <a:rPr lang="en-CA" sz="1800" kern="1200"/>
+            <a:t>A1: Pre-classification calculation, image processing (image flattening, data standardization etc.) is performed by supporting libraries</a:t>
+          </a:r>
+          <a:endParaRPr lang="en-US" sz="1800" kern="1200"/>
+        </a:p>
+      </dsp:txBody>
+      <dsp:txXfrm>
+        <a:off x="34954" y="71045"/>
+        <a:ext cx="10445692" cy="646132"/>
+      </dsp:txXfrm>
+    </dsp:sp>
+    <dsp:sp modelId="{2AB74277-D8F9-40AC-9B70-4FCE7166EEF2}">
+      <dsp:nvSpPr>
+        <dsp:cNvPr id="0" name=""/>
+        <dsp:cNvSpPr/>
+      </dsp:nvSpPr>
+      <dsp:spPr>
+        <a:xfrm>
+          <a:off x="0" y="803971"/>
+          <a:ext cx="10515600" cy="716040"/>
+        </a:xfrm>
+        <a:prstGeom prst="roundRect">
+          <a:avLst/>
+        </a:prstGeom>
+        <a:solidFill>
+          <a:schemeClr val="accent1">
+            <a:hueOff val="0"/>
+            <a:satOff val="0"/>
+            <a:lumOff val="0"/>
+            <a:alphaOff val="0"/>
+          </a:schemeClr>
+        </a:solidFill>
+        <a:ln w="12700" cap="flat" cmpd="sng" algn="ctr">
+          <a:solidFill>
+            <a:schemeClr val="lt1">
+              <a:hueOff val="0"/>
+              <a:satOff val="0"/>
+              <a:lumOff val="0"/>
+              <a:alphaOff val="0"/>
+            </a:schemeClr>
+          </a:solidFill>
+          <a:prstDash val="solid"/>
+          <a:miter lim="800000"/>
+        </a:ln>
+        <a:effectLst/>
+      </dsp:spPr>
+      <dsp:style>
+        <a:lnRef idx="2">
+          <a:scrgbClr r="0" g="0" b="0"/>
+        </a:lnRef>
+        <a:fillRef idx="1">
+          <a:scrgbClr r="0" g="0" b="0"/>
+        </a:fillRef>
+        <a:effectRef idx="0">
+          <a:scrgbClr r="0" g="0" b="0"/>
+        </a:effectRef>
+        <a:fontRef idx="minor">
+          <a:schemeClr val="lt1"/>
+        </a:fontRef>
+      </dsp:style>
+      <dsp:txBody>
+        <a:bodyPr spcFirstLastPara="0" vert="horz" wrap="square" lIns="68580" tIns="68580" rIns="68580" bIns="68580" numCol="1" spcCol="1270" anchor="ctr" anchorCtr="0">
+          <a:noAutofit/>
+        </a:bodyPr>
+        <a:lstStyle/>
+        <a:p>
+          <a:pPr marL="0" lvl="0" indent="0" algn="l" defTabSz="800100">
+            <a:lnSpc>
+              <a:spcPct val="90000"/>
+            </a:lnSpc>
+            <a:spcBef>
+              <a:spcPct val="0"/>
+            </a:spcBef>
+            <a:spcAft>
+              <a:spcPct val="35000"/>
+            </a:spcAft>
+            <a:buNone/>
+          </a:pPr>
+          <a:r>
+            <a:rPr lang="en-CA" sz="1800" kern="1200"/>
+            <a:t>A2: If the computed confidence of the output is less than 50% the program will return a “No Confidence” output</a:t>
+          </a:r>
+          <a:endParaRPr lang="en-US" sz="1800" kern="1200"/>
+        </a:p>
+      </dsp:txBody>
+      <dsp:txXfrm>
+        <a:off x="34954" y="838925"/>
+        <a:ext cx="10445692" cy="646132"/>
+      </dsp:txXfrm>
+    </dsp:sp>
+    <dsp:sp modelId="{4F59D3DF-AA68-489C-912A-440351A907C2}">
+      <dsp:nvSpPr>
+        <dsp:cNvPr id="0" name=""/>
+        <dsp:cNvSpPr/>
+      </dsp:nvSpPr>
+      <dsp:spPr>
+        <a:xfrm>
+          <a:off x="0" y="1571851"/>
+          <a:ext cx="10515600" cy="716040"/>
+        </a:xfrm>
+        <a:prstGeom prst="roundRect">
+          <a:avLst/>
+        </a:prstGeom>
+        <a:solidFill>
+          <a:schemeClr val="accent1">
+            <a:hueOff val="0"/>
+            <a:satOff val="0"/>
+            <a:lumOff val="0"/>
+            <a:alphaOff val="0"/>
+          </a:schemeClr>
+        </a:solidFill>
+        <a:ln w="12700" cap="flat" cmpd="sng" algn="ctr">
+          <a:solidFill>
+            <a:schemeClr val="lt1">
+              <a:hueOff val="0"/>
+              <a:satOff val="0"/>
+              <a:lumOff val="0"/>
+              <a:alphaOff val="0"/>
+            </a:schemeClr>
+          </a:solidFill>
+          <a:prstDash val="solid"/>
+          <a:miter lim="800000"/>
+        </a:ln>
+        <a:effectLst/>
+      </dsp:spPr>
+      <dsp:style>
+        <a:lnRef idx="2">
+          <a:scrgbClr r="0" g="0" b="0"/>
+        </a:lnRef>
+        <a:fillRef idx="1">
+          <a:scrgbClr r="0" g="0" b="0"/>
+        </a:fillRef>
+        <a:effectRef idx="0">
+          <a:scrgbClr r="0" g="0" b="0"/>
+        </a:effectRef>
+        <a:fontRef idx="minor">
+          <a:schemeClr val="lt1"/>
+        </a:fontRef>
+      </dsp:style>
+      <dsp:txBody>
+        <a:bodyPr spcFirstLastPara="0" vert="horz" wrap="square" lIns="68580" tIns="68580" rIns="68580" bIns="68580" numCol="1" spcCol="1270" anchor="ctr" anchorCtr="0">
+          <a:noAutofit/>
+        </a:bodyPr>
+        <a:lstStyle/>
+        <a:p>
+          <a:pPr marL="0" lvl="0" indent="0" algn="l" defTabSz="800100">
+            <a:lnSpc>
+              <a:spcPct val="90000"/>
+            </a:lnSpc>
+            <a:spcBef>
+              <a:spcPct val="0"/>
+            </a:spcBef>
+            <a:spcAft>
+              <a:spcPct val="35000"/>
+            </a:spcAft>
+            <a:buNone/>
+          </a:pPr>
+          <a:r>
+            <a:rPr lang="en-CA" sz="1800" kern="1200"/>
+            <a:t>A3: The dataset for training will only contain labels of capital letter characters, and an even spread of every label to be trained.</a:t>
+          </a:r>
+          <a:endParaRPr lang="en-US" sz="1800" kern="1200"/>
+        </a:p>
+      </dsp:txBody>
+      <dsp:txXfrm>
+        <a:off x="34954" y="1606805"/>
+        <a:ext cx="10445692" cy="646132"/>
+      </dsp:txXfrm>
+    </dsp:sp>
+    <dsp:sp modelId="{E1B2A08A-9B1D-49B3-A8C5-9F51B621A425}">
+      <dsp:nvSpPr>
+        <dsp:cNvPr id="0" name=""/>
+        <dsp:cNvSpPr/>
+      </dsp:nvSpPr>
+      <dsp:spPr>
+        <a:xfrm>
+          <a:off x="0" y="2339731"/>
+          <a:ext cx="10515600" cy="716040"/>
+        </a:xfrm>
+        <a:prstGeom prst="roundRect">
+          <a:avLst/>
+        </a:prstGeom>
+        <a:solidFill>
+          <a:schemeClr val="accent1">
+            <a:hueOff val="0"/>
+            <a:satOff val="0"/>
+            <a:lumOff val="0"/>
+            <a:alphaOff val="0"/>
+          </a:schemeClr>
+        </a:solidFill>
+        <a:ln w="12700" cap="flat" cmpd="sng" algn="ctr">
+          <a:solidFill>
+            <a:schemeClr val="lt1">
+              <a:hueOff val="0"/>
+              <a:satOff val="0"/>
+              <a:lumOff val="0"/>
+              <a:alphaOff val="0"/>
+            </a:schemeClr>
+          </a:solidFill>
+          <a:prstDash val="solid"/>
+          <a:miter lim="800000"/>
+        </a:ln>
+        <a:effectLst/>
+      </dsp:spPr>
+      <dsp:style>
+        <a:lnRef idx="2">
+          <a:scrgbClr r="0" g="0" b="0"/>
+        </a:lnRef>
+        <a:fillRef idx="1">
+          <a:scrgbClr r="0" g="0" b="0"/>
+        </a:fillRef>
+        <a:effectRef idx="0">
+          <a:scrgbClr r="0" g="0" b="0"/>
+        </a:effectRef>
+        <a:fontRef idx="minor">
+          <a:schemeClr val="lt1"/>
+        </a:fontRef>
+      </dsp:style>
+      <dsp:txBody>
+        <a:bodyPr spcFirstLastPara="0" vert="horz" wrap="square" lIns="68580" tIns="68580" rIns="68580" bIns="68580" numCol="1" spcCol="1270" anchor="ctr" anchorCtr="0">
+          <a:noAutofit/>
+        </a:bodyPr>
+        <a:lstStyle/>
+        <a:p>
+          <a:pPr marL="0" lvl="0" indent="0" algn="l" defTabSz="800100">
+            <a:lnSpc>
+              <a:spcPct val="90000"/>
+            </a:lnSpc>
+            <a:spcBef>
+              <a:spcPct val="0"/>
+            </a:spcBef>
+            <a:spcAft>
+              <a:spcPct val="35000"/>
+            </a:spcAft>
+            <a:buNone/>
+          </a:pPr>
+          <a:r>
+            <a:rPr lang="en-CA" sz="1800" kern="1200"/>
+            <a:t>A4: Test input images will be in the form of .jpeg files.</a:t>
+          </a:r>
+          <a:endParaRPr lang="en-US" sz="1800" kern="1200"/>
+        </a:p>
+      </dsp:txBody>
+      <dsp:txXfrm>
+        <a:off x="34954" y="2374685"/>
+        <a:ext cx="10445692" cy="646132"/>
+      </dsp:txXfrm>
+    </dsp:sp>
+    <dsp:sp modelId="{D10A43FE-BAF1-443A-992B-F37A4280F90D}">
+      <dsp:nvSpPr>
+        <dsp:cNvPr id="0" name=""/>
+        <dsp:cNvSpPr/>
+      </dsp:nvSpPr>
+      <dsp:spPr>
+        <a:xfrm>
+          <a:off x="0" y="3107610"/>
+          <a:ext cx="10515600" cy="716040"/>
+        </a:xfrm>
+        <a:prstGeom prst="roundRect">
+          <a:avLst/>
+        </a:prstGeom>
+        <a:solidFill>
+          <a:schemeClr val="accent1">
+            <a:hueOff val="0"/>
+            <a:satOff val="0"/>
+            <a:lumOff val="0"/>
+            <a:alphaOff val="0"/>
+          </a:schemeClr>
+        </a:solidFill>
+        <a:ln w="12700" cap="flat" cmpd="sng" algn="ctr">
+          <a:solidFill>
+            <a:schemeClr val="lt1">
+              <a:hueOff val="0"/>
+              <a:satOff val="0"/>
+              <a:lumOff val="0"/>
+              <a:alphaOff val="0"/>
+            </a:schemeClr>
+          </a:solidFill>
+          <a:prstDash val="solid"/>
+          <a:miter lim="800000"/>
+        </a:ln>
+        <a:effectLst/>
+      </dsp:spPr>
+      <dsp:style>
+        <a:lnRef idx="2">
+          <a:scrgbClr r="0" g="0" b="0"/>
+        </a:lnRef>
+        <a:fillRef idx="1">
+          <a:scrgbClr r="0" g="0" b="0"/>
+        </a:fillRef>
+        <a:effectRef idx="0">
+          <a:scrgbClr r="0" g="0" b="0"/>
+        </a:effectRef>
+        <a:fontRef idx="minor">
+          <a:schemeClr val="lt1"/>
+        </a:fontRef>
+      </dsp:style>
+      <dsp:txBody>
+        <a:bodyPr spcFirstLastPara="0" vert="horz" wrap="square" lIns="68580" tIns="68580" rIns="68580" bIns="68580" numCol="1" spcCol="1270" anchor="ctr" anchorCtr="0">
+          <a:noAutofit/>
+        </a:bodyPr>
+        <a:lstStyle/>
+        <a:p>
+          <a:pPr marL="0" lvl="0" indent="0" algn="l" defTabSz="800100">
+            <a:lnSpc>
+              <a:spcPct val="90000"/>
+            </a:lnSpc>
+            <a:spcBef>
+              <a:spcPct val="0"/>
+            </a:spcBef>
+            <a:spcAft>
+              <a:spcPct val="35000"/>
+            </a:spcAft>
+            <a:buNone/>
+          </a:pPr>
+          <a:r>
+            <a:rPr lang="en-CA" sz="1800" kern="1200"/>
+            <a:t>A5: The program will be built in python for access to useful supporting libraries, and for convenience</a:t>
+          </a:r>
+          <a:endParaRPr lang="en-US" sz="1800" kern="1200"/>
+        </a:p>
+      </dsp:txBody>
+      <dsp:txXfrm>
+        <a:off x="34954" y="3142564"/>
+        <a:ext cx="10445692" cy="646132"/>
+      </dsp:txXfrm>
+    </dsp:sp>
+  </dsp:spTree>
+</dsp:drawing>
+</file>
+
+<file path=ppt/diagrams/layout1.xml><?xml version="1.0" encoding="utf-8"?>
+<dgm:layoutDef xmlns:dgm="http://schemas.openxmlformats.org/drawingml/2006/diagram" xmlns:a="http://schemas.openxmlformats.org/drawingml/2006/main" uniqueId="urn:microsoft.com/office/officeart/2005/8/layout/vList2">
+  <dgm:title val=""/>
+  <dgm:desc val=""/>
+  <dgm:catLst>
+    <dgm:cat type="list" pri="3000"/>
+    <dgm:cat type="convert" pri="1000"/>
+  </dgm:catLst>
+  <dgm:sampData>
+    <dgm:dataModel>
+      <dgm:ptLst>
+        <dgm:pt modelId="0" type="doc"/>
+        <dgm:pt modelId="1">
+          <dgm:prSet phldr="1"/>
+        </dgm:pt>
+        <dgm:pt modelId="11">
+          <dgm:prSet phldr="1"/>
+        </dgm:pt>
+        <dgm:pt modelId="2">
+          <dgm:prSet phldr="1"/>
+        </dgm:pt>
+        <dgm:pt modelId="21">
+          <dgm:prSet phldr="1"/>
+        </dgm:pt>
+      </dgm:ptLst>
+      <dgm:cxnLst>
+        <dgm:cxn modelId="4" srcId="0" destId="1" srcOrd="0" destOrd="0"/>
+        <dgm:cxn modelId="5" srcId="0" destId="2" srcOrd="1" destOrd="0"/>
+        <dgm:cxn modelId="12" srcId="1" destId="11" srcOrd="0" destOrd="0"/>
+        <dgm:cxn modelId="23" srcId="2" destId="21" srcOrd="0" destOrd="0"/>
+      </dgm:cxnLst>
+      <dgm:bg/>
+      <dgm:whole/>
+    </dgm:dataModel>
+  </dgm:sampData>
+  <dgm:styleData>
+    <dgm:dataModel>
+      <dgm:ptLst>
+        <dgm:pt modelId="0" type="doc"/>
+        <dgm:pt modelId="1"/>
+        <dgm:pt modelId="2"/>
+      </dgm:ptLst>
+      <dgm:cxnLst>
+        <dgm:cxn modelId="3" srcId="0" destId="1" srcOrd="0" destOrd="0"/>
+        <dgm:cxn modelId="4" srcId="0" destId="2" srcOrd="1" destOrd="0"/>
+      </dgm:cxnLst>
+      <dgm:bg/>
+      <dgm:whole/>
+    </dgm:dataModel>
+  </dgm:styleData>
+  <dgm:clrData>
+    <dgm:dataModel>
+      <dgm:ptLst>
+        <dgm:pt modelId="0" type="doc"/>
+        <dgm:pt modelId="1"/>
+        <dgm:pt modelId="2"/>
+        <dgm:pt modelId="3"/>
+        <dgm:pt modelId="4"/>
+      </dgm:ptLst>
+      <dgm:cxnLst>
+        <dgm:cxn modelId="5" srcId="0" destId="1" srcOrd="0" destOrd="0"/>
+        <dgm:cxn modelId="6" srcId="0" destId="2" srcOrd="1" destOrd="0"/>
+        <dgm:cxn modelId="7" srcId="0" destId="3" srcOrd="2" destOrd="0"/>
+        <dgm:cxn modelId="8" srcId="0" destId="4" srcOrd="3" destOrd="0"/>
+      </dgm:cxnLst>
+      <dgm:bg/>
+      <dgm:whole/>
+    </dgm:dataModel>
+  </dgm:clrData>
+  <dgm:layoutNode name="linear">
+    <dgm:varLst>
+      <dgm:animLvl val="lvl"/>
+      <dgm:resizeHandles val="exact"/>
+    </dgm:varLst>
+    <dgm:alg type="lin">
+      <dgm:param type="linDir" val="fromT"/>
+      <dgm:param type="vertAlign" val="mid"/>
+    </dgm:alg>
+    <dgm:shape xmlns:r="http://schemas.openxmlformats.org/officeDocument/2006/relationships" r:blip="">
+      <dgm:adjLst/>
+    </dgm:shape>
+    <dgm:presOf/>
+    <dgm:constrLst>
+      <dgm:constr type="w" for="ch" forName="parentText" refType="w"/>
+      <dgm:constr type="h" for="ch" forName="parentText" refType="primFontSz" refFor="ch" refForName="parentText" fact="0.52"/>
+      <dgm:constr type="w" for="ch" forName="childText" refType="w"/>
+      <dgm:constr type="h" for="ch" forName="childText" refType="primFontSz" refFor="ch" refForName="parentText" fact="0.46"/>
+      <dgm:constr type="h" for="ch" forName="parentText" op="equ"/>
+      <dgm:constr type="primFontSz" for="ch" forName="parentText" op="equ" val="65"/>
+      <dgm:constr type="primFontSz" for="ch" forName="childText" refType="primFontSz" refFor="ch" refForName="parentText" op="equ"/>
+      <dgm:constr type="h" for="ch" forName="spacer" refType="primFontSz" refFor="ch" refForName="parentText" fact="0.08"/>
+    </dgm:constrLst>
+    <dgm:ruleLst>
+      <dgm:rule type="primFontSz" for="ch" forName="parentText" val="5" fact="NaN" max="NaN"/>
+    </dgm:ruleLst>
+    <dgm:forEach name="Name0" axis="ch" ptType="node">
+      <dgm:layoutNode name="parentText" styleLbl="node1">
+        <dgm:varLst>
+          <dgm:chMax val="0"/>
+          <dgm:bulletEnabled val="1"/>
+        </dgm:varLst>
+        <dgm:alg type="tx">
+          <dgm:param type="parTxLTRAlign" val="l"/>
+          <dgm:param type="parTxRTLAlign" val="r"/>
+        </dgm:alg>
+        <dgm:shape xmlns:r="http://schemas.openxmlformats.org/officeDocument/2006/relationships" type="roundRect" r:blip="">
+          <dgm:adjLst/>
+        </dgm:shape>
+        <dgm:presOf axis="self"/>
+        <dgm:constrLst>
+          <dgm:constr type="tMarg" refType="primFontSz" fact="0.3"/>
+          <dgm:constr type="bMarg" refType="primFontSz" fact="0.3"/>
+          <dgm:constr type="lMarg" refType="primFontSz" fact="0.3"/>
+          <dgm:constr type="rMarg" refType="primFontSz" fact="0.3"/>
+        </dgm:constrLst>
+        <dgm:ruleLst>
+          <dgm:rule type="h" val="INF" fact="NaN" max="NaN"/>
+        </dgm:ruleLst>
+      </dgm:layoutNode>
+      <dgm:choose name="Name1">
+        <dgm:if name="Name2" axis="ch" ptType="node" func="cnt" op="gte" val="1">
+          <dgm:layoutNode name="childText" styleLbl="revTx">
+            <dgm:varLst>
+              <dgm:bulletEnabled val="1"/>
+            </dgm:varLst>
+            <dgm:alg type="tx">
+              <dgm:param type="stBulletLvl" val="1"/>
+              <dgm:param type="lnSpAfChP" val="20"/>
+            </dgm:alg>
+            <dgm:shape xmlns:r="http://schemas.openxmlformats.org/officeDocument/2006/relationships" type="rect" r:blip="">
+              <dgm:adjLst/>
+            </dgm:shape>
+            <dgm:presOf axis="des" ptType="node"/>
+            <dgm:constrLst>
+              <dgm:constr type="tMarg" refType="primFontSz" fact="0.1"/>
+              <dgm:constr type="bMarg" refType="primFontSz" fact="0.1"/>
+              <dgm:constr type="lMarg" refType="w" fact="0.09"/>
+            </dgm:constrLst>
+            <dgm:ruleLst>
+              <dgm:rule type="h" val="INF" fact="NaN" max="NaN"/>
+            </dgm:ruleLst>
+          </dgm:layoutNode>
+        </dgm:if>
+        <dgm:else name="Name3">
+          <dgm:choose name="Name4">
+            <dgm:if name="Name5" axis="par ch" ptType="doc node" func="cnt" op="gte" val="2">
+              <dgm:forEach name="Name6" axis="followSib" ptType="sibTrans" cnt="1">
+                <dgm:layoutNode name="spacer">
+                  <dgm:alg type="sp"/>
+                  <dgm:shape xmlns:r="http://schemas.openxmlformats.org/officeDocument/2006/relationships" r:blip="">
+                    <dgm:adjLst/>
+                  </dgm:shape>
+                  <dgm:presOf/>
+                  <dgm:constrLst/>
+                  <dgm:ruleLst/>
+                </dgm:layoutNode>
+              </dgm:forEach>
+            </dgm:if>
+            <dgm:else name="Name7"/>
+          </dgm:choose>
+        </dgm:else>
+      </dgm:choose>
+    </dgm:forEach>
+  </dgm:layoutNode>
+</dgm:layoutDef>
+</file>
+
+<file path=ppt/diagrams/quickStyle1.xml><?xml version="1.0" encoding="utf-8"?>
+<dgm:styleDef xmlns:dgm="http://schemas.openxmlformats.org/drawingml/2006/diagram" xmlns:a="http://schemas.openxmlformats.org/drawingml/2006/main" uniqueId="urn:microsoft.com/office/officeart/2005/8/quickstyle/simple1">
+  <dgm:title val=""/>
+  <dgm:desc val=""/>
+  <dgm:catLst>
+    <dgm:cat type="simple" pri="10100"/>
+  </dgm:catLst>
+  <dgm:scene3d>
+    <a:camera prst="orthographicFront"/>
+    <a:lightRig rig="threePt" dir="t"/>
+  </dgm:scene3d>
+  <dgm:styleLbl name="node0">
+    <dgm:scene3d>
+      <a:camera prst="orthographicFront"/>
+      <a:lightRig rig="threePt" dir="t"/>
+    </dgm:scene3d>
+    <dgm:sp3d/>
+    <dgm:txPr/>
+    <dgm:style>
+      <a:lnRef idx="2">
+        <a:scrgbClr r="0" g="0" b="0"/>
+      </a:lnRef>
+      <a:fillRef idx="1">
+        <a:scrgbClr r="0" g="0" b="0"/>
+      </a:fillRef>
+      <a:effectRef idx="0">
+        <a:scrgbClr r="0" g="0" b="0"/>
+      </a:effectRef>
+      <a:fontRef idx="minor">
+        <a:schemeClr val="lt1"/>
+      </a:fontRef>
+    </dgm:style>
+  </dgm:styleLbl>
+  <dgm:styleLbl name="lnNode1">
+    <dgm:scene3d>
+      <a:camera prst="orthographicFront"/>
+      <a:lightRig rig="threePt" dir="t"/>
+    </dgm:scene3d>
+    <dgm:sp3d/>
+    <dgm:txPr/>
+    <dgm:style>
+      <a:lnRef idx="2">
+        <a:scrgbClr r="0" g="0" b="0"/>
+      </a:lnRef>
+      <a:fillRef idx="1">
+        <a:scrgbClr r="0" g="0" b="0"/>
+      </a:fillRef>
+      <a:effectRef idx="0">
+        <a:scrgbClr r="0" g="0" b="0"/>
+      </a:effectRef>
+      <a:fontRef idx="minor">
+        <a:schemeClr val="lt1"/>
+      </a:fontRef>
+    </dgm:style>
+  </dgm:styleLbl>
+  <dgm:styleLbl name="vennNode1">
+    <dgm:scene3d>
+      <a:camera prst="orthographicFront"/>
+      <a:lightRig rig="threePt" dir="t"/>
+    </dgm:scene3d>
+    <dgm:sp3d/>
+    <dgm:txPr/>
+    <dgm:style>
+      <a:lnRef idx="2">
+        <a:scrgbClr r="0" g="0" b="0"/>
+      </a:lnRef>
+      <a:fillRef idx="1">
+        <a:scrgbClr r="0" g="0" b="0"/>
+      </a:fillRef>
+      <a:effectRef idx="0">
+        <a:scrgbClr r="0" g="0" b="0"/>
+      </a:effectRef>
+      <a:fontRef idx="minor">
+        <a:schemeClr val="tx1"/>
+      </a:fontRef>
+    </dgm:style>
+  </dgm:styleLbl>
+  <dgm:styleLbl name="alignNode1">
+    <dgm:scene3d>
+      <a:camera prst="orthographicFront"/>
+      <a:lightRig rig="threePt" dir="t"/>
+    </dgm:scene3d>
+    <dgm:sp3d/>
+    <dgm:txPr/>
+    <dgm:style>
+      <a:lnRef idx="2">
+        <a:scrgbClr r="0" g="0" b="0"/>
+      </a:lnRef>
+      <a:fillRef idx="1">
+        <a:scrgbClr r="0" g="0" b="0"/>
+      </a:fillRef>
+      <a:effectRef idx="0">
+        <a:scrgbClr r="0" g="0" b="0"/>
+      </a:effectRef>
+      <a:fontRef idx="minor">
+        <a:schemeClr val="lt1"/>
+      </a:fontRef>
+    </dgm:style>
+  </dgm:styleLbl>
+  <dgm:styleLbl name="node1">
+    <dgm:scene3d>
+      <a:camera prst="orthographicFront"/>
+      <a:lightRig rig="threePt" dir="t"/>
+    </dgm:scene3d>
+    <dgm:sp3d/>
+    <dgm:txPr/>
+    <dgm:style>
+      <a:lnRef idx="2">
+        <a:scrgbClr r="0" g="0" b="0"/>
+      </a:lnRef>
+      <a:fillRef idx="1">
+        <a:scrgbClr r="0" g="0" b="0"/>
+      </a:fillRef>
+      <a:effectRef idx="0">
+        <a:scrgbClr r="0" g="0" b="0"/>
+      </a:effectRef>
+      <a:fontRef idx="minor">
+        <a:schemeClr val="lt1"/>
+      </a:fontRef>
+    </dgm:style>
+  </dgm:styleLbl>
+  <dgm:styleLbl name="node2">
+    <dgm:scene3d>
+      <a:camera prst="orthographicFront"/>
+      <a:lightRig rig="threePt" dir="t"/>
+    </dgm:scene3d>
+    <dgm:sp3d/>
+    <dgm:txPr/>
+    <dgm:style>
+      <a:lnRef idx="2">
+        <a:scrgbClr r="0" g="0" b="0"/>
+      </a:lnRef>
+      <a:fillRef idx="1">
+        <a:scrgbClr r="0" g="0" b="0"/>
+      </a:fillRef>
+      <a:effectRef idx="0">
+        <a:scrgbClr r="0" g="0" b="0"/>
+      </a:effectRef>
+      <a:fontRef idx="minor">
+        <a:schemeClr val="lt1"/>
+      </a:fontRef>
+    </dgm:style>
+  </dgm:styleLbl>
+  <dgm:styleLbl name="node3">
+    <dgm:scene3d>
+      <a:camera prst="orthographicFront"/>
+      <a:lightRig rig="threePt" dir="t"/>
+    </dgm:scene3d>
+    <dgm:sp3d/>
+    <dgm:txPr/>
+    <dgm:style>
+      <a:lnRef idx="2">
+        <a:scrgbClr r="0" g="0" b="0"/>
+      </a:lnRef>
+      <a:fillRef idx="1">
+        <a:scrgbClr r="0" g="0" b="0"/>
+      </a:fillRef>
+      <a:effectRef idx="0">
+        <a:scrgbClr r="0" g="0" b="0"/>
+      </a:effectRef>
+      <a:fontRef idx="minor">
+        <a:schemeClr val="lt1"/>
+      </a:fontRef>
+    </dgm:style>
+  </dgm:styleLbl>
+  <dgm:styleLbl name="node4">
+    <dgm:scene3d>
+      <a:camera prst="orthographicFront"/>
+      <a:lightRig rig="threePt" dir="t"/>
+    </dgm:scene3d>
+    <dgm:sp3d/>
+    <dgm:txPr/>
+    <dgm:style>
+      <a:lnRef idx="2">
+        <a:scrgbClr r="0" g="0" b="0"/>
+      </a:lnRef>
+      <a:fillRef idx="1">
+        <a:scrgbClr r="0" g="0" b="0"/>
+      </a:fillRef>
+      <a:effectRef idx="0">
+        <a:scrgbClr r="0" g="0" b="0"/>
+      </a:effectRef>
+      <a:fontRef idx="minor">
+        <a:schemeClr val="lt1"/>
+      </a:fontRef>
+    </dgm:style>
+  </dgm:styleLbl>
+  <dgm:styleLbl name="fgImgPlace1">
+    <dgm:scene3d>
+      <a:camera prst="orthographicFront"/>
+      <a:lightRig rig="threePt" dir="t"/>
+    </dgm:scene3d>
+    <dgm:sp3d/>
+    <dgm:txPr/>
+    <dgm:style>
+      <a:lnRef idx="2">
+        <a:scrgbClr r="0" g="0" b="0"/>
+      </a:lnRef>
+      <a:fillRef idx="1">
+        <a:scrgbClr r="0" g="0" b="0"/>
+      </a:fillRef>
+      <a:effectRef idx="0">
+        <a:scrgbClr r="0" g="0" b="0"/>
+      </a:effectRef>
+      <a:fontRef idx="minor"/>
+    </dgm:style>
+  </dgm:styleLbl>
+  <dgm:styleLbl name="alignImgPlace1">
+    <dgm:scene3d>
+      <a:camera prst="orthographicFront"/>
+      <a:lightRig rig="threePt" dir="t"/>
+    </dgm:scene3d>
+    <dgm:sp3d/>
+    <dgm:txPr/>
+    <dgm:style>
+      <a:lnRef idx="2">
+        <a:scrgbClr r="0" g="0" b="0"/>
+      </a:lnRef>
+      <a:fillRef idx="1">
+        <a:scrgbClr r="0" g="0" b="0"/>
+      </a:fillRef>
+      <a:effectRef idx="0">
+        <a:scrgbClr r="0" g="0" b="0"/>
+      </a:effectRef>
+      <a:fontRef idx="minor"/>
+    </dgm:style>
+  </dgm:styleLbl>
+  <dgm:styleLbl name="bgImgPlace1">
+    <dgm:scene3d>
+      <a:camera prst="orthographicFront"/>
+      <a:lightRig rig="threePt" dir="t"/>
+    </dgm:scene3d>
+    <dgm:sp3d/>
+    <dgm:txPr/>
+    <dgm:style>
+      <a:lnRef idx="2">
+        <a:scrgbClr r="0" g="0" b="0"/>
+      </a:lnRef>
+      <a:fillRef idx="1">
+        <a:scrgbClr r="0" g="0" b="0"/>
+      </a:fillRef>
+      <a:effectRef idx="0">
+        <a:scrgbClr r="0" g="0" b="0"/>
+      </a:effectRef>
+      <a:fontRef idx="minor"/>
+    </dgm:style>
+  </dgm:styleLbl>
+  <dgm:styleLbl name="sibTrans2D1">
+    <dgm:scene3d>
+      <a:camera prst="orthographicFront"/>
+      <a:lightRig rig="threePt" dir="t"/>
+    </dgm:scene3d>
+    <dgm:sp3d/>
+    <dgm:txPr/>
+    <dgm:style>
+      <a:lnRef idx="0">
+        <a:scrgbClr r="0" g="0" b="0"/>
+      </a:lnRef>
+      <a:fillRef idx="1">
+        <a:scrgbClr r="0" g="0" b="0"/>
+      </a:fillRef>
+      <a:effectRef idx="0">
+        <a:scrgbClr r="0" g="0" b="0"/>
+      </a:effectRef>
+      <a:fontRef idx="minor">
+        <a:schemeClr val="lt1"/>
+      </a:fontRef>
+    </dgm:style>
+  </dgm:styleLbl>
+  <dgm:styleLbl name="fgSibTrans2D1">
+    <dgm:scene3d>
+      <a:camera prst="orthographicFront"/>
+      <a:lightRig rig="threePt" dir="t"/>
+    </dgm:scene3d>
+    <dgm:sp3d/>
+    <dgm:txPr/>
+    <dgm:style>
+      <a:lnRef idx="0">
+        <a:scrgbClr r="0" g="0" b="0"/>
+      </a:lnRef>
+      <a:fillRef idx="1">
+        <a:scrgbClr r="0" g="0" b="0"/>
+      </a:fillRef>
+      <a:effectRef idx="0">
+        <a:scrgbClr r="0" g="0" b="0"/>
+      </a:effectRef>
+      <a:fontRef idx="minor">
+        <a:schemeClr val="lt1"/>
+      </a:fontRef>
+    </dgm:style>
+  </dgm:styleLbl>
+  <dgm:styleLbl name="bgSibTrans2D1">
+    <dgm:scene3d>
+      <a:camera prst="orthographicFront"/>
+      <a:lightRig rig="threePt" dir="t"/>
+    </dgm:scene3d>
+    <dgm:sp3d/>
+    <dgm:txPr/>
+    <dgm:style>
+      <a:lnRef idx="0">
+        <a:scrgbClr r="0" g="0" b="0"/>
+      </a:lnRef>
+      <a:fillRef idx="1">
+        <a:scrgbClr r="0" g="0" b="0"/>
+      </a:fillRef>
+      <a:effectRef idx="0">
+        <a:scrgbClr r="0" g="0" b="0"/>
+      </a:effectRef>
+      <a:fontRef idx="minor">
+        <a:schemeClr val="lt1"/>
+      </a:fontRef>
+    </dgm:style>
+  </dgm:styleLbl>
+  <dgm:styleLbl name="sibTrans1D1">
+    <dgm:scene3d>
+      <a:camera prst="orthographicFront"/>
+      <a:lightRig rig="threePt" dir="t"/>
+    </dgm:scene3d>
+    <dgm:sp3d/>
+    <dgm:txPr/>
+    <dgm:style>
+      <a:lnRef idx="1">
+        <a:scrgbClr r="0" g="0" b="0"/>
+      </a:lnRef>
+      <a:fillRef idx="0">
+        <a:scrgbClr r="0" g="0" b="0"/>
+      </a:fillRef>
+      <a:effectRef idx="0">
+        <a:scrgbClr r="0" g="0" b="0"/>
+      </a:effectRef>
+      <a:fontRef idx="minor"/>
+    </dgm:style>
+  </dgm:styleLbl>
+  <dgm:styleLbl name="callout">
+    <dgm:scene3d>
+      <a:camera prst="orthographicFront"/>
+      <a:lightRig rig="threePt" dir="t"/>
+    </dgm:scene3d>
+    <dgm:sp3d/>
+    <dgm:txPr/>
+    <dgm:style>
+      <a:lnRef idx="2">
+        <a:scrgbClr r="0" g="0" b="0"/>
+      </a:lnRef>
+      <a:fillRef idx="1">
+        <a:scrgbClr r="0" g="0" b="0"/>
+      </a:fillRef>
+      <a:effectRef idx="0">
+        <a:scrgbClr r="0" g="0" b="0"/>
+      </a:effectRef>
+      <a:fontRef idx="minor"/>
+    </dgm:style>
+  </dgm:styleLbl>
+  <dgm:styleLbl name="asst0">
+    <dgm:scene3d>
+      <a:camera prst="orthographicFront"/>
+      <a:lightRig rig="threePt" dir="t"/>
+    </dgm:scene3d>
+    <dgm:sp3d/>
+    <dgm:txPr/>
+    <dgm:style>
+      <a:lnRef idx="2">
+        <a:scrgbClr r="0" g="0" b="0"/>
+      </a:lnRef>
+      <a:fillRef idx="1">
+        <a:scrgbClr r="0" g="0" b="0"/>
+      </a:fillRef>
+      <a:effectRef idx="0">
+        <a:scrgbClr r="0" g="0" b="0"/>
+      </a:effectRef>
+      <a:fontRef idx="minor">
+        <a:schemeClr val="lt1"/>
+      </a:fontRef>
+    </dgm:style>
+  </dgm:styleLbl>
+  <dgm:styleLbl name="asst1">
+    <dgm:scene3d>
+      <a:camera prst="orthographicFront"/>
+      <a:lightRig rig="threePt" dir="t"/>
+    </dgm:scene3d>
+    <dgm:sp3d/>
+    <dgm:txPr/>
+    <dgm:style>
+      <a:lnRef idx="2">
+        <a:scrgbClr r="0" g="0" b="0"/>
+      </a:lnRef>
+      <a:fillRef idx="1">
+        <a:scrgbClr r="0" g="0" b="0"/>
+      </a:fillRef>
+      <a:effectRef idx="0">
+        <a:scrgbClr r="0" g="0" b="0"/>
+      </a:effectRef>
+      <a:fontRef idx="minor">
+        <a:schemeClr val="lt1"/>
+      </a:fontRef>
+    </dgm:style>
+  </dgm:styleLbl>
+  <dgm:styleLbl name="asst2">
+    <dgm:scene3d>
+      <a:camera prst="orthographicFront"/>
+      <a:lightRig rig="threePt" dir="t"/>
+    </dgm:scene3d>
+    <dgm:sp3d/>
+    <dgm:txPr/>
+    <dgm:style>
+      <a:lnRef idx="2">
+        <a:scrgbClr r="0" g="0" b="0"/>
+      </a:lnRef>
+      <a:fillRef idx="1">
+        <a:scrgbClr r="0" g="0" b="0"/>
+      </a:fillRef>
+      <a:effectRef idx="0">
+        <a:scrgbClr r="0" g="0" b="0"/>
+      </a:effectRef>
+      <a:fontRef idx="minor">
+        <a:schemeClr val="lt1"/>
+      </a:fontRef>
+    </dgm:style>
+  </dgm:styleLbl>
+  <dgm:styleLbl name="asst3">
+    <dgm:scene3d>
+      <a:camera prst="orthographicFront"/>
+      <a:lightRig rig="threePt" dir="t"/>
+    </dgm:scene3d>
+    <dgm:sp3d/>
+    <dgm:txPr/>
+    <dgm:style>
+      <a:lnRef idx="2">
+        <a:scrgbClr r="0" g="0" b="0"/>
+      </a:lnRef>
+      <a:fillRef idx="1">
+        <a:scrgbClr r="0" g="0" b="0"/>
+      </a:fillRef>
+      <a:effectRef idx="0">
+        <a:scrgbClr r="0" g="0" b="0"/>
+      </a:effectRef>
+      <a:fontRef idx="minor">
+        <a:schemeClr val="lt1"/>
+      </a:fontRef>
+    </dgm:style>
+  </dgm:styleLbl>
+  <dgm:styleLbl name="asst4">
+    <dgm:scene3d>
+      <a:camera prst="orthographicFront"/>
+      <a:lightRig rig="threePt" dir="t"/>
+    </dgm:scene3d>
+    <dgm:sp3d/>
+    <dgm:txPr/>
+    <dgm:style>
+      <a:lnRef idx="2">
+        <a:scrgbClr r="0" g="0" b="0"/>
+      </a:lnRef>
+      <a:fillRef idx="1">
+        <a:scrgbClr r="0" g="0" b="0"/>
+      </a:fillRef>
+      <a:effectRef idx="0">
+        <a:scrgbClr r="0" g="0" b="0"/>
+      </a:effectRef>
+      <a:fontRef idx="minor">
+        <a:schemeClr val="lt1"/>
+      </a:fontRef>
+    </dgm:style>
+  </dgm:styleLbl>
+  <dgm:styleLbl name="parChTrans2D1">
+    <dgm:scene3d>
+      <a:camera prst="orthographicFront"/>
+      <a:lightRig rig="threePt" dir="t"/>
+    </dgm:scene3d>
+    <dgm:sp3d/>
+    <dgm:txPr/>
+    <dgm:style>
+      <a:lnRef idx="2">
+        <a:scrgbClr r="0" g="0" b="0"/>
+      </a:lnRef>
+      <a:fillRef idx="1">
+        <a:scrgbClr r="0" g="0" b="0"/>
+      </a:fillRef>
+      <a:effectRef idx="0">
+        <a:scrgbClr r="0" g="0" b="0"/>
+      </a:effectRef>
+      <a:fontRef idx="minor">
+        <a:schemeClr val="lt1"/>
+      </a:fontRef>
+    </dgm:style>
+  </dgm:styleLbl>
+  <dgm:styleLbl name="parChTrans2D2">
+    <dgm:scene3d>
+      <a:camera prst="orthographicFront"/>
+      <a:lightRig rig="threePt" dir="t"/>
+    </dgm:scene3d>
+    <dgm:sp3d/>
+    <dgm:txPr/>
+    <dgm:style>
+      <a:lnRef idx="2">
+        <a:scrgbClr r="0" g="0" b="0"/>
+      </a:lnRef>
+      <a:fillRef idx="1">
+        <a:scrgbClr r="0" g="0" b="0"/>
+      </a:fillRef>
+      <a:effectRef idx="0">
+        <a:scrgbClr r="0" g="0" b="0"/>
+      </a:effectRef>
+      <a:fontRef idx="minor">
+        <a:schemeClr val="lt1"/>
+      </a:fontRef>
+    </dgm:style>
+  </dgm:styleLbl>
+  <dgm:styleLbl name="parChTrans2D3">
+    <dgm:scene3d>
+      <a:camera prst="orthographicFront"/>
+      <a:lightRig rig="threePt" dir="t"/>
+    </dgm:scene3d>
+    <dgm:sp3d/>
+    <dgm:txPr/>
+    <dgm:style>
+      <a:lnRef idx="2">
+        <a:scrgbClr r="0" g="0" b="0"/>
+      </a:lnRef>
+      <a:fillRef idx="1">
+        <a:scrgbClr r="0" g="0" b="0"/>
+      </a:fillRef>
+      <a:effectRef idx="0">
+        <a:scrgbClr r="0" g="0" b="0"/>
+      </a:effectRef>
+      <a:fontRef idx="minor">
+        <a:schemeClr val="lt1"/>
+      </a:fontRef>
+    </dgm:style>
+  </dgm:styleLbl>
+  <dgm:styleLbl name="parChTrans2D4">
+    <dgm:scene3d>
+      <a:camera prst="orthographicFront"/>
+      <a:lightRig rig="threePt" dir="t"/>
+    </dgm:scene3d>
+    <dgm:sp3d/>
+    <dgm:txPr/>
+    <dgm:style>
+      <a:lnRef idx="2">
+        <a:scrgbClr r="0" g="0" b="0"/>
+      </a:lnRef>
+      <a:fillRef idx="1">
+        <a:scrgbClr r="0" g="0" b="0"/>
+      </a:fillRef>
+      <a:effectRef idx="0">
+        <a:scrgbClr r="0" g="0" b="0"/>
+      </a:effectRef>
+      <a:fontRef idx="minor">
+        <a:schemeClr val="lt1"/>
+      </a:fontRef>
+    </dgm:style>
+  </dgm:styleLbl>
+  <dgm:styleLbl name="parChTrans1D1">
+    <dgm:scene3d>
+      <a:camera prst="orthographicFront"/>
+      <a:lightRig rig="threePt" dir="t"/>
+    </dgm:scene3d>
+    <dgm:sp3d/>
+    <dgm:txPr/>
+    <dgm:style>
+      <a:lnRef idx="2">
+        <a:scrgbClr r="0" g="0" b="0"/>
+      </a:lnRef>
+      <a:fillRef idx="0">
+        <a:scrgbClr r="0" g="0" b="0"/>
+      </a:fillRef>
+      <a:effectRef idx="0">
+        <a:scrgbClr r="0" g="0" b="0"/>
+      </a:effectRef>
+      <a:fontRef idx="minor"/>
+    </dgm:style>
+  </dgm:styleLbl>
+  <dgm:styleLbl name="parChTrans1D2">
+    <dgm:scene3d>
+      <a:camera prst="orthographicFront"/>
+      <a:lightRig rig="threePt" dir="t"/>
+    </dgm:scene3d>
+    <dgm:sp3d/>
+    <dgm:txPr/>
+    <dgm:style>
+      <a:lnRef idx="2">
+        <a:scrgbClr r="0" g="0" b="0"/>
+      </a:lnRef>
+      <a:fillRef idx="0">
+        <a:scrgbClr r="0" g="0" b="0"/>
+      </a:fillRef>
+      <a:effectRef idx="0">
+        <a:scrgbClr r="0" g="0" b="0"/>
+      </a:effectRef>
+      <a:fontRef idx="minor"/>
+    </dgm:style>
+  </dgm:styleLbl>
+  <dgm:styleLbl name="parChTrans1D3">
+    <dgm:scene3d>
+      <a:camera prst="orthographicFront"/>
+      <a:lightRig rig="threePt" dir="t"/>
+    </dgm:scene3d>
+    <dgm:sp3d/>
+    <dgm:txPr/>
+    <dgm:style>
+      <a:lnRef idx="2">
+        <a:scrgbClr r="0" g="0" b="0"/>
+      </a:lnRef>
+      <a:fillRef idx="0">
+        <a:scrgbClr r="0" g="0" b="0"/>
+      </a:fillRef>
+      <a:effectRef idx="0">
+        <a:scrgbClr r="0" g="0" b="0"/>
+      </a:effectRef>
+      <a:fontRef idx="minor"/>
+    </dgm:style>
+  </dgm:styleLbl>
+  <dgm:styleLbl name="parChTrans1D4">
+    <dgm:scene3d>
+      <a:camera prst="orthographicFront"/>
+      <a:lightRig rig="threePt" dir="t"/>
+    </dgm:scene3d>
+    <dgm:sp3d/>
+    <dgm:txPr/>
+    <dgm:style>
+      <a:lnRef idx="2">
+        <a:scrgbClr r="0" g="0" b="0"/>
+      </a:lnRef>
+      <a:fillRef idx="0">
+        <a:scrgbClr r="0" g="0" b="0"/>
+      </a:fillRef>
+      <a:effectRef idx="0">
+        <a:scrgbClr r="0" g="0" b="0"/>
+      </a:effectRef>
+      <a:fontRef idx="minor"/>
+    </dgm:style>
+  </dgm:styleLbl>
+  <dgm:styleLbl name="fgAcc1">
+    <dgm:scene3d>
+      <a:camera prst="orthographicFront"/>
+      <a:lightRig rig="threePt" dir="t"/>
+    </dgm:scene3d>
+    <dgm:sp3d/>
+    <dgm:txPr/>
+    <dgm:style>
+      <a:lnRef idx="2">
+        <a:scrgbClr r="0" g="0" b="0"/>
+      </a:lnRef>
+      <a:fillRef idx="1">
+        <a:scrgbClr r="0" g="0" b="0"/>
+      </a:fillRef>
+      <a:effectRef idx="0">
+        <a:scrgbClr r="0" g="0" b="0"/>
+      </a:effectRef>
+      <a:fontRef idx="minor"/>
+    </dgm:style>
+  </dgm:styleLbl>
+  <dgm:styleLbl name="conFgAcc1">
+    <dgm:scene3d>
+      <a:camera prst="orthographicFront"/>
+      <a:lightRig rig="threePt" dir="t"/>
+    </dgm:scene3d>
+    <dgm:sp3d/>
+    <dgm:txPr/>
+    <dgm:style>
+      <a:lnRef idx="2">
+        <a:scrgbClr r="0" g="0" b="0"/>
+      </a:lnRef>
+      <a:fillRef idx="1">
+        <a:scrgbClr r="0" g="0" b="0"/>
+      </a:fillRef>
+      <a:effectRef idx="0">
+        <a:scrgbClr r="0" g="0" b="0"/>
+      </a:effectRef>
+      <a:fontRef idx="minor"/>
+    </dgm:style>
+  </dgm:styleLbl>
+  <dgm:styleLbl name="alignAcc1">
+    <dgm:scene3d>
+      <a:camera prst="orthographicFront"/>
+      <a:lightRig rig="threePt" dir="t"/>
+    </dgm:scene3d>
+    <dgm:sp3d/>
+    <dgm:txPr/>
+    <dgm:style>
+      <a:lnRef idx="2">
+        <a:scrgbClr r="0" g="0" b="0"/>
+      </a:lnRef>
+      <a:fillRef idx="1">
+        <a:scrgbClr r="0" g="0" b="0"/>
+      </a:fillRef>
+      <a:effectRef idx="0">
+        <a:scrgbClr r="0" g="0" b="0"/>
+      </a:effectRef>
+      <a:fontRef idx="minor"/>
+    </dgm:style>
+  </dgm:styleLbl>
+  <dgm:styleLbl name="trAlignAcc1">
+    <dgm:scene3d>
+      <a:camera prst="orthographicFront"/>
+      <a:lightRig rig="threePt" dir="t"/>
+    </dgm:scene3d>
+    <dgm:sp3d/>
+    <dgm:txPr/>
+    <dgm:style>
+      <a:lnRef idx="1">
+        <a:scrgbClr r="0" g="0" b="0"/>
+      </a:lnRef>
+      <a:fillRef idx="1">
+        <a:scrgbClr r="0" g="0" b="0"/>
+      </a:fillRef>
+      <a:effectRef idx="0">
+        <a:scrgbClr r="0" g="0" b="0"/>
+      </a:effectRef>
+      <a:fontRef idx="minor"/>
+    </dgm:style>
+  </dgm:styleLbl>
+  <dgm:styleLbl name="bgAcc1">
+    <dgm:scene3d>
+      <a:camera prst="orthographicFront"/>
+      <a:lightRig rig="threePt" dir="t"/>
+    </dgm:scene3d>
+    <dgm:sp3d/>
+    <dgm:txPr/>
+    <dgm:style>
+      <a:lnRef idx="2">
+        <a:scrgbClr r="0" g="0" b="0"/>
+      </a:lnRef>
+      <a:fillRef idx="1">
+        <a:scrgbClr r="0" g="0" b="0"/>
+      </a:fillRef>
+      <a:effectRef idx="0">
+        <a:scrgbClr r="0" g="0" b="0"/>
+      </a:effectRef>
+      <a:fontRef idx="minor"/>
+    </dgm:style>
+  </dgm:styleLbl>
+  <dgm:styleLbl name="solidFgAcc1">
+    <dgm:scene3d>
+      <a:camera prst="orthographicFront"/>
+      <a:lightRig rig="threePt" dir="t"/>
+    </dgm:scene3d>
+    <dgm:sp3d/>
+    <dgm:txPr/>
+    <dgm:style>
+      <a:lnRef idx="2">
+        <a:scrgbClr r="0" g="0" b="0"/>
+      </a:lnRef>
+      <a:fillRef idx="1">
+        <a:scrgbClr r="0" g="0" b="0"/>
+      </a:fillRef>
+      <a:effectRef idx="0">
+        <a:scrgbClr r="0" g="0" b="0"/>
+      </a:effectRef>
+      <a:fontRef idx="minor"/>
+    </dgm:style>
+  </dgm:styleLbl>
+  <dgm:styleLbl name="solidAlignAcc1">
+    <dgm:scene3d>
+      <a:camera prst="orthographicFront"/>
+      <a:lightRig rig="threePt" dir="t"/>
+    </dgm:scene3d>
+    <dgm:sp3d/>
+    <dgm:txPr/>
+    <dgm:style>
+      <a:lnRef idx="2">
+        <a:scrgbClr r="0" g="0" b="0"/>
+      </a:lnRef>
+      <a:fillRef idx="1">
+        <a:scrgbClr r="0" g="0" b="0"/>
+      </a:fillRef>
+      <a:effectRef idx="0">
+        <a:scrgbClr r="0" g="0" b="0"/>
+      </a:effectRef>
+      <a:fontRef idx="minor"/>
+    </dgm:style>
+  </dgm:styleLbl>
+  <dgm:styleLbl name="solidBgAcc1">
+    <dgm:scene3d>
+      <a:camera prst="orthographicFront"/>
+      <a:lightRig rig="threePt" dir="t"/>
+    </dgm:scene3d>
+    <dgm:sp3d/>
+    <dgm:txPr/>
+    <dgm:style>
+      <a:lnRef idx="2">
+        <a:scrgbClr r="0" g="0" b="0"/>
+      </a:lnRef>
+      <a:fillRef idx="1">
+        <a:scrgbClr r="0" g="0" b="0"/>
+      </a:fillRef>
+      <a:effectRef idx="0">
+        <a:scrgbClr r="0" g="0" b="0"/>
+      </a:effectRef>
+      <a:fontRef idx="minor"/>
+    </dgm:style>
+  </dgm:styleLbl>
+  <dgm:styleLbl name="fgAccFollowNode1">
+    <dgm:scene3d>
+      <a:camera prst="orthographicFront"/>
+      <a:lightRig rig="threePt" dir="t"/>
+    </dgm:scene3d>
+    <dgm:sp3d/>
+    <dgm:txPr/>
+    <dgm:style>
+      <a:lnRef idx="2">
+        <a:scrgbClr r="0" g="0" b="0"/>
+      </a:lnRef>
+      <a:fillRef idx="1">
+        <a:scrgbClr r="0" g="0" b="0"/>
+      </a:fillRef>
+      <a:effectRef idx="0">
+        <a:scrgbClr r="0" g="0" b="0"/>
+      </a:effectRef>
+      <a:fontRef idx="minor"/>
+    </dgm:style>
+  </dgm:styleLbl>
+  <dgm:styleLbl name="alignAccFollowNode1">
+    <dgm:scene3d>
+      <a:camera prst="orthographicFront"/>
+      <a:lightRig rig="threePt" dir="t"/>
+    </dgm:scene3d>
+    <dgm:sp3d/>
+    <dgm:txPr/>
+    <dgm:style>
+      <a:lnRef idx="2">
+        <a:scrgbClr r="0" g="0" b="0"/>
+      </a:lnRef>
+      <a:fillRef idx="1">
+        <a:scrgbClr r="0" g="0" b="0"/>
+      </a:fillRef>
+      <a:effectRef idx="0">
+        <a:scrgbClr r="0" g="0" b="0"/>
+      </a:effectRef>
+      <a:fontRef idx="minor"/>
+    </dgm:style>
+  </dgm:styleLbl>
+  <dgm:styleLbl name="bgAccFollowNode1">
+    <dgm:scene3d>
+      <a:camera prst="orthographicFront"/>
+      <a:lightRig rig="threePt" dir="t"/>
+    </dgm:scene3d>
+    <dgm:sp3d/>
+    <dgm:txPr/>
+    <dgm:style>
+      <a:lnRef idx="2">
+        <a:scrgbClr r="0" g="0" b="0"/>
+      </a:lnRef>
+      <a:fillRef idx="1">
+        <a:scrgbClr r="0" g="0" b="0"/>
+      </a:fillRef>
+      <a:effectRef idx="0">
+        <a:scrgbClr r="0" g="0" b="0"/>
+      </a:effectRef>
+      <a:fontRef idx="minor"/>
+    </dgm:style>
+  </dgm:styleLbl>
+  <dgm:styleLbl name="fgAcc0">
+    <dgm:scene3d>
+      <a:camera prst="orthographicFront"/>
+      <a:lightRig rig="threePt" dir="t"/>
+    </dgm:scene3d>
+    <dgm:sp3d/>
+    <dgm:txPr/>
+    <dgm:style>
+      <a:lnRef idx="2">
+        <a:scrgbClr r="0" g="0" b="0"/>
+      </a:lnRef>
+      <a:fillRef idx="1">
+        <a:scrgbClr r="0" g="0" b="0"/>
+      </a:fillRef>
+      <a:effectRef idx="0">
+        <a:scrgbClr r="0" g="0" b="0"/>
+      </a:effectRef>
+      <a:fontRef idx="minor"/>
+    </dgm:style>
+  </dgm:styleLbl>
+  <dgm:styleLbl name="fgAcc2">
+    <dgm:scene3d>
+      <a:camera prst="orthographicFront"/>
+      <a:lightRig rig="threePt" dir="t"/>
+    </dgm:scene3d>
+    <dgm:sp3d/>
+    <dgm:txPr/>
+    <dgm:style>
+      <a:lnRef idx="2">
+        <a:scrgbClr r="0" g="0" b="0"/>
+      </a:lnRef>
+      <a:fillRef idx="1">
+        <a:scrgbClr r="0" g="0" b="0"/>
+      </a:fillRef>
+      <a:effectRef idx="0">
+        <a:scrgbClr r="0" g="0" b="0"/>
+      </a:effectRef>
+      <a:fontRef idx="minor"/>
+    </dgm:style>
+  </dgm:styleLbl>
+  <dgm:styleLbl name="fgAcc3">
+    <dgm:scene3d>
+      <a:camera prst="orthographicFront"/>
+      <a:lightRig rig="threePt" dir="t"/>
+    </dgm:scene3d>
+    <dgm:sp3d/>
+    <dgm:txPr/>
+    <dgm:style>
+      <a:lnRef idx="2">
+        <a:scrgbClr r="0" g="0" b="0"/>
+      </a:lnRef>
+      <a:fillRef idx="1">
+        <a:scrgbClr r="0" g="0" b="0"/>
+      </a:fillRef>
+      <a:effectRef idx="0">
+        <a:scrgbClr r="0" g="0" b="0"/>
+      </a:effectRef>
+      <a:fontRef idx="minor"/>
+    </dgm:style>
+  </dgm:styleLbl>
+  <dgm:styleLbl name="fgAcc4">
+    <dgm:scene3d>
+      <a:camera prst="orthographicFront"/>
+      <a:lightRig rig="threePt" dir="t"/>
+    </dgm:scene3d>
+    <dgm:sp3d/>
+    <dgm:txPr/>
+    <dgm:style>
+      <a:lnRef idx="2">
+        <a:scrgbClr r="0" g="0" b="0"/>
+      </a:lnRef>
+      <a:fillRef idx="1">
+        <a:scrgbClr r="0" g="0" b="0"/>
+      </a:fillRef>
+      <a:effectRef idx="0">
+        <a:scrgbClr r="0" g="0" b="0"/>
+      </a:effectRef>
+      <a:fontRef idx="minor"/>
+    </dgm:style>
+  </dgm:styleLbl>
+  <dgm:styleLbl name="bgShp">
+    <dgm:scene3d>
+      <a:camera prst="orthographicFront"/>
+      <a:lightRig rig="threePt" dir="t"/>
+    </dgm:scene3d>
+    <dgm:sp3d/>
+    <dgm:txPr/>
+    <dgm:style>
+      <a:lnRef idx="0">
+        <a:scrgbClr r="0" g="0" b="0"/>
+      </a:lnRef>
+      <a:fillRef idx="1">
+        <a:scrgbClr r="0" g="0" b="0"/>
+      </a:fillRef>
+      <a:effectRef idx="0">
+        <a:scrgbClr r="0" g="0" b="0"/>
+      </a:effectRef>
+      <a:fontRef idx="minor"/>
+    </dgm:style>
+  </dgm:styleLbl>
+  <dgm:styleLbl name="dkBgShp">
+    <dgm:scene3d>
+      <a:camera prst="orthographicFront"/>
+      <a:lightRig rig="threePt" dir="t"/>
+    </dgm:scene3d>
+    <dgm:sp3d/>
+    <dgm:txPr/>
+    <dgm:style>
+      <a:lnRef idx="0">
+        <a:scrgbClr r="0" g="0" b="0"/>
+      </a:lnRef>
+      <a:fillRef idx="1">
+        <a:scrgbClr r="0" g="0" b="0"/>
+      </a:fillRef>
+      <a:effectRef idx="0">
+        <a:scrgbClr r="0" g="0" b="0"/>
+      </a:effectRef>
+      <a:fontRef idx="minor"/>
+    </dgm:style>
+  </dgm:styleLbl>
+  <dgm:styleLbl name="trBgShp">
+    <dgm:scene3d>
+      <a:camera prst="orthographicFront"/>
+      <a:lightRig rig="threePt" dir="t"/>
+    </dgm:scene3d>
+    <dgm:sp3d/>
+    <dgm:txPr/>
+    <dgm:style>
+      <a:lnRef idx="0">
+        <a:scrgbClr r="0" g="0" b="0"/>
+      </a:lnRef>
+      <a:fillRef idx="1">
+        <a:scrgbClr r="0" g="0" b="0"/>
+      </a:fillRef>
+      <a:effectRef idx="0">
+        <a:scrgbClr r="0" g="0" b="0"/>
+      </a:effectRef>
+      <a:fontRef idx="minor"/>
+    </dgm:style>
+  </dgm:styleLbl>
+  <dgm:styleLbl name="fgShp">
+    <dgm:scene3d>
+      <a:camera prst="orthographicFront"/>
+      <a:lightRig rig="threePt" dir="t"/>
+    </dgm:scene3d>
+    <dgm:sp3d/>
+    <dgm:txPr/>
+    <dgm:style>
+      <a:lnRef idx="2">
+        <a:scrgbClr r="0" g="0" b="0"/>
+      </a:lnRef>
+      <a:fillRef idx="1">
+        <a:scrgbClr r="0" g="0" b="0"/>
+      </a:fillRef>
+      <a:effectRef idx="0">
+        <a:scrgbClr r="0" g="0" b="0"/>
+      </a:effectRef>
+      <a:fontRef idx="minor"/>
+    </dgm:style>
+  </dgm:styleLbl>
+  <dgm:styleLbl name="revTx">
+    <dgm:scene3d>
+      <a:camera prst="orthographicFront"/>
+      <a:lightRig rig="threePt" dir="t"/>
+    </dgm:scene3d>
+    <dgm:sp3d/>
+    <dgm:txPr/>
+    <dgm:style>
+      <a:lnRef idx="0">
+        <a:scrgbClr r="0" g="0" b="0"/>
+      </a:lnRef>
+      <a:fillRef idx="0">
+        <a:scrgbClr r="0" g="0" b="0"/>
+      </a:fillRef>
+      <a:effectRef idx="0">
+        <a:scrgbClr r="0" g="0" b="0"/>
+      </a:effectRef>
+      <a:fontRef idx="minor"/>
+    </dgm:style>
+  </dgm:styleLbl>
+</dgm:styleDef>
+</file>
+
 <file path=ppt/notesMasters/notesMaster1.xml><?xml version="1.0" encoding="utf-8"?>
 <p:notesMaster xmlns:a="http://schemas.openxmlformats.org/drawingml/2006/main" xmlns:r="http://schemas.openxmlformats.org/officeDocument/2006/relationships" xmlns:p="http://schemas.openxmlformats.org/presentationml/2006/main">
   <p:cSld>
@@ -1421,7 +4269,7 @@
           <a:p>
             <a:fld id="{9E418AF7-6E72-4403-B085-4589D1110134}" type="datetimeFigureOut">
               <a:rPr lang="en-CA" smtClean="0"/>
-              <a:t>2024-01-23</a:t>
+              <a:t>2024-01-25</a:t>
             </a:fld>
             <a:endParaRPr lang="en-CA"/>
           </a:p>
@@ -1836,7 +4684,7 @@
           <a:p>
             <a:fld id="{D64C250B-3F0E-4970-9318-C9D7D394820E}" type="datetime1">
               <a:rPr lang="en-US" smtClean="0"/>
-              <a:t>1/23/2024</a:t>
+              <a:t>1/25/2024</a:t>
             </a:fld>
             <a:endParaRPr lang="en-US" dirty="0"/>
           </a:p>
@@ -2251,7 +5099,7 @@
           <a:p>
             <a:fld id="{7ED2D475-D7C3-4D53-A451-04FF36E3C7CA}" type="datetime1">
               <a:rPr lang="en-US" smtClean="0"/>
-              <a:t>1/23/2024</a:t>
+              <a:t>1/25/2024</a:t>
             </a:fld>
             <a:endParaRPr lang="en-US"/>
           </a:p>
@@ -2743,7 +5591,7 @@
           <a:p>
             <a:fld id="{B13D53CE-B973-4FCF-BB6D-73B61285C9EE}" type="datetime1">
               <a:rPr lang="en-US" smtClean="0"/>
-              <a:t>1/23/2024</a:t>
+              <a:t>1/25/2024</a:t>
             </a:fld>
             <a:endParaRPr lang="en-US"/>
           </a:p>
@@ -3230,7 +6078,7 @@
           <a:p>
             <a:fld id="{6F168777-EDFC-4AB3-A960-739B6325059F}" type="datetime1">
               <a:rPr lang="en-US" smtClean="0"/>
-              <a:t>1/23/2024</a:t>
+              <a:t>1/25/2024</a:t>
             </a:fld>
             <a:endParaRPr lang="en-US" dirty="0"/>
           </a:p>
@@ -3999,7 +6847,7 @@
           <a:p>
             <a:fld id="{4D320339-89DE-45C9-8EA6-5855C5BC4EC8}" type="datetime1">
               <a:rPr lang="en-US" smtClean="0"/>
-              <a:t>1/23/2024</a:t>
+              <a:t>1/25/2024</a:t>
             </a:fld>
             <a:endParaRPr lang="en-US"/>
           </a:p>
@@ -4481,7 +7329,7 @@
           <a:p>
             <a:fld id="{D97A0DFF-DDA9-437C-A4F4-5DF1C7108CDC}" type="datetime1">
               <a:rPr lang="en-US" smtClean="0"/>
-              <a:t>1/23/2024</a:t>
+              <a:t>1/25/2024</a:t>
             </a:fld>
             <a:endParaRPr lang="en-US"/>
           </a:p>
@@ -5177,7 +8025,7 @@
           <a:p>
             <a:fld id="{673E6A36-CFDC-4F59-94D9-5938EA3FFC22}" type="datetime1">
               <a:rPr lang="en-US" smtClean="0"/>
-              <a:t>1/23/2024</a:t>
+              <a:t>1/25/2024</a:t>
             </a:fld>
             <a:endParaRPr lang="en-US"/>
           </a:p>
@@ -5602,7 +8450,7 @@
           <a:p>
             <a:fld id="{585D03DC-4143-495E-82F1-B947FE3989AD}" type="datetime1">
               <a:rPr lang="en-US" smtClean="0"/>
-              <a:t>1/23/2024</a:t>
+              <a:t>1/25/2024</a:t>
             </a:fld>
             <a:endParaRPr lang="en-US"/>
           </a:p>
@@ -5999,7 +8847,7 @@
           <a:p>
             <a:fld id="{933DFF73-74E1-4718-A7DF-CE04E8339893}" type="datetime1">
               <a:rPr lang="en-US" smtClean="0"/>
-              <a:t>1/23/2024</a:t>
+              <a:t>1/25/2024</a:t>
             </a:fld>
             <a:endParaRPr lang="en-US"/>
           </a:p>
@@ -6594,7 +9442,7 @@
           <a:p>
             <a:fld id="{4EB71C7E-24B9-48A5-BD1A-C92D07E70F00}" type="datetime1">
               <a:rPr lang="en-US" smtClean="0"/>
-              <a:t>1/23/2024</a:t>
+              <a:t>1/25/2024</a:t>
             </a:fld>
             <a:endParaRPr lang="en-US"/>
           </a:p>
@@ -7169,7 +10017,7 @@
           <a:p>
             <a:fld id="{2E0181FF-DCB4-4A8B-8A91-9A9A7438884D}" type="datetime1">
               <a:rPr lang="en-US" smtClean="0"/>
-              <a:t>1/23/2024</a:t>
+              <a:t>1/25/2024</a:t>
             </a:fld>
             <a:endParaRPr lang="en-US"/>
           </a:p>
@@ -7695,7 +10543,7 @@
           <a:p>
             <a:fld id="{69064C32-6B48-4F37-8ABD-2C75CE9DDDEF}" type="datetime1">
               <a:rPr lang="en-US" smtClean="0"/>
-              <a:t>1/23/2024</a:t>
+              <a:t>1/25/2024</a:t>
             </a:fld>
             <a:endParaRPr lang="en-US" dirty="0"/>
           </a:p>
@@ -11962,7 +14810,7 @@
         </p:blipFill>
         <p:spPr>
           <a:xfrm>
-            <a:off x="315563" y="2343157"/>
+            <a:off x="315565" y="3247983"/>
             <a:ext cx="5780435" cy="2171685"/>
           </a:xfrm>
           <a:prstGeom prst="rect">
@@ -11992,7 +14840,7 @@
         </p:blipFill>
         <p:spPr>
           <a:xfrm>
-            <a:off x="1526120" y="1690688"/>
+            <a:off x="1499475" y="2627843"/>
             <a:ext cx="3359323" cy="1022403"/>
           </a:xfrm>
           <a:prstGeom prst="rect">
@@ -12024,7 +14872,7 @@
         </p:blipFill>
         <p:spPr>
           <a:xfrm>
-            <a:off x="6642993" y="2146700"/>
+            <a:off x="6502069" y="3277310"/>
             <a:ext cx="5374366" cy="655018"/>
           </a:xfrm>
         </p:spPr>
@@ -12043,7 +14891,7 @@
         </p:nvGrpSpPr>
         <p:grpSpPr>
           <a:xfrm>
-            <a:off x="6642993" y="2902073"/>
+            <a:off x="6502069" y="4032683"/>
             <a:ext cx="5374366" cy="655018"/>
             <a:chOff x="6642993" y="2902073"/>
             <a:chExt cx="5374366" cy="655018"/>
@@ -12132,7 +14980,7 @@
         </p:blipFill>
         <p:spPr>
           <a:xfrm>
-            <a:off x="7378490" y="3862897"/>
+            <a:off x="7237566" y="4993507"/>
             <a:ext cx="3572229" cy="852321"/>
           </a:xfrm>
           <a:prstGeom prst="rect">
@@ -12162,7 +15010,7 @@
         </p:blipFill>
         <p:spPr>
           <a:xfrm>
-            <a:off x="7759061" y="1496484"/>
+            <a:off x="7618137" y="2605243"/>
             <a:ext cx="2811086" cy="519164"/>
           </a:xfrm>
           <a:prstGeom prst="rect">
@@ -12170,6 +15018,98 @@
           </a:prstGeom>
         </p:spPr>
       </p:pic>
+      <p:sp>
+        <p:nvSpPr>
+          <p:cNvPr id="4" name="TextBox 3">
+            <a:extLst>
+              <a:ext uri="{FF2B5EF4-FFF2-40B4-BE49-F238E27FC236}">
+                <a16:creationId xmlns:a16="http://schemas.microsoft.com/office/drawing/2014/main" id="{879D1B30-BABA-4E25-8DC7-414D66E57876}"/>
+              </a:ext>
+            </a:extLst>
+          </p:cNvPr>
+          <p:cNvSpPr txBox="1"/>
+          <p:nvPr/>
+        </p:nvSpPr>
+        <p:spPr>
+          <a:xfrm>
+            <a:off x="838200" y="1301744"/>
+            <a:ext cx="4256314" cy="1200329"/>
+          </a:xfrm>
+          <a:prstGeom prst="rect">
+            <a:avLst/>
+          </a:prstGeom>
+          <a:noFill/>
+        </p:spPr>
+        <p:txBody>
+          <a:bodyPr wrap="square" rtlCol="0">
+            <a:spAutoFit/>
+          </a:bodyPr>
+          <a:lstStyle/>
+          <a:p>
+            <a:pPr algn="ctr"/>
+            <a:r>
+              <a:rPr lang="en-CA" dirty="0"/>
+              <a:t>Log-Likelihood Function with sigmoid function used as basis for the predicted value (label)</a:t>
+            </a:r>
+          </a:p>
+          <a:p>
+            <a:pPr algn="ctr"/>
+            <a:r>
+              <a:rPr lang="en-CA" dirty="0"/>
+              <a:t>x</a:t>
+            </a:r>
+            <a:r>
+              <a:rPr lang="en-CA"/>
+              <a:t> </a:t>
+            </a:r>
+            <a:r>
+              <a:rPr lang="en-CA" dirty="0"/>
+              <a:t>is the input data in </a:t>
+            </a:r>
+            <a:r>
+              <a:rPr lang="en-CA"/>
+              <a:t>these equations</a:t>
+            </a:r>
+            <a:endParaRPr lang="en-CA" dirty="0"/>
+          </a:p>
+        </p:txBody>
+      </p:sp>
+      <p:sp>
+        <p:nvSpPr>
+          <p:cNvPr id="10" name="TextBox 9">
+            <a:extLst>
+              <a:ext uri="{FF2B5EF4-FFF2-40B4-BE49-F238E27FC236}">
+                <a16:creationId xmlns:a16="http://schemas.microsoft.com/office/drawing/2014/main" id="{F2FFC939-605E-CFC2-B711-0B24C4C1DF3D}"/>
+              </a:ext>
+            </a:extLst>
+          </p:cNvPr>
+          <p:cNvSpPr txBox="1"/>
+          <p:nvPr/>
+        </p:nvSpPr>
+        <p:spPr>
+          <a:xfrm>
+            <a:off x="5758542" y="1519114"/>
+            <a:ext cx="5976257" cy="923330"/>
+          </a:xfrm>
+          <a:prstGeom prst="rect">
+            <a:avLst/>
+          </a:prstGeom>
+          <a:noFill/>
+        </p:spPr>
+        <p:txBody>
+          <a:bodyPr wrap="square" rtlCol="0">
+            <a:spAutoFit/>
+          </a:bodyPr>
+          <a:lstStyle/>
+          <a:p>
+            <a:pPr algn="ctr"/>
+            <a:r>
+              <a:rPr lang="en-CA" dirty="0"/>
+              <a:t>Predicted value sigmoid made up of weights &amp; biases. Compute the gradient to train these weights and biases to be more accurate for predictions</a:t>
+            </a:r>
+          </a:p>
+        </p:txBody>
+      </p:sp>
     </p:spTree>
     <p:extLst>
       <p:ext uri="{BB962C8B-B14F-4D97-AF65-F5344CB8AC3E}">
@@ -12308,7 +15248,7 @@
         </p:blipFill>
         <p:spPr>
           <a:xfrm>
-            <a:off x="1124639" y="3628419"/>
+            <a:off x="1353239" y="4162174"/>
             <a:ext cx="3572229" cy="852321"/>
           </a:xfrm>
           <a:prstGeom prst="rect">
@@ -12338,7 +15278,7 @@
         </p:blipFill>
         <p:spPr>
           <a:xfrm>
-            <a:off x="308294" y="1791454"/>
+            <a:off x="536894" y="2325209"/>
             <a:ext cx="5374366" cy="655018"/>
           </a:xfrm>
           <a:prstGeom prst="rect">
@@ -12360,7 +15300,7 @@
         </p:nvGrpSpPr>
         <p:grpSpPr>
           <a:xfrm>
-            <a:off x="308294" y="2574564"/>
+            <a:off x="536894" y="3108319"/>
             <a:ext cx="5374366" cy="655018"/>
             <a:chOff x="6642993" y="2902073"/>
             <a:chExt cx="5374366" cy="655018"/>
@@ -12479,38 +15419,8 @@
         </p:blipFill>
         <p:spPr>
           <a:xfrm>
-            <a:off x="1589934" y="1332454"/>
+            <a:off x="1818534" y="1866209"/>
             <a:ext cx="2811086" cy="519164"/>
-          </a:xfrm>
-          <a:prstGeom prst="rect">
-            <a:avLst/>
-          </a:prstGeom>
-        </p:spPr>
-      </p:pic>
-      <p:pic>
-        <p:nvPicPr>
-          <p:cNvPr id="21" name="Picture 20">
-            <a:extLst>
-              <a:ext uri="{FF2B5EF4-FFF2-40B4-BE49-F238E27FC236}">
-                <a16:creationId xmlns:a16="http://schemas.microsoft.com/office/drawing/2014/main" id="{22BCAE72-C73D-9A1B-AD54-EF4BE002B961}"/>
-              </a:ext>
-            </a:extLst>
-          </p:cNvPr>
-          <p:cNvPicPr>
-            <a:picLocks noChangeAspect="1"/>
-          </p:cNvPicPr>
-          <p:nvPr/>
-        </p:nvPicPr>
-        <p:blipFill>
-          <a:blip r:embed="rId7"/>
-          <a:stretch>
-            <a:fillRect/>
-          </a:stretch>
-        </p:blipFill>
-        <p:spPr>
-          <a:xfrm>
-            <a:off x="7661291" y="2896280"/>
-            <a:ext cx="3406070" cy="666604"/>
           </a:xfrm>
           <a:prstGeom prst="rect">
             <a:avLst/>
@@ -12531,7 +15441,7 @@
         </p:nvGrpSpPr>
         <p:grpSpPr>
           <a:xfrm>
-            <a:off x="7738410" y="3812386"/>
+            <a:off x="7738410" y="2128763"/>
             <a:ext cx="2883212" cy="543263"/>
             <a:chOff x="7621815" y="3157368"/>
             <a:chExt cx="2883212" cy="543263"/>
@@ -12552,7 +15462,7 @@
             <p:nvPr/>
           </p:nvPicPr>
           <p:blipFill>
-            <a:blip r:embed="rId8"/>
+            <a:blip r:embed="rId7"/>
             <a:stretch>
               <a:fillRect/>
             </a:stretch>
@@ -12611,6 +15521,210 @@
           </p:txBody>
         </p:sp>
       </p:grpSp>
+      <p:sp>
+        <p:nvSpPr>
+          <p:cNvPr id="7" name="TextBox 6">
+            <a:extLst>
+              <a:ext uri="{FF2B5EF4-FFF2-40B4-BE49-F238E27FC236}">
+                <a16:creationId xmlns:a16="http://schemas.microsoft.com/office/drawing/2014/main" id="{22456EFC-985E-970A-C327-2EB845063E37}"/>
+              </a:ext>
+            </a:extLst>
+          </p:cNvPr>
+          <p:cNvSpPr txBox="1"/>
+          <p:nvPr/>
+        </p:nvSpPr>
+        <p:spPr>
+          <a:xfrm>
+            <a:off x="213203" y="1154408"/>
+            <a:ext cx="5976257" cy="646331"/>
+          </a:xfrm>
+          <a:prstGeom prst="rect">
+            <a:avLst/>
+          </a:prstGeom>
+          <a:noFill/>
+        </p:spPr>
+        <p:txBody>
+          <a:bodyPr wrap="square" rtlCol="0">
+            <a:spAutoFit/>
+          </a:bodyPr>
+          <a:lstStyle/>
+          <a:p>
+            <a:pPr algn="ctr"/>
+            <a:r>
+              <a:rPr lang="en-CA" dirty="0"/>
+              <a:t>Math for the predicted weights &amp; biases can be simplified using identities of sigmoid function</a:t>
+            </a:r>
+          </a:p>
+        </p:txBody>
+      </p:sp>
+      <p:pic>
+        <p:nvPicPr>
+          <p:cNvPr id="12" name="Picture 11">
+            <a:extLst>
+              <a:ext uri="{FF2B5EF4-FFF2-40B4-BE49-F238E27FC236}">
+                <a16:creationId xmlns:a16="http://schemas.microsoft.com/office/drawing/2014/main" id="{DF53D8E0-B665-2D4A-348D-B47AFE9708C9}"/>
+              </a:ext>
+            </a:extLst>
+          </p:cNvPr>
+          <p:cNvPicPr>
+            <a:picLocks noChangeAspect="1"/>
+          </p:cNvPicPr>
+          <p:nvPr/>
+        </p:nvPicPr>
+        <p:blipFill>
+          <a:blip r:embed="rId8"/>
+          <a:stretch>
+            <a:fillRect/>
+          </a:stretch>
+        </p:blipFill>
+        <p:spPr>
+          <a:xfrm>
+            <a:off x="7692510" y="1601406"/>
+            <a:ext cx="3406070" cy="666604"/>
+          </a:xfrm>
+          <a:prstGeom prst="rect">
+            <a:avLst/>
+          </a:prstGeom>
+        </p:spPr>
+      </p:pic>
+      <p:sp>
+        <p:nvSpPr>
+          <p:cNvPr id="13" name="TextBox 12">
+            <a:extLst>
+              <a:ext uri="{FF2B5EF4-FFF2-40B4-BE49-F238E27FC236}">
+                <a16:creationId xmlns:a16="http://schemas.microsoft.com/office/drawing/2014/main" id="{E43FED9A-2A92-4571-1C1C-6656F34985C2}"/>
+              </a:ext>
+            </a:extLst>
+          </p:cNvPr>
+          <p:cNvSpPr txBox="1"/>
+          <p:nvPr/>
+        </p:nvSpPr>
+        <p:spPr>
+          <a:xfrm>
+            <a:off x="6059220" y="1183167"/>
+            <a:ext cx="5976257" cy="369332"/>
+          </a:xfrm>
+          <a:prstGeom prst="rect">
+            <a:avLst/>
+          </a:prstGeom>
+          <a:noFill/>
+        </p:spPr>
+        <p:txBody>
+          <a:bodyPr wrap="square" rtlCol="0">
+            <a:spAutoFit/>
+          </a:bodyPr>
+          <a:lstStyle/>
+          <a:p>
+            <a:pPr algn="ctr"/>
+            <a:r>
+              <a:rPr lang="en-CA" dirty="0"/>
+              <a:t>The gradient calculations simplify to:</a:t>
+            </a:r>
+          </a:p>
+        </p:txBody>
+      </p:sp>
+      <p:pic>
+        <p:nvPicPr>
+          <p:cNvPr id="15" name="Picture 14">
+            <a:extLst>
+              <a:ext uri="{FF2B5EF4-FFF2-40B4-BE49-F238E27FC236}">
+                <a16:creationId xmlns:a16="http://schemas.microsoft.com/office/drawing/2014/main" id="{852CFD5C-D134-1217-A844-D8C319D5B4D9}"/>
+              </a:ext>
+            </a:extLst>
+          </p:cNvPr>
+          <p:cNvPicPr>
+            <a:picLocks noChangeAspect="1"/>
+          </p:cNvPicPr>
+          <p:nvPr/>
+        </p:nvPicPr>
+        <p:blipFill>
+          <a:blip r:embed="rId9"/>
+          <a:stretch>
+            <a:fillRect/>
+          </a:stretch>
+        </p:blipFill>
+        <p:spPr>
+          <a:xfrm>
+            <a:off x="6724823" y="3105145"/>
+            <a:ext cx="4831132" cy="1259263"/>
+          </a:xfrm>
+          <a:prstGeom prst="rect">
+            <a:avLst/>
+          </a:prstGeom>
+        </p:spPr>
+      </p:pic>
+      <p:sp>
+        <p:nvSpPr>
+          <p:cNvPr id="16" name="TextBox 15">
+            <a:extLst>
+              <a:ext uri="{FF2B5EF4-FFF2-40B4-BE49-F238E27FC236}">
+                <a16:creationId xmlns:a16="http://schemas.microsoft.com/office/drawing/2014/main" id="{EED00A11-2962-E5ED-5BC0-9866E16ACA9D}"/>
+              </a:ext>
+            </a:extLst>
+          </p:cNvPr>
+          <p:cNvSpPr txBox="1"/>
+          <p:nvPr/>
+        </p:nvSpPr>
+        <p:spPr>
+          <a:xfrm>
+            <a:off x="5911260" y="2663725"/>
+            <a:ext cx="5976257" cy="369332"/>
+          </a:xfrm>
+          <a:prstGeom prst="rect">
+            <a:avLst/>
+          </a:prstGeom>
+          <a:noFill/>
+        </p:spPr>
+        <p:txBody>
+          <a:bodyPr wrap="square" rtlCol="0">
+            <a:spAutoFit/>
+          </a:bodyPr>
+          <a:lstStyle/>
+          <a:p>
+            <a:pPr algn="ctr"/>
+            <a:r>
+              <a:rPr lang="en-CA" dirty="0"/>
+              <a:t>Training is then executed as:</a:t>
+            </a:r>
+          </a:p>
+        </p:txBody>
+      </p:sp>
+      <p:sp>
+        <p:nvSpPr>
+          <p:cNvPr id="20" name="TextBox 19">
+            <a:extLst>
+              <a:ext uri="{FF2B5EF4-FFF2-40B4-BE49-F238E27FC236}">
+                <a16:creationId xmlns:a16="http://schemas.microsoft.com/office/drawing/2014/main" id="{83EB794A-CC3C-62A8-A283-6C146460011C}"/>
+              </a:ext>
+            </a:extLst>
+          </p:cNvPr>
+          <p:cNvSpPr txBox="1"/>
+          <p:nvPr/>
+        </p:nvSpPr>
+        <p:spPr>
+          <a:xfrm>
+            <a:off x="5911260" y="4479019"/>
+            <a:ext cx="5976257" cy="646331"/>
+          </a:xfrm>
+          <a:prstGeom prst="rect">
+            <a:avLst/>
+          </a:prstGeom>
+          <a:noFill/>
+        </p:spPr>
+        <p:txBody>
+          <a:bodyPr wrap="square" rtlCol="0">
+            <a:spAutoFit/>
+          </a:bodyPr>
+          <a:lstStyle/>
+          <a:p>
+            <a:pPr algn="ctr"/>
+            <a:r>
+              <a:rPr lang="en-CA" dirty="0"/>
+              <a:t>And the LLF is tested after every training round to test with the updated variables.</a:t>
+            </a:r>
+          </a:p>
+        </p:txBody>
+      </p:sp>
     </p:spTree>
     <p:extLst>
       <p:ext uri="{BB962C8B-B14F-4D97-AF65-F5344CB8AC3E}">
@@ -12669,31 +15783,32 @@
           </a:p>
         </p:txBody>
       </p:sp>
-      <p:sp>
-        <p:nvSpPr>
-          <p:cNvPr id="3" name="Content Placeholder 2">
+      <p:graphicFrame>
+        <p:nvGraphicFramePr>
+          <p:cNvPr id="7" name="Content Placeholder 2">
             <a:extLst>
               <a:ext uri="{FF2B5EF4-FFF2-40B4-BE49-F238E27FC236}">
-                <a16:creationId xmlns:a16="http://schemas.microsoft.com/office/drawing/2014/main" id="{4F91F226-354F-27D2-1914-C5773798C0F9}"/>
+                <a16:creationId xmlns:a16="http://schemas.microsoft.com/office/drawing/2014/main" id="{F2613A3F-76FA-8E25-8998-F841CA6DA03F}"/>
               </a:ext>
             </a:extLst>
           </p:cNvPr>
-          <p:cNvSpPr>
-            <a:spLocks noGrp="1"/>
-          </p:cNvSpPr>
+          <p:cNvGraphicFramePr>
+            <a:graphicFrameLocks noGrp="1"/>
+          </p:cNvGraphicFramePr>
           <p:nvPr>
             <p:ph idx="1"/>
           </p:nvPr>
-        </p:nvSpPr>
-        <p:spPr/>
-        <p:txBody>
-          <a:bodyPr/>
-          <a:lstStyle/>
-          <a:p>
-            <a:endParaRPr lang="en-CA"/>
-          </a:p>
-        </p:txBody>
-      </p:sp>
+        </p:nvGraphicFramePr>
+        <p:xfrm>
+          <a:off x="838200" y="1825625"/>
+          <a:ext cx="10515600" cy="3859742"/>
+        </p:xfrm>
+        <a:graphic>
+          <a:graphicData uri="http://schemas.openxmlformats.org/drawingml/2006/diagram">
+            <dgm:relIds xmlns:dgm="http://schemas.openxmlformats.org/drawingml/2006/diagram" xmlns:r="http://schemas.openxmlformats.org/officeDocument/2006/relationships" r:dm="rId2" r:lo="rId3" r:qs="rId4" r:cs="rId5"/>
+          </a:graphicData>
+        </a:graphic>
+      </p:graphicFrame>
       <p:sp>
         <p:nvSpPr>
           <p:cNvPr id="5" name="Slide Number Placeholder 3">
@@ -12763,6 +15878,14 @@
 <file path=ppt/slides/slide8.xml><?xml version="1.0" encoding="utf-8"?>
 <p:sld xmlns:a="http://schemas.openxmlformats.org/drawingml/2006/main" xmlns:r="http://schemas.openxmlformats.org/officeDocument/2006/relationships" xmlns:p="http://schemas.openxmlformats.org/presentationml/2006/main">
   <p:cSld>
+    <p:bg>
+      <p:bgPr>
+        <a:solidFill>
+          <a:schemeClr val="bg1"/>
+        </a:solidFill>
+        <a:effectLst/>
+      </p:bgPr>
+    </p:bg>
     <p:spTree>
       <p:nvGrpSpPr>
         <p:cNvPr id="1" name=""/>
@@ -12777,12 +15900,186 @@
           <a:chExt cx="0" cy="0"/>
         </a:xfrm>
       </p:grpSpPr>
+      <p:sp useBgFill="1">
+        <p:nvSpPr>
+          <p:cNvPr id="12" name="Rectangle 11">
+            <a:extLst>
+              <a:ext uri="{FF2B5EF4-FFF2-40B4-BE49-F238E27FC236}">
+                <a16:creationId xmlns:a16="http://schemas.microsoft.com/office/drawing/2014/main" id="{0671A8AE-40A1-4631-A6B8-581AFF065482}"/>
+              </a:ext>
+              <a:ext uri="{C183D7F6-B498-43B3-948B-1728B52AA6E4}">
+                <adec:decorative xmlns:adec="http://schemas.microsoft.com/office/drawing/2017/decorative" val="1"/>
+              </a:ext>
+            </a:extLst>
+          </p:cNvPr>
+          <p:cNvSpPr>
+            <a:spLocks noGrp="1" noRot="1" noChangeAspect="1" noMove="1" noResize="1" noEditPoints="1" noAdjustHandles="1" noChangeArrowheads="1" noChangeShapeType="1" noTextEdit="1"/>
+          </p:cNvSpPr>
+          <p:nvPr>
+            <p:extLst>
+              <p:ext uri="{386F3935-93C4-4BCD-93E2-E3B085C9AB24}">
+                <p16:designElem xmlns:p16="http://schemas.microsoft.com/office/powerpoint/2015/main" val="1"/>
+              </p:ext>
+            </p:extLst>
+          </p:nvPr>
+        </p:nvSpPr>
+        <p:spPr>
+          <a:xfrm>
+            <a:off x="0" y="0"/>
+            <a:ext cx="12192000" cy="6858000"/>
+          </a:xfrm>
+          <a:prstGeom prst="rect">
+            <a:avLst/>
+          </a:prstGeom>
+          <a:ln>
+            <a:noFill/>
+          </a:ln>
+        </p:spPr>
+        <p:style>
+          <a:lnRef idx="2">
+            <a:schemeClr val="accent1">
+              <a:shade val="50000"/>
+            </a:schemeClr>
+          </a:lnRef>
+          <a:fillRef idx="1">
+            <a:schemeClr val="accent1"/>
+          </a:fillRef>
+          <a:effectRef idx="0">
+            <a:schemeClr val="accent1"/>
+          </a:effectRef>
+          <a:fontRef idx="minor">
+            <a:schemeClr val="lt1"/>
+          </a:fontRef>
+        </p:style>
+        <p:txBody>
+          <a:bodyPr rtlCol="0" anchor="ctr"/>
+          <a:lstStyle/>
+          <a:p>
+            <a:pPr algn="ctr"/>
+            <a:endParaRPr lang="en-US"/>
+          </a:p>
+        </p:txBody>
+      </p:sp>
+      <p:pic>
+        <p:nvPicPr>
+          <p:cNvPr id="8" name="Picture 7">
+            <a:extLst>
+              <a:ext uri="{FF2B5EF4-FFF2-40B4-BE49-F238E27FC236}">
+                <a16:creationId xmlns:a16="http://schemas.microsoft.com/office/drawing/2014/main" id="{6F197B8F-C90C-17EF-FBF7-04F6F2F6EF94}"/>
+              </a:ext>
+            </a:extLst>
+          </p:cNvPr>
+          <p:cNvPicPr>
+            <a:picLocks noChangeAspect="1"/>
+          </p:cNvPicPr>
+          <p:nvPr/>
+        </p:nvPicPr>
+        <p:blipFill rotWithShape="1">
+          <a:blip r:embed="rId2"/>
+          <a:srcRect t="12743" b="7470"/>
+          <a:stretch/>
+        </p:blipFill>
+        <p:spPr>
+          <a:xfrm>
+            <a:off x="20" y="10"/>
+            <a:ext cx="12191980" cy="6857990"/>
+          </a:xfrm>
+          <a:prstGeom prst="rect">
+            <a:avLst/>
+          </a:prstGeom>
+        </p:spPr>
+      </p:pic>
       <p:sp>
         <p:nvSpPr>
-          <p:cNvPr id="2" name="Title 1">
+          <p:cNvPr id="14" name="Rectangle 13">
             <a:extLst>
               <a:ext uri="{FF2B5EF4-FFF2-40B4-BE49-F238E27FC236}">
-                <a16:creationId xmlns:a16="http://schemas.microsoft.com/office/drawing/2014/main" id="{C85EF407-6795-9567-C27F-0462F923ADCF}"/>
+                <a16:creationId xmlns:a16="http://schemas.microsoft.com/office/drawing/2014/main" id="{A44CD100-6267-4E62-AA64-2182A3A6A1C0}"/>
+              </a:ext>
+              <a:ext uri="{C183D7F6-B498-43B3-948B-1728B52AA6E4}">
+                <adec:decorative xmlns:adec="http://schemas.microsoft.com/office/drawing/2017/decorative" val="1"/>
+              </a:ext>
+            </a:extLst>
+          </p:cNvPr>
+          <p:cNvSpPr>
+            <a:spLocks noGrp="1" noRot="1" noChangeAspect="1" noMove="1" noResize="1" noEditPoints="1" noAdjustHandles="1" noChangeArrowheads="1" noChangeShapeType="1" noTextEdit="1"/>
+          </p:cNvSpPr>
+          <p:nvPr>
+            <p:extLst>
+              <p:ext uri="{386F3935-93C4-4BCD-93E2-E3B085C9AB24}">
+                <p16:designElem xmlns:p16="http://schemas.microsoft.com/office/powerpoint/2015/main" val="1"/>
+              </p:ext>
+            </p:extLst>
+          </p:nvPr>
+        </p:nvSpPr>
+        <p:spPr>
+          <a:xfrm>
+            <a:off x="3" y="0"/>
+            <a:ext cx="9339206" cy="6858000"/>
+          </a:xfrm>
+          <a:prstGeom prst="rect">
+            <a:avLst/>
+          </a:prstGeom>
+          <a:gradFill>
+            <a:gsLst>
+              <a:gs pos="58000">
+                <a:schemeClr val="bg1">
+                  <a:alpha val="30000"/>
+                </a:schemeClr>
+              </a:gs>
+              <a:gs pos="33000">
+                <a:schemeClr val="bg1">
+                  <a:alpha val="20000"/>
+                </a:schemeClr>
+              </a:gs>
+              <a:gs pos="0">
+                <a:schemeClr val="bg1">
+                  <a:alpha val="0"/>
+                </a:schemeClr>
+              </a:gs>
+              <a:gs pos="100000">
+                <a:schemeClr val="bg1">
+                  <a:alpha val="30000"/>
+                </a:schemeClr>
+              </a:gs>
+            </a:gsLst>
+            <a:lin ang="10800000" scaled="0"/>
+          </a:gradFill>
+          <a:ln>
+            <a:noFill/>
+          </a:ln>
+        </p:spPr>
+        <p:style>
+          <a:lnRef idx="2">
+            <a:schemeClr val="accent1">
+              <a:shade val="50000"/>
+            </a:schemeClr>
+          </a:lnRef>
+          <a:fillRef idx="1">
+            <a:schemeClr val="accent1"/>
+          </a:fillRef>
+          <a:effectRef idx="0">
+            <a:schemeClr val="accent1"/>
+          </a:effectRef>
+          <a:fontRef idx="minor">
+            <a:schemeClr val="lt1"/>
+          </a:fontRef>
+        </p:style>
+        <p:txBody>
+          <a:bodyPr rtlCol="0" anchor="ctr"/>
+          <a:lstStyle/>
+          <a:p>
+            <a:pPr algn="ctr"/>
+            <a:endParaRPr lang="en-US" dirty="0"/>
+          </a:p>
+        </p:txBody>
+      </p:sp>
+      <p:sp>
+        <p:nvSpPr>
+          <p:cNvPr id="5" name="Title 4">
+            <a:extLst>
+              <a:ext uri="{FF2B5EF4-FFF2-40B4-BE49-F238E27FC236}">
+                <a16:creationId xmlns:a16="http://schemas.microsoft.com/office/drawing/2014/main" id="{49CB1C78-12AF-9A3C-FA38-1ECA637CC7AB}"/>
               </a:ext>
             </a:extLst>
           </p:cNvPr>
@@ -12790,24 +16087,35 @@
             <a:spLocks noGrp="1"/>
           </p:cNvSpPr>
           <p:nvPr>
-            <p:ph type="title"/>
+            <p:ph type="ctrTitle"/>
           </p:nvPr>
         </p:nvSpPr>
-        <p:spPr/>
+        <p:spPr>
+          <a:xfrm>
+            <a:off x="477981" y="1122362"/>
+            <a:ext cx="4023360" cy="2802219"/>
+          </a:xfrm>
+        </p:spPr>
         <p:txBody>
-          <a:bodyPr/>
+          <a:bodyPr anchor="b">
+            <a:normAutofit/>
+          </a:bodyPr>
           <a:lstStyle/>
           <a:p>
-            <a:endParaRPr lang="en-CA" dirty="0"/>
+            <a:pPr algn="l"/>
+            <a:r>
+              <a:rPr lang="en-CA" sz="5400"/>
+              <a:t>THANKS FOR LISTENING</a:t>
+            </a:r>
           </a:p>
         </p:txBody>
       </p:sp>
       <p:sp>
         <p:nvSpPr>
-          <p:cNvPr id="3" name="Content Placeholder 2">
+          <p:cNvPr id="6" name="Subtitle 5">
             <a:extLst>
               <a:ext uri="{FF2B5EF4-FFF2-40B4-BE49-F238E27FC236}">
-                <a16:creationId xmlns:a16="http://schemas.microsoft.com/office/drawing/2014/main" id="{A8AA23A8-4647-B19E-8B09-7160468D15A4}"/>
+                <a16:creationId xmlns:a16="http://schemas.microsoft.com/office/drawing/2014/main" id="{666762D2-772A-C48E-C9CF-8B510F2FA513}"/>
               </a:ext>
             </a:extLst>
           </p:cNvPr>
@@ -12815,24 +16123,35 @@
             <a:spLocks noGrp="1"/>
           </p:cNvSpPr>
           <p:nvPr>
-            <p:ph idx="1"/>
+            <p:ph type="subTitle" idx="1"/>
           </p:nvPr>
         </p:nvSpPr>
-        <p:spPr/>
+        <p:spPr>
+          <a:xfrm>
+            <a:off x="477980" y="3969352"/>
+            <a:ext cx="4023359" cy="1208141"/>
+          </a:xfrm>
+        </p:spPr>
         <p:txBody>
-          <a:bodyPr/>
+          <a:bodyPr>
+            <a:normAutofit/>
+          </a:bodyPr>
           <a:lstStyle/>
           <a:p>
-            <a:endParaRPr lang="en-CA"/>
+            <a:pPr algn="l"/>
+            <a:r>
+              <a:rPr lang="en-CA" dirty="0"/>
+              <a:t>Questions, Comments, or Concerns?</a:t>
+            </a:r>
           </a:p>
         </p:txBody>
       </p:sp>
       <p:sp>
         <p:nvSpPr>
-          <p:cNvPr id="5" name="Slide Number Placeholder 3">
+          <p:cNvPr id="4" name="Slide Number Placeholder 3">
             <a:extLst>
               <a:ext uri="{FF2B5EF4-FFF2-40B4-BE49-F238E27FC236}">
-                <a16:creationId xmlns:a16="http://schemas.microsoft.com/office/drawing/2014/main" id="{23624874-B696-09C2-F784-44BA41FC2861}"/>
+                <a16:creationId xmlns:a16="http://schemas.microsoft.com/office/drawing/2014/main" id="{C453327A-C23C-C9D1-22BB-AE6780AE9D55}"/>
               </a:ext>
             </a:extLst>
           </p:cNvPr>
@@ -12845,39 +16164,35 @@
         </p:nvSpPr>
         <p:spPr>
           <a:xfrm>
-            <a:off x="9395545" y="6445897"/>
+            <a:off x="8970819" y="6356350"/>
             <a:ext cx="2743200" cy="365125"/>
           </a:xfrm>
         </p:spPr>
         <p:txBody>
-          <a:bodyPr/>
+          <a:bodyPr>
+            <a:normAutofit/>
+          </a:bodyPr>
           <a:lstStyle/>
           <a:p>
-            <a:r>
-              <a:rPr lang="en-US" dirty="0">
-                <a:solidFill>
-                  <a:schemeClr val="tx1"/>
-                </a:solidFill>
-              </a:rPr>
-              <a:t>Page </a:t>
-            </a:r>
+            <a:pPr>
+              <a:spcAft>
+                <a:spcPts val="600"/>
+              </a:spcAft>
+            </a:pPr>
             <a:fld id="{4854181D-6920-4594-9A5D-6CE56DC9F8B2}" type="slidenum">
-              <a:rPr lang="en-US" smtClean="0">
-                <a:solidFill>
-                  <a:schemeClr val="tx1"/>
-                </a:solidFill>
-              </a:rPr>
-              <a:t>8</a:t>
-            </a:fld>
-            <a:r>
               <a:rPr lang="en-US">
                 <a:solidFill>
                   <a:schemeClr val="tx1"/>
                 </a:solidFill>
               </a:rPr>
-              <a:t>/8</a:t>
-            </a:r>
-            <a:endParaRPr lang="en-US" dirty="0">
+              <a:pPr>
+                <a:spcAft>
+                  <a:spcPts val="600"/>
+                </a:spcAft>
+              </a:pPr>
+              <a:t>8</a:t>
+            </a:fld>
+            <a:endParaRPr lang="en-US">
               <a:solidFill>
                 <a:schemeClr val="tx1"/>
               </a:solidFill>
@@ -12888,13 +16203,152 @@
     </p:spTree>
     <p:extLst>
       <p:ext uri="{BB962C8B-B14F-4D97-AF65-F5344CB8AC3E}">
-        <p14:creationId xmlns:p14="http://schemas.microsoft.com/office/powerpoint/2010/main" val="1952224994"/>
+        <p14:creationId xmlns:p14="http://schemas.microsoft.com/office/powerpoint/2010/main" val="998881358"/>
       </p:ext>
     </p:extLst>
   </p:cSld>
   <p:clrMapOvr>
-    <a:masterClrMapping/>
+    <a:overrideClrMapping bg1="dk1" tx1="lt1" bg2="dk2" tx2="lt2" accent1="accent1" accent2="accent2" accent3="accent3" accent4="accent4" accent5="accent5" accent6="accent6" hlink="hlink" folHlink="folHlink"/>
   </p:clrMapOvr>
+  <p:timing>
+    <p:tnLst>
+      <p:par>
+        <p:cTn id="1" dur="indefinite" restart="never" nodeType="tmRoot">
+          <p:childTnLst>
+            <p:seq concurrent="1" nextAc="seek">
+              <p:cTn id="2" dur="indefinite" nodeType="mainSeq">
+                <p:childTnLst>
+                  <p:par>
+                    <p:cTn id="3" fill="hold">
+                      <p:stCondLst>
+                        <p:cond delay="indefinite"/>
+                        <p:cond evt="onBegin" delay="0">
+                          <p:tn val="2"/>
+                        </p:cond>
+                      </p:stCondLst>
+                      <p:childTnLst>
+                        <p:par>
+                          <p:cTn id="4" fill="hold">
+                            <p:stCondLst>
+                              <p:cond delay="0"/>
+                            </p:stCondLst>
+                            <p:childTnLst>
+                              <p:par>
+                                <p:cTn id="5" presetID="10" presetClass="entr" presetSubtype="0" fill="hold" grpId="0" nodeType="withEffect">
+                                  <p:stCondLst>
+                                    <p:cond delay="1000"/>
+                                  </p:stCondLst>
+                                  <p:iterate type="lt">
+                                    <p:tmPct val="10000"/>
+                                  </p:iterate>
+                                  <p:childTnLst>
+                                    <p:set>
+                                      <p:cBhvr>
+                                        <p:cTn id="6" dur="1" fill="hold">
+                                          <p:stCondLst>
+                                            <p:cond delay="0"/>
+                                          </p:stCondLst>
+                                        </p:cTn>
+                                        <p:tgtEl>
+                                          <p:spTgt spid="5"/>
+                                        </p:tgtEl>
+                                        <p:attrNameLst>
+                                          <p:attrName>style.visibility</p:attrName>
+                                        </p:attrNameLst>
+                                      </p:cBhvr>
+                                      <p:to>
+                                        <p:strVal val="visible"/>
+                                      </p:to>
+                                    </p:set>
+                                    <p:animEffect transition="in" filter="fade">
+                                      <p:cBhvr>
+                                        <p:cTn id="7" dur="400"/>
+                                        <p:tgtEl>
+                                          <p:spTgt spid="5"/>
+                                        </p:tgtEl>
+                                      </p:cBhvr>
+                                    </p:animEffect>
+                                  </p:childTnLst>
+                                </p:cTn>
+                              </p:par>
+                              <p:par>
+                                <p:cTn id="8" presetID="10" presetClass="entr" presetSubtype="0" fill="hold" grpId="0" nodeType="withEffect">
+                                  <p:stCondLst>
+                                    <p:cond delay="2000"/>
+                                  </p:stCondLst>
+                                  <p:iterate type="lt">
+                                    <p:tmPct val="10000"/>
+                                  </p:iterate>
+                                  <p:childTnLst>
+                                    <p:set>
+                                      <p:cBhvr>
+                                        <p:cTn id="9" dur="1" fill="hold">
+                                          <p:stCondLst>
+                                            <p:cond delay="0"/>
+                                          </p:stCondLst>
+                                        </p:cTn>
+                                        <p:tgtEl>
+                                          <p:spTgt spid="6">
+                                            <p:txEl>
+                                              <p:pRg st="0" end="0"/>
+                                            </p:txEl>
+                                          </p:spTgt>
+                                        </p:tgtEl>
+                                        <p:attrNameLst>
+                                          <p:attrName>style.visibility</p:attrName>
+                                        </p:attrNameLst>
+                                      </p:cBhvr>
+                                      <p:to>
+                                        <p:strVal val="visible"/>
+                                      </p:to>
+                                    </p:set>
+                                    <p:animEffect transition="in" filter="fade">
+                                      <p:cBhvr>
+                                        <p:cTn id="10" dur="400"/>
+                                        <p:tgtEl>
+                                          <p:spTgt spid="6">
+                                            <p:txEl>
+                                              <p:pRg st="0" end="0"/>
+                                            </p:txEl>
+                                          </p:spTgt>
+                                        </p:tgtEl>
+                                      </p:cBhvr>
+                                    </p:animEffect>
+                                  </p:childTnLst>
+                                </p:cTn>
+                              </p:par>
+                            </p:childTnLst>
+                          </p:cTn>
+                        </p:par>
+                      </p:childTnLst>
+                    </p:cTn>
+                  </p:par>
+                </p:childTnLst>
+              </p:cTn>
+              <p:prevCondLst>
+                <p:cond evt="onPrev" delay="0">
+                  <p:tgtEl>
+                    <p:sldTgt/>
+                  </p:tgtEl>
+                </p:cond>
+              </p:prevCondLst>
+              <p:nextCondLst>
+                <p:cond evt="onNext" delay="0">
+                  <p:tgtEl>
+                    <p:sldTgt/>
+                  </p:tgtEl>
+                </p:cond>
+              </p:nextCondLst>
+            </p:seq>
+          </p:childTnLst>
+        </p:cTn>
+      </p:par>
+    </p:tnLst>
+    <p:bldLst>
+      <p:bldP spid="5" grpId="0"/>
+      <p:bldP spid="6" grpId="0" build="p"/>
+    </p:bldLst>
+  </p:timing>
 </p:sld>
 </file>
 

--- a/docs/Presentations/SRSPresentation/SRSPresentation.pptx
+++ b/docs/Presentations/SRSPresentation/SRSPresentation.pptx
@@ -125,7 +125,7 @@
 <file path=ppt/revisionInfo.xml><?xml version="1.0" encoding="utf-8"?>
 <p1510:revInfo xmlns:a="http://schemas.openxmlformats.org/drawingml/2006/main" xmlns:r="http://schemas.openxmlformats.org/officeDocument/2006/relationships" xmlns:p1510="http://schemas.microsoft.com/office/powerpoint/2015/10/main">
   <p1510:revLst>
-    <p1510:client id="{ACCD79ED-BFAE-4857-8FB5-603E641725DE}" v="52" dt="2024-01-25T18:38:04.545"/>
+    <p1510:client id="{ACCD79ED-BFAE-4857-8FB5-603E641725DE}" v="182" dt="2024-01-26T19:32:54.796"/>
   </p1510:revLst>
 </p1510:revInfo>
 </file>
@@ -135,7 +135,7 @@
   <pc:docChgLst>
     <pc:chgData name="Hunter Ceranic" userId="55b8025d37c61089" providerId="LiveId" clId="{ACCD79ED-BFAE-4857-8FB5-603E641725DE}"/>
     <pc:docChg chg="undo redo custSel addSld delSld modSld sldOrd addMainMaster delMainMaster">
-      <pc:chgData name="Hunter Ceranic" userId="55b8025d37c61089" providerId="LiveId" clId="{ACCD79ED-BFAE-4857-8FB5-603E641725DE}" dt="2024-01-25T18:40:01.439" v="3766" actId="20577"/>
+      <pc:chgData name="Hunter Ceranic" userId="55b8025d37c61089" providerId="LiveId" clId="{ACCD79ED-BFAE-4857-8FB5-603E641725DE}" dt="2024-01-26T19:32:54.795" v="3897" actId="20577"/>
       <pc:docMkLst>
         <pc:docMk/>
       </pc:docMkLst>
@@ -488,7 +488,7 @@
         </pc:spChg>
       </pc:sldChg>
       <pc:sldChg chg="addSp delSp modSp new mod ord">
-        <pc:chgData name="Hunter Ceranic" userId="55b8025d37c61089" providerId="LiveId" clId="{ACCD79ED-BFAE-4857-8FB5-603E641725DE}" dt="2024-01-25T18:38:21.864" v="3721" actId="26606"/>
+        <pc:chgData name="Hunter Ceranic" userId="55b8025d37c61089" providerId="LiveId" clId="{ACCD79ED-BFAE-4857-8FB5-603E641725DE}" dt="2024-01-26T19:32:54.795" v="3897" actId="20577"/>
         <pc:sldMkLst>
           <pc:docMk/>
           <pc:sldMk cId="3488984038" sldId="260"/>
@@ -525,8 +525,8 @@
             <ac:spMk id="5" creationId="{1EF2BD1D-C346-969D-0000-25EBA3216018}"/>
           </ac:spMkLst>
         </pc:spChg>
-        <pc:graphicFrameChg chg="add">
-          <ac:chgData name="Hunter Ceranic" userId="55b8025d37c61089" providerId="LiveId" clId="{ACCD79ED-BFAE-4857-8FB5-603E641725DE}" dt="2024-01-25T18:38:21.864" v="3721" actId="26606"/>
+        <pc:graphicFrameChg chg="add mod">
+          <ac:chgData name="Hunter Ceranic" userId="55b8025d37c61089" providerId="LiveId" clId="{ACCD79ED-BFAE-4857-8FB5-603E641725DE}" dt="2024-01-26T19:32:54.795" v="3897" actId="20577"/>
           <ac:graphicFrameMkLst>
             <pc:docMk/>
             <pc:sldMk cId="3488984038" sldId="260"/>
@@ -1144,6 +1144,13 @@
             <ac:picMk id="8" creationId="{6F197B8F-C90C-17EF-FBF7-04F6F2F6EF94}"/>
           </ac:picMkLst>
         </pc:picChg>
+      </pc:sldChg>
+      <pc:sldChg chg="new del">
+        <pc:chgData name="Hunter Ceranic" userId="55b8025d37c61089" providerId="LiveId" clId="{ACCD79ED-BFAE-4857-8FB5-603E641725DE}" dt="2024-01-26T18:32:03.346" v="3768" actId="680"/>
+        <pc:sldMkLst>
+          <pc:docMk/>
+          <pc:sldMk cId="1351124811" sldId="265"/>
+        </pc:sldMkLst>
       </pc:sldChg>
       <pc:sldMasterChg chg="add del addSldLayout delSldLayout">
         <pc:chgData name="Hunter Ceranic" userId="55b8025d37c61089" providerId="LiveId" clId="{ACCD79ED-BFAE-4857-8FB5-603E641725DE}" dt="2024-01-23T20:03:02.922" v="3" actId="26606"/>
@@ -2281,7 +2288,7 @@
 <dgm:dataModel xmlns:dgm="http://schemas.openxmlformats.org/drawingml/2006/diagram" xmlns:a="http://schemas.openxmlformats.org/drawingml/2006/main">
   <dgm:ptLst>
     <dgm:pt modelId="{2A3DA79F-081F-4BB4-82F9-E03BAE47D8D2}" type="doc">
-      <dgm:prSet loTypeId="urn:microsoft.com/office/officeart/2005/8/layout/vList2" loCatId="list" qsTypeId="urn:microsoft.com/office/officeart/2005/8/quickstyle/simple1" qsCatId="simple" csTypeId="urn:microsoft.com/office/officeart/2005/8/colors/accent1_2" csCatId="accent1"/>
+      <dgm:prSet loTypeId="urn:microsoft.com/office/officeart/2005/8/layout/vList2" loCatId="list" qsTypeId="urn:microsoft.com/office/officeart/2005/8/quickstyle/simple1" qsCatId="simple" csTypeId="urn:microsoft.com/office/officeart/2005/8/colors/accent1_2" csCatId="accent1" phldr="1"/>
       <dgm:spPr/>
       <dgm:t>
         <a:bodyPr/>
@@ -2373,10 +2380,10 @@
         <a:lstStyle/>
         <a:p>
           <a:r>
-            <a:rPr lang="en-CA"/>
+            <a:rPr lang="en-CA" dirty="0"/>
             <a:t>A3: The dataset for training will only contain labels of capital letter characters, and an even spread of every label to be trained.</a:t>
           </a:r>
-          <a:endParaRPr lang="en-US"/>
+          <a:endParaRPr lang="en-US" dirty="0"/>
         </a:p>
       </dgm:t>
     </dgm:pt>
@@ -2573,7 +2580,7 @@
   <dgm:whole/>
   <dgm:extLst>
     <a:ext uri="http://schemas.microsoft.com/office/drawing/2008/diagram">
-      <dsp:dataModelExt xmlns:dsp="http://schemas.microsoft.com/office/drawing/2008/diagram" relId="rId6" minVer="http://schemas.openxmlformats.org/drawingml/2006/diagram"/>
+      <dsp:dataModelExt xmlns:dsp="http://schemas.microsoft.com/office/drawing/2008/diagram" relId="rId7" minVer="http://schemas.openxmlformats.org/drawingml/2006/diagram"/>
     </a:ext>
   </dgm:extLst>
 </dgm:dataModel>
@@ -2813,10 +2820,10 @@
             <a:buNone/>
           </a:pPr>
           <a:r>
-            <a:rPr lang="en-CA" sz="1800" kern="1200"/>
+            <a:rPr lang="en-CA" sz="1800" kern="1200" dirty="0"/>
             <a:t>A3: The dataset for training will only contain labels of capital letter characters, and an even spread of every label to be trained.</a:t>
           </a:r>
-          <a:endParaRPr lang="en-US" sz="1800" kern="1200"/>
+          <a:endParaRPr lang="en-US" sz="1800" kern="1200" dirty="0"/>
         </a:p>
       </dsp:txBody>
       <dsp:txXfrm>
@@ -4269,7 +4276,7 @@
           <a:p>
             <a:fld id="{9E418AF7-6E72-4403-B085-4589D1110134}" type="datetimeFigureOut">
               <a:rPr lang="en-CA" smtClean="0"/>
-              <a:t>2024-01-25</a:t>
+              <a:t>2024-01-26</a:t>
             </a:fld>
             <a:endParaRPr lang="en-CA"/>
           </a:p>
@@ -4537,6 +4544,204 @@
 </p:notesMaster>
 </file>
 
+<file path=ppt/notesSlides/notesSlide1.xml><?xml version="1.0" encoding="utf-8"?>
+<p:notes xmlns:a="http://schemas.openxmlformats.org/drawingml/2006/main" xmlns:r="http://schemas.openxmlformats.org/officeDocument/2006/relationships" xmlns:p="http://schemas.openxmlformats.org/presentationml/2006/main">
+  <p:cSld>
+    <p:spTree>
+      <p:nvGrpSpPr>
+        <p:cNvPr id="1" name=""/>
+        <p:cNvGrpSpPr/>
+        <p:nvPr/>
+      </p:nvGrpSpPr>
+      <p:grpSpPr>
+        <a:xfrm>
+          <a:off x="0" y="0"/>
+          <a:ext cx="0" cy="0"/>
+          <a:chOff x="0" y="0"/>
+          <a:chExt cx="0" cy="0"/>
+        </a:xfrm>
+      </p:grpSpPr>
+      <p:sp>
+        <p:nvSpPr>
+          <p:cNvPr id="2" name="Slide Image Placeholder 1"/>
+          <p:cNvSpPr>
+            <a:spLocks noGrp="1" noRot="1" noChangeAspect="1"/>
+          </p:cNvSpPr>
+          <p:nvPr>
+            <p:ph type="sldImg"/>
+          </p:nvPr>
+        </p:nvSpPr>
+        <p:spPr/>
+      </p:sp>
+      <p:sp>
+        <p:nvSpPr>
+          <p:cNvPr id="3" name="Notes Placeholder 2"/>
+          <p:cNvSpPr>
+            <a:spLocks noGrp="1"/>
+          </p:cNvSpPr>
+          <p:nvPr>
+            <p:ph type="body" idx="1"/>
+          </p:nvPr>
+        </p:nvSpPr>
+        <p:spPr/>
+        <p:txBody>
+          <a:bodyPr/>
+          <a:lstStyle/>
+          <a:p>
+            <a:r>
+              <a:rPr lang="en-CA" dirty="0"/>
+              <a:t>Goal is only after model is built. Remove the function names for </a:t>
+            </a:r>
+            <a:r>
+              <a:rPr lang="en-CA"/>
+              <a:t>more abstraction.</a:t>
+            </a:r>
+          </a:p>
+        </p:txBody>
+      </p:sp>
+      <p:sp>
+        <p:nvSpPr>
+          <p:cNvPr id="4" name="Slide Number Placeholder 3"/>
+          <p:cNvSpPr>
+            <a:spLocks noGrp="1"/>
+          </p:cNvSpPr>
+          <p:nvPr>
+            <p:ph type="sldNum" sz="quarter" idx="5"/>
+          </p:nvPr>
+        </p:nvSpPr>
+        <p:spPr/>
+        <p:txBody>
+          <a:bodyPr/>
+          <a:lstStyle/>
+          <a:p>
+            <a:fld id="{04F82448-C671-4DAB-B542-F04D10043DD5}" type="slidenum">
+              <a:rPr lang="en-CA" smtClean="0"/>
+              <a:t>3</a:t>
+            </a:fld>
+            <a:endParaRPr lang="en-CA"/>
+          </a:p>
+        </p:txBody>
+      </p:sp>
+    </p:spTree>
+    <p:extLst>
+      <p:ext uri="{BB962C8B-B14F-4D97-AF65-F5344CB8AC3E}">
+        <p14:creationId xmlns:p14="http://schemas.microsoft.com/office/powerpoint/2010/main" val="2120528096"/>
+      </p:ext>
+    </p:extLst>
+  </p:cSld>
+  <p:clrMapOvr>
+    <a:masterClrMapping/>
+  </p:clrMapOvr>
+</p:notes>
+</file>
+
+<file path=ppt/notesSlides/notesSlide2.xml><?xml version="1.0" encoding="utf-8"?>
+<p:notes xmlns:a="http://schemas.openxmlformats.org/drawingml/2006/main" xmlns:r="http://schemas.openxmlformats.org/officeDocument/2006/relationships" xmlns:p="http://schemas.openxmlformats.org/presentationml/2006/main">
+  <p:cSld>
+    <p:spTree>
+      <p:nvGrpSpPr>
+        <p:cNvPr id="1" name=""/>
+        <p:cNvGrpSpPr/>
+        <p:nvPr/>
+      </p:nvGrpSpPr>
+      <p:grpSpPr>
+        <a:xfrm>
+          <a:off x="0" y="0"/>
+          <a:ext cx="0" cy="0"/>
+          <a:chOff x="0" y="0"/>
+          <a:chExt cx="0" cy="0"/>
+        </a:xfrm>
+      </p:grpSpPr>
+      <p:sp>
+        <p:nvSpPr>
+          <p:cNvPr id="2" name="Slide Image Placeholder 1"/>
+          <p:cNvSpPr>
+            <a:spLocks noGrp="1" noRot="1" noChangeAspect="1"/>
+          </p:cNvSpPr>
+          <p:nvPr>
+            <p:ph type="sldImg"/>
+          </p:nvPr>
+        </p:nvSpPr>
+        <p:spPr/>
+      </p:sp>
+      <p:sp>
+        <p:nvSpPr>
+          <p:cNvPr id="3" name="Notes Placeholder 2"/>
+          <p:cNvSpPr>
+            <a:spLocks noGrp="1"/>
+          </p:cNvSpPr>
+          <p:nvPr>
+            <p:ph type="body" idx="1"/>
+          </p:nvPr>
+        </p:nvSpPr>
+        <p:spPr/>
+        <p:txBody>
+          <a:bodyPr/>
+          <a:lstStyle/>
+          <a:p>
+            <a:pPr marL="0" marR="0" lvl="0" indent="0" algn="l" defTabSz="914400" rtl="0" eaLnBrk="1" fontAlgn="auto" latinLnBrk="0" hangingPunct="1">
+              <a:lnSpc>
+                <a:spcPct val="100000"/>
+              </a:lnSpc>
+              <a:spcBef>
+                <a:spcPts val="0"/>
+              </a:spcBef>
+              <a:spcAft>
+                <a:spcPts val="0"/>
+              </a:spcAft>
+              <a:buClrTx/>
+              <a:buSzTx/>
+              <a:buFontTx/>
+              <a:buNone/>
+              <a:tabLst/>
+              <a:defRPr/>
+            </a:pPr>
+            <a:r>
+              <a:rPr lang="en-CA" dirty="0"/>
+              <a:t>letters have to be properly oriented. Input characters have to be rotated to be correct before input.</a:t>
+            </a:r>
+          </a:p>
+          <a:p>
+            <a:endParaRPr lang="en-CA" dirty="0"/>
+          </a:p>
+        </p:txBody>
+      </p:sp>
+      <p:sp>
+        <p:nvSpPr>
+          <p:cNvPr id="4" name="Slide Number Placeholder 3"/>
+          <p:cNvSpPr>
+            <a:spLocks noGrp="1"/>
+          </p:cNvSpPr>
+          <p:nvPr>
+            <p:ph type="sldNum" sz="quarter" idx="5"/>
+          </p:nvPr>
+        </p:nvSpPr>
+        <p:spPr/>
+        <p:txBody>
+          <a:bodyPr/>
+          <a:lstStyle/>
+          <a:p>
+            <a:fld id="{04F82448-C671-4DAB-B542-F04D10043DD5}" type="slidenum">
+              <a:rPr lang="en-CA" smtClean="0"/>
+              <a:t>7</a:t>
+            </a:fld>
+            <a:endParaRPr lang="en-CA"/>
+          </a:p>
+        </p:txBody>
+      </p:sp>
+    </p:spTree>
+    <p:extLst>
+      <p:ext uri="{BB962C8B-B14F-4D97-AF65-F5344CB8AC3E}">
+        <p14:creationId xmlns:p14="http://schemas.microsoft.com/office/powerpoint/2010/main" val="253974040"/>
+      </p:ext>
+    </p:extLst>
+  </p:cSld>
+  <p:clrMapOvr>
+    <a:masterClrMapping/>
+  </p:clrMapOvr>
+</p:notes>
+</file>
+
 <file path=ppt/slideLayouts/slideLayout1.xml><?xml version="1.0" encoding="utf-8"?>
 <p:sldLayout xmlns:a="http://schemas.openxmlformats.org/drawingml/2006/main" xmlns:r="http://schemas.openxmlformats.org/officeDocument/2006/relationships" xmlns:p="http://schemas.openxmlformats.org/presentationml/2006/main" type="title" preserve="1">
   <p:cSld name="Title Slide">
@@ -4684,7 +4889,7 @@
           <a:p>
             <a:fld id="{D64C250B-3F0E-4970-9318-C9D7D394820E}" type="datetime1">
               <a:rPr lang="en-US" smtClean="0"/>
-              <a:t>1/25/2024</a:t>
+              <a:t>1/26/2024</a:t>
             </a:fld>
             <a:endParaRPr lang="en-US" dirty="0"/>
           </a:p>
@@ -5099,7 +5304,7 @@
           <a:p>
             <a:fld id="{7ED2D475-D7C3-4D53-A451-04FF36E3C7CA}" type="datetime1">
               <a:rPr lang="en-US" smtClean="0"/>
-              <a:t>1/25/2024</a:t>
+              <a:t>1/26/2024</a:t>
             </a:fld>
             <a:endParaRPr lang="en-US"/>
           </a:p>
@@ -5591,7 +5796,7 @@
           <a:p>
             <a:fld id="{B13D53CE-B973-4FCF-BB6D-73B61285C9EE}" type="datetime1">
               <a:rPr lang="en-US" smtClean="0"/>
-              <a:t>1/25/2024</a:t>
+              <a:t>1/26/2024</a:t>
             </a:fld>
             <a:endParaRPr lang="en-US"/>
           </a:p>
@@ -6078,7 +6283,7 @@
           <a:p>
             <a:fld id="{6F168777-EDFC-4AB3-A960-739B6325059F}" type="datetime1">
               <a:rPr lang="en-US" smtClean="0"/>
-              <a:t>1/25/2024</a:t>
+              <a:t>1/26/2024</a:t>
             </a:fld>
             <a:endParaRPr lang="en-US" dirty="0"/>
           </a:p>
@@ -6847,7 +7052,7 @@
           <a:p>
             <a:fld id="{4D320339-89DE-45C9-8EA6-5855C5BC4EC8}" type="datetime1">
               <a:rPr lang="en-US" smtClean="0"/>
-              <a:t>1/25/2024</a:t>
+              <a:t>1/26/2024</a:t>
             </a:fld>
             <a:endParaRPr lang="en-US"/>
           </a:p>
@@ -7329,7 +7534,7 @@
           <a:p>
             <a:fld id="{D97A0DFF-DDA9-437C-A4F4-5DF1C7108CDC}" type="datetime1">
               <a:rPr lang="en-US" smtClean="0"/>
-              <a:t>1/25/2024</a:t>
+              <a:t>1/26/2024</a:t>
             </a:fld>
             <a:endParaRPr lang="en-US"/>
           </a:p>
@@ -8025,7 +8230,7 @@
           <a:p>
             <a:fld id="{673E6A36-CFDC-4F59-94D9-5938EA3FFC22}" type="datetime1">
               <a:rPr lang="en-US" smtClean="0"/>
-              <a:t>1/25/2024</a:t>
+              <a:t>1/26/2024</a:t>
             </a:fld>
             <a:endParaRPr lang="en-US"/>
           </a:p>
@@ -8450,7 +8655,7 @@
           <a:p>
             <a:fld id="{585D03DC-4143-495E-82F1-B947FE3989AD}" type="datetime1">
               <a:rPr lang="en-US" smtClean="0"/>
-              <a:t>1/25/2024</a:t>
+              <a:t>1/26/2024</a:t>
             </a:fld>
             <a:endParaRPr lang="en-US"/>
           </a:p>
@@ -8847,7 +9052,7 @@
           <a:p>
             <a:fld id="{933DFF73-74E1-4718-A7DF-CE04E8339893}" type="datetime1">
               <a:rPr lang="en-US" smtClean="0"/>
-              <a:t>1/25/2024</a:t>
+              <a:t>1/26/2024</a:t>
             </a:fld>
             <a:endParaRPr lang="en-US"/>
           </a:p>
@@ -9442,7 +9647,7 @@
           <a:p>
             <a:fld id="{4EB71C7E-24B9-48A5-BD1A-C92D07E70F00}" type="datetime1">
               <a:rPr lang="en-US" smtClean="0"/>
-              <a:t>1/25/2024</a:t>
+              <a:t>1/26/2024</a:t>
             </a:fld>
             <a:endParaRPr lang="en-US"/>
           </a:p>
@@ -10017,7 +10222,7 @@
           <a:p>
             <a:fld id="{2E0181FF-DCB4-4A8B-8A91-9A9A7438884D}" type="datetime1">
               <a:rPr lang="en-US" smtClean="0"/>
-              <a:t>1/25/2024</a:t>
+              <a:t>1/26/2024</a:t>
             </a:fld>
             <a:endParaRPr lang="en-US"/>
           </a:p>
@@ -10543,7 +10748,7 @@
           <a:p>
             <a:fld id="{69064C32-6B48-4F37-8ABD-2C75CE9DDDEF}" type="datetime1">
               <a:rPr lang="en-US" smtClean="0"/>
-              <a:t>1/25/2024</a:t>
+              <a:t>1/26/2024</a:t>
             </a:fld>
             <a:endParaRPr lang="en-US" dirty="0"/>
           </a:p>
@@ -13019,13 +13224,13 @@
           <p:nvPr/>
         </p:nvPicPr>
         <p:blipFill>
-          <a:blip r:embed="rId2">
+          <a:blip r:embed="rId3">
             <a:extLst>
               <a:ext uri="{28A0092B-C50C-407E-A947-70E740481C1C}">
                 <a14:useLocalDpi xmlns:a14="http://schemas.microsoft.com/office/drawing/2010/main" val="0"/>
               </a:ext>
               <a:ext uri="{96DAC541-7B7A-43D3-8B79-37D633B846F1}">
-                <asvg:svgBlip xmlns:asvg="http://schemas.microsoft.com/office/drawing/2016/SVG/main" r:embed="rId3"/>
+                <asvg:svgBlip xmlns:asvg="http://schemas.microsoft.com/office/drawing/2016/SVG/main" r:embed="rId4"/>
               </a:ext>
             </a:extLst>
           </a:blip>
@@ -15797,6 +16002,11 @@
           </p:cNvGraphicFramePr>
           <p:nvPr>
             <p:ph idx="1"/>
+            <p:extLst>
+              <p:ext uri="{D42A27DB-BD31-4B8C-83A1-F6EECF244321}">
+                <p14:modId xmlns:p14="http://schemas.microsoft.com/office/powerpoint/2010/main" val="722016421"/>
+              </p:ext>
+            </p:extLst>
           </p:nvPr>
         </p:nvGraphicFramePr>
         <p:xfrm>
@@ -15805,7 +16015,7 @@
         </p:xfrm>
         <a:graphic>
           <a:graphicData uri="http://schemas.openxmlformats.org/drawingml/2006/diagram">
-            <dgm:relIds xmlns:dgm="http://schemas.openxmlformats.org/drawingml/2006/diagram" xmlns:r="http://schemas.openxmlformats.org/officeDocument/2006/relationships" r:dm="rId2" r:lo="rId3" r:qs="rId4" r:cs="rId5"/>
+            <dgm:relIds xmlns:dgm="http://schemas.openxmlformats.org/drawingml/2006/diagram" xmlns:r="http://schemas.openxmlformats.org/officeDocument/2006/relationships" r:dm="rId3" r:lo="rId4" r:qs="rId5" r:cs="rId6"/>
           </a:graphicData>
         </a:graphic>
       </p:graphicFrame>

--- a/docs/Presentations/SRSPresentation/SRSPresentation.pptx
+++ b/docs/Presentations/SRSPresentation/SRSPresentation.pptx
@@ -4698,8 +4698,13 @@
             </a:pPr>
             <a:r>
               <a:rPr lang="en-CA" dirty="0"/>
-              <a:t>letters have to be properly oriented. Input characters have to be rotated to be correct before input.</a:t>
+              <a:t>letters have to be properly oriented. Input characters have to be rotated to be correct before input. Assumption 5 isn’t a real assumption. Assumption 4 is more of a constraint. Assumption 2 is a </a:t>
             </a:r>
+            <a:r>
+              <a:rPr lang="en-CA"/>
+              <a:t>design decision.</a:t>
+            </a:r>
+            <a:endParaRPr lang="en-CA" dirty="0"/>
           </a:p>
           <a:p>
             <a:endParaRPr lang="en-CA" dirty="0"/>
